--- a/gishealth_Eng.pptx
+++ b/gishealth_Eng.pptx
@@ -9,7 +9,9 @@
     <p:sldId id="257" r:id="rId3"/>
     <p:sldId id="259" r:id="rId4"/>
     <p:sldId id="260" r:id="rId5"/>
-    <p:sldId id="261" r:id="rId6"/>
+    <p:sldId id="262" r:id="rId6"/>
+    <p:sldId id="263" r:id="rId7"/>
+    <p:sldId id="261" r:id="rId8"/>
   </p:sldIdLst>
   <p:sldSz cx="12192000" cy="6858000"/>
   <p:notesSz cx="6858000" cy="9144000"/>
@@ -7940,7 +7942,7 @@
           <p:nvPr>
             <p:extLst>
               <p:ext uri="{D42A27DB-BD31-4B8C-83A1-F6EECF244321}">
-                <p14:modId xmlns:p14="http://schemas.microsoft.com/office/powerpoint/2010/main" val="4148126359"/>
+                <p14:modId xmlns:p14="http://schemas.microsoft.com/office/powerpoint/2010/main" val="293549637"/>
               </p:ext>
             </p:extLst>
           </p:nvPr>
@@ -7953,6 +7955,13 @@
           <a:graphicData uri="http://schemas.openxmlformats.org/drawingml/2006/table">
             <a:tbl>
               <a:tblPr firstRow="1" bandRow="1">
+                <a:effectLst>
+                  <a:outerShdw blurRad="76200" dir="18900000" sy="23000" kx="-1200000" algn="bl" rotWithShape="0">
+                    <a:prstClr val="black">
+                      <a:alpha val="20000"/>
+                    </a:prstClr>
+                  </a:outerShdw>
+                </a:effectLst>
                 <a:tableStyleId>{5C22544A-7EE6-4342-B048-85BDC9FD1C3A}</a:tableStyleId>
               </a:tblPr>
               <a:tblGrid>
@@ -8060,11 +8069,7 @@
                     <a:p>
                       <a:r>
                         <a:rPr lang="en-US" dirty="0" smtClean="0"/>
-                        <a:t>I.C.U </a:t>
-                      </a:r>
-                      <a:r>
-                        <a:rPr lang="en-US" dirty="0" smtClean="0"/>
-                        <a:t>surgery</a:t>
+                        <a:t>I.C.U surgery</a:t>
                       </a:r>
                       <a:endParaRPr lang="en-GB" dirty="0"/>
                     </a:p>
@@ -8100,11 +8105,7 @@
                     <a:p>
                       <a:r>
                         <a:rPr lang="en-US" dirty="0" smtClean="0"/>
-                        <a:t>I.C.U </a:t>
-                      </a:r>
-                      <a:r>
-                        <a:rPr lang="en-US" dirty="0" smtClean="0"/>
-                        <a:t>medical</a:t>
+                        <a:t>I.C.U medical</a:t>
                       </a:r>
                       <a:endParaRPr lang="en-GB" dirty="0"/>
                     </a:p>
@@ -8144,11 +8145,7 @@
                       </a:r>
                       <a:r>
                         <a:rPr lang="en-US" baseline="0" dirty="0" smtClean="0"/>
-                        <a:t> </a:t>
-                      </a:r>
-                      <a:r>
-                        <a:rPr lang="en-US" baseline="0" dirty="0" smtClean="0"/>
-                        <a:t>compound</a:t>
+                        <a:t> compound</a:t>
                       </a:r>
                       <a:endParaRPr lang="en-GB" dirty="0"/>
                     </a:p>
@@ -8189,7 +8186,7 @@
           <p:nvPr>
             <p:extLst>
               <p:ext uri="{D42A27DB-BD31-4B8C-83A1-F6EECF244321}">
-                <p14:modId xmlns:p14="http://schemas.microsoft.com/office/powerpoint/2010/main" val="2607413963"/>
+                <p14:modId xmlns:p14="http://schemas.microsoft.com/office/powerpoint/2010/main" val="3637572374"/>
               </p:ext>
             </p:extLst>
           </p:nvPr>
@@ -8202,6 +8199,13 @@
           <a:graphicData uri="http://schemas.openxmlformats.org/drawingml/2006/table">
             <a:tbl>
               <a:tblPr firstRow="1" bandRow="1">
+                <a:effectLst>
+                  <a:outerShdw blurRad="76200" dir="18900000" sy="23000" kx="-1200000" algn="bl" rotWithShape="0">
+                    <a:prstClr val="black">
+                      <a:alpha val="20000"/>
+                    </a:prstClr>
+                  </a:outerShdw>
+                </a:effectLst>
                 <a:tableStyleId>{5C22544A-7EE6-4342-B048-85BDC9FD1C3A}</a:tableStyleId>
               </a:tblPr>
               <a:tblGrid>
@@ -8571,7 +8575,7 @@
           <p:nvPr>
             <p:extLst>
               <p:ext uri="{D42A27DB-BD31-4B8C-83A1-F6EECF244321}">
-                <p14:modId xmlns:p14="http://schemas.microsoft.com/office/powerpoint/2010/main" val="444384761"/>
+                <p14:modId xmlns:p14="http://schemas.microsoft.com/office/powerpoint/2010/main" val="3755742824"/>
               </p:ext>
             </p:extLst>
           </p:nvPr>
@@ -8584,6 +8588,13 @@
           <a:graphicData uri="http://schemas.openxmlformats.org/drawingml/2006/table">
             <a:tbl>
               <a:tblPr firstRow="1" bandRow="1">
+                <a:effectLst>
+                  <a:outerShdw blurRad="76200" dir="18900000" sy="23000" kx="-1200000" algn="bl" rotWithShape="0">
+                    <a:prstClr val="black">
+                      <a:alpha val="20000"/>
+                    </a:prstClr>
+                  </a:outerShdw>
+                </a:effectLst>
                 <a:tableStyleId>{5C22544A-7EE6-4342-B048-85BDC9FD1C3A}</a:tableStyleId>
               </a:tblPr>
               <a:tblGrid>
@@ -9262,7 +9273,7 @@
           <p:nvPr>
             <p:extLst>
               <p:ext uri="{D42A27DB-BD31-4B8C-83A1-F6EECF244321}">
-                <p14:modId xmlns:p14="http://schemas.microsoft.com/office/powerpoint/2010/main" val="613847039"/>
+                <p14:modId xmlns:p14="http://schemas.microsoft.com/office/powerpoint/2010/main" val="472573411"/>
               </p:ext>
             </p:extLst>
           </p:nvPr>
@@ -9275,6 +9286,13 @@
           <a:graphicData uri="http://schemas.openxmlformats.org/drawingml/2006/table">
             <a:tbl>
               <a:tblPr firstRow="1" bandRow="1">
+                <a:effectLst>
+                  <a:outerShdw blurRad="76200" dir="18900000" sy="23000" kx="-1200000" algn="bl" rotWithShape="0">
+                    <a:prstClr val="black">
+                      <a:alpha val="20000"/>
+                    </a:prstClr>
+                  </a:outerShdw>
+                </a:effectLst>
                 <a:tableStyleId>{5C22544A-7EE6-4342-B048-85BDC9FD1C3A}</a:tableStyleId>
               </a:tblPr>
               <a:tblGrid>
@@ -9480,6 +9498,665 @@
 </file>
 
 <file path=ppt/slides/slide5.xml><?xml version="1.0" encoding="utf-8"?>
+<p:sld xmlns:a="http://schemas.openxmlformats.org/drawingml/2006/main" xmlns:r="http://schemas.openxmlformats.org/officeDocument/2006/relationships" xmlns:p="http://schemas.openxmlformats.org/presentationml/2006/main" showMasterSp="0">
+  <p:cSld>
+    <p:spTree>
+      <p:nvGrpSpPr>
+        <p:cNvPr id="1" name=""/>
+        <p:cNvGrpSpPr/>
+        <p:nvPr/>
+      </p:nvGrpSpPr>
+      <p:grpSpPr>
+        <a:xfrm>
+          <a:off x="0" y="0"/>
+          <a:ext cx="0" cy="0"/>
+          <a:chOff x="0" y="0"/>
+          <a:chExt cx="0" cy="0"/>
+        </a:xfrm>
+      </p:grpSpPr>
+      <p:sp>
+        <p:nvSpPr>
+          <p:cNvPr id="2" name="Title 1"/>
+          <p:cNvSpPr>
+            <a:spLocks noGrp="1"/>
+          </p:cNvSpPr>
+          <p:nvPr>
+            <p:ph type="title"/>
+          </p:nvPr>
+        </p:nvSpPr>
+        <p:spPr>
+          <a:xfrm>
+            <a:off x="6476102" y="218898"/>
+            <a:ext cx="5400341" cy="1080938"/>
+          </a:xfrm>
+        </p:spPr>
+        <p:txBody>
+          <a:bodyPr/>
+          <a:lstStyle/>
+          <a:p>
+            <a:r>
+              <a:rPr lang="en-US" dirty="0" smtClean="0"/>
+              <a:t>Military</a:t>
+            </a:r>
+            <a:r>
+              <a:rPr lang="en-US" dirty="0" smtClean="0"/>
+              <a:t> </a:t>
+            </a:r>
+            <a:r>
+              <a:rPr lang="en-US" dirty="0" smtClean="0"/>
+              <a:t>Hospital</a:t>
+            </a:r>
+            <a:endParaRPr lang="th-TH" dirty="0"/>
+          </a:p>
+        </p:txBody>
+      </p:sp>
+      <p:graphicFrame>
+        <p:nvGraphicFramePr>
+          <p:cNvPr id="5" name="Table 4"/>
+          <p:cNvGraphicFramePr>
+            <a:graphicFrameLocks noGrp="1"/>
+          </p:cNvGraphicFramePr>
+          <p:nvPr>
+            <p:extLst>
+              <p:ext uri="{D42A27DB-BD31-4B8C-83A1-F6EECF244321}">
+                <p14:modId xmlns:p14="http://schemas.microsoft.com/office/powerpoint/2010/main" val="1559400886"/>
+              </p:ext>
+            </p:extLst>
+          </p:nvPr>
+        </p:nvGraphicFramePr>
+        <p:xfrm>
+          <a:off x="6476101" y="1161783"/>
+          <a:ext cx="4851701" cy="1483360"/>
+        </p:xfrm>
+        <a:graphic>
+          <a:graphicData uri="http://schemas.openxmlformats.org/drawingml/2006/table">
+            <a:tbl>
+              <a:tblPr firstRow="1" bandRow="1">
+                <a:effectLst>
+                  <a:outerShdw blurRad="76200" dir="18900000" sy="23000" kx="-1200000" algn="bl" rotWithShape="0">
+                    <a:prstClr val="black">
+                      <a:alpha val="20000"/>
+                    </a:prstClr>
+                  </a:outerShdw>
+                </a:effectLst>
+                <a:tableStyleId>{5C22544A-7EE6-4342-B048-85BDC9FD1C3A}</a:tableStyleId>
+              </a:tblPr>
+              <a:tblGrid>
+                <a:gridCol w="3000395">
+                  <a:extLst>
+                    <a:ext uri="{9D8B030D-6E8A-4147-A177-3AD203B41FA5}">
+                      <a16:colId xmlns:a16="http://schemas.microsoft.com/office/drawing/2014/main" val="1157876958"/>
+                    </a:ext>
+                  </a:extLst>
+                </a:gridCol>
+                <a:gridCol w="1851306">
+                  <a:extLst>
+                    <a:ext uri="{9D8B030D-6E8A-4147-A177-3AD203B41FA5}">
+                      <a16:colId xmlns:a16="http://schemas.microsoft.com/office/drawing/2014/main" val="4195145967"/>
+                    </a:ext>
+                  </a:extLst>
+                </a:gridCol>
+              </a:tblGrid>
+              <a:tr h="370840">
+                <a:tc>
+                  <a:txBody>
+                    <a:bodyPr/>
+                    <a:lstStyle/>
+                    <a:p>
+                      <a:pPr algn="ctr"/>
+                      <a:r>
+                        <a:rPr lang="en-US" dirty="0" smtClean="0"/>
+                        <a:t>List</a:t>
+                      </a:r>
+                      <a:endParaRPr lang="en-GB" dirty="0"/>
+                    </a:p>
+                  </a:txBody>
+                  <a:tcPr anchor="ctr"/>
+                </a:tc>
+                <a:tc>
+                  <a:txBody>
+                    <a:bodyPr/>
+                    <a:lstStyle/>
+                    <a:p>
+                      <a:pPr algn="ctr"/>
+                      <a:r>
+                        <a:rPr lang="en-US" dirty="0" smtClean="0"/>
+                        <a:t>Count</a:t>
+                      </a:r>
+                      <a:r>
+                        <a:rPr lang="en-US" baseline="0" dirty="0" smtClean="0"/>
+                        <a:t> of bed</a:t>
+                      </a:r>
+                      <a:endParaRPr lang="en-GB" dirty="0"/>
+                    </a:p>
+                  </a:txBody>
+                  <a:tcPr anchor="ctr"/>
+                </a:tc>
+                <a:extLst>
+                  <a:ext uri="{0D108BD9-81ED-4DB2-BD59-A6C34878D82A}">
+                    <a16:rowId xmlns:a16="http://schemas.microsoft.com/office/drawing/2014/main" val="1520439797"/>
+                  </a:ext>
+                </a:extLst>
+              </a:tr>
+              <a:tr h="370840">
+                <a:tc>
+                  <a:txBody>
+                    <a:bodyPr/>
+                    <a:lstStyle/>
+                    <a:p>
+                      <a:r>
+                        <a:rPr lang="en-GB" dirty="0" smtClean="0"/>
+                        <a:t>Number</a:t>
+                      </a:r>
+                      <a:r>
+                        <a:rPr lang="en-GB" baseline="0" dirty="0" smtClean="0"/>
+                        <a:t> of bed</a:t>
+                      </a:r>
+                      <a:endParaRPr lang="en-GB" dirty="0"/>
+                    </a:p>
+                  </a:txBody>
+                  <a:tcPr/>
+                </a:tc>
+                <a:tc>
+                  <a:txBody>
+                    <a:bodyPr/>
+                    <a:lstStyle/>
+                    <a:p>
+                      <a:pPr algn="ctr"/>
+                      <a:r>
+                        <a:rPr lang="th-TH" dirty="0" smtClean="0"/>
+                        <a:t>30</a:t>
+                      </a:r>
+                      <a:endParaRPr lang="en-GB" dirty="0"/>
+                    </a:p>
+                  </a:txBody>
+                  <a:tcPr/>
+                </a:tc>
+                <a:extLst>
+                  <a:ext uri="{0D108BD9-81ED-4DB2-BD59-A6C34878D82A}">
+                    <a16:rowId xmlns:a16="http://schemas.microsoft.com/office/drawing/2014/main" val="1350042359"/>
+                  </a:ext>
+                </a:extLst>
+              </a:tr>
+              <a:tr h="370840">
+                <a:tc>
+                  <a:txBody>
+                    <a:bodyPr/>
+                    <a:lstStyle/>
+                    <a:p>
+                      <a:r>
+                        <a:rPr lang="en-US" dirty="0" smtClean="0"/>
+                        <a:t>Physician</a:t>
+                      </a:r>
+                      <a:endParaRPr lang="en-GB" dirty="0"/>
+                    </a:p>
+                  </a:txBody>
+                  <a:tcPr/>
+                </a:tc>
+                <a:tc>
+                  <a:txBody>
+                    <a:bodyPr/>
+                    <a:lstStyle/>
+                    <a:p>
+                      <a:pPr marL="0" marR="0" lvl="0" indent="0" algn="ctr" defTabSz="914400" rtl="0" eaLnBrk="1" fontAlgn="auto" latinLnBrk="0" hangingPunct="1">
+                        <a:lnSpc>
+                          <a:spcPct val="100000"/>
+                        </a:lnSpc>
+                        <a:spcBef>
+                          <a:spcPts val="0"/>
+                        </a:spcBef>
+                        <a:spcAft>
+                          <a:spcPts val="0"/>
+                        </a:spcAft>
+                        <a:buClrTx/>
+                        <a:buSzTx/>
+                        <a:buFontTx/>
+                        <a:buNone/>
+                        <a:tabLst/>
+                        <a:defRPr/>
+                      </a:pPr>
+                      <a:r>
+                        <a:rPr lang="th-TH" dirty="0" smtClean="0"/>
+                        <a:t>1</a:t>
+                      </a:r>
+                      <a:endParaRPr lang="en-GB" dirty="0" smtClean="0"/>
+                    </a:p>
+                  </a:txBody>
+                  <a:tcPr/>
+                </a:tc>
+                <a:extLst>
+                  <a:ext uri="{0D108BD9-81ED-4DB2-BD59-A6C34878D82A}">
+                    <a16:rowId xmlns:a16="http://schemas.microsoft.com/office/drawing/2014/main" val="576331464"/>
+                  </a:ext>
+                </a:extLst>
+              </a:tr>
+              <a:tr h="370840">
+                <a:tc>
+                  <a:txBody>
+                    <a:bodyPr/>
+                    <a:lstStyle/>
+                    <a:p>
+                      <a:r>
+                        <a:rPr lang="en-US" dirty="0" smtClean="0"/>
+                        <a:t>Radio</a:t>
+                      </a:r>
+                      <a:r>
+                        <a:rPr lang="en-US" baseline="0" dirty="0" smtClean="0"/>
+                        <a:t>logist</a:t>
+                      </a:r>
+                      <a:endParaRPr lang="en-GB" dirty="0"/>
+                    </a:p>
+                  </a:txBody>
+                  <a:tcPr/>
+                </a:tc>
+                <a:tc>
+                  <a:txBody>
+                    <a:bodyPr/>
+                    <a:lstStyle/>
+                    <a:p>
+                      <a:pPr marL="0" marR="0" lvl="0" indent="0" algn="ctr" defTabSz="914400" rtl="0" eaLnBrk="1" fontAlgn="auto" latinLnBrk="0" hangingPunct="1">
+                        <a:lnSpc>
+                          <a:spcPct val="100000"/>
+                        </a:lnSpc>
+                        <a:spcBef>
+                          <a:spcPts val="0"/>
+                        </a:spcBef>
+                        <a:spcAft>
+                          <a:spcPts val="0"/>
+                        </a:spcAft>
+                        <a:buClrTx/>
+                        <a:buSzTx/>
+                        <a:buFontTx/>
+                        <a:buNone/>
+                        <a:tabLst/>
+                        <a:defRPr/>
+                      </a:pPr>
+                      <a:r>
+                        <a:rPr lang="th-TH" dirty="0" smtClean="0"/>
+                        <a:t>1</a:t>
+                      </a:r>
+                      <a:endParaRPr lang="en-GB" dirty="0" smtClean="0"/>
+                    </a:p>
+                  </a:txBody>
+                  <a:tcPr/>
+                </a:tc>
+                <a:extLst>
+                  <a:ext uri="{0D108BD9-81ED-4DB2-BD59-A6C34878D82A}">
+                    <a16:rowId xmlns:a16="http://schemas.microsoft.com/office/drawing/2014/main" val="2814206005"/>
+                  </a:ext>
+                </a:extLst>
+              </a:tr>
+            </a:tbl>
+          </a:graphicData>
+        </a:graphic>
+      </p:graphicFrame>
+      <p:pic>
+        <p:nvPicPr>
+          <p:cNvPr id="6" name="Content Placeholder 5"/>
+          <p:cNvPicPr>
+            <a:picLocks noGrp="1" noChangeAspect="1"/>
+          </p:cNvPicPr>
+          <p:nvPr>
+            <p:ph idx="1"/>
+          </p:nvPr>
+        </p:nvPicPr>
+        <p:blipFill>
+          <a:blip r:embed="rId2" cstate="print">
+            <a:extLst>
+              <a:ext uri="{28A0092B-C50C-407E-A947-70E740481C1C}">
+                <a14:useLocalDpi xmlns:a14="http://schemas.microsoft.com/office/drawing/2010/main" val="0"/>
+              </a:ext>
+            </a:extLst>
+          </a:blip>
+          <a:stretch>
+            <a:fillRect/>
+          </a:stretch>
+        </p:blipFill>
+        <p:spPr>
+          <a:xfrm>
+            <a:off x="2022438" y="218898"/>
+            <a:ext cx="4012602" cy="6383162"/>
+          </a:xfrm>
+        </p:spPr>
+      </p:pic>
+    </p:spTree>
+    <p:extLst>
+      <p:ext uri="{BB962C8B-B14F-4D97-AF65-F5344CB8AC3E}">
+        <p14:creationId xmlns:p14="http://schemas.microsoft.com/office/powerpoint/2010/main" val="2900268003"/>
+      </p:ext>
+    </p:extLst>
+  </p:cSld>
+  <p:clrMapOvr>
+    <a:masterClrMapping/>
+  </p:clrMapOvr>
+  <p:timing>
+    <p:tnLst>
+      <p:par>
+        <p:cTn id="1" dur="indefinite" restart="never" nodeType="tmRoot"/>
+      </p:par>
+    </p:tnLst>
+  </p:timing>
+</p:sld>
+</file>
+
+<file path=ppt/slides/slide6.xml><?xml version="1.0" encoding="utf-8"?>
+<p:sld xmlns:a="http://schemas.openxmlformats.org/drawingml/2006/main" xmlns:r="http://schemas.openxmlformats.org/officeDocument/2006/relationships" xmlns:p="http://schemas.openxmlformats.org/presentationml/2006/main" showMasterSp="0">
+  <p:cSld>
+    <p:spTree>
+      <p:nvGrpSpPr>
+        <p:cNvPr id="1" name=""/>
+        <p:cNvGrpSpPr/>
+        <p:nvPr/>
+      </p:nvGrpSpPr>
+      <p:grpSpPr>
+        <a:xfrm>
+          <a:off x="0" y="0"/>
+          <a:ext cx="0" cy="0"/>
+          <a:chOff x="0" y="0"/>
+          <a:chExt cx="0" cy="0"/>
+        </a:xfrm>
+      </p:grpSpPr>
+      <p:sp>
+        <p:nvSpPr>
+          <p:cNvPr id="2" name="Title 1"/>
+          <p:cNvSpPr>
+            <a:spLocks noGrp="1"/>
+          </p:cNvSpPr>
+          <p:nvPr>
+            <p:ph type="title"/>
+          </p:nvPr>
+        </p:nvSpPr>
+        <p:spPr/>
+        <p:txBody>
+          <a:bodyPr/>
+          <a:lstStyle/>
+          <a:p>
+            <a:r>
+              <a:rPr lang="en-US" dirty="0" smtClean="0"/>
+              <a:t>Private Rescue Organization</a:t>
+            </a:r>
+            <a:endParaRPr lang="th-TH" dirty="0"/>
+          </a:p>
+        </p:txBody>
+      </p:sp>
+      <p:graphicFrame>
+        <p:nvGraphicFramePr>
+          <p:cNvPr id="4" name="Content Placeholder 3"/>
+          <p:cNvGraphicFramePr>
+            <a:graphicFrameLocks noGrp="1"/>
+          </p:cNvGraphicFramePr>
+          <p:nvPr>
+            <p:ph idx="1"/>
+            <p:extLst>
+              <p:ext uri="{D42A27DB-BD31-4B8C-83A1-F6EECF244321}">
+                <p14:modId xmlns:p14="http://schemas.microsoft.com/office/powerpoint/2010/main" val="2821130800"/>
+              </p:ext>
+            </p:extLst>
+          </p:nvPr>
+        </p:nvGraphicFramePr>
+        <p:xfrm>
+          <a:off x="681038" y="2336800"/>
+          <a:ext cx="9613900" cy="1483360"/>
+        </p:xfrm>
+        <a:graphic>
+          <a:graphicData uri="http://schemas.openxmlformats.org/drawingml/2006/table">
+            <a:tbl>
+              <a:tblPr firstRow="1" bandRow="1">
+                <a:effectLst>
+                  <a:outerShdw blurRad="76200" dir="18900000" sy="23000" kx="-1200000" algn="bl" rotWithShape="0">
+                    <a:prstClr val="black">
+                      <a:alpha val="20000"/>
+                    </a:prstClr>
+                  </a:outerShdw>
+                </a:effectLst>
+                <a:tableStyleId>{5C22544A-7EE6-4342-B048-85BDC9FD1C3A}</a:tableStyleId>
+              </a:tblPr>
+              <a:tblGrid>
+                <a:gridCol w="4806950">
+                  <a:extLst>
+                    <a:ext uri="{9D8B030D-6E8A-4147-A177-3AD203B41FA5}">
+                      <a16:colId xmlns:a16="http://schemas.microsoft.com/office/drawing/2014/main" val="1310675475"/>
+                    </a:ext>
+                  </a:extLst>
+                </a:gridCol>
+                <a:gridCol w="4806950">
+                  <a:extLst>
+                    <a:ext uri="{9D8B030D-6E8A-4147-A177-3AD203B41FA5}">
+                      <a16:colId xmlns:a16="http://schemas.microsoft.com/office/drawing/2014/main" val="4287293313"/>
+                    </a:ext>
+                  </a:extLst>
+                </a:gridCol>
+              </a:tblGrid>
+              <a:tr h="370840">
+                <a:tc>
+                  <a:txBody>
+                    <a:bodyPr/>
+                    <a:lstStyle/>
+                    <a:p>
+                      <a:pPr algn="ctr"/>
+                      <a:r>
+                        <a:rPr lang="en-US" dirty="0" smtClean="0"/>
+                        <a:t>List</a:t>
+                      </a:r>
+                      <a:endParaRPr lang="th-TH" dirty="0"/>
+                    </a:p>
+                  </a:txBody>
+                  <a:tcPr anchor="ctr"/>
+                </a:tc>
+                <a:tc>
+                  <a:txBody>
+                    <a:bodyPr/>
+                    <a:lstStyle/>
+                    <a:p>
+                      <a:pPr algn="ctr"/>
+                      <a:r>
+                        <a:rPr lang="en-US" dirty="0" smtClean="0"/>
+                        <a:t>Number</a:t>
+                      </a:r>
+                      <a:endParaRPr lang="th-TH" dirty="0"/>
+                    </a:p>
+                  </a:txBody>
+                  <a:tcPr anchor="ctr"/>
+                </a:tc>
+                <a:extLst>
+                  <a:ext uri="{0D108BD9-81ED-4DB2-BD59-A6C34878D82A}">
+                    <a16:rowId xmlns:a16="http://schemas.microsoft.com/office/drawing/2014/main" val="4007057692"/>
+                  </a:ext>
+                </a:extLst>
+              </a:tr>
+              <a:tr h="370840">
+                <a:tc>
+                  <a:txBody>
+                    <a:bodyPr/>
+                    <a:lstStyle/>
+                    <a:p>
+                      <a:pPr algn="l"/>
+                      <a:r>
+                        <a:rPr lang="en-US" dirty="0" smtClean="0"/>
+                        <a:t>Organization</a:t>
+                      </a:r>
+                      <a:endParaRPr lang="th-TH" dirty="0"/>
+                    </a:p>
+                  </a:txBody>
+                  <a:tcPr anchor="ctr"/>
+                </a:tc>
+                <a:tc>
+                  <a:txBody>
+                    <a:bodyPr/>
+                    <a:lstStyle/>
+                    <a:p>
+                      <a:pPr algn="ctr"/>
+                      <a:r>
+                        <a:rPr lang="en-US" dirty="0" smtClean="0"/>
+                        <a:t>14</a:t>
+                      </a:r>
+                      <a:endParaRPr lang="th-TH" dirty="0"/>
+                    </a:p>
+                  </a:txBody>
+                  <a:tcPr anchor="ctr"/>
+                </a:tc>
+                <a:extLst>
+                  <a:ext uri="{0D108BD9-81ED-4DB2-BD59-A6C34878D82A}">
+                    <a16:rowId xmlns:a16="http://schemas.microsoft.com/office/drawing/2014/main" val="2976716568"/>
+                  </a:ext>
+                </a:extLst>
+              </a:tr>
+              <a:tr h="370840">
+                <a:tc>
+                  <a:txBody>
+                    <a:bodyPr/>
+                    <a:lstStyle/>
+                    <a:p>
+                      <a:pPr algn="l"/>
+                      <a:r>
+                        <a:rPr lang="en-US" dirty="0" smtClean="0"/>
+                        <a:t>Volunteer Rescuers</a:t>
+                      </a:r>
+                      <a:endParaRPr lang="th-TH" dirty="0"/>
+                    </a:p>
+                  </a:txBody>
+                  <a:tcPr anchor="ctr"/>
+                </a:tc>
+                <a:tc>
+                  <a:txBody>
+                    <a:bodyPr/>
+                    <a:lstStyle/>
+                    <a:p>
+                      <a:pPr algn="ctr"/>
+                      <a:r>
+                        <a:rPr lang="en-US" dirty="0" smtClean="0"/>
+                        <a:t>1,294</a:t>
+                      </a:r>
+                      <a:endParaRPr lang="th-TH" dirty="0"/>
+                    </a:p>
+                  </a:txBody>
+                  <a:tcPr anchor="ctr"/>
+                </a:tc>
+                <a:extLst>
+                  <a:ext uri="{0D108BD9-81ED-4DB2-BD59-A6C34878D82A}">
+                    <a16:rowId xmlns:a16="http://schemas.microsoft.com/office/drawing/2014/main" val="1092426492"/>
+                  </a:ext>
+                </a:extLst>
+              </a:tr>
+              <a:tr h="370840">
+                <a:tc>
+                  <a:txBody>
+                    <a:bodyPr/>
+                    <a:lstStyle/>
+                    <a:p>
+                      <a:pPr algn="l"/>
+                      <a:r>
+                        <a:rPr lang="en-US" dirty="0" smtClean="0"/>
+                        <a:t>Ambulance</a:t>
+                      </a:r>
+                      <a:endParaRPr lang="th-TH" dirty="0"/>
+                    </a:p>
+                  </a:txBody>
+                  <a:tcPr anchor="ctr"/>
+                </a:tc>
+                <a:tc>
+                  <a:txBody>
+                    <a:bodyPr/>
+                    <a:lstStyle/>
+                    <a:p>
+                      <a:pPr algn="ctr"/>
+                      <a:r>
+                        <a:rPr lang="en-US" dirty="0" smtClean="0"/>
+                        <a:t>9</a:t>
+                      </a:r>
+                      <a:endParaRPr lang="th-TH" dirty="0"/>
+                    </a:p>
+                  </a:txBody>
+                  <a:tcPr anchor="ctr"/>
+                </a:tc>
+                <a:extLst>
+                  <a:ext uri="{0D108BD9-81ED-4DB2-BD59-A6C34878D82A}">
+                    <a16:rowId xmlns:a16="http://schemas.microsoft.com/office/drawing/2014/main" val="30087598"/>
+                  </a:ext>
+                </a:extLst>
+              </a:tr>
+            </a:tbl>
+          </a:graphicData>
+        </a:graphic>
+      </p:graphicFrame>
+      <p:pic>
+        <p:nvPicPr>
+          <p:cNvPr id="5" name="Picture 4"/>
+          <p:cNvPicPr>
+            <a:picLocks noChangeAspect="1"/>
+          </p:cNvPicPr>
+          <p:nvPr/>
+        </p:nvPicPr>
+        <p:blipFill>
+          <a:blip r:embed="rId2" cstate="print">
+            <a:extLst>
+              <a:ext uri="{28A0092B-C50C-407E-A947-70E740481C1C}">
+                <a14:useLocalDpi xmlns:a14="http://schemas.microsoft.com/office/drawing/2010/main" val="0"/>
+              </a:ext>
+            </a:extLst>
+          </a:blip>
+          <a:stretch>
+            <a:fillRect/>
+          </a:stretch>
+        </p:blipFill>
+        <p:spPr>
+          <a:xfrm>
+            <a:off x="6454587" y="4001695"/>
+            <a:ext cx="4679577" cy="2632262"/>
+          </a:xfrm>
+          <a:prstGeom prst="roundRect">
+            <a:avLst>
+              <a:gd name="adj" fmla="val 11111"/>
+            </a:avLst>
+          </a:prstGeom>
+          <a:ln w="190500" cap="rnd">
+            <a:solidFill>
+              <a:srgbClr val="C8C6BD"/>
+            </a:solidFill>
+            <a:prstDash val="solid"/>
+          </a:ln>
+          <a:effectLst>
+            <a:outerShdw blurRad="101600" dist="50800" dir="7200000" algn="tl" rotWithShape="0">
+              <a:srgbClr val="000000">
+                <a:alpha val="45000"/>
+              </a:srgbClr>
+            </a:outerShdw>
+          </a:effectLst>
+          <a:scene3d>
+            <a:camera prst="perspectiveFront" fov="5400000"/>
+            <a:lightRig rig="threePt" dir="t">
+              <a:rot lat="0" lon="0" rev="19200000"/>
+            </a:lightRig>
+          </a:scene3d>
+          <a:sp3d extrusionH="25400">
+            <a:bevelT w="304800" h="152400" prst="hardEdge"/>
+            <a:extrusionClr>
+              <a:srgbClr val="FFFFFF"/>
+            </a:extrusionClr>
+          </a:sp3d>
+        </p:spPr>
+      </p:pic>
+    </p:spTree>
+    <p:extLst>
+      <p:ext uri="{BB962C8B-B14F-4D97-AF65-F5344CB8AC3E}">
+        <p14:creationId xmlns:p14="http://schemas.microsoft.com/office/powerpoint/2010/main" val="536773475"/>
+      </p:ext>
+    </p:extLst>
+  </p:cSld>
+  <p:clrMapOvr>
+    <a:masterClrMapping/>
+  </p:clrMapOvr>
+  <p:timing>
+    <p:tnLst>
+      <p:par>
+        <p:cTn id="1" dur="indefinite" restart="never" nodeType="tmRoot"/>
+      </p:par>
+    </p:tnLst>
+  </p:timing>
+</p:sld>
+</file>
+
+<file path=ppt/slides/slide7.xml><?xml version="1.0" encoding="utf-8"?>
 <p:sld xmlns:a="http://schemas.openxmlformats.org/drawingml/2006/main" xmlns:r="http://schemas.openxmlformats.org/officeDocument/2006/relationships" xmlns:p="http://schemas.openxmlformats.org/presentationml/2006/main">
   <p:cSld>
     <p:spTree>

--- a/gishealth_Eng.pptx
+++ b/gishealth_Eng.pptx
@@ -9536,15 +9536,7 @@
           <a:p>
             <a:r>
               <a:rPr lang="en-US" dirty="0" smtClean="0"/>
-              <a:t>Military</a:t>
-            </a:r>
-            <a:r>
-              <a:rPr lang="en-US" dirty="0" smtClean="0"/>
-              <a:t> </a:t>
-            </a:r>
-            <a:r>
-              <a:rPr lang="en-US" dirty="0" smtClean="0"/>
-              <a:t>Hospital</a:t>
+              <a:t>Military Hospital</a:t>
             </a:r>
             <a:endParaRPr lang="th-TH" dirty="0"/>
           </a:p>
@@ -9559,7 +9551,7 @@
           <p:nvPr>
             <p:extLst>
               <p:ext uri="{D42A27DB-BD31-4B8C-83A1-F6EECF244321}">
-                <p14:modId xmlns:p14="http://schemas.microsoft.com/office/powerpoint/2010/main" val="1559400886"/>
+                <p14:modId xmlns:p14="http://schemas.microsoft.com/office/powerpoint/2010/main" val="878131404"/>
               </p:ext>
             </p:extLst>
           </p:nvPr>
@@ -9621,11 +9613,7 @@
                       <a:pPr algn="ctr"/>
                       <a:r>
                         <a:rPr lang="en-US" dirty="0" smtClean="0"/>
-                        <a:t>Count</a:t>
-                      </a:r>
-                      <a:r>
-                        <a:rPr lang="en-US" baseline="0" dirty="0" smtClean="0"/>
-                        <a:t> of bed</a:t>
+                        <a:t>Number</a:t>
                       </a:r>
                       <a:endParaRPr lang="en-GB" dirty="0"/>
                     </a:p>

--- a/gishealth_Eng.pptx
+++ b/gishealth_Eng.pptx
@@ -9551,14 +9551,14 @@
           <p:nvPr>
             <p:extLst>
               <p:ext uri="{D42A27DB-BD31-4B8C-83A1-F6EECF244321}">
-                <p14:modId xmlns:p14="http://schemas.microsoft.com/office/powerpoint/2010/main" val="878131404"/>
+                <p14:modId xmlns:p14="http://schemas.microsoft.com/office/powerpoint/2010/main" val="2046816899"/>
               </p:ext>
             </p:extLst>
           </p:nvPr>
         </p:nvGraphicFramePr>
         <p:xfrm>
-          <a:off x="6476101" y="1161783"/>
-          <a:ext cx="4851701" cy="1483360"/>
+          <a:off x="6476102" y="1483755"/>
+          <a:ext cx="4851701" cy="741680"/>
         </p:xfrm>
         <a:graphic>
           <a:graphicData uri="http://schemas.openxmlformats.org/drawingml/2006/table">
@@ -9663,114 +9663,6 @@
                 <a:extLst>
                   <a:ext uri="{0D108BD9-81ED-4DB2-BD59-A6C34878D82A}">
                     <a16:rowId xmlns:a16="http://schemas.microsoft.com/office/drawing/2014/main" val="1350042359"/>
-                  </a:ext>
-                </a:extLst>
-              </a:tr>
-              <a:tr h="370840">
-                <a:tc>
-                  <a:txBody>
-                    <a:bodyPr/>
-                    <a:lstStyle/>
-                    <a:p>
-                      <a:r>
-                        <a:rPr lang="en-US" dirty="0" smtClean="0"/>
-                        <a:t>Physician</a:t>
-                      </a:r>
-                      <a:endParaRPr lang="en-GB" dirty="0"/>
-                    </a:p>
-                  </a:txBody>
-                  <a:tcPr/>
-                </a:tc>
-                <a:tc>
-                  <a:txBody>
-                    <a:bodyPr/>
-                    <a:lstStyle/>
-                    <a:p>
-                      <a:pPr marL="0" marR="0" lvl="0" indent="0" algn="ctr" defTabSz="914400" rtl="0" eaLnBrk="1" fontAlgn="auto" latinLnBrk="0" hangingPunct="1">
-                        <a:lnSpc>
-                          <a:spcPct val="100000"/>
-                        </a:lnSpc>
-                        <a:spcBef>
-                          <a:spcPts val="0"/>
-                        </a:spcBef>
-                        <a:spcAft>
-                          <a:spcPts val="0"/>
-                        </a:spcAft>
-                        <a:buClrTx/>
-                        <a:buSzTx/>
-                        <a:buFontTx/>
-                        <a:buNone/>
-                        <a:tabLst/>
-                        <a:defRPr/>
-                      </a:pPr>
-                      <a:r>
-                        <a:rPr lang="th-TH" dirty="0" smtClean="0"/>
-                        <a:t>1</a:t>
-                      </a:r>
-                      <a:endParaRPr lang="en-GB" dirty="0" smtClean="0"/>
-                    </a:p>
-                  </a:txBody>
-                  <a:tcPr/>
-                </a:tc>
-                <a:extLst>
-                  <a:ext uri="{0D108BD9-81ED-4DB2-BD59-A6C34878D82A}">
-                    <a16:rowId xmlns:a16="http://schemas.microsoft.com/office/drawing/2014/main" val="576331464"/>
-                  </a:ext>
-                </a:extLst>
-              </a:tr>
-              <a:tr h="370840">
-                <a:tc>
-                  <a:txBody>
-                    <a:bodyPr/>
-                    <a:lstStyle/>
-                    <a:p>
-                      <a:r>
-                        <a:rPr lang="en-US" dirty="0" smtClean="0"/>
-                        <a:t>Radio</a:t>
-                      </a:r>
-                      <a:r>
-                        <a:rPr lang="en-US" baseline="0" dirty="0" smtClean="0"/>
-                        <a:t>logist</a:t>
-                      </a:r>
-                      <a:endParaRPr lang="en-GB" dirty="0"/>
-                    </a:p>
-                  </a:txBody>
-                  <a:tcPr/>
-                </a:tc>
-                <a:tc>
-                  <a:txBody>
-                    <a:bodyPr/>
-                    <a:lstStyle/>
-                    <a:p>
-                      <a:pPr marL="0" marR="0" lvl="0" indent="0" algn="ctr" defTabSz="914400" rtl="0" eaLnBrk="1" fontAlgn="auto" latinLnBrk="0" hangingPunct="1">
-                        <a:lnSpc>
-                          <a:spcPct val="100000"/>
-                        </a:lnSpc>
-                        <a:spcBef>
-                          <a:spcPts val="0"/>
-                        </a:spcBef>
-                        <a:spcAft>
-                          <a:spcPts val="0"/>
-                        </a:spcAft>
-                        <a:buClrTx/>
-                        <a:buSzTx/>
-                        <a:buFontTx/>
-                        <a:buNone/>
-                        <a:tabLst/>
-                        <a:defRPr/>
-                      </a:pPr>
-                      <a:r>
-                        <a:rPr lang="th-TH" dirty="0" smtClean="0"/>
-                        <a:t>1</a:t>
-                      </a:r>
-                      <a:endParaRPr lang="en-GB" dirty="0" smtClean="0"/>
-                    </a:p>
-                  </a:txBody>
-                  <a:tcPr/>
-                </a:tc>
-                <a:extLst>
-                  <a:ext uri="{0D108BD9-81ED-4DB2-BD59-A6C34878D82A}">
-                    <a16:rowId xmlns:a16="http://schemas.microsoft.com/office/drawing/2014/main" val="2814206005"/>
                   </a:ext>
                 </a:extLst>
               </a:tr>

--- a/gishealth_Eng.pptx
+++ b/gishealth_Eng.pptx
@@ -7942,7 +7942,7 @@
           <p:nvPr>
             <p:extLst>
               <p:ext uri="{D42A27DB-BD31-4B8C-83A1-F6EECF244321}">
-                <p14:modId xmlns:p14="http://schemas.microsoft.com/office/powerpoint/2010/main" val="293549637"/>
+                <p14:modId xmlns:p14="http://schemas.microsoft.com/office/powerpoint/2010/main" val="1645246079"/>
               </p:ext>
             </p:extLst>
           </p:nvPr>
@@ -8004,11 +8004,7 @@
                       <a:pPr algn="ctr"/>
                       <a:r>
                         <a:rPr lang="en-US" dirty="0" smtClean="0"/>
-                        <a:t>Count</a:t>
-                      </a:r>
-                      <a:r>
-                        <a:rPr lang="en-US" baseline="0" dirty="0" smtClean="0"/>
-                        <a:t> of bed</a:t>
+                        <a:t>Size (bed)</a:t>
                       </a:r>
                       <a:endParaRPr lang="en-GB" dirty="0"/>
                     </a:p>
@@ -8575,7 +8571,7 @@
           <p:nvPr>
             <p:extLst>
               <p:ext uri="{D42A27DB-BD31-4B8C-83A1-F6EECF244321}">
-                <p14:modId xmlns:p14="http://schemas.microsoft.com/office/powerpoint/2010/main" val="3755742824"/>
+                <p14:modId xmlns:p14="http://schemas.microsoft.com/office/powerpoint/2010/main" val="2840377336"/>
               </p:ext>
             </p:extLst>
           </p:nvPr>
@@ -8637,11 +8633,11 @@
                       <a:pPr algn="ctr"/>
                       <a:r>
                         <a:rPr lang="en-US" dirty="0" smtClean="0"/>
-                        <a:t>Count</a:t>
+                        <a:t>Size</a:t>
                       </a:r>
                       <a:r>
                         <a:rPr lang="en-US" baseline="0" dirty="0" smtClean="0"/>
-                        <a:t> of bed</a:t>
+                        <a:t> (bed)</a:t>
                       </a:r>
                       <a:endParaRPr lang="en-GB" dirty="0"/>
                     </a:p>
@@ -9248,17 +9244,19 @@
         </p:nvSpPr>
         <p:spPr>
           <a:xfrm>
-            <a:off x="6476102" y="218898"/>
-            <a:ext cx="5400341" cy="1080938"/>
-          </a:xfrm>
-        </p:spPr>
-        <p:txBody>
-          <a:bodyPr/>
+            <a:off x="6476102" y="360565"/>
+            <a:ext cx="5400341" cy="1300809"/>
+          </a:xfrm>
+        </p:spPr>
+        <p:txBody>
+          <a:bodyPr>
+            <a:normAutofit/>
+          </a:bodyPr>
           <a:lstStyle/>
           <a:p>
             <a:r>
               <a:rPr lang="en-US" dirty="0" smtClean="0"/>
-              <a:t>Public health Hospital</a:t>
+              <a:t>Sub-district health promoting Hospital</a:t>
             </a:r>
             <a:endParaRPr lang="th-TH" dirty="0"/>
           </a:p>
@@ -9273,14 +9271,14 @@
           <p:nvPr>
             <p:extLst>
               <p:ext uri="{D42A27DB-BD31-4B8C-83A1-F6EECF244321}">
-                <p14:modId xmlns:p14="http://schemas.microsoft.com/office/powerpoint/2010/main" val="472573411"/>
+                <p14:modId xmlns:p14="http://schemas.microsoft.com/office/powerpoint/2010/main" val="4284367922"/>
               </p:ext>
             </p:extLst>
           </p:nvPr>
         </p:nvGraphicFramePr>
         <p:xfrm>
-          <a:off x="6476101" y="1161783"/>
-          <a:ext cx="4851701" cy="1112520"/>
+          <a:off x="6476102" y="1998909"/>
+          <a:ext cx="4851701" cy="1381760"/>
         </p:xfrm>
         <a:graphic>
           <a:graphicData uri="http://schemas.openxmlformats.org/drawingml/2006/table">
@@ -9296,14 +9294,14 @@
                 <a:tableStyleId>{5C22544A-7EE6-4342-B048-85BDC9FD1C3A}</a:tableStyleId>
               </a:tblPr>
               <a:tblGrid>
-                <a:gridCol w="3000395">
+                <a:gridCol w="3286084">
                   <a:extLst>
                     <a:ext uri="{9D8B030D-6E8A-4147-A177-3AD203B41FA5}">
                       <a16:colId xmlns:a16="http://schemas.microsoft.com/office/drawing/2014/main" val="1157876958"/>
                     </a:ext>
                   </a:extLst>
                 </a:gridCol>
-                <a:gridCol w="1851306">
+                <a:gridCol w="1565617">
                   <a:extLst>
                     <a:ext uri="{9D8B030D-6E8A-4147-A177-3AD203B41FA5}">
                       <a16:colId xmlns:a16="http://schemas.microsoft.com/office/drawing/2014/main" val="4195145967"/>
@@ -9335,11 +9333,7 @@
                       <a:pPr algn="ctr"/>
                       <a:r>
                         <a:rPr lang="en-US" dirty="0" smtClean="0"/>
-                        <a:t>Count</a:t>
-                      </a:r>
-                      <a:r>
-                        <a:rPr lang="en-US" baseline="0" dirty="0" smtClean="0"/>
-                        <a:t> of bed</a:t>
+                        <a:t>Number</a:t>
                       </a:r>
                       <a:endParaRPr lang="en-GB" dirty="0"/>
                     </a:p>
@@ -9359,8 +9353,8 @@
                     <a:lstStyle/>
                     <a:p>
                       <a:r>
-                        <a:rPr lang="en-GB" dirty="0" smtClean="0"/>
-                        <a:t>Public health Hospital</a:t>
+                        <a:rPr lang="en-US" dirty="0" smtClean="0"/>
+                        <a:t>Sub-district health promoting Hospital</a:t>
                       </a:r>
                       <a:endParaRPr lang="en-GB" dirty="0"/>
                     </a:p>
@@ -9375,7 +9369,7 @@
                       <a:pPr algn="ctr"/>
                       <a:r>
                         <a:rPr lang="th-TH" dirty="0" smtClean="0"/>
-                        <a:t>90</a:t>
+                        <a:t>94</a:t>
                       </a:r>
                       <a:endParaRPr lang="en-GB" dirty="0"/>
                     </a:p>
@@ -10089,7 +10083,7 @@
             <p:ph idx="1"/>
             <p:extLst>
               <p:ext uri="{D42A27DB-BD31-4B8C-83A1-F6EECF244321}">
-                <p14:modId xmlns:p14="http://schemas.microsoft.com/office/powerpoint/2010/main" val="2353853076"/>
+                <p14:modId xmlns:p14="http://schemas.microsoft.com/office/powerpoint/2010/main" val="2985771442"/>
               </p:ext>
             </p:extLst>
           </p:nvPr>
@@ -10102,6 +10096,13 @@
           <a:graphicData uri="http://schemas.openxmlformats.org/drawingml/2006/table">
             <a:tbl>
               <a:tblPr firstRow="1" bandRow="1">
+                <a:effectLst>
+                  <a:outerShdw blurRad="76200" dir="18900000" sy="23000" kx="-1200000" algn="bl" rotWithShape="0">
+                    <a:prstClr val="black">
+                      <a:alpha val="20000"/>
+                    </a:prstClr>
+                  </a:outerShdw>
+                </a:effectLst>
                 <a:tableStyleId>{5C22544A-7EE6-4342-B048-85BDC9FD1C3A}</a:tableStyleId>
               </a:tblPr>
               <a:tblGrid>
@@ -10179,6 +10180,13 @@
           <a:prstGeom prst="rect">
             <a:avLst/>
           </a:prstGeom>
+          <a:effectLst>
+            <a:outerShdw blurRad="76200" dir="18900000" sy="23000" kx="-1200000" algn="bl" rotWithShape="0">
+              <a:prstClr val="black">
+                <a:alpha val="20000"/>
+              </a:prstClr>
+            </a:outerShdw>
+          </a:effectLst>
         </p:spPr>
         <p:style>
           <a:lnRef idx="2">

--- a/gishealth_Eng.pptx
+++ b/gishealth_Eng.pptx
@@ -7884,10 +7884,43 @@
         </p:nvSpPr>
         <p:spPr>
           <a:xfrm>
-            <a:off x="6476102" y="218898"/>
-            <a:ext cx="5400341" cy="1080938"/>
-          </a:xfrm>
-        </p:spPr>
+            <a:off x="6476103" y="218898"/>
+            <a:ext cx="4729780" cy="1080938"/>
+          </a:xfrm>
+          <a:solidFill>
+            <a:schemeClr val="dk1"/>
+          </a:solidFill>
+          <a:ln/>
+          <a:effectLst>
+            <a:glow rad="63500">
+              <a:schemeClr val="accent6">
+                <a:satMod val="175000"/>
+                <a:alpha val="40000"/>
+              </a:schemeClr>
+            </a:glow>
+            <a:outerShdw blurRad="50800" dist="38100" dir="2700000" algn="tl" rotWithShape="0">
+              <a:prstClr val="black">
+                <a:alpha val="40000"/>
+              </a:prstClr>
+            </a:outerShdw>
+          </a:effectLst>
+        </p:spPr>
+        <p:style>
+          <a:lnRef idx="2">
+            <a:schemeClr val="dk1">
+              <a:shade val="50000"/>
+            </a:schemeClr>
+          </a:lnRef>
+          <a:fillRef idx="1">
+            <a:schemeClr val="dk1"/>
+          </a:fillRef>
+          <a:effectRef idx="0">
+            <a:schemeClr val="dk1"/>
+          </a:effectRef>
+          <a:fontRef idx="minor">
+            <a:schemeClr val="lt1"/>
+          </a:fontRef>
+        </p:style>
         <p:txBody>
           <a:bodyPr/>
           <a:lstStyle/>
@@ -7942,37 +7975,37 @@
           <p:nvPr>
             <p:extLst>
               <p:ext uri="{D42A27DB-BD31-4B8C-83A1-F6EECF244321}">
-                <p14:modId xmlns:p14="http://schemas.microsoft.com/office/powerpoint/2010/main" val="1645246079"/>
+                <p14:modId xmlns:p14="http://schemas.microsoft.com/office/powerpoint/2010/main" val="1778686629"/>
               </p:ext>
             </p:extLst>
           </p:nvPr>
         </p:nvGraphicFramePr>
         <p:xfrm>
-          <a:off x="6476102" y="1161783"/>
-          <a:ext cx="4238514" cy="1854200"/>
+          <a:off x="6476101" y="1574165"/>
+          <a:ext cx="4729781" cy="1854200"/>
         </p:xfrm>
         <a:graphic>
           <a:graphicData uri="http://schemas.openxmlformats.org/drawingml/2006/table">
             <a:tbl>
               <a:tblPr firstRow="1" bandRow="1">
                 <a:effectLst>
-                  <a:outerShdw blurRad="76200" dir="18900000" sy="23000" kx="-1200000" algn="bl" rotWithShape="0">
+                  <a:outerShdw blurRad="50800" dist="38100" dir="2700000" algn="tl" rotWithShape="0">
                     <a:prstClr val="black">
-                      <a:alpha val="20000"/>
+                      <a:alpha val="40000"/>
                     </a:prstClr>
                   </a:outerShdw>
                 </a:effectLst>
                 <a:tableStyleId>{5C22544A-7EE6-4342-B048-85BDC9FD1C3A}</a:tableStyleId>
               </a:tblPr>
               <a:tblGrid>
-                <a:gridCol w="2637366">
+                <a:gridCol w="3062346">
                   <a:extLst>
                     <a:ext uri="{9D8B030D-6E8A-4147-A177-3AD203B41FA5}">
                       <a16:colId xmlns:a16="http://schemas.microsoft.com/office/drawing/2014/main" val="1157876958"/>
                     </a:ext>
                   </a:extLst>
                 </a:gridCol>
-                <a:gridCol w="1601148">
+                <a:gridCol w="1667435">
                   <a:extLst>
                     <a:ext uri="{9D8B030D-6E8A-4147-A177-3AD203B41FA5}">
                       <a16:colId xmlns:a16="http://schemas.microsoft.com/office/drawing/2014/main" val="4195145967"/>
@@ -8182,37 +8215,37 @@
           <p:nvPr>
             <p:extLst>
               <p:ext uri="{D42A27DB-BD31-4B8C-83A1-F6EECF244321}">
-                <p14:modId xmlns:p14="http://schemas.microsoft.com/office/powerpoint/2010/main" val="3637572374"/>
+                <p14:modId xmlns:p14="http://schemas.microsoft.com/office/powerpoint/2010/main" val="999839669"/>
               </p:ext>
             </p:extLst>
           </p:nvPr>
         </p:nvGraphicFramePr>
         <p:xfrm>
-          <a:off x="6476102" y="3141233"/>
-          <a:ext cx="4238514" cy="2995377"/>
+          <a:off x="6476102" y="3609479"/>
+          <a:ext cx="4729780" cy="2995377"/>
         </p:xfrm>
         <a:graphic>
           <a:graphicData uri="http://schemas.openxmlformats.org/drawingml/2006/table">
             <a:tbl>
               <a:tblPr firstRow="1" bandRow="1">
                 <a:effectLst>
-                  <a:outerShdw blurRad="76200" dir="18900000" sy="23000" kx="-1200000" algn="bl" rotWithShape="0">
+                  <a:outerShdw blurRad="50800" dist="38100" dir="2700000" algn="tl" rotWithShape="0">
                     <a:prstClr val="black">
-                      <a:alpha val="20000"/>
+                      <a:alpha val="40000"/>
                     </a:prstClr>
                   </a:outerShdw>
                 </a:effectLst>
                 <a:tableStyleId>{5C22544A-7EE6-4342-B048-85BDC9FD1C3A}</a:tableStyleId>
               </a:tblPr>
               <a:tblGrid>
-                <a:gridCol w="3012143">
+                <a:gridCol w="3071310">
                   <a:extLst>
                     <a:ext uri="{9D8B030D-6E8A-4147-A177-3AD203B41FA5}">
                       <a16:colId xmlns:a16="http://schemas.microsoft.com/office/drawing/2014/main" val="2655102549"/>
                     </a:ext>
                   </a:extLst>
                 </a:gridCol>
-                <a:gridCol w="1226371">
+                <a:gridCol w="1658470">
                   <a:extLst>
                     <a:ext uri="{9D8B030D-6E8A-4147-A177-3AD203B41FA5}">
                       <a16:colId xmlns:a16="http://schemas.microsoft.com/office/drawing/2014/main" val="974246906"/>
@@ -8530,38 +8563,6 @@
           <a:chExt cx="0" cy="0"/>
         </a:xfrm>
       </p:grpSpPr>
-      <p:sp>
-        <p:nvSpPr>
-          <p:cNvPr id="2" name="Title 1"/>
-          <p:cNvSpPr>
-            <a:spLocks noGrp="1"/>
-          </p:cNvSpPr>
-          <p:nvPr>
-            <p:ph type="title"/>
-          </p:nvPr>
-        </p:nvSpPr>
-        <p:spPr>
-          <a:xfrm>
-            <a:off x="6476102" y="218898"/>
-            <a:ext cx="5400341" cy="1080938"/>
-          </a:xfrm>
-        </p:spPr>
-        <p:txBody>
-          <a:bodyPr/>
-          <a:lstStyle/>
-          <a:p>
-            <a:r>
-              <a:rPr lang="en-US" dirty="0" err="1" smtClean="0"/>
-              <a:t>Comunity</a:t>
-            </a:r>
-            <a:r>
-              <a:rPr lang="en-US" dirty="0" smtClean="0"/>
-              <a:t> Hospital</a:t>
-            </a:r>
-            <a:endParaRPr lang="th-TH" dirty="0"/>
-          </a:p>
-        </p:txBody>
-      </p:sp>
       <p:graphicFrame>
         <p:nvGraphicFramePr>
           <p:cNvPr id="5" name="Table 4"/>
@@ -8571,37 +8572,37 @@
           <p:nvPr>
             <p:extLst>
               <p:ext uri="{D42A27DB-BD31-4B8C-83A1-F6EECF244321}">
-                <p14:modId xmlns:p14="http://schemas.microsoft.com/office/powerpoint/2010/main" val="2840377336"/>
+                <p14:modId xmlns:p14="http://schemas.microsoft.com/office/powerpoint/2010/main" val="2323172284"/>
               </p:ext>
             </p:extLst>
           </p:nvPr>
         </p:nvGraphicFramePr>
         <p:xfrm>
-          <a:off x="6476101" y="1161783"/>
-          <a:ext cx="4851701" cy="4079240"/>
+          <a:off x="6476102" y="1601053"/>
+          <a:ext cx="4729780" cy="4348480"/>
         </p:xfrm>
         <a:graphic>
           <a:graphicData uri="http://schemas.openxmlformats.org/drawingml/2006/table">
             <a:tbl>
               <a:tblPr firstRow="1" bandRow="1">
                 <a:effectLst>
-                  <a:outerShdw blurRad="76200" dir="18900000" sy="23000" kx="-1200000" algn="bl" rotWithShape="0">
+                  <a:outerShdw blurRad="50800" dist="38100" dir="2700000" algn="tl" rotWithShape="0">
                     <a:prstClr val="black">
-                      <a:alpha val="20000"/>
+                      <a:alpha val="40000"/>
                     </a:prstClr>
                   </a:outerShdw>
                 </a:effectLst>
                 <a:tableStyleId>{5C22544A-7EE6-4342-B048-85BDC9FD1C3A}</a:tableStyleId>
               </a:tblPr>
               <a:tblGrid>
-                <a:gridCol w="3000395">
+                <a:gridCol w="2924996">
                   <a:extLst>
                     <a:ext uri="{9D8B030D-6E8A-4147-A177-3AD203B41FA5}">
                       <a16:colId xmlns:a16="http://schemas.microsoft.com/office/drawing/2014/main" val="1157876958"/>
                     </a:ext>
                   </a:extLst>
                 </a:gridCol>
-                <a:gridCol w="1851306">
+                <a:gridCol w="1804784">
                   <a:extLst>
                     <a:ext uri="{9D8B030D-6E8A-4147-A177-3AD203B41FA5}">
                       <a16:colId xmlns:a16="http://schemas.microsoft.com/office/drawing/2014/main" val="4195145967"/>
@@ -9195,6 +9196,68 @@
           </a:xfrm>
         </p:spPr>
       </p:pic>
+      <p:sp>
+        <p:nvSpPr>
+          <p:cNvPr id="6" name="Title 1"/>
+          <p:cNvSpPr>
+            <a:spLocks noGrp="1"/>
+          </p:cNvSpPr>
+          <p:nvPr>
+            <p:ph type="title"/>
+          </p:nvPr>
+        </p:nvSpPr>
+        <p:spPr>
+          <a:xfrm>
+            <a:off x="6476101" y="218899"/>
+            <a:ext cx="4729780" cy="1080938"/>
+          </a:xfrm>
+          <a:ln/>
+          <a:effectLst>
+            <a:glow rad="63500">
+              <a:schemeClr val="accent6">
+                <a:satMod val="175000"/>
+                <a:alpha val="40000"/>
+              </a:schemeClr>
+            </a:glow>
+            <a:outerShdw blurRad="50800" dist="38100" dir="2700000" algn="tl" rotWithShape="0">
+              <a:prstClr val="black">
+                <a:alpha val="40000"/>
+              </a:prstClr>
+            </a:outerShdw>
+          </a:effectLst>
+        </p:spPr>
+        <p:style>
+          <a:lnRef idx="2">
+            <a:schemeClr val="dk1">
+              <a:shade val="50000"/>
+            </a:schemeClr>
+          </a:lnRef>
+          <a:fillRef idx="1">
+            <a:schemeClr val="dk1"/>
+          </a:fillRef>
+          <a:effectRef idx="0">
+            <a:schemeClr val="dk1"/>
+          </a:effectRef>
+          <a:fontRef idx="minor">
+            <a:schemeClr val="lt1"/>
+          </a:fontRef>
+        </p:style>
+        <p:txBody>
+          <a:bodyPr/>
+          <a:lstStyle/>
+          <a:p>
+            <a:r>
+              <a:rPr lang="en-US" dirty="0" err="1" smtClean="0"/>
+              <a:t>Chumphon</a:t>
+            </a:r>
+            <a:r>
+              <a:rPr lang="en-US" dirty="0" smtClean="0"/>
+              <a:t> Hospital</a:t>
+            </a:r>
+            <a:endParaRPr lang="th-TH" dirty="0"/>
+          </a:p>
+        </p:txBody>
+      </p:sp>
     </p:spTree>
     <p:extLst>
       <p:ext uri="{BB962C8B-B14F-4D97-AF65-F5344CB8AC3E}">
@@ -9244,10 +9307,40 @@
         </p:nvSpPr>
         <p:spPr>
           <a:xfrm>
-            <a:off x="6476102" y="360565"/>
-            <a:ext cx="5400341" cy="1300809"/>
-          </a:xfrm>
-        </p:spPr>
+            <a:off x="6476103" y="360565"/>
+            <a:ext cx="4720816" cy="1300809"/>
+          </a:xfrm>
+          <a:ln/>
+          <a:effectLst>
+            <a:glow rad="63500">
+              <a:schemeClr val="accent6">
+                <a:satMod val="175000"/>
+                <a:alpha val="40000"/>
+              </a:schemeClr>
+            </a:glow>
+            <a:outerShdw blurRad="50800" dist="38100" dir="2700000" algn="tl" rotWithShape="0">
+              <a:prstClr val="black">
+                <a:alpha val="40000"/>
+              </a:prstClr>
+            </a:outerShdw>
+          </a:effectLst>
+        </p:spPr>
+        <p:style>
+          <a:lnRef idx="2">
+            <a:schemeClr val="dk1">
+              <a:shade val="50000"/>
+            </a:schemeClr>
+          </a:lnRef>
+          <a:fillRef idx="1">
+            <a:schemeClr val="dk1"/>
+          </a:fillRef>
+          <a:effectRef idx="0">
+            <a:schemeClr val="dk1"/>
+          </a:effectRef>
+          <a:fontRef idx="minor">
+            <a:schemeClr val="lt1"/>
+          </a:fontRef>
+        </p:style>
         <p:txBody>
           <a:bodyPr>
             <a:normAutofit/>
@@ -9271,37 +9364,37 @@
           <p:nvPr>
             <p:extLst>
               <p:ext uri="{D42A27DB-BD31-4B8C-83A1-F6EECF244321}">
-                <p14:modId xmlns:p14="http://schemas.microsoft.com/office/powerpoint/2010/main" val="4284367922"/>
+                <p14:modId xmlns:p14="http://schemas.microsoft.com/office/powerpoint/2010/main" val="1344024107"/>
               </p:ext>
             </p:extLst>
           </p:nvPr>
         </p:nvGraphicFramePr>
         <p:xfrm>
           <a:off x="6476102" y="1998909"/>
-          <a:ext cx="4851701" cy="1381760"/>
+          <a:ext cx="4720817" cy="1381760"/>
         </p:xfrm>
         <a:graphic>
           <a:graphicData uri="http://schemas.openxmlformats.org/drawingml/2006/table">
             <a:tbl>
               <a:tblPr firstRow="1" bandRow="1">
                 <a:effectLst>
-                  <a:outerShdw blurRad="76200" dir="18900000" sy="23000" kx="-1200000" algn="bl" rotWithShape="0">
+                  <a:outerShdw blurRad="50800" dist="38100" dir="2700000" algn="tl" rotWithShape="0">
                     <a:prstClr val="black">
-                      <a:alpha val="20000"/>
+                      <a:alpha val="40000"/>
                     </a:prstClr>
                   </a:outerShdw>
                 </a:effectLst>
                 <a:tableStyleId>{5C22544A-7EE6-4342-B048-85BDC9FD1C3A}</a:tableStyleId>
               </a:tblPr>
               <a:tblGrid>
-                <a:gridCol w="3286084">
+                <a:gridCol w="3197436">
                   <a:extLst>
                     <a:ext uri="{9D8B030D-6E8A-4147-A177-3AD203B41FA5}">
                       <a16:colId xmlns:a16="http://schemas.microsoft.com/office/drawing/2014/main" val="1157876958"/>
                     </a:ext>
                   </a:extLst>
                 </a:gridCol>
-                <a:gridCol w="1565617">
+                <a:gridCol w="1523381">
                   <a:extLst>
                     <a:ext uri="{9D8B030D-6E8A-4147-A177-3AD203B41FA5}">
                       <a16:colId xmlns:a16="http://schemas.microsoft.com/office/drawing/2014/main" val="4195145967"/>
@@ -9374,7 +9467,7 @@
                       <a:endParaRPr lang="en-GB" dirty="0"/>
                     </a:p>
                   </a:txBody>
-                  <a:tcPr/>
+                  <a:tcPr anchor="ctr"/>
                 </a:tc>
                 <a:extLst>
                   <a:ext uri="{0D108BD9-81ED-4DB2-BD59-A6C34878D82A}">
@@ -9520,10 +9613,39 @@
         </p:nvSpPr>
         <p:spPr>
           <a:xfrm>
-            <a:off x="6476102" y="218898"/>
-            <a:ext cx="5400341" cy="1080938"/>
-          </a:xfrm>
-        </p:spPr>
+            <a:off x="6459964" y="423292"/>
+            <a:ext cx="4717231" cy="1080938"/>
+          </a:xfrm>
+          <a:effectLst>
+            <a:glow rad="63500">
+              <a:schemeClr val="accent6">
+                <a:satMod val="175000"/>
+                <a:alpha val="40000"/>
+              </a:schemeClr>
+            </a:glow>
+            <a:outerShdw blurRad="50800" dist="38100" dir="2700000" algn="tl" rotWithShape="0">
+              <a:prstClr val="black">
+                <a:alpha val="40000"/>
+              </a:prstClr>
+            </a:outerShdw>
+          </a:effectLst>
+        </p:spPr>
+        <p:style>
+          <a:lnRef idx="2">
+            <a:schemeClr val="dk1">
+              <a:shade val="50000"/>
+            </a:schemeClr>
+          </a:lnRef>
+          <a:fillRef idx="1">
+            <a:schemeClr val="dk1"/>
+          </a:fillRef>
+          <a:effectRef idx="0">
+            <a:schemeClr val="dk1"/>
+          </a:effectRef>
+          <a:fontRef idx="minor">
+            <a:schemeClr val="lt1"/>
+          </a:fontRef>
+        </p:style>
         <p:txBody>
           <a:bodyPr/>
           <a:lstStyle/>
@@ -9545,37 +9667,37 @@
           <p:nvPr>
             <p:extLst>
               <p:ext uri="{D42A27DB-BD31-4B8C-83A1-F6EECF244321}">
-                <p14:modId xmlns:p14="http://schemas.microsoft.com/office/powerpoint/2010/main" val="2046816899"/>
+                <p14:modId xmlns:p14="http://schemas.microsoft.com/office/powerpoint/2010/main" val="2502867462"/>
               </p:ext>
             </p:extLst>
           </p:nvPr>
         </p:nvGraphicFramePr>
         <p:xfrm>
-          <a:off x="6476102" y="1483755"/>
-          <a:ext cx="4851701" cy="741680"/>
+          <a:off x="6476102" y="1924816"/>
+          <a:ext cx="4701094" cy="741680"/>
         </p:xfrm>
         <a:graphic>
           <a:graphicData uri="http://schemas.openxmlformats.org/drawingml/2006/table">
             <a:tbl>
               <a:tblPr firstRow="1" bandRow="1">
                 <a:effectLst>
-                  <a:outerShdw blurRad="76200" dir="18900000" sy="23000" kx="-1200000" algn="bl" rotWithShape="0">
+                  <a:outerShdw blurRad="50800" dist="38100" dir="2700000" algn="tl" rotWithShape="0">
                     <a:prstClr val="black">
-                      <a:alpha val="20000"/>
+                      <a:alpha val="40000"/>
                     </a:prstClr>
                   </a:outerShdw>
                 </a:effectLst>
                 <a:tableStyleId>{5C22544A-7EE6-4342-B048-85BDC9FD1C3A}</a:tableStyleId>
               </a:tblPr>
               <a:tblGrid>
-                <a:gridCol w="3000395">
+                <a:gridCol w="2907256">
                   <a:extLst>
                     <a:ext uri="{9D8B030D-6E8A-4147-A177-3AD203B41FA5}">
                       <a16:colId xmlns:a16="http://schemas.microsoft.com/office/drawing/2014/main" val="1157876958"/>
                     </a:ext>
                   </a:extLst>
                 </a:gridCol>
-                <a:gridCol w="1851306">
+                <a:gridCol w="1793838">
                   <a:extLst>
                     <a:ext uri="{9D8B030D-6E8A-4147-A177-3AD203B41FA5}">
                       <a16:colId xmlns:a16="http://schemas.microsoft.com/office/drawing/2014/main" val="4195145967"/>
@@ -9607,7 +9729,7 @@
                       <a:pPr algn="ctr"/>
                       <a:r>
                         <a:rPr lang="en-US" dirty="0" smtClean="0"/>
-                        <a:t>Number</a:t>
+                        <a:t>Size (bed)</a:t>
                       </a:r>
                       <a:endParaRPr lang="en-GB" dirty="0"/>
                     </a:p>
@@ -9714,7 +9836,7 @@
 </file>
 
 <file path=ppt/slides/slide6.xml><?xml version="1.0" encoding="utf-8"?>
-<p:sld xmlns:a="http://schemas.openxmlformats.org/drawingml/2006/main" xmlns:r="http://schemas.openxmlformats.org/officeDocument/2006/relationships" xmlns:p="http://schemas.openxmlformats.org/presentationml/2006/main" showMasterSp="0">
+<p:sld xmlns:a="http://schemas.openxmlformats.org/drawingml/2006/main" xmlns:r="http://schemas.openxmlformats.org/officeDocument/2006/relationships" xmlns:p="http://schemas.openxmlformats.org/presentationml/2006/main">
   <p:cSld>
     <p:spTree>
       <p:nvGrpSpPr>

--- a/gishealth_Eng.pptx
+++ b/gishealth_Eng.pptx
@@ -7964,6 +7964,19 @@
             <a:off x="2011681" y="218898"/>
             <a:ext cx="3980328" cy="6385958"/>
           </a:xfrm>
+          <a:effectLst>
+            <a:glow rad="63500">
+              <a:schemeClr val="accent6">
+                <a:satMod val="175000"/>
+                <a:alpha val="40000"/>
+              </a:schemeClr>
+            </a:glow>
+            <a:outerShdw blurRad="50800" dist="38100" dir="2700000" algn="tl" rotWithShape="0">
+              <a:prstClr val="black">
+                <a:alpha val="40000"/>
+              </a:prstClr>
+            </a:outerShdw>
+          </a:effectLst>
         </p:spPr>
       </p:pic>
       <p:graphicFrame>
@@ -9194,6 +9207,19 @@
             <a:off x="2016163" y="218899"/>
             <a:ext cx="4018876" cy="6425528"/>
           </a:xfrm>
+          <a:effectLst>
+            <a:glow rad="63500">
+              <a:schemeClr val="accent6">
+                <a:satMod val="175000"/>
+                <a:alpha val="40000"/>
+              </a:schemeClr>
+            </a:glow>
+            <a:outerShdw blurRad="50800" dist="38100" dir="2700000" algn="tl" rotWithShape="0">
+              <a:prstClr val="black">
+                <a:alpha val="40000"/>
+              </a:prstClr>
+            </a:outerShdw>
+          </a:effectLst>
         </p:spPr>
       </p:pic>
       <p:sp>
@@ -9562,6 +9588,19 @@
             <a:off x="1979408" y="221266"/>
             <a:ext cx="4023360" cy="6419756"/>
           </a:xfrm>
+          <a:effectLst>
+            <a:glow rad="63500">
+              <a:schemeClr val="accent6">
+                <a:satMod val="175000"/>
+                <a:alpha val="40000"/>
+              </a:schemeClr>
+            </a:glow>
+            <a:outerShdw blurRad="50800" dist="38100" dir="2700000" algn="tl" rotWithShape="0">
+              <a:prstClr val="black">
+                <a:alpha val="40000"/>
+              </a:prstClr>
+            </a:outerShdw>
+          </a:effectLst>
         </p:spPr>
       </p:pic>
     </p:spTree>
@@ -9813,6 +9852,19 @@
             <a:off x="2022438" y="218898"/>
             <a:ext cx="4012602" cy="6383162"/>
           </a:xfrm>
+          <a:effectLst>
+            <a:glow rad="63500">
+              <a:schemeClr val="accent6">
+                <a:satMod val="175000"/>
+                <a:alpha val="40000"/>
+              </a:schemeClr>
+            </a:glow>
+            <a:outerShdw blurRad="50800" dist="38100" dir="2700000" algn="tl" rotWithShape="0">
+              <a:prstClr val="black">
+                <a:alpha val="40000"/>
+              </a:prstClr>
+            </a:outerShdw>
+          </a:effectLst>
         </p:spPr>
       </p:pic>
     </p:spTree>
@@ -9885,7 +9937,7 @@
             <p:ph idx="1"/>
             <p:extLst>
               <p:ext uri="{D42A27DB-BD31-4B8C-83A1-F6EECF244321}">
-                <p14:modId xmlns:p14="http://schemas.microsoft.com/office/powerpoint/2010/main" val="2821130800"/>
+                <p14:modId xmlns:p14="http://schemas.microsoft.com/office/powerpoint/2010/main" val="706098426"/>
               </p:ext>
             </p:extLst>
           </p:nvPr>
@@ -9899,9 +9951,9 @@
             <a:tbl>
               <a:tblPr firstRow="1" bandRow="1">
                 <a:effectLst>
-                  <a:outerShdw blurRad="76200" dir="18900000" sy="23000" kx="-1200000" algn="bl" rotWithShape="0">
+                  <a:outerShdw blurRad="50800" dist="38100" dir="2700000" algn="tl" rotWithShape="0">
                     <a:prstClr val="black">
-                      <a:alpha val="20000"/>
+                      <a:alpha val="40000"/>
                     </a:prstClr>
                   </a:outerShdw>
                 </a:effectLst>

--- a/gishealth_Eng.pptx
+++ b/gishealth_Eng.pptx
@@ -7925,6 +7925,7 @@
           <a:bodyPr/>
           <a:lstStyle/>
           <a:p>
+            <a:pPr algn="ctr"/>
             <a:r>
               <a:rPr lang="en-US" dirty="0" err="1" smtClean="0"/>
               <a:t>Chumphon</a:t>
@@ -9272,13 +9273,10 @@
           <a:bodyPr/>
           <a:lstStyle/>
           <a:p>
-            <a:r>
-              <a:rPr lang="en-US" dirty="0" err="1" smtClean="0"/>
-              <a:t>Chumphon</a:t>
-            </a:r>
+            <a:pPr algn="ctr"/>
             <a:r>
               <a:rPr lang="en-US" dirty="0" smtClean="0"/>
-              <a:t> Hospital</a:t>
+              <a:t>District Hospital</a:t>
             </a:r>
             <a:endParaRPr lang="th-TH" dirty="0"/>
           </a:p>
@@ -9373,6 +9371,7 @@
           </a:bodyPr>
           <a:lstStyle/>
           <a:p>
+            <a:pPr algn="ctr"/>
             <a:r>
               <a:rPr lang="en-US" dirty="0" smtClean="0"/>
               <a:t>Sub-district health promoting Hospital</a:t>
@@ -9689,6 +9688,7 @@
           <a:bodyPr/>
           <a:lstStyle/>
           <a:p>
+            <a:pPr algn="ctr"/>
             <a:r>
               <a:rPr lang="en-US" dirty="0" smtClean="0"/>
               <a:t>Military Hospital</a:t>

--- a/gishealth_Eng.pptx
+++ b/gishealth_Eng.pptx
@@ -8586,7 +8586,7 @@
           <p:nvPr>
             <p:extLst>
               <p:ext uri="{D42A27DB-BD31-4B8C-83A1-F6EECF244321}">
-                <p14:modId xmlns:p14="http://schemas.microsoft.com/office/powerpoint/2010/main" val="2323172284"/>
+                <p14:modId xmlns:p14="http://schemas.microsoft.com/office/powerpoint/2010/main" val="3092788897"/>
               </p:ext>
             </p:extLst>
           </p:nvPr>
@@ -8697,7 +8697,7 @@
                       <a:endParaRPr lang="en-GB" dirty="0"/>
                     </a:p>
                   </a:txBody>
-                  <a:tcPr/>
+                  <a:tcPr anchor="ctr"/>
                 </a:tc>
                 <a:extLst>
                   <a:ext uri="{0D108BD9-81ED-4DB2-BD59-A6C34878D82A}">
@@ -8753,7 +8753,7 @@
                       <a:endParaRPr lang="en-GB" dirty="0" smtClean="0"/>
                     </a:p>
                   </a:txBody>
-                  <a:tcPr/>
+                  <a:tcPr anchor="ctr"/>
                 </a:tc>
                 <a:extLst>
                   <a:ext uri="{0D108BD9-81ED-4DB2-BD59-A6C34878D82A}">
@@ -8793,7 +8793,7 @@
                       <a:endParaRPr lang="en-GB" dirty="0"/>
                     </a:p>
                   </a:txBody>
-                  <a:tcPr/>
+                  <a:tcPr anchor="ctr"/>
                 </a:tc>
                 <a:extLst>
                   <a:ext uri="{0D108BD9-81ED-4DB2-BD59-A6C34878D82A}">
@@ -8833,7 +8833,7 @@
                       <a:endParaRPr lang="en-GB" dirty="0"/>
                     </a:p>
                   </a:txBody>
-                  <a:tcPr/>
+                  <a:tcPr anchor="ctr"/>
                 </a:tc>
                 <a:extLst>
                   <a:ext uri="{0D108BD9-81ED-4DB2-BD59-A6C34878D82A}">
@@ -8889,7 +8889,7 @@
                       <a:endParaRPr lang="en-GB" dirty="0" smtClean="0"/>
                     </a:p>
                   </a:txBody>
-                  <a:tcPr/>
+                  <a:tcPr anchor="ctr"/>
                 </a:tc>
                 <a:extLst>
                   <a:ext uri="{0D108BD9-81ED-4DB2-BD59-A6C34878D82A}">
@@ -8945,7 +8945,7 @@
                       <a:endParaRPr lang="en-GB" dirty="0" smtClean="0"/>
                     </a:p>
                   </a:txBody>
-                  <a:tcPr/>
+                  <a:tcPr anchor="ctr"/>
                 </a:tc>
                 <a:extLst>
                   <a:ext uri="{0D108BD9-81ED-4DB2-BD59-A6C34878D82A}">
@@ -9001,7 +9001,7 @@
                       <a:endParaRPr lang="en-GB" dirty="0" smtClean="0"/>
                     </a:p>
                   </a:txBody>
-                  <a:tcPr/>
+                  <a:tcPr anchor="ctr"/>
                 </a:tc>
                 <a:extLst>
                   <a:ext uri="{0D108BD9-81ED-4DB2-BD59-A6C34878D82A}">
@@ -9057,7 +9057,7 @@
                       <a:endParaRPr lang="en-GB" dirty="0" smtClean="0"/>
                     </a:p>
                   </a:txBody>
-                  <a:tcPr/>
+                  <a:tcPr anchor="ctr"/>
                 </a:tc>
                 <a:extLst>
                   <a:ext uri="{0D108BD9-81ED-4DB2-BD59-A6C34878D82A}">
@@ -9113,7 +9113,7 @@
                       <a:endParaRPr lang="en-GB" dirty="0" smtClean="0"/>
                     </a:p>
                   </a:txBody>
-                  <a:tcPr/>
+                  <a:tcPr anchor="ctr"/>
                 </a:tc>
                 <a:extLst>
                   <a:ext uri="{0D108BD9-81ED-4DB2-BD59-A6C34878D82A}">
@@ -9169,7 +9169,7 @@
                       <a:endParaRPr lang="en-GB" dirty="0" smtClean="0"/>
                     </a:p>
                   </a:txBody>
-                  <a:tcPr/>
+                  <a:tcPr anchor="ctr"/>
                 </a:tc>
                 <a:extLst>
                   <a:ext uri="{0D108BD9-81ED-4DB2-BD59-A6C34878D82A}">

--- a/gishealth_Eng.pptx
+++ b/gishealth_Eng.pptx
@@ -10,8 +10,9 @@
     <p:sldId id="259" r:id="rId4"/>
     <p:sldId id="260" r:id="rId5"/>
     <p:sldId id="262" r:id="rId6"/>
-    <p:sldId id="263" r:id="rId7"/>
-    <p:sldId id="261" r:id="rId8"/>
+    <p:sldId id="264" r:id="rId7"/>
+    <p:sldId id="263" r:id="rId8"/>
+    <p:sldId id="261" r:id="rId9"/>
   </p:sldIdLst>
   <p:sldSz cx="12192000" cy="6858000"/>
   <p:notesSz cx="6858000" cy="9144000"/>
@@ -392,7 +393,7 @@
           <a:p>
             <a:fld id="{6FBA303F-3840-4D9C-A76B-1561D3D46B11}" type="datetimeFigureOut">
               <a:rPr lang="en-GB" smtClean="0"/>
-              <a:t>31/10/2018</a:t>
+              <a:t>01/11/2018</a:t>
             </a:fld>
             <a:endParaRPr lang="en-GB"/>
           </a:p>
@@ -806,7 +807,7 @@
           <a:p>
             <a:fld id="{6FBA303F-3840-4D9C-A76B-1561D3D46B11}" type="datetimeFigureOut">
               <a:rPr lang="en-GB" smtClean="0"/>
-              <a:t>31/10/2018</a:t>
+              <a:t>01/11/2018</a:t>
             </a:fld>
             <a:endParaRPr lang="en-GB"/>
           </a:p>
@@ -1142,7 +1143,7 @@
           <a:p>
             <a:fld id="{6FBA303F-3840-4D9C-A76B-1561D3D46B11}" type="datetimeFigureOut">
               <a:rPr lang="en-GB" smtClean="0"/>
-              <a:t>31/10/2018</a:t>
+              <a:t>01/11/2018</a:t>
             </a:fld>
             <a:endParaRPr lang="en-GB"/>
           </a:p>
@@ -1547,7 +1548,7 @@
           <a:p>
             <a:fld id="{6FBA303F-3840-4D9C-A76B-1561D3D46B11}" type="datetimeFigureOut">
               <a:rPr lang="en-GB" smtClean="0"/>
-              <a:t>31/10/2018</a:t>
+              <a:t>01/11/2018</a:t>
             </a:fld>
             <a:endParaRPr lang="en-GB"/>
           </a:p>
@@ -2115,7 +2116,7 @@
           <a:p>
             <a:fld id="{6FBA303F-3840-4D9C-A76B-1561D3D46B11}" type="datetimeFigureOut">
               <a:rPr lang="en-GB" smtClean="0"/>
-              <a:t>31/10/2018</a:t>
+              <a:t>01/11/2018</a:t>
             </a:fld>
             <a:endParaRPr lang="en-GB"/>
           </a:p>
@@ -2796,7 +2797,7 @@
           <a:p>
             <a:fld id="{6FBA303F-3840-4D9C-A76B-1561D3D46B11}" type="datetimeFigureOut">
               <a:rPr lang="en-GB" smtClean="0"/>
-              <a:t>31/10/2018</a:t>
+              <a:t>01/11/2018</a:t>
             </a:fld>
             <a:endParaRPr lang="en-GB"/>
           </a:p>
@@ -3709,7 +3710,7 @@
           <a:p>
             <a:fld id="{6FBA303F-3840-4D9C-A76B-1561D3D46B11}" type="datetimeFigureOut">
               <a:rPr lang="en-GB" smtClean="0"/>
-              <a:t>31/10/2018</a:t>
+              <a:t>01/11/2018</a:t>
             </a:fld>
             <a:endParaRPr lang="en-GB"/>
           </a:p>
@@ -4022,7 +4023,7 @@
           <a:p>
             <a:fld id="{6FBA303F-3840-4D9C-A76B-1561D3D46B11}" type="datetimeFigureOut">
               <a:rPr lang="en-GB" smtClean="0"/>
-              <a:t>31/10/2018</a:t>
+              <a:t>01/11/2018</a:t>
             </a:fld>
             <a:endParaRPr lang="en-GB"/>
           </a:p>
@@ -4286,7 +4287,7 @@
           <a:p>
             <a:fld id="{6FBA303F-3840-4D9C-A76B-1561D3D46B11}" type="datetimeFigureOut">
               <a:rPr lang="en-GB" smtClean="0"/>
-              <a:t>31/10/2018</a:t>
+              <a:t>01/11/2018</a:t>
             </a:fld>
             <a:endParaRPr lang="en-GB"/>
           </a:p>
@@ -4609,7 +4610,7 @@
           <a:p>
             <a:fld id="{6FBA303F-3840-4D9C-A76B-1561D3D46B11}" type="datetimeFigureOut">
               <a:rPr lang="en-GB" smtClean="0"/>
-              <a:t>31/10/2018</a:t>
+              <a:t>01/11/2018</a:t>
             </a:fld>
             <a:endParaRPr lang="en-GB"/>
           </a:p>
@@ -4998,7 +4999,7 @@
           <a:p>
             <a:fld id="{6FBA303F-3840-4D9C-A76B-1561D3D46B11}" type="datetimeFigureOut">
               <a:rPr lang="en-GB" smtClean="0"/>
-              <a:t>31/10/2018</a:t>
+              <a:t>01/11/2018</a:t>
             </a:fld>
             <a:endParaRPr lang="en-GB"/>
           </a:p>
@@ -5374,7 +5375,7 @@
           <a:p>
             <a:fld id="{6FBA303F-3840-4D9C-A76B-1561D3D46B11}" type="datetimeFigureOut">
               <a:rPr lang="en-GB" smtClean="0"/>
-              <a:t>31/10/2018</a:t>
+              <a:t>01/11/2018</a:t>
             </a:fld>
             <a:endParaRPr lang="en-GB"/>
           </a:p>
@@ -5880,7 +5881,7 @@
           <a:p>
             <a:fld id="{6FBA303F-3840-4D9C-A76B-1561D3D46B11}" type="datetimeFigureOut">
               <a:rPr lang="en-GB" smtClean="0"/>
-              <a:t>31/10/2018</a:t>
+              <a:t>01/11/2018</a:t>
             </a:fld>
             <a:endParaRPr lang="en-GB"/>
           </a:p>
@@ -6137,7 +6138,7 @@
           <a:p>
             <a:fld id="{6FBA303F-3840-4D9C-A76B-1561D3D46B11}" type="datetimeFigureOut">
               <a:rPr lang="en-GB" smtClean="0"/>
-              <a:t>31/10/2018</a:t>
+              <a:t>01/11/2018</a:t>
             </a:fld>
             <a:endParaRPr lang="en-GB"/>
           </a:p>
@@ -6300,7 +6301,7 @@
           <a:p>
             <a:fld id="{6FBA303F-3840-4D9C-A76B-1561D3D46B11}" type="datetimeFigureOut">
               <a:rPr lang="en-GB" smtClean="0"/>
-              <a:t>31/10/2018</a:t>
+              <a:t>01/11/2018</a:t>
             </a:fld>
             <a:endParaRPr lang="en-GB"/>
           </a:p>
@@ -6690,7 +6691,7 @@
           <a:p>
             <a:fld id="{6FBA303F-3840-4D9C-A76B-1561D3D46B11}" type="datetimeFigureOut">
               <a:rPr lang="en-GB" smtClean="0"/>
-              <a:t>31/10/2018</a:t>
+              <a:t>01/11/2018</a:t>
             </a:fld>
             <a:endParaRPr lang="en-GB"/>
           </a:p>
@@ -7099,7 +7100,7 @@
           <a:p>
             <a:fld id="{6FBA303F-3840-4D9C-A76B-1561D3D46B11}" type="datetimeFigureOut">
               <a:rPr lang="en-GB" smtClean="0"/>
-              <a:t>31/10/2018</a:t>
+              <a:t>01/11/2018</a:t>
             </a:fld>
             <a:endParaRPr lang="en-GB"/>
           </a:p>
@@ -7343,7 +7344,7 @@
           <a:p>
             <a:fld id="{6FBA303F-3840-4D9C-A76B-1561D3D46B11}" type="datetimeFigureOut">
               <a:rPr lang="en-GB" smtClean="0"/>
-              <a:t>31/10/2018</a:t>
+              <a:t>01/11/2018</a:t>
             </a:fld>
             <a:endParaRPr lang="en-GB"/>
           </a:p>
@@ -9921,9 +9922,9 @@
           <a:p>
             <a:r>
               <a:rPr lang="en-US" dirty="0" smtClean="0"/>
-              <a:t>Private Rescue Organization</a:t>
+              <a:t>Emergency Operating Center ( E.O.C )</a:t>
             </a:r>
-            <a:endParaRPr lang="th-TH" dirty="0"/>
+            <a:endParaRPr lang="en-GB" dirty="0"/>
           </a:p>
         </p:txBody>
       </p:sp>
@@ -9937,14 +9938,14 @@
             <p:ph idx="1"/>
             <p:extLst>
               <p:ext uri="{D42A27DB-BD31-4B8C-83A1-F6EECF244321}">
-                <p14:modId xmlns:p14="http://schemas.microsoft.com/office/powerpoint/2010/main" val="706098426"/>
+                <p14:modId xmlns:p14="http://schemas.microsoft.com/office/powerpoint/2010/main" val="2427101969"/>
               </p:ext>
             </p:extLst>
           </p:nvPr>
         </p:nvGraphicFramePr>
         <p:xfrm>
-          <a:off x="681038" y="2336800"/>
-          <a:ext cx="9613900" cy="1483360"/>
+          <a:off x="2112133" y="2208010"/>
+          <a:ext cx="7753083" cy="4450080"/>
         </p:xfrm>
         <a:graphic>
           <a:graphicData uri="http://schemas.openxmlformats.org/drawingml/2006/table">
@@ -9960,14 +9961,637 @@
                 <a:tableStyleId>{5C22544A-7EE6-4342-B048-85BDC9FD1C3A}</a:tableStyleId>
               </a:tblPr>
               <a:tblGrid>
-                <a:gridCol w="4806950">
+                <a:gridCol w="4508225">
+                  <a:extLst>
+                    <a:ext uri="{9D8B030D-6E8A-4147-A177-3AD203B41FA5}">
+                      <a16:colId xmlns:a16="http://schemas.microsoft.com/office/drawing/2014/main" val="1979872298"/>
+                    </a:ext>
+                  </a:extLst>
+                </a:gridCol>
+                <a:gridCol w="3244858">
+                  <a:extLst>
+                    <a:ext uri="{9D8B030D-6E8A-4147-A177-3AD203B41FA5}">
+                      <a16:colId xmlns:a16="http://schemas.microsoft.com/office/drawing/2014/main" val="2457523662"/>
+                    </a:ext>
+                  </a:extLst>
+                </a:gridCol>
+              </a:tblGrid>
+              <a:tr h="370840">
+                <a:tc>
+                  <a:txBody>
+                    <a:bodyPr/>
+                    <a:lstStyle/>
+                    <a:p>
+                      <a:pPr algn="ctr"/>
+                      <a:r>
+                        <a:rPr lang="en-US" dirty="0" smtClean="0"/>
+                        <a:t>Hospital</a:t>
+                      </a:r>
+                      <a:endParaRPr lang="en-GB" dirty="0"/>
+                    </a:p>
+                  </a:txBody>
+                  <a:tcPr anchor="ctr"/>
+                </a:tc>
+                <a:tc>
+                  <a:txBody>
+                    <a:bodyPr/>
+                    <a:lstStyle/>
+                    <a:p>
+                      <a:pPr algn="ctr"/>
+                      <a:r>
+                        <a:rPr lang="en-US" dirty="0" smtClean="0"/>
+                        <a:t>ALS Ambulance</a:t>
+                      </a:r>
+                      <a:endParaRPr lang="en-GB" dirty="0"/>
+                    </a:p>
+                  </a:txBody>
+                  <a:tcPr anchor="ctr"/>
+                </a:tc>
+                <a:extLst>
+                  <a:ext uri="{0D108BD9-81ED-4DB2-BD59-A6C34878D82A}">
+                    <a16:rowId xmlns:a16="http://schemas.microsoft.com/office/drawing/2014/main" val="2678351475"/>
+                  </a:ext>
+                </a:extLst>
+              </a:tr>
+              <a:tr h="370840">
+                <a:tc>
+                  <a:txBody>
+                    <a:bodyPr/>
+                    <a:lstStyle/>
+                    <a:p>
+                      <a:r>
+                        <a:rPr lang="en-US" dirty="0" err="1" smtClean="0"/>
+                        <a:t>Chumphon</a:t>
+                      </a:r>
+                      <a:r>
+                        <a:rPr lang="en-US" dirty="0" smtClean="0"/>
+                        <a:t> Hospital</a:t>
+                      </a:r>
+                      <a:endParaRPr lang="en-GB" dirty="0"/>
+                    </a:p>
+                  </a:txBody>
+                  <a:tcPr anchor="ctr"/>
+                </a:tc>
+                <a:tc>
+                  <a:txBody>
+                    <a:bodyPr/>
+                    <a:lstStyle/>
+                    <a:p>
+                      <a:pPr algn="ctr"/>
+                      <a:r>
+                        <a:rPr lang="en-US" dirty="0" smtClean="0"/>
+                        <a:t>6</a:t>
+                      </a:r>
+                      <a:endParaRPr lang="en-GB" dirty="0"/>
+                    </a:p>
+                  </a:txBody>
+                  <a:tcPr anchor="ctr"/>
+                </a:tc>
+                <a:extLst>
+                  <a:ext uri="{0D108BD9-81ED-4DB2-BD59-A6C34878D82A}">
+                    <a16:rowId xmlns:a16="http://schemas.microsoft.com/office/drawing/2014/main" val="2753630997"/>
+                  </a:ext>
+                </a:extLst>
+              </a:tr>
+              <a:tr h="370840">
+                <a:tc>
+                  <a:txBody>
+                    <a:bodyPr/>
+                    <a:lstStyle/>
+                    <a:p>
+                      <a:pPr marL="0" marR="0" indent="0" algn="l" defTabSz="914400" rtl="0" eaLnBrk="1" fontAlgn="auto" latinLnBrk="0" hangingPunct="1">
+                        <a:lnSpc>
+                          <a:spcPct val="100000"/>
+                        </a:lnSpc>
+                        <a:spcBef>
+                          <a:spcPts val="0"/>
+                        </a:spcBef>
+                        <a:spcAft>
+                          <a:spcPts val="0"/>
+                        </a:spcAft>
+                        <a:buClrTx/>
+                        <a:buSzTx/>
+                        <a:buFontTx/>
+                        <a:buNone/>
+                        <a:tabLst/>
+                        <a:defRPr/>
+                      </a:pPr>
+                      <a:r>
+                        <a:rPr lang="en-US" dirty="0" err="1" smtClean="0"/>
+                        <a:t>Thasae</a:t>
+                      </a:r>
+                      <a:r>
+                        <a:rPr lang="en-US" dirty="0" smtClean="0"/>
+                        <a:t> Hospital</a:t>
+                      </a:r>
+                      <a:endParaRPr lang="en-GB" dirty="0" smtClean="0"/>
+                    </a:p>
+                  </a:txBody>
+                  <a:tcPr anchor="ctr"/>
+                </a:tc>
+                <a:tc>
+                  <a:txBody>
+                    <a:bodyPr/>
+                    <a:lstStyle/>
+                    <a:p>
+                      <a:pPr algn="ctr"/>
+                      <a:r>
+                        <a:rPr lang="en-US" baseline="0" dirty="0" smtClean="0"/>
+                        <a:t>5</a:t>
+                      </a:r>
+                      <a:endParaRPr lang="en-GB" dirty="0"/>
+                    </a:p>
+                  </a:txBody>
+                  <a:tcPr anchor="ctr"/>
+                </a:tc>
+                <a:extLst>
+                  <a:ext uri="{0D108BD9-81ED-4DB2-BD59-A6C34878D82A}">
+                    <a16:rowId xmlns:a16="http://schemas.microsoft.com/office/drawing/2014/main" val="3457446848"/>
+                  </a:ext>
+                </a:extLst>
+              </a:tr>
+              <a:tr h="370840">
+                <a:tc>
+                  <a:txBody>
+                    <a:bodyPr/>
+                    <a:lstStyle/>
+                    <a:p>
+                      <a:r>
+                        <a:rPr lang="en-US" dirty="0" err="1" smtClean="0"/>
+                        <a:t>Marbammarit</a:t>
+                      </a:r>
+                      <a:r>
+                        <a:rPr lang="en-US" baseline="0" dirty="0" smtClean="0"/>
+                        <a:t> Hospital</a:t>
+                      </a:r>
+                      <a:endParaRPr lang="en-GB" dirty="0"/>
+                    </a:p>
+                  </a:txBody>
+                  <a:tcPr anchor="ctr"/>
+                </a:tc>
+                <a:tc>
+                  <a:txBody>
+                    <a:bodyPr/>
+                    <a:lstStyle/>
+                    <a:p>
+                      <a:pPr algn="ctr"/>
+                      <a:r>
+                        <a:rPr lang="en-US" dirty="0" smtClean="0"/>
+                        <a:t>3</a:t>
+                      </a:r>
+                      <a:endParaRPr lang="en-GB" dirty="0"/>
+                    </a:p>
+                  </a:txBody>
+                  <a:tcPr anchor="ctr"/>
+                </a:tc>
+                <a:extLst>
+                  <a:ext uri="{0D108BD9-81ED-4DB2-BD59-A6C34878D82A}">
+                    <a16:rowId xmlns:a16="http://schemas.microsoft.com/office/drawing/2014/main" val="3383469901"/>
+                  </a:ext>
+                </a:extLst>
+              </a:tr>
+              <a:tr h="370840">
+                <a:tc>
+                  <a:txBody>
+                    <a:bodyPr/>
+                    <a:lstStyle/>
+                    <a:p>
+                      <a:pPr marL="0" marR="0" indent="0" algn="l" defTabSz="914400" rtl="0" eaLnBrk="1" fontAlgn="auto" latinLnBrk="0" hangingPunct="1">
+                        <a:lnSpc>
+                          <a:spcPct val="100000"/>
+                        </a:lnSpc>
+                        <a:spcBef>
+                          <a:spcPts val="0"/>
+                        </a:spcBef>
+                        <a:spcAft>
+                          <a:spcPts val="0"/>
+                        </a:spcAft>
+                        <a:buClrTx/>
+                        <a:buSzTx/>
+                        <a:buFontTx/>
+                        <a:buNone/>
+                        <a:tabLst/>
+                        <a:defRPr/>
+                      </a:pPr>
+                      <a:r>
+                        <a:rPr lang="en-US" dirty="0" err="1" smtClean="0"/>
+                        <a:t>Pathu</a:t>
+                      </a:r>
+                      <a:r>
+                        <a:rPr lang="en-US" dirty="0" smtClean="0"/>
+                        <a:t> Hospital</a:t>
+                      </a:r>
+                      <a:endParaRPr lang="en-GB" dirty="0" smtClean="0"/>
+                    </a:p>
+                  </a:txBody>
+                  <a:tcPr anchor="ctr"/>
+                </a:tc>
+                <a:tc>
+                  <a:txBody>
+                    <a:bodyPr/>
+                    <a:lstStyle/>
+                    <a:p>
+                      <a:pPr algn="ctr"/>
+                      <a:r>
+                        <a:rPr lang="en-US" dirty="0" smtClean="0"/>
+                        <a:t>2</a:t>
+                      </a:r>
+                      <a:endParaRPr lang="en-GB" dirty="0"/>
+                    </a:p>
+                  </a:txBody>
+                  <a:tcPr anchor="ctr"/>
+                </a:tc>
+                <a:extLst>
+                  <a:ext uri="{0D108BD9-81ED-4DB2-BD59-A6C34878D82A}">
+                    <a16:rowId xmlns:a16="http://schemas.microsoft.com/office/drawing/2014/main" val="1824970478"/>
+                  </a:ext>
+                </a:extLst>
+              </a:tr>
+              <a:tr h="370840">
+                <a:tc>
+                  <a:txBody>
+                    <a:bodyPr/>
+                    <a:lstStyle/>
+                    <a:p>
+                      <a:r>
+                        <a:rPr lang="en-US" dirty="0" err="1" smtClean="0"/>
+                        <a:t>Paknamchumphon</a:t>
+                      </a:r>
+                      <a:r>
+                        <a:rPr lang="en-US" dirty="0" smtClean="0"/>
+                        <a:t> Hospital</a:t>
+                      </a:r>
+                      <a:endParaRPr lang="en-GB" dirty="0"/>
+                    </a:p>
+                  </a:txBody>
+                  <a:tcPr anchor="ctr"/>
+                </a:tc>
+                <a:tc>
+                  <a:txBody>
+                    <a:bodyPr/>
+                    <a:lstStyle/>
+                    <a:p>
+                      <a:pPr algn="ctr"/>
+                      <a:r>
+                        <a:rPr lang="en-US" dirty="0" smtClean="0"/>
+                        <a:t>3</a:t>
+                      </a:r>
+                      <a:endParaRPr lang="en-GB" dirty="0"/>
+                    </a:p>
+                  </a:txBody>
+                  <a:tcPr anchor="ctr"/>
+                </a:tc>
+                <a:extLst>
+                  <a:ext uri="{0D108BD9-81ED-4DB2-BD59-A6C34878D82A}">
+                    <a16:rowId xmlns:a16="http://schemas.microsoft.com/office/drawing/2014/main" val="612096978"/>
+                  </a:ext>
+                </a:extLst>
+              </a:tr>
+              <a:tr h="370840">
+                <a:tc>
+                  <a:txBody>
+                    <a:bodyPr/>
+                    <a:lstStyle/>
+                    <a:p>
+                      <a:r>
+                        <a:rPr lang="en-GB" dirty="0" err="1" smtClean="0"/>
+                        <a:t>Sawee</a:t>
+                      </a:r>
+                      <a:r>
+                        <a:rPr lang="en-GB" baseline="0" dirty="0" smtClean="0"/>
+                        <a:t> Hospital</a:t>
+                      </a:r>
+                      <a:endParaRPr lang="en-GB" dirty="0"/>
+                    </a:p>
+                  </a:txBody>
+                  <a:tcPr anchor="ctr"/>
+                </a:tc>
+                <a:tc>
+                  <a:txBody>
+                    <a:bodyPr/>
+                    <a:lstStyle/>
+                    <a:p>
+                      <a:pPr algn="ctr"/>
+                      <a:r>
+                        <a:rPr lang="en-US" dirty="0" smtClean="0"/>
+                        <a:t>3</a:t>
+                      </a:r>
+                      <a:endParaRPr lang="en-GB" dirty="0"/>
+                    </a:p>
+                  </a:txBody>
+                  <a:tcPr anchor="ctr"/>
+                </a:tc>
+                <a:extLst>
+                  <a:ext uri="{0D108BD9-81ED-4DB2-BD59-A6C34878D82A}">
+                    <a16:rowId xmlns:a16="http://schemas.microsoft.com/office/drawing/2014/main" val="4011724644"/>
+                  </a:ext>
+                </a:extLst>
+              </a:tr>
+              <a:tr h="370840">
+                <a:tc>
+                  <a:txBody>
+                    <a:bodyPr/>
+                    <a:lstStyle/>
+                    <a:p>
+                      <a:r>
+                        <a:rPr lang="en-GB" dirty="0" err="1" smtClean="0"/>
+                        <a:t>Thungthago</a:t>
+                      </a:r>
+                      <a:r>
+                        <a:rPr lang="en-GB" dirty="0" smtClean="0"/>
+                        <a:t> Hospital</a:t>
+                      </a:r>
+                      <a:endParaRPr lang="en-GB" dirty="0"/>
+                    </a:p>
+                  </a:txBody>
+                  <a:tcPr anchor="ctr"/>
+                </a:tc>
+                <a:tc>
+                  <a:txBody>
+                    <a:bodyPr/>
+                    <a:lstStyle/>
+                    <a:p>
+                      <a:pPr algn="ctr"/>
+                      <a:r>
+                        <a:rPr lang="en-US" dirty="0" smtClean="0"/>
+                        <a:t>3</a:t>
+                      </a:r>
+                      <a:endParaRPr lang="en-GB" dirty="0"/>
+                    </a:p>
+                  </a:txBody>
+                  <a:tcPr anchor="ctr"/>
+                </a:tc>
+                <a:extLst>
+                  <a:ext uri="{0D108BD9-81ED-4DB2-BD59-A6C34878D82A}">
+                    <a16:rowId xmlns:a16="http://schemas.microsoft.com/office/drawing/2014/main" val="4062397609"/>
+                  </a:ext>
+                </a:extLst>
+              </a:tr>
+              <a:tr h="370840">
+                <a:tc>
+                  <a:txBody>
+                    <a:bodyPr/>
+                    <a:lstStyle/>
+                    <a:p>
+                      <a:r>
+                        <a:rPr lang="en-GB" dirty="0" err="1" smtClean="0"/>
+                        <a:t>Langsuan</a:t>
+                      </a:r>
+                      <a:r>
+                        <a:rPr lang="en-GB" dirty="0" smtClean="0"/>
+                        <a:t> Hospital</a:t>
+                      </a:r>
+                      <a:endParaRPr lang="en-GB" dirty="0"/>
+                    </a:p>
+                  </a:txBody>
+                  <a:tcPr anchor="ctr"/>
+                </a:tc>
+                <a:tc>
+                  <a:txBody>
+                    <a:bodyPr/>
+                    <a:lstStyle/>
+                    <a:p>
+                      <a:pPr algn="ctr"/>
+                      <a:r>
+                        <a:rPr lang="en-US" dirty="0" smtClean="0"/>
+                        <a:t>3</a:t>
+                      </a:r>
+                      <a:endParaRPr lang="en-GB" dirty="0"/>
+                    </a:p>
+                  </a:txBody>
+                  <a:tcPr anchor="ctr"/>
+                </a:tc>
+                <a:extLst>
+                  <a:ext uri="{0D108BD9-81ED-4DB2-BD59-A6C34878D82A}">
+                    <a16:rowId xmlns:a16="http://schemas.microsoft.com/office/drawing/2014/main" val="704456616"/>
+                  </a:ext>
+                </a:extLst>
+              </a:tr>
+              <a:tr h="370840">
+                <a:tc>
+                  <a:txBody>
+                    <a:bodyPr/>
+                    <a:lstStyle/>
+                    <a:p>
+                      <a:r>
+                        <a:rPr lang="en-GB" dirty="0" err="1" smtClean="0"/>
+                        <a:t>Paknamlangsuan</a:t>
+                      </a:r>
+                      <a:r>
+                        <a:rPr lang="en-GB" dirty="0" smtClean="0"/>
+                        <a:t> Hospital</a:t>
+                      </a:r>
+                      <a:endParaRPr lang="en-GB" dirty="0"/>
+                    </a:p>
+                  </a:txBody>
+                  <a:tcPr anchor="ctr"/>
+                </a:tc>
+                <a:tc>
+                  <a:txBody>
+                    <a:bodyPr/>
+                    <a:lstStyle/>
+                    <a:p>
+                      <a:pPr algn="ctr"/>
+                      <a:r>
+                        <a:rPr lang="en-US" dirty="0" smtClean="0"/>
+                        <a:t>3</a:t>
+                      </a:r>
+                      <a:endParaRPr lang="en-GB" dirty="0"/>
+                    </a:p>
+                  </a:txBody>
+                  <a:tcPr anchor="ctr"/>
+                </a:tc>
+                <a:extLst>
+                  <a:ext uri="{0D108BD9-81ED-4DB2-BD59-A6C34878D82A}">
+                    <a16:rowId xmlns:a16="http://schemas.microsoft.com/office/drawing/2014/main" val="3943945805"/>
+                  </a:ext>
+                </a:extLst>
+              </a:tr>
+              <a:tr h="370840">
+                <a:tc>
+                  <a:txBody>
+                    <a:bodyPr/>
+                    <a:lstStyle/>
+                    <a:p>
+                      <a:r>
+                        <a:rPr lang="en-GB" dirty="0" err="1" smtClean="0"/>
+                        <a:t>Lamae</a:t>
+                      </a:r>
+                      <a:r>
+                        <a:rPr lang="en-GB" dirty="0" smtClean="0"/>
+                        <a:t> Hospital</a:t>
+                      </a:r>
+                      <a:endParaRPr lang="en-GB" dirty="0"/>
+                    </a:p>
+                  </a:txBody>
+                  <a:tcPr anchor="ctr"/>
+                </a:tc>
+                <a:tc>
+                  <a:txBody>
+                    <a:bodyPr/>
+                    <a:lstStyle/>
+                    <a:p>
+                      <a:pPr algn="ctr"/>
+                      <a:r>
+                        <a:rPr lang="en-US" dirty="0" smtClean="0"/>
+                        <a:t>5</a:t>
+                      </a:r>
+                      <a:endParaRPr lang="en-GB" dirty="0"/>
+                    </a:p>
+                  </a:txBody>
+                  <a:tcPr anchor="ctr"/>
+                </a:tc>
+                <a:extLst>
+                  <a:ext uri="{0D108BD9-81ED-4DB2-BD59-A6C34878D82A}">
+                    <a16:rowId xmlns:a16="http://schemas.microsoft.com/office/drawing/2014/main" val="2414381538"/>
+                  </a:ext>
+                </a:extLst>
+              </a:tr>
+              <a:tr h="370840">
+                <a:tc>
+                  <a:txBody>
+                    <a:bodyPr/>
+                    <a:lstStyle/>
+                    <a:p>
+                      <a:r>
+                        <a:rPr lang="en-GB" dirty="0" err="1" smtClean="0"/>
+                        <a:t>Patho</a:t>
+                      </a:r>
+                      <a:r>
+                        <a:rPr lang="en-GB" dirty="0" smtClean="0"/>
+                        <a:t> Hospital</a:t>
+                      </a:r>
+                      <a:endParaRPr lang="en-GB" dirty="0"/>
+                    </a:p>
+                  </a:txBody>
+                  <a:tcPr anchor="ctr"/>
+                </a:tc>
+                <a:tc>
+                  <a:txBody>
+                    <a:bodyPr/>
+                    <a:lstStyle/>
+                    <a:p>
+                      <a:pPr algn="ctr"/>
+                      <a:r>
+                        <a:rPr lang="en-US" dirty="0" smtClean="0"/>
+                        <a:t>3</a:t>
+                      </a:r>
+                      <a:endParaRPr lang="en-GB" dirty="0"/>
+                    </a:p>
+                  </a:txBody>
+                  <a:tcPr anchor="ctr"/>
+                </a:tc>
+                <a:extLst>
+                  <a:ext uri="{0D108BD9-81ED-4DB2-BD59-A6C34878D82A}">
+                    <a16:rowId xmlns:a16="http://schemas.microsoft.com/office/drawing/2014/main" val="269057382"/>
+                  </a:ext>
+                </a:extLst>
+              </a:tr>
+            </a:tbl>
+          </a:graphicData>
+        </a:graphic>
+      </p:graphicFrame>
+    </p:spTree>
+    <p:extLst>
+      <p:ext uri="{BB962C8B-B14F-4D97-AF65-F5344CB8AC3E}">
+        <p14:creationId xmlns:p14="http://schemas.microsoft.com/office/powerpoint/2010/main" val="455049965"/>
+      </p:ext>
+    </p:extLst>
+  </p:cSld>
+  <p:clrMapOvr>
+    <a:masterClrMapping/>
+  </p:clrMapOvr>
+  <p:timing>
+    <p:tnLst>
+      <p:par>
+        <p:cTn id="1" dur="indefinite" restart="never" nodeType="tmRoot"/>
+      </p:par>
+    </p:tnLst>
+  </p:timing>
+</p:sld>
+</file>
+
+<file path=ppt/slides/slide7.xml><?xml version="1.0" encoding="utf-8"?>
+<p:sld xmlns:a="http://schemas.openxmlformats.org/drawingml/2006/main" xmlns:r="http://schemas.openxmlformats.org/officeDocument/2006/relationships" xmlns:p="http://schemas.openxmlformats.org/presentationml/2006/main">
+  <p:cSld>
+    <p:spTree>
+      <p:nvGrpSpPr>
+        <p:cNvPr id="1" name=""/>
+        <p:cNvGrpSpPr/>
+        <p:nvPr/>
+      </p:nvGrpSpPr>
+      <p:grpSpPr>
+        <a:xfrm>
+          <a:off x="0" y="0"/>
+          <a:ext cx="0" cy="0"/>
+          <a:chOff x="0" y="0"/>
+          <a:chExt cx="0" cy="0"/>
+        </a:xfrm>
+      </p:grpSpPr>
+      <p:sp>
+        <p:nvSpPr>
+          <p:cNvPr id="2" name="Title 1"/>
+          <p:cNvSpPr>
+            <a:spLocks noGrp="1"/>
+          </p:cNvSpPr>
+          <p:nvPr>
+            <p:ph type="title"/>
+          </p:nvPr>
+        </p:nvSpPr>
+        <p:spPr/>
+        <p:txBody>
+          <a:bodyPr/>
+          <a:lstStyle/>
+          <a:p>
+            <a:r>
+              <a:rPr lang="en-US" dirty="0" smtClean="0"/>
+              <a:t>Private Rescue Organization</a:t>
+            </a:r>
+            <a:endParaRPr lang="th-TH" dirty="0"/>
+          </a:p>
+        </p:txBody>
+      </p:sp>
+      <p:graphicFrame>
+        <p:nvGraphicFramePr>
+          <p:cNvPr id="4" name="Content Placeholder 3"/>
+          <p:cNvGraphicFramePr>
+            <a:graphicFrameLocks noGrp="1"/>
+          </p:cNvGraphicFramePr>
+          <p:nvPr>
+            <p:ph idx="1"/>
+            <p:extLst>
+              <p:ext uri="{D42A27DB-BD31-4B8C-83A1-F6EECF244321}">
+                <p14:modId xmlns:p14="http://schemas.microsoft.com/office/powerpoint/2010/main" val="909650060"/>
+              </p:ext>
+            </p:extLst>
+          </p:nvPr>
+        </p:nvGraphicFramePr>
+        <p:xfrm>
+          <a:off x="2099256" y="2336800"/>
+          <a:ext cx="7778840" cy="1483360"/>
+        </p:xfrm>
+        <a:graphic>
+          <a:graphicData uri="http://schemas.openxmlformats.org/drawingml/2006/table">
+            <a:tbl>
+              <a:tblPr firstRow="1" bandRow="1">
+                <a:effectLst>
+                  <a:outerShdw blurRad="50800" dist="38100" dir="2700000" algn="tl" rotWithShape="0">
+                    <a:prstClr val="black">
+                      <a:alpha val="40000"/>
+                    </a:prstClr>
+                  </a:outerShdw>
+                </a:effectLst>
+                <a:tableStyleId>{5C22544A-7EE6-4342-B048-85BDC9FD1C3A}</a:tableStyleId>
+              </a:tblPr>
+              <a:tblGrid>
+                <a:gridCol w="3889420">
                   <a:extLst>
                     <a:ext uri="{9D8B030D-6E8A-4147-A177-3AD203B41FA5}">
                       <a16:colId xmlns:a16="http://schemas.microsoft.com/office/drawing/2014/main" val="1310675475"/>
                     </a:ext>
                   </a:extLst>
                 </a:gridCol>
-                <a:gridCol w="4806950">
+                <a:gridCol w="3889420">
                   <a:extLst>
                     <a:ext uri="{9D8B030D-6E8A-4147-A177-3AD203B41FA5}">
                       <a16:colId xmlns:a16="http://schemas.microsoft.com/office/drawing/2014/main" val="4287293313"/>
@@ -10036,7 +10660,7 @@
                       <a:pPr algn="ctr"/>
                       <a:r>
                         <a:rPr lang="en-US" dirty="0" smtClean="0"/>
-                        <a:t>14</a:t>
+                        <a:t>37</a:t>
                       </a:r>
                       <a:endParaRPr lang="th-TH" dirty="0"/>
                     </a:p>
@@ -10110,7 +10734,7 @@
                       <a:pPr algn="ctr"/>
                       <a:r>
                         <a:rPr lang="en-US" dirty="0" smtClean="0"/>
-                        <a:t>9</a:t>
+                        <a:t>14</a:t>
                       </a:r>
                       <a:endParaRPr lang="th-TH" dirty="0"/>
                     </a:p>
@@ -10204,7 +10828,7 @@
 </p:sld>
 </file>
 
-<file path=ppt/slides/slide7.xml><?xml version="1.0" encoding="utf-8"?>
+<file path=ppt/slides/slide8.xml><?xml version="1.0" encoding="utf-8"?>
 <p:sld xmlns:a="http://schemas.openxmlformats.org/drawingml/2006/main" xmlns:r="http://schemas.openxmlformats.org/officeDocument/2006/relationships" xmlns:p="http://schemas.openxmlformats.org/presentationml/2006/main">
   <p:cSld>
     <p:spTree>

--- a/gishealth_Eng.pptx
+++ b/gishealth_Eng.pptx
@@ -1,6 +1,6 @@
 
 <file path=ppt/presentation.xml><?xml version="1.0" encoding="utf-8"?>
-<p:presentation xmlns:a="http://schemas.openxmlformats.org/drawingml/2006/main" xmlns:r="http://schemas.openxmlformats.org/officeDocument/2006/relationships" xmlns:p="http://schemas.openxmlformats.org/presentationml/2006/main" saveSubsetFonts="1">
+<p:presentation xmlns:a="http://schemas.openxmlformats.org/drawingml/2006/main" xmlns:r="http://schemas.openxmlformats.org/officeDocument/2006/relationships" xmlns:p="http://schemas.openxmlformats.org/presentationml/2006/main" embedTrueTypeFonts="1" saveSubsetFonts="1">
   <p:sldMasterIdLst>
     <p:sldMasterId id="2147483672" r:id="rId1"/>
   </p:sldMasterIdLst>
@@ -16,6 +16,29 @@
   </p:sldIdLst>
   <p:sldSz cx="12192000" cy="6858000"/>
   <p:notesSz cx="6858000" cy="9144000"/>
+  <p:embeddedFontLst>
+    <p:embeddedFont>
+      <p:font typeface="Cordia New" panose="020B0304020202020204" pitchFamily="34" charset="-34"/>
+      <p:regular r:id="rId10"/>
+      <p:bold r:id="rId11"/>
+      <p:italic r:id="rId12"/>
+      <p:boldItalic r:id="rId13"/>
+    </p:embeddedFont>
+    <p:embeddedFont>
+      <p:font typeface="Trebuchet MS" panose="020B0603020202020204" pitchFamily="34" charset="0"/>
+      <p:regular r:id="rId14"/>
+      <p:bold r:id="rId15"/>
+      <p:italic r:id="rId16"/>
+      <p:boldItalic r:id="rId17"/>
+    </p:embeddedFont>
+    <p:embeddedFont>
+      <p:font typeface="Angsana New" panose="02020603050405020304" pitchFamily="18" charset="-34"/>
+      <p:regular r:id="rId18"/>
+      <p:bold r:id="rId19"/>
+      <p:italic r:id="rId20"/>
+      <p:boldItalic r:id="rId21"/>
+    </p:embeddedFont>
+  </p:embeddedFontLst>
   <p:defaultTextStyle>
     <a:defPPr>
       <a:defRPr lang="en-US"/>
@@ -11008,27 +11031,27 @@
           <a:p>
             <a:pPr algn="ctr"/>
             <a:r>
-              <a:rPr lang="en-GB" sz="4000" dirty="0" smtClean="0">
+              <a:rPr lang="en-GB" sz="4000" b="1" dirty="0" smtClean="0">
                 <a:latin typeface="Cordia New" panose="020B0304020202020204" pitchFamily="34" charset="-34"/>
                 <a:cs typeface="Cordia New" panose="020B0304020202020204" pitchFamily="34" charset="-34"/>
               </a:rPr>
               <a:t>Source  http</a:t>
             </a:r>
             <a:r>
-              <a:rPr lang="en-GB" sz="4000" dirty="0">
+              <a:rPr lang="en-GB" sz="4000" b="1" dirty="0">
                 <a:latin typeface="Cordia New" panose="020B0304020202020204" pitchFamily="34" charset="-34"/>
                 <a:cs typeface="Cordia New" panose="020B0304020202020204" pitchFamily="34" charset="-34"/>
               </a:rPr>
               <a:t>://</a:t>
             </a:r>
             <a:r>
-              <a:rPr lang="en-GB" sz="4000" dirty="0" smtClean="0">
+              <a:rPr lang="en-GB" sz="4000" b="1" dirty="0" smtClean="0">
                 <a:latin typeface="Cordia New" panose="020B0304020202020204" pitchFamily="34" charset="-34"/>
                 <a:cs typeface="Cordia New" panose="020B0304020202020204" pitchFamily="34" charset="-34"/>
               </a:rPr>
               <a:t>gishealth.moph.go.th</a:t>
             </a:r>
-            <a:endParaRPr lang="en-GB" sz="4000" dirty="0">
+            <a:endParaRPr lang="en-GB" sz="4000" b="1" dirty="0">
               <a:latin typeface="Cordia New" panose="020B0304020202020204" pitchFamily="34" charset="-34"/>
               <a:cs typeface="Cordia New" panose="020B0304020202020204" pitchFamily="34" charset="-34"/>
             </a:endParaRPr>

--- a/gishealth_Eng.pptx
+++ b/gishealth_Eng.pptx
@@ -18,21 +18,21 @@
   <p:notesSz cx="6858000" cy="9144000"/>
   <p:embeddedFontLst>
     <p:embeddedFont>
-      <p:font typeface="Cordia New" panose="020B0304020202020204" pitchFamily="34" charset="-34"/>
+      <p:font typeface="Angsana New" panose="02020603050405020304" pitchFamily="18" charset="-34"/>
       <p:regular r:id="rId10"/>
       <p:bold r:id="rId11"/>
       <p:italic r:id="rId12"/>
       <p:boldItalic r:id="rId13"/>
     </p:embeddedFont>
     <p:embeddedFont>
-      <p:font typeface="Trebuchet MS" panose="020B0603020202020204" pitchFamily="34" charset="0"/>
+      <p:font typeface="Cordia New" panose="020B0304020202020204" pitchFamily="34" charset="-34"/>
       <p:regular r:id="rId14"/>
       <p:bold r:id="rId15"/>
       <p:italic r:id="rId16"/>
       <p:boldItalic r:id="rId17"/>
     </p:embeddedFont>
     <p:embeddedFont>
-      <p:font typeface="Angsana New" panose="02020603050405020304" pitchFamily="18" charset="-34"/>
+      <p:font typeface="Trebuchet MS" panose="020B0603020202020204" pitchFamily="34" charset="0"/>
       <p:regular r:id="rId18"/>
       <p:bold r:id="rId19"/>
       <p:italic r:id="rId20"/>
@@ -8013,7 +8013,7 @@
           <p:nvPr>
             <p:extLst>
               <p:ext uri="{D42A27DB-BD31-4B8C-83A1-F6EECF244321}">
-                <p14:modId xmlns:p14="http://schemas.microsoft.com/office/powerpoint/2010/main" val="1778686629"/>
+                <p14:modId xmlns:p14="http://schemas.microsoft.com/office/powerpoint/2010/main" val="2898941397"/>
               </p:ext>
             </p:extLst>
           </p:nvPr>
@@ -8105,7 +8105,7 @@
                       <a:endParaRPr lang="en-GB" dirty="0"/>
                     </a:p>
                   </a:txBody>
-                  <a:tcPr/>
+                  <a:tcPr anchor="ctr"/>
                 </a:tc>
                 <a:tc>
                   <a:txBody>
@@ -8120,7 +8120,7 @@
                       <a:endParaRPr lang="en-GB" dirty="0"/>
                     </a:p>
                   </a:txBody>
-                  <a:tcPr/>
+                  <a:tcPr anchor="ctr"/>
                 </a:tc>
                 <a:extLst>
                   <a:ext uri="{0D108BD9-81ED-4DB2-BD59-A6C34878D82A}">
@@ -8141,7 +8141,7 @@
                       <a:endParaRPr lang="en-GB" dirty="0"/>
                     </a:p>
                   </a:txBody>
-                  <a:tcPr/>
+                  <a:tcPr anchor="ctr"/>
                 </a:tc>
                 <a:tc>
                   <a:txBody>
@@ -8156,7 +8156,7 @@
                       <a:endParaRPr lang="en-GB" dirty="0"/>
                     </a:p>
                   </a:txBody>
-                  <a:tcPr/>
+                  <a:tcPr anchor="ctr"/>
                 </a:tc>
                 <a:extLst>
                   <a:ext uri="{0D108BD9-81ED-4DB2-BD59-A6C34878D82A}">
@@ -8177,7 +8177,7 @@
                       <a:endParaRPr lang="en-GB" dirty="0"/>
                     </a:p>
                   </a:txBody>
-                  <a:tcPr/>
+                  <a:tcPr anchor="ctr"/>
                 </a:tc>
                 <a:tc>
                   <a:txBody>
@@ -8192,7 +8192,7 @@
                       <a:endParaRPr lang="en-GB" dirty="0"/>
                     </a:p>
                   </a:txBody>
-                  <a:tcPr/>
+                  <a:tcPr anchor="ctr"/>
                 </a:tc>
                 <a:extLst>
                   <a:ext uri="{0D108BD9-81ED-4DB2-BD59-A6C34878D82A}">
@@ -8217,7 +8217,7 @@
                       <a:endParaRPr lang="en-GB" dirty="0"/>
                     </a:p>
                   </a:txBody>
-                  <a:tcPr/>
+                  <a:tcPr anchor="ctr"/>
                 </a:tc>
                 <a:tc>
                   <a:txBody>
@@ -8232,7 +8232,7 @@
                       <a:endParaRPr lang="en-GB" dirty="0"/>
                     </a:p>
                   </a:txBody>
-                  <a:tcPr/>
+                  <a:tcPr anchor="ctr"/>
                 </a:tc>
                 <a:extLst>
                   <a:ext uri="{0D108BD9-81ED-4DB2-BD59-A6C34878D82A}">
@@ -8253,7 +8253,7 @@
           <p:nvPr>
             <p:extLst>
               <p:ext uri="{D42A27DB-BD31-4B8C-83A1-F6EECF244321}">
-                <p14:modId xmlns:p14="http://schemas.microsoft.com/office/powerpoint/2010/main" val="999839669"/>
+                <p14:modId xmlns:p14="http://schemas.microsoft.com/office/powerpoint/2010/main" val="1264470564"/>
               </p:ext>
             </p:extLst>
           </p:nvPr>
@@ -8341,7 +8341,7 @@
                       <a:endParaRPr lang="en-GB" dirty="0"/>
                     </a:p>
                   </a:txBody>
-                  <a:tcPr/>
+                  <a:tcPr anchor="ctr"/>
                 </a:tc>
                 <a:tc>
                   <a:txBody>
@@ -8356,7 +8356,7 @@
                       <a:endParaRPr lang="en-GB" dirty="0"/>
                     </a:p>
                   </a:txBody>
-                  <a:tcPr/>
+                  <a:tcPr anchor="ctr"/>
                 </a:tc>
                 <a:extLst>
                   <a:ext uri="{0D108BD9-81ED-4DB2-BD59-A6C34878D82A}">
@@ -8377,7 +8377,7 @@
                       <a:endParaRPr lang="en-GB" dirty="0"/>
                     </a:p>
                   </a:txBody>
-                  <a:tcPr/>
+                  <a:tcPr anchor="ctr"/>
                 </a:tc>
                 <a:tc>
                   <a:txBody>
@@ -8392,7 +8392,7 @@
                       <a:endParaRPr lang="en-GB" dirty="0"/>
                     </a:p>
                   </a:txBody>
-                  <a:tcPr/>
+                  <a:tcPr anchor="ctr"/>
                 </a:tc>
                 <a:extLst>
                   <a:ext uri="{0D108BD9-81ED-4DB2-BD59-A6C34878D82A}">
@@ -8421,7 +8421,7 @@
                       <a:endParaRPr lang="en-GB" dirty="0"/>
                     </a:p>
                   </a:txBody>
-                  <a:tcPr/>
+                  <a:tcPr anchor="ctr"/>
                 </a:tc>
                 <a:tc>
                   <a:txBody>
@@ -8436,7 +8436,7 @@
                       <a:endParaRPr lang="en-GB" dirty="0"/>
                     </a:p>
                   </a:txBody>
-                  <a:tcPr/>
+                  <a:tcPr anchor="ctr"/>
                 </a:tc>
                 <a:extLst>
                   <a:ext uri="{0D108BD9-81ED-4DB2-BD59-A6C34878D82A}">
@@ -8465,7 +8465,7 @@
                       <a:endParaRPr lang="en-GB" dirty="0"/>
                     </a:p>
                   </a:txBody>
-                  <a:tcPr/>
+                  <a:tcPr anchor="ctr"/>
                 </a:tc>
                 <a:tc>
                   <a:txBody>
@@ -8480,7 +8480,7 @@
                       <a:endParaRPr lang="en-GB" dirty="0"/>
                     </a:p>
                   </a:txBody>
-                  <a:tcPr/>
+                  <a:tcPr anchor="ctr"/>
                 </a:tc>
                 <a:extLst>
                   <a:ext uri="{0D108BD9-81ED-4DB2-BD59-A6C34878D82A}">
@@ -8501,7 +8501,7 @@
                       <a:endParaRPr lang="en-GB" dirty="0"/>
                     </a:p>
                   </a:txBody>
-                  <a:tcPr/>
+                  <a:tcPr anchor="ctr"/>
                 </a:tc>
                 <a:tc>
                   <a:txBody>
@@ -8516,7 +8516,7 @@
                       <a:endParaRPr lang="en-GB" dirty="0"/>
                     </a:p>
                   </a:txBody>
-                  <a:tcPr/>
+                  <a:tcPr anchor="ctr"/>
                 </a:tc>
                 <a:extLst>
                   <a:ext uri="{0D108BD9-81ED-4DB2-BD59-A6C34878D82A}">
@@ -8537,7 +8537,7 @@
                       <a:endParaRPr lang="en-GB" dirty="0"/>
                     </a:p>
                   </a:txBody>
-                  <a:tcPr/>
+                  <a:tcPr anchor="ctr"/>
                 </a:tc>
                 <a:tc>
                   <a:txBody>
@@ -8552,7 +8552,7 @@
                       <a:endParaRPr lang="en-GB" dirty="0"/>
                     </a:p>
                   </a:txBody>
-                  <a:tcPr/>
+                  <a:tcPr anchor="ctr"/>
                 </a:tc>
                 <a:extLst>
                   <a:ext uri="{0D108BD9-81ED-4DB2-BD59-A6C34878D82A}">
@@ -8610,7 +8610,7 @@
           <p:nvPr>
             <p:extLst>
               <p:ext uri="{D42A27DB-BD31-4B8C-83A1-F6EECF244321}">
-                <p14:modId xmlns:p14="http://schemas.microsoft.com/office/powerpoint/2010/main" val="3092788897"/>
+                <p14:modId xmlns:p14="http://schemas.microsoft.com/office/powerpoint/2010/main" val="1254461331"/>
               </p:ext>
             </p:extLst>
           </p:nvPr>
@@ -8706,7 +8706,7 @@
                       <a:endParaRPr lang="en-GB" dirty="0"/>
                     </a:p>
                   </a:txBody>
-                  <a:tcPr/>
+                  <a:tcPr anchor="ctr"/>
                 </a:tc>
                 <a:tc>
                   <a:txBody>
@@ -8746,7 +8746,7 @@
                       <a:endParaRPr lang="en-GB" dirty="0"/>
                     </a:p>
                   </a:txBody>
-                  <a:tcPr/>
+                  <a:tcPr anchor="ctr"/>
                 </a:tc>
                 <a:tc>
                   <a:txBody>
@@ -8802,7 +8802,7 @@
                       <a:endParaRPr lang="en-GB" dirty="0"/>
                     </a:p>
                   </a:txBody>
-                  <a:tcPr/>
+                  <a:tcPr anchor="ctr"/>
                 </a:tc>
                 <a:tc>
                   <a:txBody>
@@ -8842,7 +8842,7 @@
                       <a:endParaRPr lang="en-GB" dirty="0"/>
                     </a:p>
                   </a:txBody>
-                  <a:tcPr/>
+                  <a:tcPr anchor="ctr"/>
                 </a:tc>
                 <a:tc>
                   <a:txBody>
@@ -8882,7 +8882,7 @@
                       <a:endParaRPr lang="en-GB" dirty="0"/>
                     </a:p>
                   </a:txBody>
-                  <a:tcPr/>
+                  <a:tcPr anchor="ctr"/>
                 </a:tc>
                 <a:tc>
                   <a:txBody>
@@ -8938,7 +8938,7 @@
                       <a:endParaRPr lang="en-GB" dirty="0"/>
                     </a:p>
                   </a:txBody>
-                  <a:tcPr/>
+                  <a:tcPr anchor="ctr"/>
                 </a:tc>
                 <a:tc>
                   <a:txBody>
@@ -8994,7 +8994,7 @@
                       <a:endParaRPr lang="en-GB" dirty="0"/>
                     </a:p>
                   </a:txBody>
-                  <a:tcPr/>
+                  <a:tcPr anchor="ctr"/>
                 </a:tc>
                 <a:tc>
                   <a:txBody>
@@ -9050,7 +9050,7 @@
                       <a:endParaRPr lang="en-GB" dirty="0"/>
                     </a:p>
                   </a:txBody>
-                  <a:tcPr/>
+                  <a:tcPr anchor="ctr"/>
                 </a:tc>
                 <a:tc>
                   <a:txBody>
@@ -9106,7 +9106,7 @@
                       <a:endParaRPr lang="en-GB" dirty="0"/>
                     </a:p>
                   </a:txBody>
-                  <a:tcPr/>
+                  <a:tcPr anchor="ctr"/>
                 </a:tc>
                 <a:tc>
                   <a:txBody>
@@ -9162,7 +9162,7 @@
                       <a:endParaRPr lang="en-GB" dirty="0"/>
                     </a:p>
                   </a:txBody>
-                  <a:tcPr/>
+                  <a:tcPr anchor="ctr"/>
                 </a:tc>
                 <a:tc>
                   <a:txBody>
@@ -9413,7 +9413,7 @@
           <p:nvPr>
             <p:extLst>
               <p:ext uri="{D42A27DB-BD31-4B8C-83A1-F6EECF244321}">
-                <p14:modId xmlns:p14="http://schemas.microsoft.com/office/powerpoint/2010/main" val="1344024107"/>
+                <p14:modId xmlns:p14="http://schemas.microsoft.com/office/powerpoint/2010/main" val="1832401233"/>
               </p:ext>
             </p:extLst>
           </p:nvPr>
@@ -9501,7 +9501,7 @@
                       <a:endParaRPr lang="en-GB" dirty="0"/>
                     </a:p>
                   </a:txBody>
-                  <a:tcPr/>
+                  <a:tcPr anchor="ctr"/>
                 </a:tc>
                 <a:tc>
                   <a:txBody>
@@ -9541,7 +9541,7 @@
                       <a:endParaRPr lang="en-GB" dirty="0"/>
                     </a:p>
                   </a:txBody>
-                  <a:tcPr/>
+                  <a:tcPr anchor="ctr"/>
                 </a:tc>
                 <a:tc>
                   <a:txBody>
@@ -9572,7 +9572,7 @@
                       <a:endParaRPr lang="en-GB" dirty="0" smtClean="0"/>
                     </a:p>
                   </a:txBody>
-                  <a:tcPr/>
+                  <a:tcPr anchor="ctr"/>
                 </a:tc>
                 <a:extLst>
                   <a:ext uri="{0D108BD9-81ED-4DB2-BD59-A6C34878D82A}">
@@ -9730,7 +9730,7 @@
           <p:nvPr>
             <p:extLst>
               <p:ext uri="{D42A27DB-BD31-4B8C-83A1-F6EECF244321}">
-                <p14:modId xmlns:p14="http://schemas.microsoft.com/office/powerpoint/2010/main" val="2502867462"/>
+                <p14:modId xmlns:p14="http://schemas.microsoft.com/office/powerpoint/2010/main" val="4139331038"/>
               </p:ext>
             </p:extLst>
           </p:nvPr>
@@ -9822,7 +9822,7 @@
                       <a:endParaRPr lang="en-GB" dirty="0"/>
                     </a:p>
                   </a:txBody>
-                  <a:tcPr/>
+                  <a:tcPr anchor="ctr"/>
                 </a:tc>
                 <a:tc>
                   <a:txBody>
@@ -9837,7 +9837,7 @@
                       <a:endParaRPr lang="en-GB" dirty="0"/>
                     </a:p>
                   </a:txBody>
-                  <a:tcPr/>
+                  <a:tcPr anchor="ctr"/>
                 </a:tc>
                 <a:extLst>
                   <a:ext uri="{0D108BD9-81ED-4DB2-BD59-A6C34878D82A}">
@@ -10904,7 +10904,7 @@
             <p:ph idx="1"/>
             <p:extLst>
               <p:ext uri="{D42A27DB-BD31-4B8C-83A1-F6EECF244321}">
-                <p14:modId xmlns:p14="http://schemas.microsoft.com/office/powerpoint/2010/main" val="2985771442"/>
+                <p14:modId xmlns:p14="http://schemas.microsoft.com/office/powerpoint/2010/main" val="3148841472"/>
               </p:ext>
             </p:extLst>
           </p:nvPr>
@@ -10953,7 +10953,7 @@
                       <a:endParaRPr lang="en-GB" sz="3600" dirty="0"/>
                     </a:p>
                   </a:txBody>
-                  <a:tcPr/>
+                  <a:tcPr anchor="ctr"/>
                 </a:tc>
                 <a:extLst>
                   <a:ext uri="{0D108BD9-81ED-4DB2-BD59-A6C34878D82A}">
@@ -10975,7 +10975,7 @@
                       <a:endParaRPr lang="en-GB" sz="3600" dirty="0"/>
                     </a:p>
                   </a:txBody>
-                  <a:tcPr/>
+                  <a:tcPr anchor="ctr"/>
                 </a:tc>
                 <a:extLst>
                   <a:ext uri="{0D108BD9-81ED-4DB2-BD59-A6C34878D82A}">

--- a/gishealth_Eng.pptx
+++ b/gishealth_Eng.pptx
@@ -5,38 +5,46 @@
     <p:sldMasterId id="2147483672" r:id="rId1"/>
   </p:sldMasterIdLst>
   <p:sldIdLst>
-    <p:sldId id="256" r:id="rId2"/>
-    <p:sldId id="257" r:id="rId3"/>
-    <p:sldId id="259" r:id="rId4"/>
-    <p:sldId id="260" r:id="rId5"/>
-    <p:sldId id="262" r:id="rId6"/>
-    <p:sldId id="264" r:id="rId7"/>
-    <p:sldId id="263" r:id="rId8"/>
-    <p:sldId id="261" r:id="rId9"/>
+    <p:sldId id="265" r:id="rId2"/>
+    <p:sldId id="268" r:id="rId3"/>
+    <p:sldId id="257" r:id="rId4"/>
+    <p:sldId id="264" r:id="rId5"/>
+    <p:sldId id="272" r:id="rId6"/>
+    <p:sldId id="274" r:id="rId7"/>
+    <p:sldId id="270" r:id="rId8"/>
+    <p:sldId id="269" r:id="rId9"/>
+    <p:sldId id="261" r:id="rId10"/>
   </p:sldIdLst>
   <p:sldSz cx="12192000" cy="6858000"/>
   <p:notesSz cx="6858000" cy="9144000"/>
   <p:embeddedFontLst>
     <p:embeddedFont>
       <p:font typeface="Angsana New" panose="02020603050405020304" pitchFamily="18" charset="-34"/>
-      <p:regular r:id="rId10"/>
-      <p:bold r:id="rId11"/>
-      <p:italic r:id="rId12"/>
-      <p:boldItalic r:id="rId13"/>
+      <p:regular r:id="rId11"/>
+      <p:bold r:id="rId12"/>
+      <p:italic r:id="rId13"/>
+      <p:boldItalic r:id="rId14"/>
     </p:embeddedFont>
     <p:embeddedFont>
       <p:font typeface="Cordia New" panose="020B0304020202020204" pitchFamily="34" charset="-34"/>
-      <p:regular r:id="rId14"/>
-      <p:bold r:id="rId15"/>
-      <p:italic r:id="rId16"/>
-      <p:boldItalic r:id="rId17"/>
+      <p:regular r:id="rId15"/>
+      <p:bold r:id="rId16"/>
+      <p:italic r:id="rId17"/>
+      <p:boldItalic r:id="rId18"/>
     </p:embeddedFont>
     <p:embeddedFont>
       <p:font typeface="Trebuchet MS" panose="020B0603020202020204" pitchFamily="34" charset="0"/>
-      <p:regular r:id="rId18"/>
-      <p:bold r:id="rId19"/>
-      <p:italic r:id="rId20"/>
-      <p:boldItalic r:id="rId21"/>
+      <p:regular r:id="rId19"/>
+      <p:bold r:id="rId20"/>
+      <p:italic r:id="rId21"/>
+      <p:boldItalic r:id="rId22"/>
+    </p:embeddedFont>
+    <p:embeddedFont>
+      <p:font typeface="TH SarabunPSK" panose="020B0500040200020003" pitchFamily="34" charset="-34"/>
+      <p:regular r:id="rId23"/>
+      <p:bold r:id="rId24"/>
+      <p:italic r:id="rId25"/>
+      <p:boldItalic r:id="rId26"/>
     </p:embeddedFont>
   </p:embeddedFontLst>
   <p:defaultTextStyle>
@@ -416,7 +424,7 @@
           <a:p>
             <a:fld id="{6FBA303F-3840-4D9C-A76B-1561D3D46B11}" type="datetimeFigureOut">
               <a:rPr lang="en-GB" smtClean="0"/>
-              <a:t>01/11/2018</a:t>
+              <a:t>02/11/2018</a:t>
             </a:fld>
             <a:endParaRPr lang="en-GB"/>
           </a:p>
@@ -830,7 +838,7 @@
           <a:p>
             <a:fld id="{6FBA303F-3840-4D9C-A76B-1561D3D46B11}" type="datetimeFigureOut">
               <a:rPr lang="en-GB" smtClean="0"/>
-              <a:t>01/11/2018</a:t>
+              <a:t>02/11/2018</a:t>
             </a:fld>
             <a:endParaRPr lang="en-GB"/>
           </a:p>
@@ -1166,7 +1174,7 @@
           <a:p>
             <a:fld id="{6FBA303F-3840-4D9C-A76B-1561D3D46B11}" type="datetimeFigureOut">
               <a:rPr lang="en-GB" smtClean="0"/>
-              <a:t>01/11/2018</a:t>
+              <a:t>02/11/2018</a:t>
             </a:fld>
             <a:endParaRPr lang="en-GB"/>
           </a:p>
@@ -1571,7 +1579,7 @@
           <a:p>
             <a:fld id="{6FBA303F-3840-4D9C-A76B-1561D3D46B11}" type="datetimeFigureOut">
               <a:rPr lang="en-GB" smtClean="0"/>
-              <a:t>01/11/2018</a:t>
+              <a:t>02/11/2018</a:t>
             </a:fld>
             <a:endParaRPr lang="en-GB"/>
           </a:p>
@@ -2139,7 +2147,7 @@
           <a:p>
             <a:fld id="{6FBA303F-3840-4D9C-A76B-1561D3D46B11}" type="datetimeFigureOut">
               <a:rPr lang="en-GB" smtClean="0"/>
-              <a:t>01/11/2018</a:t>
+              <a:t>02/11/2018</a:t>
             </a:fld>
             <a:endParaRPr lang="en-GB"/>
           </a:p>
@@ -2820,7 +2828,7 @@
           <a:p>
             <a:fld id="{6FBA303F-3840-4D9C-A76B-1561D3D46B11}" type="datetimeFigureOut">
               <a:rPr lang="en-GB" smtClean="0"/>
-              <a:t>01/11/2018</a:t>
+              <a:t>02/11/2018</a:t>
             </a:fld>
             <a:endParaRPr lang="en-GB"/>
           </a:p>
@@ -3733,7 +3741,7 @@
           <a:p>
             <a:fld id="{6FBA303F-3840-4D9C-A76B-1561D3D46B11}" type="datetimeFigureOut">
               <a:rPr lang="en-GB" smtClean="0"/>
-              <a:t>01/11/2018</a:t>
+              <a:t>02/11/2018</a:t>
             </a:fld>
             <a:endParaRPr lang="en-GB"/>
           </a:p>
@@ -4046,7 +4054,7 @@
           <a:p>
             <a:fld id="{6FBA303F-3840-4D9C-A76B-1561D3D46B11}" type="datetimeFigureOut">
               <a:rPr lang="en-GB" smtClean="0"/>
-              <a:t>01/11/2018</a:t>
+              <a:t>02/11/2018</a:t>
             </a:fld>
             <a:endParaRPr lang="en-GB"/>
           </a:p>
@@ -4310,7 +4318,7 @@
           <a:p>
             <a:fld id="{6FBA303F-3840-4D9C-A76B-1561D3D46B11}" type="datetimeFigureOut">
               <a:rPr lang="en-GB" smtClean="0"/>
-              <a:t>01/11/2018</a:t>
+              <a:t>02/11/2018</a:t>
             </a:fld>
             <a:endParaRPr lang="en-GB"/>
           </a:p>
@@ -4633,7 +4641,7 @@
           <a:p>
             <a:fld id="{6FBA303F-3840-4D9C-A76B-1561D3D46B11}" type="datetimeFigureOut">
               <a:rPr lang="en-GB" smtClean="0"/>
-              <a:t>01/11/2018</a:t>
+              <a:t>02/11/2018</a:t>
             </a:fld>
             <a:endParaRPr lang="en-GB"/>
           </a:p>
@@ -5022,7 +5030,7 @@
           <a:p>
             <a:fld id="{6FBA303F-3840-4D9C-A76B-1561D3D46B11}" type="datetimeFigureOut">
               <a:rPr lang="en-GB" smtClean="0"/>
-              <a:t>01/11/2018</a:t>
+              <a:t>02/11/2018</a:t>
             </a:fld>
             <a:endParaRPr lang="en-GB"/>
           </a:p>
@@ -5398,7 +5406,7 @@
           <a:p>
             <a:fld id="{6FBA303F-3840-4D9C-A76B-1561D3D46B11}" type="datetimeFigureOut">
               <a:rPr lang="en-GB" smtClean="0"/>
-              <a:t>01/11/2018</a:t>
+              <a:t>02/11/2018</a:t>
             </a:fld>
             <a:endParaRPr lang="en-GB"/>
           </a:p>
@@ -5904,7 +5912,7 @@
           <a:p>
             <a:fld id="{6FBA303F-3840-4D9C-A76B-1561D3D46B11}" type="datetimeFigureOut">
               <a:rPr lang="en-GB" smtClean="0"/>
-              <a:t>01/11/2018</a:t>
+              <a:t>02/11/2018</a:t>
             </a:fld>
             <a:endParaRPr lang="en-GB"/>
           </a:p>
@@ -6161,7 +6169,7 @@
           <a:p>
             <a:fld id="{6FBA303F-3840-4D9C-A76B-1561D3D46B11}" type="datetimeFigureOut">
               <a:rPr lang="en-GB" smtClean="0"/>
-              <a:t>01/11/2018</a:t>
+              <a:t>02/11/2018</a:t>
             </a:fld>
             <a:endParaRPr lang="en-GB"/>
           </a:p>
@@ -6324,7 +6332,7 @@
           <a:p>
             <a:fld id="{6FBA303F-3840-4D9C-A76B-1561D3D46B11}" type="datetimeFigureOut">
               <a:rPr lang="en-GB" smtClean="0"/>
-              <a:t>01/11/2018</a:t>
+              <a:t>02/11/2018</a:t>
             </a:fld>
             <a:endParaRPr lang="en-GB"/>
           </a:p>
@@ -6714,7 +6722,7 @@
           <a:p>
             <a:fld id="{6FBA303F-3840-4D9C-A76B-1561D3D46B11}" type="datetimeFigureOut">
               <a:rPr lang="en-GB" smtClean="0"/>
-              <a:t>01/11/2018</a:t>
+              <a:t>02/11/2018</a:t>
             </a:fld>
             <a:endParaRPr lang="en-GB"/>
           </a:p>
@@ -7123,7 +7131,7 @@
           <a:p>
             <a:fld id="{6FBA303F-3840-4D9C-A76B-1561D3D46B11}" type="datetimeFigureOut">
               <a:rPr lang="en-GB" smtClean="0"/>
-              <a:t>01/11/2018</a:t>
+              <a:t>02/11/2018</a:t>
             </a:fld>
             <a:endParaRPr lang="en-GB"/>
           </a:p>
@@ -7367,7 +7375,7 @@
           <a:p>
             <a:fld id="{6FBA303F-3840-4D9C-A76B-1561D3D46B11}" type="datetimeFigureOut">
               <a:rPr lang="en-GB" smtClean="0"/>
-              <a:t>01/11/2018</a:t>
+              <a:t>02/11/2018</a:t>
             </a:fld>
             <a:endParaRPr lang="en-GB"/>
           </a:p>
@@ -7762,6 +7770,536 @@
 </file>
 
 <file path=ppt/slides/slide1.xml><?xml version="1.0" encoding="utf-8"?>
+<p:sld xmlns:a="http://schemas.openxmlformats.org/drawingml/2006/main" xmlns:r="http://schemas.openxmlformats.org/officeDocument/2006/relationships" xmlns:p="http://schemas.openxmlformats.org/presentationml/2006/main" showMasterSp="0">
+  <p:cSld>
+    <p:spTree>
+      <p:nvGrpSpPr>
+        <p:cNvPr id="1" name=""/>
+        <p:cNvGrpSpPr/>
+        <p:nvPr/>
+      </p:nvGrpSpPr>
+      <p:grpSpPr>
+        <a:xfrm>
+          <a:off x="0" y="0"/>
+          <a:ext cx="0" cy="0"/>
+          <a:chOff x="0" y="0"/>
+          <a:chExt cx="0" cy="0"/>
+        </a:xfrm>
+      </p:grpSpPr>
+      <p:pic>
+        <p:nvPicPr>
+          <p:cNvPr id="22" name="Picture 21"/>
+          <p:cNvPicPr>
+            <a:picLocks noChangeAspect="1"/>
+          </p:cNvPicPr>
+          <p:nvPr/>
+        </p:nvPicPr>
+        <p:blipFill>
+          <a:blip r:embed="rId2">
+            <a:extLst>
+              <a:ext uri="{28A0092B-C50C-407E-A947-70E740481C1C}">
+                <a14:useLocalDpi xmlns:a14="http://schemas.microsoft.com/office/drawing/2010/main" val="0"/>
+              </a:ext>
+            </a:extLst>
+          </a:blip>
+          <a:stretch>
+            <a:fillRect/>
+          </a:stretch>
+        </p:blipFill>
+        <p:spPr>
+          <a:xfrm>
+            <a:off x="6302326" y="108202"/>
+            <a:ext cx="4505676" cy="6578288"/>
+          </a:xfrm>
+          <a:prstGeom prst="roundRect">
+            <a:avLst>
+              <a:gd name="adj" fmla="val 4167"/>
+            </a:avLst>
+          </a:prstGeom>
+          <a:solidFill>
+            <a:srgbClr val="FFFFFF"/>
+          </a:solidFill>
+          <a:ln w="76200" cap="sq">
+            <a:solidFill>
+              <a:srgbClr val="292929"/>
+            </a:solidFill>
+            <a:miter lim="800000"/>
+          </a:ln>
+          <a:effectLst>
+            <a:reflection blurRad="12700" stA="28000" endPos="28000" dist="5000" dir="5400000" sy="-100000" algn="bl" rotWithShape="0"/>
+          </a:effectLst>
+          <a:scene3d>
+            <a:camera prst="orthographicFront"/>
+            <a:lightRig rig="threePt" dir="t">
+              <a:rot lat="0" lon="0" rev="2700000"/>
+            </a:lightRig>
+          </a:scene3d>
+          <a:sp3d>
+            <a:bevelT h="38100"/>
+            <a:contourClr>
+              <a:srgbClr val="C0C0C0"/>
+            </a:contourClr>
+          </a:sp3d>
+        </p:spPr>
+      </p:pic>
+      <p:sp>
+        <p:nvSpPr>
+          <p:cNvPr id="23" name="Title 1"/>
+          <p:cNvSpPr txBox="1">
+            <a:spLocks/>
+          </p:cNvSpPr>
+          <p:nvPr/>
+        </p:nvSpPr>
+        <p:spPr>
+          <a:xfrm>
+            <a:off x="1271540" y="1814730"/>
+            <a:ext cx="4313334" cy="3165231"/>
+          </a:xfrm>
+          <a:prstGeom prst="rect">
+            <a:avLst/>
+          </a:prstGeom>
+          <a:effectLst>
+            <a:glow rad="63500">
+              <a:schemeClr val="accent6">
+                <a:satMod val="175000"/>
+                <a:alpha val="40000"/>
+              </a:schemeClr>
+            </a:glow>
+            <a:outerShdw blurRad="50800" dist="38100" dir="2700000" algn="tl" rotWithShape="0">
+              <a:prstClr val="black">
+                <a:alpha val="40000"/>
+              </a:prstClr>
+            </a:outerShdw>
+          </a:effectLst>
+        </p:spPr>
+        <p:style>
+          <a:lnRef idx="2">
+            <a:schemeClr val="dk1">
+              <a:shade val="50000"/>
+            </a:schemeClr>
+          </a:lnRef>
+          <a:fillRef idx="1">
+            <a:schemeClr val="dk1"/>
+          </a:fillRef>
+          <a:effectRef idx="0">
+            <a:schemeClr val="dk1"/>
+          </a:effectRef>
+          <a:fontRef idx="minor">
+            <a:schemeClr val="lt1"/>
+          </a:fontRef>
+        </p:style>
+        <p:txBody>
+          <a:bodyPr vert="horz" lIns="91440" tIns="45720" rIns="91440" bIns="45720" rtlCol="0" anchor="ctr">
+            <a:normAutofit/>
+          </a:bodyPr>
+          <a:lstStyle>
+            <a:lvl1pPr algn="l" defTabSz="914400" rtl="0" eaLnBrk="1" latinLnBrk="0" hangingPunct="1">
+              <a:lnSpc>
+                <a:spcPct val="90000"/>
+              </a:lnSpc>
+              <a:spcBef>
+                <a:spcPct val="0"/>
+              </a:spcBef>
+              <a:buNone/>
+              <a:defRPr sz="3600" kern="1200">
+                <a:solidFill>
+                  <a:schemeClr val="lt1"/>
+                </a:solidFill>
+                <a:latin typeface="+mn-lt"/>
+                <a:ea typeface="+mn-ea"/>
+                <a:cs typeface="+mn-cs"/>
+              </a:defRPr>
+            </a:lvl1pPr>
+            <a:lvl2pPr>
+              <a:defRPr>
+                <a:solidFill>
+                  <a:schemeClr val="lt1"/>
+                </a:solidFill>
+                <a:latin typeface="+mn-lt"/>
+                <a:ea typeface="+mn-ea"/>
+                <a:cs typeface="+mn-cs"/>
+              </a:defRPr>
+            </a:lvl2pPr>
+            <a:lvl3pPr>
+              <a:defRPr>
+                <a:solidFill>
+                  <a:schemeClr val="lt1"/>
+                </a:solidFill>
+                <a:latin typeface="+mn-lt"/>
+                <a:ea typeface="+mn-ea"/>
+                <a:cs typeface="+mn-cs"/>
+              </a:defRPr>
+            </a:lvl3pPr>
+            <a:lvl4pPr>
+              <a:defRPr>
+                <a:solidFill>
+                  <a:schemeClr val="lt1"/>
+                </a:solidFill>
+                <a:latin typeface="+mn-lt"/>
+                <a:ea typeface="+mn-ea"/>
+                <a:cs typeface="+mn-cs"/>
+              </a:defRPr>
+            </a:lvl4pPr>
+            <a:lvl5pPr>
+              <a:defRPr>
+                <a:solidFill>
+                  <a:schemeClr val="lt1"/>
+                </a:solidFill>
+                <a:latin typeface="+mn-lt"/>
+                <a:ea typeface="+mn-ea"/>
+                <a:cs typeface="+mn-cs"/>
+              </a:defRPr>
+            </a:lvl5pPr>
+            <a:lvl6pPr>
+              <a:defRPr>
+                <a:solidFill>
+                  <a:schemeClr val="lt1"/>
+                </a:solidFill>
+                <a:latin typeface="+mn-lt"/>
+                <a:ea typeface="+mn-ea"/>
+                <a:cs typeface="+mn-cs"/>
+              </a:defRPr>
+            </a:lvl6pPr>
+            <a:lvl7pPr>
+              <a:defRPr>
+                <a:solidFill>
+                  <a:schemeClr val="lt1"/>
+                </a:solidFill>
+                <a:latin typeface="+mn-lt"/>
+                <a:ea typeface="+mn-ea"/>
+                <a:cs typeface="+mn-cs"/>
+              </a:defRPr>
+            </a:lvl7pPr>
+            <a:lvl8pPr>
+              <a:defRPr>
+                <a:solidFill>
+                  <a:schemeClr val="lt1"/>
+                </a:solidFill>
+                <a:latin typeface="+mn-lt"/>
+                <a:ea typeface="+mn-ea"/>
+                <a:cs typeface="+mn-cs"/>
+              </a:defRPr>
+            </a:lvl8pPr>
+            <a:lvl9pPr>
+              <a:defRPr>
+                <a:solidFill>
+                  <a:schemeClr val="lt1"/>
+                </a:solidFill>
+                <a:latin typeface="+mn-lt"/>
+                <a:ea typeface="+mn-ea"/>
+                <a:cs typeface="+mn-cs"/>
+              </a:defRPr>
+            </a:lvl9pPr>
+          </a:lstStyle>
+          <a:p>
+            <a:pPr algn="ctr"/>
+            <a:r>
+              <a:rPr lang="en-US" sz="7200" b="1" dirty="0" smtClean="0">
+                <a:ln w="12700">
+                  <a:solidFill>
+                    <a:schemeClr val="tx2">
+                      <a:lumMod val="75000"/>
+                    </a:schemeClr>
+                  </a:solidFill>
+                  <a:prstDash val="solid"/>
+                </a:ln>
+                <a:pattFill prst="dkUpDiag">
+                  <a:fgClr>
+                    <a:schemeClr val="tx2"/>
+                  </a:fgClr>
+                  <a:bgClr>
+                    <a:schemeClr val="tx2">
+                      <a:lumMod val="20000"/>
+                      <a:lumOff val="80000"/>
+                    </a:schemeClr>
+                  </a:bgClr>
+                </a:pattFill>
+                <a:effectLst>
+                  <a:outerShdw dist="38100" dir="2640000" algn="bl" rotWithShape="0">
+                    <a:schemeClr val="tx2">
+                      <a:lumMod val="75000"/>
+                    </a:schemeClr>
+                  </a:outerShdw>
+                </a:effectLst>
+              </a:rPr>
+              <a:t>Contact</a:t>
+            </a:r>
+            <a:endParaRPr lang="th-TH" sz="7200" b="1" dirty="0">
+              <a:ln w="12700">
+                <a:solidFill>
+                  <a:schemeClr val="tx2">
+                    <a:lumMod val="75000"/>
+                  </a:schemeClr>
+                </a:solidFill>
+                <a:prstDash val="solid"/>
+              </a:ln>
+              <a:pattFill prst="dkUpDiag">
+                <a:fgClr>
+                  <a:schemeClr val="tx2"/>
+                </a:fgClr>
+                <a:bgClr>
+                  <a:schemeClr val="tx2">
+                    <a:lumMod val="20000"/>
+                    <a:lumOff val="80000"/>
+                  </a:schemeClr>
+                </a:bgClr>
+              </a:pattFill>
+              <a:effectLst>
+                <a:outerShdw dist="38100" dir="2640000" algn="bl" rotWithShape="0">
+                  <a:schemeClr val="tx2">
+                    <a:lumMod val="75000"/>
+                  </a:schemeClr>
+                </a:outerShdw>
+              </a:effectLst>
+            </a:endParaRPr>
+          </a:p>
+        </p:txBody>
+      </p:sp>
+    </p:spTree>
+    <p:extLst>
+      <p:ext uri="{BB962C8B-B14F-4D97-AF65-F5344CB8AC3E}">
+        <p14:creationId xmlns:p14="http://schemas.microsoft.com/office/powerpoint/2010/main" val="2148988582"/>
+      </p:ext>
+    </p:extLst>
+  </p:cSld>
+  <p:clrMapOvr>
+    <a:masterClrMapping/>
+  </p:clrMapOvr>
+  <p:timing>
+    <p:tnLst>
+      <p:par>
+        <p:cTn id="1" dur="indefinite" restart="never" nodeType="tmRoot">
+          <p:childTnLst>
+            <p:seq concurrent="1" nextAc="seek">
+              <p:cTn id="2" dur="indefinite" nodeType="mainSeq">
+                <p:childTnLst>
+                  <p:par>
+                    <p:cTn id="3" fill="hold">
+                      <p:stCondLst>
+                        <p:cond delay="indefinite"/>
+                      </p:stCondLst>
+                      <p:childTnLst>
+                        <p:par>
+                          <p:cTn id="4" fill="hold">
+                            <p:stCondLst>
+                              <p:cond delay="0"/>
+                            </p:stCondLst>
+                            <p:childTnLst>
+                              <p:par>
+                                <p:cTn id="5" presetID="53" presetClass="entr" presetSubtype="16" fill="hold" grpId="0" nodeType="clickEffect">
+                                  <p:stCondLst>
+                                    <p:cond delay="0"/>
+                                  </p:stCondLst>
+                                  <p:childTnLst>
+                                    <p:set>
+                                      <p:cBhvr>
+                                        <p:cTn id="6" dur="1" fill="hold">
+                                          <p:stCondLst>
+                                            <p:cond delay="0"/>
+                                          </p:stCondLst>
+                                        </p:cTn>
+                                        <p:tgtEl>
+                                          <p:spTgt spid="23"/>
+                                        </p:tgtEl>
+                                        <p:attrNameLst>
+                                          <p:attrName>style.visibility</p:attrName>
+                                        </p:attrNameLst>
+                                      </p:cBhvr>
+                                      <p:to>
+                                        <p:strVal val="visible"/>
+                                      </p:to>
+                                    </p:set>
+                                    <p:anim calcmode="lin" valueType="num">
+                                      <p:cBhvr>
+                                        <p:cTn id="7" dur="500" fill="hold"/>
+                                        <p:tgtEl>
+                                          <p:spTgt spid="23"/>
+                                        </p:tgtEl>
+                                        <p:attrNameLst>
+                                          <p:attrName>ppt_w</p:attrName>
+                                        </p:attrNameLst>
+                                      </p:cBhvr>
+                                      <p:tavLst>
+                                        <p:tav tm="0">
+                                          <p:val>
+                                            <p:fltVal val="0"/>
+                                          </p:val>
+                                        </p:tav>
+                                        <p:tav tm="100000">
+                                          <p:val>
+                                            <p:strVal val="#ppt_w"/>
+                                          </p:val>
+                                        </p:tav>
+                                      </p:tavLst>
+                                    </p:anim>
+                                    <p:anim calcmode="lin" valueType="num">
+                                      <p:cBhvr>
+                                        <p:cTn id="8" dur="500" fill="hold"/>
+                                        <p:tgtEl>
+                                          <p:spTgt spid="23"/>
+                                        </p:tgtEl>
+                                        <p:attrNameLst>
+                                          <p:attrName>ppt_h</p:attrName>
+                                        </p:attrNameLst>
+                                      </p:cBhvr>
+                                      <p:tavLst>
+                                        <p:tav tm="0">
+                                          <p:val>
+                                            <p:fltVal val="0"/>
+                                          </p:val>
+                                        </p:tav>
+                                        <p:tav tm="100000">
+                                          <p:val>
+                                            <p:strVal val="#ppt_h"/>
+                                          </p:val>
+                                        </p:tav>
+                                      </p:tavLst>
+                                    </p:anim>
+                                    <p:animEffect transition="in" filter="fade">
+                                      <p:cBhvr>
+                                        <p:cTn id="9" dur="500"/>
+                                        <p:tgtEl>
+                                          <p:spTgt spid="23"/>
+                                        </p:tgtEl>
+                                      </p:cBhvr>
+                                    </p:animEffect>
+                                  </p:childTnLst>
+                                </p:cTn>
+                              </p:par>
+                            </p:childTnLst>
+                          </p:cTn>
+                        </p:par>
+                      </p:childTnLst>
+                    </p:cTn>
+                  </p:par>
+                  <p:par>
+                    <p:cTn id="10" fill="hold">
+                      <p:stCondLst>
+                        <p:cond delay="indefinite"/>
+                      </p:stCondLst>
+                      <p:childTnLst>
+                        <p:par>
+                          <p:cTn id="11" fill="hold">
+                            <p:stCondLst>
+                              <p:cond delay="0"/>
+                            </p:stCondLst>
+                            <p:childTnLst>
+                              <p:par>
+                                <p:cTn id="12" presetID="53" presetClass="entr" presetSubtype="16" fill="hold" nodeType="clickEffect">
+                                  <p:stCondLst>
+                                    <p:cond delay="0"/>
+                                  </p:stCondLst>
+                                  <p:childTnLst>
+                                    <p:set>
+                                      <p:cBhvr>
+                                        <p:cTn id="13" dur="1" fill="hold">
+                                          <p:stCondLst>
+                                            <p:cond delay="0"/>
+                                          </p:stCondLst>
+                                        </p:cTn>
+                                        <p:tgtEl>
+                                          <p:spTgt spid="22"/>
+                                        </p:tgtEl>
+                                        <p:attrNameLst>
+                                          <p:attrName>style.visibility</p:attrName>
+                                        </p:attrNameLst>
+                                      </p:cBhvr>
+                                      <p:to>
+                                        <p:strVal val="visible"/>
+                                      </p:to>
+                                    </p:set>
+                                    <p:anim calcmode="lin" valueType="num">
+                                      <p:cBhvr>
+                                        <p:cTn id="14" dur="500" fill="hold"/>
+                                        <p:tgtEl>
+                                          <p:spTgt spid="22"/>
+                                        </p:tgtEl>
+                                        <p:attrNameLst>
+                                          <p:attrName>ppt_w</p:attrName>
+                                        </p:attrNameLst>
+                                      </p:cBhvr>
+                                      <p:tavLst>
+                                        <p:tav tm="0">
+                                          <p:val>
+                                            <p:fltVal val="0"/>
+                                          </p:val>
+                                        </p:tav>
+                                        <p:tav tm="100000">
+                                          <p:val>
+                                            <p:strVal val="#ppt_w"/>
+                                          </p:val>
+                                        </p:tav>
+                                      </p:tavLst>
+                                    </p:anim>
+                                    <p:anim calcmode="lin" valueType="num">
+                                      <p:cBhvr>
+                                        <p:cTn id="15" dur="500" fill="hold"/>
+                                        <p:tgtEl>
+                                          <p:spTgt spid="22"/>
+                                        </p:tgtEl>
+                                        <p:attrNameLst>
+                                          <p:attrName>ppt_h</p:attrName>
+                                        </p:attrNameLst>
+                                      </p:cBhvr>
+                                      <p:tavLst>
+                                        <p:tav tm="0">
+                                          <p:val>
+                                            <p:fltVal val="0"/>
+                                          </p:val>
+                                        </p:tav>
+                                        <p:tav tm="100000">
+                                          <p:val>
+                                            <p:strVal val="#ppt_h"/>
+                                          </p:val>
+                                        </p:tav>
+                                      </p:tavLst>
+                                    </p:anim>
+                                    <p:animEffect transition="in" filter="fade">
+                                      <p:cBhvr>
+                                        <p:cTn id="16" dur="500"/>
+                                        <p:tgtEl>
+                                          <p:spTgt spid="22"/>
+                                        </p:tgtEl>
+                                      </p:cBhvr>
+                                    </p:animEffect>
+                                  </p:childTnLst>
+                                </p:cTn>
+                              </p:par>
+                            </p:childTnLst>
+                          </p:cTn>
+                        </p:par>
+                      </p:childTnLst>
+                    </p:cTn>
+                  </p:par>
+                </p:childTnLst>
+              </p:cTn>
+              <p:prevCondLst>
+                <p:cond evt="onPrev" delay="0">
+                  <p:tgtEl>
+                    <p:sldTgt/>
+                  </p:tgtEl>
+                </p:cond>
+              </p:prevCondLst>
+              <p:nextCondLst>
+                <p:cond evt="onNext" delay="0">
+                  <p:tgtEl>
+                    <p:sldTgt/>
+                  </p:tgtEl>
+                </p:cond>
+              </p:nextCondLst>
+            </p:seq>
+          </p:childTnLst>
+        </p:cTn>
+      </p:par>
+    </p:tnLst>
+    <p:bldLst>
+      <p:bldP spid="23" grpId="0" animBg="1"/>
+    </p:bldLst>
+  </p:timing>
+</p:sld>
+</file>
+
+<file path=ppt/slides/slide2.xml><?xml version="1.0" encoding="utf-8"?>
 <p:sld xmlns:a="http://schemas.openxmlformats.org/drawingml/2006/main" xmlns:r="http://schemas.openxmlformats.org/officeDocument/2006/relationships" xmlns:p="http://schemas.openxmlformats.org/presentationml/2006/main">
   <p:cSld>
     <p:spTree>
@@ -7862,7 +8400,7 @@
     </p:spTree>
     <p:extLst>
       <p:ext uri="{BB962C8B-B14F-4D97-AF65-F5344CB8AC3E}">
-        <p14:creationId xmlns:p14="http://schemas.microsoft.com/office/powerpoint/2010/main" val="3515248476"/>
+        <p14:creationId xmlns:p14="http://schemas.microsoft.com/office/powerpoint/2010/main" val="1930580497"/>
       </p:ext>
     </p:extLst>
   </p:cSld>
@@ -7879,7 +8417,7 @@
 </p:sld>
 </file>
 
-<file path=ppt/slides/slide2.xml><?xml version="1.0" encoding="utf-8"?>
+<file path=ppt/slides/slide3.xml><?xml version="1.0" encoding="utf-8"?>
 <p:sld xmlns:a="http://schemas.openxmlformats.org/drawingml/2006/main" xmlns:r="http://schemas.openxmlformats.org/officeDocument/2006/relationships" xmlns:p="http://schemas.openxmlformats.org/presentationml/2006/main" showMasterSp="0">
   <p:cSld>
     <p:spTree>
@@ -7908,8 +8446,8 @@
         </p:nvSpPr>
         <p:spPr>
           <a:xfrm>
-            <a:off x="6476103" y="218898"/>
-            <a:ext cx="4729780" cy="1080938"/>
+            <a:off x="300863" y="218898"/>
+            <a:ext cx="3581819" cy="681434"/>
           </a:xfrm>
           <a:solidFill>
             <a:schemeClr val="dk1"/>
@@ -7946,64 +8484,105 @@
           </a:fontRef>
         </p:style>
         <p:txBody>
-          <a:bodyPr/>
+          <a:bodyPr>
+            <a:normAutofit/>
+          </a:bodyPr>
           <a:lstStyle/>
           <a:p>
             <a:pPr algn="ctr"/>
             <a:r>
-              <a:rPr lang="en-US" dirty="0" err="1" smtClean="0"/>
+              <a:rPr lang="en-US" sz="2800" b="1" dirty="0" err="1" smtClean="0">
+                <a:ln w="12700">
+                  <a:solidFill>
+                    <a:schemeClr val="tx2">
+                      <a:lumMod val="75000"/>
+                    </a:schemeClr>
+                  </a:solidFill>
+                  <a:prstDash val="solid"/>
+                </a:ln>
+                <a:pattFill prst="dkUpDiag">
+                  <a:fgClr>
+                    <a:schemeClr val="tx2"/>
+                  </a:fgClr>
+                  <a:bgClr>
+                    <a:schemeClr val="tx2">
+                      <a:lumMod val="20000"/>
+                      <a:lumOff val="80000"/>
+                    </a:schemeClr>
+                  </a:bgClr>
+                </a:pattFill>
+                <a:effectLst>
+                  <a:outerShdw dist="38100" dir="2640000" algn="bl" rotWithShape="0">
+                    <a:schemeClr val="tx2">
+                      <a:lumMod val="75000"/>
+                    </a:schemeClr>
+                  </a:outerShdw>
+                </a:effectLst>
+              </a:rPr>
               <a:t>Chumphon</a:t>
             </a:r>
             <a:r>
-              <a:rPr lang="en-US" dirty="0" smtClean="0"/>
+              <a:rPr lang="en-US" sz="2800" b="1" dirty="0" smtClean="0">
+                <a:ln w="12700">
+                  <a:solidFill>
+                    <a:schemeClr val="tx2">
+                      <a:lumMod val="75000"/>
+                    </a:schemeClr>
+                  </a:solidFill>
+                  <a:prstDash val="solid"/>
+                </a:ln>
+                <a:pattFill prst="dkUpDiag">
+                  <a:fgClr>
+                    <a:schemeClr val="tx2"/>
+                  </a:fgClr>
+                  <a:bgClr>
+                    <a:schemeClr val="tx2">
+                      <a:lumMod val="20000"/>
+                      <a:lumOff val="80000"/>
+                    </a:schemeClr>
+                  </a:bgClr>
+                </a:pattFill>
+                <a:effectLst>
+                  <a:outerShdw dist="38100" dir="2640000" algn="bl" rotWithShape="0">
+                    <a:schemeClr val="tx2">
+                      <a:lumMod val="75000"/>
+                    </a:schemeClr>
+                  </a:outerShdw>
+                </a:effectLst>
+              </a:rPr>
               <a:t> Hospital</a:t>
             </a:r>
-            <a:endParaRPr lang="th-TH" dirty="0"/>
+            <a:endParaRPr lang="th-TH" sz="2800" b="1" dirty="0">
+              <a:ln w="12700">
+                <a:solidFill>
+                  <a:schemeClr val="tx2">
+                    <a:lumMod val="75000"/>
+                  </a:schemeClr>
+                </a:solidFill>
+                <a:prstDash val="solid"/>
+              </a:ln>
+              <a:pattFill prst="dkUpDiag">
+                <a:fgClr>
+                  <a:schemeClr val="tx2"/>
+                </a:fgClr>
+                <a:bgClr>
+                  <a:schemeClr val="tx2">
+                    <a:lumMod val="20000"/>
+                    <a:lumOff val="80000"/>
+                  </a:schemeClr>
+                </a:bgClr>
+              </a:pattFill>
+              <a:effectLst>
+                <a:outerShdw dist="38100" dir="2640000" algn="bl" rotWithShape="0">
+                  <a:schemeClr val="tx2">
+                    <a:lumMod val="75000"/>
+                  </a:schemeClr>
+                </a:outerShdw>
+              </a:effectLst>
+            </a:endParaRPr>
           </a:p>
         </p:txBody>
       </p:sp>
-      <p:pic>
-        <p:nvPicPr>
-          <p:cNvPr id="4" name="Content Placeholder 3"/>
-          <p:cNvPicPr>
-            <a:picLocks noGrp="1" noChangeAspect="1"/>
-          </p:cNvPicPr>
-          <p:nvPr>
-            <p:ph idx="1"/>
-          </p:nvPr>
-        </p:nvPicPr>
-        <p:blipFill>
-          <a:blip r:embed="rId2" cstate="print">
-            <a:extLst>
-              <a:ext uri="{28A0092B-C50C-407E-A947-70E740481C1C}">
-                <a14:useLocalDpi xmlns:a14="http://schemas.microsoft.com/office/drawing/2010/main" val="0"/>
-              </a:ext>
-            </a:extLst>
-          </a:blip>
-          <a:stretch>
-            <a:fillRect/>
-          </a:stretch>
-        </p:blipFill>
-        <p:spPr>
-          <a:xfrm>
-            <a:off x="2011681" y="218898"/>
-            <a:ext cx="3980328" cy="6385958"/>
-          </a:xfrm>
-          <a:effectLst>
-            <a:glow rad="63500">
-              <a:schemeClr val="accent6">
-                <a:satMod val="175000"/>
-                <a:alpha val="40000"/>
-              </a:schemeClr>
-            </a:glow>
-            <a:outerShdw blurRad="50800" dist="38100" dir="2700000" algn="tl" rotWithShape="0">
-              <a:prstClr val="black">
-                <a:alpha val="40000"/>
-              </a:prstClr>
-            </a:outerShdw>
-          </a:effectLst>
-        </p:spPr>
-      </p:pic>
       <p:graphicFrame>
         <p:nvGraphicFramePr>
           <p:cNvPr id="5" name="Table 4"/>
@@ -8013,14 +8592,14 @@
           <p:nvPr>
             <p:extLst>
               <p:ext uri="{D42A27DB-BD31-4B8C-83A1-F6EECF244321}">
-                <p14:modId xmlns:p14="http://schemas.microsoft.com/office/powerpoint/2010/main" val="2898941397"/>
+                <p14:modId xmlns:p14="http://schemas.microsoft.com/office/powerpoint/2010/main" val="395842073"/>
               </p:ext>
             </p:extLst>
           </p:nvPr>
         </p:nvGraphicFramePr>
         <p:xfrm>
-          <a:off x="6476101" y="1574165"/>
-          <a:ext cx="4729781" cy="1854200"/>
+          <a:off x="300863" y="1039673"/>
+          <a:ext cx="3581820" cy="2014489"/>
         </p:xfrm>
         <a:graphic>
           <a:graphicData uri="http://schemas.openxmlformats.org/drawingml/2006/table">
@@ -8036,14 +8615,14 @@
                 <a:tableStyleId>{5C22544A-7EE6-4342-B048-85BDC9FD1C3A}</a:tableStyleId>
               </a:tblPr>
               <a:tblGrid>
-                <a:gridCol w="3062346">
+                <a:gridCol w="2319087">
                   <a:extLst>
                     <a:ext uri="{9D8B030D-6E8A-4147-A177-3AD203B41FA5}">
                       <a16:colId xmlns:a16="http://schemas.microsoft.com/office/drawing/2014/main" val="1157876958"/>
                     </a:ext>
                   </a:extLst>
                 </a:gridCol>
-                <a:gridCol w="1667435">
+                <a:gridCol w="1262733">
                   <a:extLst>
                     <a:ext uri="{9D8B030D-6E8A-4147-A177-3AD203B41FA5}">
                       <a16:colId xmlns:a16="http://schemas.microsoft.com/office/drawing/2014/main" val="4195145967"/>
@@ -8051,7 +8630,7 @@
                   </a:extLst>
                 </a:gridCol>
               </a:tblGrid>
-              <a:tr h="370840">
+              <a:tr h="531129">
                 <a:tc>
                   <a:txBody>
                     <a:bodyPr/>
@@ -8114,7 +8693,7 @@
                     <a:p>
                       <a:pPr algn="ctr"/>
                       <a:r>
-                        <a:rPr lang="th-TH" dirty="0" smtClean="0"/>
+                        <a:rPr lang="en-US" dirty="0" smtClean="0"/>
                         <a:t>509</a:t>
                       </a:r>
                       <a:endParaRPr lang="en-GB" dirty="0"/>
@@ -8150,7 +8729,7 @@
                     <a:p>
                       <a:pPr algn="ctr"/>
                       <a:r>
-                        <a:rPr lang="th-TH" dirty="0" smtClean="0"/>
+                        <a:rPr lang="en-US" dirty="0" smtClean="0"/>
                         <a:t>10</a:t>
                       </a:r>
                       <a:endParaRPr lang="en-GB" dirty="0"/>
@@ -8186,7 +8765,7 @@
                     <a:p>
                       <a:pPr algn="ctr"/>
                       <a:r>
-                        <a:rPr lang="th-TH" dirty="0" smtClean="0"/>
+                        <a:rPr lang="en-US" dirty="0" smtClean="0"/>
                         <a:t>9</a:t>
                       </a:r>
                       <a:endParaRPr lang="en-GB" dirty="0"/>
@@ -8212,7 +8791,7 @@
                       </a:r>
                       <a:r>
                         <a:rPr lang="en-US" baseline="0" dirty="0" smtClean="0"/>
-                        <a:t> compound</a:t>
+                        <a:t> </a:t>
                       </a:r>
                       <a:endParaRPr lang="en-GB" dirty="0"/>
                     </a:p>
@@ -8226,7 +8805,7 @@
                     <a:p>
                       <a:pPr algn="ctr"/>
                       <a:r>
-                        <a:rPr lang="th-TH" dirty="0" smtClean="0"/>
+                        <a:rPr lang="en-US" dirty="0" smtClean="0"/>
                         <a:t>8</a:t>
                       </a:r>
                       <a:endParaRPr lang="en-GB" dirty="0"/>
@@ -8253,14 +8832,14 @@
           <p:nvPr>
             <p:extLst>
               <p:ext uri="{D42A27DB-BD31-4B8C-83A1-F6EECF244321}">
-                <p14:modId xmlns:p14="http://schemas.microsoft.com/office/powerpoint/2010/main" val="1264470564"/>
+                <p14:modId xmlns:p14="http://schemas.microsoft.com/office/powerpoint/2010/main" val="434999516"/>
               </p:ext>
             </p:extLst>
           </p:nvPr>
         </p:nvGraphicFramePr>
         <p:xfrm>
-          <a:off x="6476102" y="3609479"/>
-          <a:ext cx="4729780" cy="2995377"/>
+          <a:off x="300862" y="3173123"/>
+          <a:ext cx="3581819" cy="3426827"/>
         </p:xfrm>
         <a:graphic>
           <a:graphicData uri="http://schemas.openxmlformats.org/drawingml/2006/table">
@@ -8276,14 +8855,14 @@
                 <a:tableStyleId>{5C22544A-7EE6-4342-B048-85BDC9FD1C3A}</a:tableStyleId>
               </a:tblPr>
               <a:tblGrid>
-                <a:gridCol w="3071310">
+                <a:gridCol w="2325875">
                   <a:extLst>
                     <a:ext uri="{9D8B030D-6E8A-4147-A177-3AD203B41FA5}">
                       <a16:colId xmlns:a16="http://schemas.microsoft.com/office/drawing/2014/main" val="2655102549"/>
                     </a:ext>
                   </a:extLst>
                 </a:gridCol>
-                <a:gridCol w="1658470">
+                <a:gridCol w="1255944">
                   <a:extLst>
                     <a:ext uri="{9D8B030D-6E8A-4147-A177-3AD203B41FA5}">
                       <a16:colId xmlns:a16="http://schemas.microsoft.com/office/drawing/2014/main" val="974246906"/>
@@ -8291,7 +8870,7 @@
                   </a:extLst>
                 </a:gridCol>
               </a:tblGrid>
-              <a:tr h="291874">
+              <a:tr h="344018">
                 <a:tc>
                   <a:txBody>
                     <a:bodyPr/>
@@ -8328,7 +8907,7 @@
                   </a:ext>
                 </a:extLst>
               </a:tr>
-              <a:tr h="291874">
+              <a:tr h="344018">
                 <a:tc>
                   <a:txBody>
                     <a:bodyPr/>
@@ -8350,7 +8929,7 @@
                     <a:p>
                       <a:pPr algn="ctr"/>
                       <a:r>
-                        <a:rPr lang="th-TH" dirty="0" smtClean="0"/>
+                        <a:rPr lang="en-US" dirty="0" smtClean="0"/>
                         <a:t>9</a:t>
                       </a:r>
                       <a:endParaRPr lang="en-GB" dirty="0"/>
@@ -8364,7 +8943,7 @@
                   </a:ext>
                 </a:extLst>
               </a:tr>
-              <a:tr h="510779">
+              <a:tr h="602031">
                 <a:tc>
                   <a:txBody>
                     <a:bodyPr/>
@@ -8386,7 +8965,7 @@
                     <a:p>
                       <a:pPr algn="ctr"/>
                       <a:r>
-                        <a:rPr lang="th-TH" dirty="0" smtClean="0"/>
+                        <a:rPr lang="en-US" dirty="0" smtClean="0"/>
                         <a:t>21</a:t>
                       </a:r>
                       <a:endParaRPr lang="en-GB" dirty="0"/>
@@ -8400,7 +8979,7 @@
                   </a:ext>
                 </a:extLst>
               </a:tr>
-              <a:tr h="510779">
+              <a:tr h="447356">
                 <a:tc>
                   <a:txBody>
                     <a:bodyPr/>
@@ -8430,8 +9009,8 @@
                     <a:p>
                       <a:pPr algn="ctr"/>
                       <a:r>
-                        <a:rPr lang="th-TH" dirty="0" smtClean="0"/>
-                        <a:t>13</a:t>
+                        <a:rPr lang="en-US" dirty="0" smtClean="0"/>
+                        <a:t>8</a:t>
                       </a:r>
                       <a:endParaRPr lang="en-GB" dirty="0"/>
                     </a:p>
@@ -8444,7 +9023,7 @@
                   </a:ext>
                 </a:extLst>
               </a:tr>
-              <a:tr h="510779">
+              <a:tr h="602031">
                 <a:tc>
                   <a:txBody>
                     <a:bodyPr/>
@@ -8474,7 +9053,7 @@
                     <a:p>
                       <a:pPr algn="ctr"/>
                       <a:r>
-                        <a:rPr lang="th-TH" dirty="0" smtClean="0"/>
+                        <a:rPr lang="en-US" dirty="0" smtClean="0"/>
                         <a:t>3</a:t>
                       </a:r>
                       <a:endParaRPr lang="en-GB" dirty="0"/>
@@ -8488,7 +9067,7 @@
                   </a:ext>
                 </a:extLst>
               </a:tr>
-              <a:tr h="291874">
+              <a:tr h="602031">
                 <a:tc>
                   <a:txBody>
                     <a:bodyPr/>
@@ -8496,7 +9075,11 @@
                     <a:p>
                       <a:r>
                         <a:rPr lang="en-US" dirty="0" smtClean="0"/>
-                        <a:t>General Practitioner</a:t>
+                        <a:t>General </a:t>
+                      </a:r>
+                      <a:r>
+                        <a:rPr lang="en-US" dirty="0" smtClean="0"/>
+                        <a:t>Practitioner</a:t>
                       </a:r>
                       <a:endParaRPr lang="en-GB" dirty="0"/>
                     </a:p>
@@ -8510,8 +9093,8 @@
                     <a:p>
                       <a:pPr algn="ctr"/>
                       <a:r>
-                        <a:rPr lang="th-TH" dirty="0" smtClean="0"/>
-                        <a:t>5</a:t>
+                        <a:rPr lang="en-US" dirty="0" smtClean="0"/>
+                        <a:t>3</a:t>
                       </a:r>
                       <a:endParaRPr lang="en-GB" dirty="0"/>
                     </a:p>
@@ -8524,7 +9107,7 @@
                   </a:ext>
                 </a:extLst>
               </a:tr>
-              <a:tr h="291874">
+              <a:tr h="344018">
                 <a:tc>
                   <a:txBody>
                     <a:bodyPr/>
@@ -8546,8 +9129,8 @@
                     <a:p>
                       <a:pPr algn="ctr"/>
                       <a:r>
-                        <a:rPr lang="th-TH" dirty="0" smtClean="0"/>
-                        <a:t>1</a:t>
+                        <a:rPr lang="en-US" dirty="0" smtClean="0"/>
+                        <a:t>10</a:t>
                       </a:r>
                       <a:endParaRPr lang="en-GB" dirty="0"/>
                     </a:p>
@@ -8564,705 +9147,857 @@
           </a:graphicData>
         </a:graphic>
       </p:graphicFrame>
-    </p:spTree>
-    <p:extLst>
-      <p:ext uri="{BB962C8B-B14F-4D97-AF65-F5344CB8AC3E}">
-        <p14:creationId xmlns:p14="http://schemas.microsoft.com/office/powerpoint/2010/main" val="612226302"/>
-      </p:ext>
-    </p:extLst>
-  </p:cSld>
-  <p:clrMapOvr>
-    <a:masterClrMapping/>
-  </p:clrMapOvr>
-  <p:timing>
-    <p:tnLst>
-      <p:par>
-        <p:cTn id="1" dur="indefinite" restart="never" nodeType="tmRoot"/>
-      </p:par>
-    </p:tnLst>
-  </p:timing>
-</p:sld>
-</file>
-
-<file path=ppt/slides/slide3.xml><?xml version="1.0" encoding="utf-8"?>
-<p:sld xmlns:a="http://schemas.openxmlformats.org/drawingml/2006/main" xmlns:r="http://schemas.openxmlformats.org/officeDocument/2006/relationships" xmlns:p="http://schemas.openxmlformats.org/presentationml/2006/main" showMasterSp="0">
-  <p:cSld>
-    <p:spTree>
-      <p:nvGrpSpPr>
-        <p:cNvPr id="1" name=""/>
-        <p:cNvGrpSpPr/>
-        <p:nvPr/>
-      </p:nvGrpSpPr>
-      <p:grpSpPr>
-        <a:xfrm>
-          <a:off x="0" y="0"/>
-          <a:ext cx="0" cy="0"/>
-          <a:chOff x="0" y="0"/>
-          <a:chExt cx="0" cy="0"/>
-        </a:xfrm>
-      </p:grpSpPr>
-      <p:graphicFrame>
-        <p:nvGraphicFramePr>
-          <p:cNvPr id="5" name="Table 4"/>
-          <p:cNvGraphicFramePr>
-            <a:graphicFrameLocks noGrp="1"/>
-          </p:cNvGraphicFramePr>
-          <p:nvPr>
-            <p:extLst>
-              <p:ext uri="{D42A27DB-BD31-4B8C-83A1-F6EECF244321}">
-                <p14:modId xmlns:p14="http://schemas.microsoft.com/office/powerpoint/2010/main" val="1254461331"/>
-              </p:ext>
-            </p:extLst>
-          </p:nvPr>
-        </p:nvGraphicFramePr>
-        <p:xfrm>
-          <a:off x="6476102" y="1601053"/>
-          <a:ext cx="4729780" cy="4348480"/>
-        </p:xfrm>
-        <a:graphic>
-          <a:graphicData uri="http://schemas.openxmlformats.org/drawingml/2006/table">
-            <a:tbl>
-              <a:tblPr firstRow="1" bandRow="1">
+      <p:grpSp>
+        <p:nvGrpSpPr>
+          <p:cNvPr id="24" name="กลุ่ม 2"/>
+          <p:cNvGrpSpPr/>
+          <p:nvPr/>
+        </p:nvGrpSpPr>
+        <p:grpSpPr>
+          <a:xfrm>
+            <a:off x="4184040" y="958138"/>
+            <a:ext cx="3714982" cy="5818327"/>
+            <a:chOff x="2344359" y="1428736"/>
+            <a:chExt cx="3008689" cy="4665386"/>
+          </a:xfrm>
+        </p:grpSpPr>
+        <p:pic>
+          <p:nvPicPr>
+            <p:cNvPr id="25" name="รูปภาพ 3" descr="ท่าแซะเขียว.gif"/>
+            <p:cNvPicPr>
+              <a:picLocks noChangeAspect="1"/>
+            </p:cNvPicPr>
+            <p:nvPr/>
+          </p:nvPicPr>
+          <p:blipFill>
+            <a:blip r:embed="rId2"/>
+            <a:stretch>
+              <a:fillRect/>
+            </a:stretch>
+          </p:blipFill>
+          <p:spPr>
+            <a:xfrm>
+              <a:off x="3286116" y="1428736"/>
+              <a:ext cx="1257300" cy="1628775"/>
+            </a:xfrm>
+            <a:prstGeom prst="rect">
+              <a:avLst/>
+            </a:prstGeom>
+            <a:ln>
+              <a:noFill/>
+            </a:ln>
+          </p:spPr>
+        </p:pic>
+        <p:pic>
+          <p:nvPicPr>
+            <p:cNvPr id="26" name="รูปภาพ 5" descr="ปะทิวเขียว.gif"/>
+            <p:cNvPicPr>
+              <a:picLocks noChangeAspect="1"/>
+            </p:cNvPicPr>
+            <p:nvPr/>
+          </p:nvPicPr>
+          <p:blipFill>
+            <a:blip r:embed="rId3"/>
+            <a:stretch>
+              <a:fillRect/>
+            </a:stretch>
+          </p:blipFill>
+          <p:spPr>
+            <a:xfrm>
+              <a:off x="4286248" y="1571612"/>
+              <a:ext cx="1066800" cy="1457325"/>
+            </a:xfrm>
+            <a:prstGeom prst="rect">
+              <a:avLst/>
+            </a:prstGeom>
+            <a:ln>
+              <a:noFill/>
+            </a:ln>
+          </p:spPr>
+        </p:pic>
+        <p:pic>
+          <p:nvPicPr>
+            <p:cNvPr id="27" name="รูปภาพ 6" descr="เมืองเขียว.gif"/>
+            <p:cNvPicPr>
+              <a:picLocks noChangeAspect="1"/>
+            </p:cNvPicPr>
+            <p:nvPr/>
+          </p:nvPicPr>
+          <p:blipFill>
+            <a:blip r:embed="rId4"/>
+            <a:stretch>
+              <a:fillRect/>
+            </a:stretch>
+          </p:blipFill>
+          <p:spPr>
+            <a:xfrm>
+              <a:off x="3214678" y="2928934"/>
+              <a:ext cx="1314450" cy="885825"/>
+            </a:xfrm>
+            <a:prstGeom prst="rect">
+              <a:avLst/>
+            </a:prstGeom>
+            <a:ln>
+              <a:noFill/>
+            </a:ln>
+          </p:spPr>
+        </p:pic>
+        <p:pic>
+          <p:nvPicPr>
+            <p:cNvPr id="28" name="รูปภาพ 7" descr="สวีเขียว.gif"/>
+            <p:cNvPicPr>
+              <a:picLocks noChangeAspect="1"/>
+            </p:cNvPicPr>
+            <p:nvPr/>
+          </p:nvPicPr>
+          <p:blipFill>
+            <a:blip r:embed="rId5"/>
+            <a:stretch>
+              <a:fillRect/>
+            </a:stretch>
+          </p:blipFill>
+          <p:spPr>
+            <a:xfrm>
+              <a:off x="3039698" y="3417035"/>
+              <a:ext cx="1304925" cy="1323975"/>
+            </a:xfrm>
+            <a:prstGeom prst="rect">
+              <a:avLst/>
+            </a:prstGeom>
+            <a:ln>
+              <a:noFill/>
+            </a:ln>
+          </p:spPr>
+        </p:pic>
+        <p:pic>
+          <p:nvPicPr>
+            <p:cNvPr id="29" name="รูปภาพ 8" descr="ทุ่งตะโกเขียว.gif"/>
+            <p:cNvPicPr>
+              <a:picLocks noChangeAspect="1"/>
+            </p:cNvPicPr>
+            <p:nvPr/>
+          </p:nvPicPr>
+          <p:blipFill>
+            <a:blip r:embed="rId6"/>
+            <a:stretch>
+              <a:fillRect/>
+            </a:stretch>
+          </p:blipFill>
+          <p:spPr>
+            <a:xfrm>
+              <a:off x="3299179" y="4240944"/>
+              <a:ext cx="857250" cy="628650"/>
+            </a:xfrm>
+            <a:prstGeom prst="rect">
+              <a:avLst/>
+            </a:prstGeom>
+            <a:ln>
+              <a:noFill/>
+            </a:ln>
+          </p:spPr>
+        </p:pic>
+        <p:pic>
+          <p:nvPicPr>
+            <p:cNvPr id="30" name="รูปภาพ 9" descr="หลังสวนเขียว.gif"/>
+            <p:cNvPicPr>
+              <a:picLocks noChangeAspect="1"/>
+            </p:cNvPicPr>
+            <p:nvPr/>
+          </p:nvPicPr>
+          <p:blipFill>
+            <a:blip r:embed="rId7"/>
+            <a:stretch>
+              <a:fillRect/>
+            </a:stretch>
+          </p:blipFill>
+          <p:spPr>
+            <a:xfrm>
+              <a:off x="3239722" y="4624260"/>
+              <a:ext cx="962025" cy="828675"/>
+            </a:xfrm>
+            <a:prstGeom prst="rect">
+              <a:avLst/>
+            </a:prstGeom>
+            <a:ln>
+              <a:noFill/>
+            </a:ln>
+          </p:spPr>
+        </p:pic>
+        <p:pic>
+          <p:nvPicPr>
+            <p:cNvPr id="31" name="รูปภาพ 10" descr="พะโต๊ะเขียว.gif"/>
+            <p:cNvPicPr>
+              <a:picLocks noChangeAspect="1"/>
+            </p:cNvPicPr>
+            <p:nvPr/>
+          </p:nvPicPr>
+          <p:blipFill>
+            <a:blip r:embed="rId8"/>
+            <a:stretch>
+              <a:fillRect/>
+            </a:stretch>
+          </p:blipFill>
+          <p:spPr>
+            <a:xfrm>
+              <a:off x="2344359" y="4789197"/>
+              <a:ext cx="1152525" cy="1304925"/>
+            </a:xfrm>
+            <a:prstGeom prst="rect">
+              <a:avLst/>
+            </a:prstGeom>
+            <a:ln>
+              <a:noFill/>
+            </a:ln>
+          </p:spPr>
+        </p:pic>
+        <p:pic>
+          <p:nvPicPr>
+            <p:cNvPr id="32" name="รูปภาพ 11" descr="ละแมเขียว.gif"/>
+            <p:cNvPicPr>
+              <a:picLocks noChangeAspect="1"/>
+            </p:cNvPicPr>
+            <p:nvPr/>
+          </p:nvPicPr>
+          <p:blipFill>
+            <a:blip r:embed="rId9"/>
+            <a:stretch>
+              <a:fillRect/>
+            </a:stretch>
+          </p:blipFill>
+          <p:spPr>
+            <a:xfrm>
+              <a:off x="3191427" y="5339076"/>
+              <a:ext cx="923925" cy="657225"/>
+            </a:xfrm>
+            <a:prstGeom prst="rect">
+              <a:avLst/>
+            </a:prstGeom>
+            <a:ln>
+              <a:noFill/>
+            </a:ln>
+          </p:spPr>
+        </p:pic>
+        <p:sp>
+          <p:nvSpPr>
+            <p:cNvPr id="33" name="TextBox 32"/>
+            <p:cNvSpPr txBox="1"/>
+            <p:nvPr/>
+          </p:nvSpPr>
+          <p:spPr>
+            <a:xfrm>
+              <a:off x="4395082" y="2402151"/>
+              <a:ext cx="437767" cy="271467"/>
+            </a:xfrm>
+            <a:prstGeom prst="rect">
+              <a:avLst/>
+            </a:prstGeom>
+            <a:noFill/>
+            <a:ln>
+              <a:noFill/>
+            </a:ln>
+          </p:spPr>
+          <p:txBody>
+            <a:bodyPr wrap="none" rtlCol="0">
+              <a:spAutoFit/>
+            </a:bodyPr>
+            <a:lstStyle/>
+            <a:p>
+              <a:r>
+                <a:rPr lang="en-US" sz="1600" dirty="0" err="1" smtClean="0">
+                  <a:solidFill>
+                    <a:schemeClr val="bg1"/>
+                  </a:solidFill>
+                  <a:latin typeface="TH SarabunPSK" pitchFamily="34" charset="-34"/>
+                  <a:cs typeface="TH SarabunPSK" pitchFamily="34" charset="-34"/>
+                </a:rPr>
+                <a:t>Pathu</a:t>
+              </a:r>
+              <a:endParaRPr lang="th-TH" sz="1600" dirty="0">
+                <a:solidFill>
+                  <a:schemeClr val="bg1"/>
+                </a:solidFill>
+                <a:latin typeface="TH SarabunPSK" pitchFamily="34" charset="-34"/>
+                <a:cs typeface="TH SarabunPSK" pitchFamily="34" charset="-34"/>
+              </a:endParaRPr>
+            </a:p>
+          </p:txBody>
+        </p:sp>
+        <p:sp>
+          <p:nvSpPr>
+            <p:cNvPr id="34" name="TextBox 33"/>
+            <p:cNvSpPr txBox="1"/>
+            <p:nvPr/>
+          </p:nvSpPr>
+          <p:spPr>
+            <a:xfrm>
+              <a:off x="3730452" y="2357693"/>
+              <a:ext cx="501380" cy="271467"/>
+            </a:xfrm>
+            <a:prstGeom prst="rect">
+              <a:avLst/>
+            </a:prstGeom>
+            <a:noFill/>
+            <a:ln>
+              <a:noFill/>
+            </a:ln>
+          </p:spPr>
+          <p:txBody>
+            <a:bodyPr wrap="none" rtlCol="0">
+              <a:spAutoFit/>
+            </a:bodyPr>
+            <a:lstStyle/>
+            <a:p>
+              <a:r>
+                <a:rPr lang="en-US" sz="1600" dirty="0" err="1" smtClean="0">
+                  <a:solidFill>
+                    <a:schemeClr val="bg1"/>
+                  </a:solidFill>
+                  <a:latin typeface="TH SarabunPSK" pitchFamily="34" charset="-34"/>
+                  <a:cs typeface="TH SarabunPSK" pitchFamily="34" charset="-34"/>
+                </a:rPr>
+                <a:t>Thasae</a:t>
+              </a:r>
+              <a:endParaRPr lang="th-TH" sz="1600" dirty="0">
+                <a:solidFill>
+                  <a:schemeClr val="bg1"/>
+                </a:solidFill>
+                <a:latin typeface="TH SarabunPSK" pitchFamily="34" charset="-34"/>
+                <a:cs typeface="TH SarabunPSK" pitchFamily="34" charset="-34"/>
+              </a:endParaRPr>
+            </a:p>
+          </p:txBody>
+        </p:sp>
+        <p:sp>
+          <p:nvSpPr>
+            <p:cNvPr id="35" name="TextBox 34"/>
+            <p:cNvSpPr txBox="1"/>
+            <p:nvPr/>
+          </p:nvSpPr>
+          <p:spPr>
+            <a:xfrm>
+              <a:off x="3690221" y="3229117"/>
+              <a:ext cx="709099" cy="271467"/>
+            </a:xfrm>
+            <a:prstGeom prst="rect">
+              <a:avLst/>
+            </a:prstGeom>
+            <a:noFill/>
+            <a:ln>
+              <a:noFill/>
+            </a:ln>
+          </p:spPr>
+          <p:txBody>
+            <a:bodyPr wrap="none" rtlCol="0">
+              <a:spAutoFit/>
+            </a:bodyPr>
+            <a:lstStyle/>
+            <a:p>
+              <a:r>
+                <a:rPr lang="en-US" sz="1600" dirty="0" err="1" smtClean="0">
+                  <a:solidFill>
+                    <a:schemeClr val="bg1"/>
+                  </a:solidFill>
+                  <a:latin typeface="TH SarabunPSK" pitchFamily="34" charset="-34"/>
+                  <a:cs typeface="TH SarabunPSK" pitchFamily="34" charset="-34"/>
+                </a:rPr>
+                <a:t>Chumphon</a:t>
+              </a:r>
+              <a:endParaRPr lang="th-TH" sz="1600" dirty="0">
+                <a:solidFill>
+                  <a:schemeClr val="bg1"/>
+                </a:solidFill>
+                <a:latin typeface="TH SarabunPSK" pitchFamily="34" charset="-34"/>
+                <a:cs typeface="TH SarabunPSK" pitchFamily="34" charset="-34"/>
+              </a:endParaRPr>
+            </a:p>
+          </p:txBody>
+        </p:sp>
+        <p:sp>
+          <p:nvSpPr>
+            <p:cNvPr id="36" name="TextBox 35"/>
+            <p:cNvSpPr txBox="1"/>
+            <p:nvPr/>
+          </p:nvSpPr>
+          <p:spPr>
+            <a:xfrm>
+              <a:off x="3482297" y="3982551"/>
+              <a:ext cx="674205" cy="271467"/>
+            </a:xfrm>
+            <a:prstGeom prst="rect">
+              <a:avLst/>
+            </a:prstGeom>
+            <a:noFill/>
+            <a:ln>
+              <a:noFill/>
+            </a:ln>
+          </p:spPr>
+          <p:txBody>
+            <a:bodyPr wrap="square" rtlCol="0">
+              <a:spAutoFit/>
+            </a:bodyPr>
+            <a:lstStyle/>
+            <a:p>
+              <a:r>
+                <a:rPr lang="en-US" sz="1600" dirty="0" err="1" smtClean="0">
+                  <a:solidFill>
+                    <a:schemeClr val="bg1"/>
+                  </a:solidFill>
+                  <a:latin typeface="TH SarabunPSK" pitchFamily="34" charset="-34"/>
+                  <a:cs typeface="TH SarabunPSK" pitchFamily="34" charset="-34"/>
+                </a:rPr>
+                <a:t>Sawee</a:t>
+              </a:r>
+              <a:endParaRPr lang="th-TH" sz="1600" dirty="0">
+                <a:solidFill>
+                  <a:schemeClr val="bg1"/>
+                </a:solidFill>
+                <a:latin typeface="TH SarabunPSK" pitchFamily="34" charset="-34"/>
+                <a:cs typeface="TH SarabunPSK" pitchFamily="34" charset="-34"/>
+              </a:endParaRPr>
+            </a:p>
+          </p:txBody>
+        </p:sp>
+        <p:sp>
+          <p:nvSpPr>
+            <p:cNvPr id="37" name="TextBox 36"/>
+            <p:cNvSpPr txBox="1"/>
+            <p:nvPr/>
+          </p:nvSpPr>
+          <p:spPr>
+            <a:xfrm>
+              <a:off x="3802306" y="4408736"/>
+              <a:ext cx="738958" cy="271467"/>
+            </a:xfrm>
+            <a:prstGeom prst="rect">
+              <a:avLst/>
+            </a:prstGeom>
+            <a:noFill/>
+            <a:ln>
+              <a:noFill/>
+            </a:ln>
+          </p:spPr>
+          <p:txBody>
+            <a:bodyPr wrap="none" rtlCol="0">
+              <a:spAutoFit/>
+            </a:bodyPr>
+            <a:lstStyle/>
+            <a:p>
+              <a:r>
+                <a:rPr lang="en-US" sz="1600" dirty="0" err="1" smtClean="0">
+                  <a:solidFill>
+                    <a:schemeClr val="bg1"/>
+                  </a:solidFill>
+                  <a:latin typeface="TH SarabunPSK" pitchFamily="34" charset="-34"/>
+                  <a:cs typeface="TH SarabunPSK" pitchFamily="34" charset="-34"/>
+                </a:rPr>
+                <a:t>Thungthago</a:t>
+              </a:r>
+              <a:endParaRPr lang="th-TH" sz="1600" dirty="0">
+                <a:solidFill>
+                  <a:schemeClr val="bg1"/>
+                </a:solidFill>
+                <a:latin typeface="TH SarabunPSK" pitchFamily="34" charset="-34"/>
+                <a:cs typeface="TH SarabunPSK" pitchFamily="34" charset="-34"/>
+              </a:endParaRPr>
+            </a:p>
+          </p:txBody>
+        </p:sp>
+        <p:sp>
+          <p:nvSpPr>
+            <p:cNvPr id="38" name="TextBox 37"/>
+            <p:cNvSpPr txBox="1"/>
+            <p:nvPr/>
+          </p:nvSpPr>
+          <p:spPr>
+            <a:xfrm>
+              <a:off x="2629617" y="5304978"/>
+              <a:ext cx="439065" cy="271467"/>
+            </a:xfrm>
+            <a:prstGeom prst="rect">
+              <a:avLst/>
+            </a:prstGeom>
+            <a:noFill/>
+            <a:ln>
+              <a:noFill/>
+            </a:ln>
+          </p:spPr>
+          <p:txBody>
+            <a:bodyPr wrap="none" rtlCol="0">
+              <a:spAutoFit/>
+            </a:bodyPr>
+            <a:lstStyle/>
+            <a:p>
+              <a:r>
+                <a:rPr lang="en-US" sz="1600" dirty="0" err="1" smtClean="0">
+                  <a:solidFill>
+                    <a:schemeClr val="bg1"/>
+                  </a:solidFill>
+                  <a:latin typeface="TH SarabunPSK" pitchFamily="34" charset="-34"/>
+                  <a:cs typeface="TH SarabunPSK" pitchFamily="34" charset="-34"/>
+                </a:rPr>
+                <a:t>Phato</a:t>
+              </a:r>
+              <a:endParaRPr lang="th-TH" sz="1600" dirty="0">
+                <a:solidFill>
+                  <a:schemeClr val="bg1"/>
+                </a:solidFill>
+                <a:latin typeface="TH SarabunPSK" pitchFamily="34" charset="-34"/>
+                <a:cs typeface="TH SarabunPSK" pitchFamily="34" charset="-34"/>
+              </a:endParaRPr>
+            </a:p>
+          </p:txBody>
+        </p:sp>
+        <p:sp>
+          <p:nvSpPr>
+            <p:cNvPr id="39" name="TextBox 38"/>
+            <p:cNvSpPr txBox="1"/>
+            <p:nvPr/>
+          </p:nvSpPr>
+          <p:spPr>
+            <a:xfrm>
+              <a:off x="3293900" y="4974218"/>
+              <a:ext cx="615625" cy="271467"/>
+            </a:xfrm>
+            <a:prstGeom prst="rect">
+              <a:avLst/>
+            </a:prstGeom>
+            <a:noFill/>
+            <a:ln>
+              <a:noFill/>
+            </a:ln>
+          </p:spPr>
+          <p:txBody>
+            <a:bodyPr wrap="none" rtlCol="0">
+              <a:spAutoFit/>
+            </a:bodyPr>
+            <a:lstStyle/>
+            <a:p>
+              <a:r>
+                <a:rPr lang="en-US" sz="1600" dirty="0" err="1" smtClean="0">
+                  <a:solidFill>
+                    <a:schemeClr val="bg1"/>
+                  </a:solidFill>
+                  <a:effectLst>
+                    <a:outerShdw blurRad="38100" dist="38100" dir="2700000" algn="tl">
+                      <a:srgbClr val="000000">
+                        <a:alpha val="43137"/>
+                      </a:srgbClr>
+                    </a:outerShdw>
+                  </a:effectLst>
+                  <a:latin typeface="TH SarabunPSK" pitchFamily="34" charset="-34"/>
+                  <a:cs typeface="TH SarabunPSK" pitchFamily="34" charset="-34"/>
+                </a:rPr>
+                <a:t>Langsuan</a:t>
+              </a:r>
+              <a:endParaRPr lang="th-TH" sz="1600" dirty="0">
+                <a:solidFill>
+                  <a:schemeClr val="bg1"/>
+                </a:solidFill>
                 <a:effectLst>
-                  <a:outerShdw blurRad="50800" dist="38100" dir="2700000" algn="tl" rotWithShape="0">
-                    <a:prstClr val="black">
-                      <a:alpha val="40000"/>
-                    </a:prstClr>
+                  <a:outerShdw blurRad="38100" dist="38100" dir="2700000" algn="tl">
+                    <a:srgbClr val="000000">
+                      <a:alpha val="43137"/>
+                    </a:srgbClr>
                   </a:outerShdw>
                 </a:effectLst>
-                <a:tableStyleId>{5C22544A-7EE6-4342-B048-85BDC9FD1C3A}</a:tableStyleId>
-              </a:tblPr>
-              <a:tblGrid>
-                <a:gridCol w="2924996">
-                  <a:extLst>
-                    <a:ext uri="{9D8B030D-6E8A-4147-A177-3AD203B41FA5}">
-                      <a16:colId xmlns:a16="http://schemas.microsoft.com/office/drawing/2014/main" val="1157876958"/>
-                    </a:ext>
-                  </a:extLst>
-                </a:gridCol>
-                <a:gridCol w="1804784">
-                  <a:extLst>
-                    <a:ext uri="{9D8B030D-6E8A-4147-A177-3AD203B41FA5}">
-                      <a16:colId xmlns:a16="http://schemas.microsoft.com/office/drawing/2014/main" val="4195145967"/>
-                    </a:ext>
-                  </a:extLst>
-                </a:gridCol>
-              </a:tblGrid>
-              <a:tr h="370840">
-                <a:tc>
-                  <a:txBody>
-                    <a:bodyPr/>
-                    <a:lstStyle/>
-                    <a:p>
-                      <a:pPr algn="ctr"/>
-                      <a:r>
-                        <a:rPr lang="en-US" dirty="0" smtClean="0"/>
-                        <a:t>List</a:t>
-                      </a:r>
-                      <a:endParaRPr lang="en-GB" dirty="0"/>
-                    </a:p>
-                  </a:txBody>
-                  <a:tcPr anchor="ctr"/>
-                </a:tc>
-                <a:tc>
-                  <a:txBody>
-                    <a:bodyPr/>
-                    <a:lstStyle/>
-                    <a:p>
-                      <a:pPr algn="ctr"/>
-                      <a:r>
-                        <a:rPr lang="en-US" dirty="0" smtClean="0"/>
-                        <a:t>Size</a:t>
-                      </a:r>
-                      <a:r>
-                        <a:rPr lang="en-US" baseline="0" dirty="0" smtClean="0"/>
-                        <a:t> (bed)</a:t>
-                      </a:r>
-                      <a:endParaRPr lang="en-GB" dirty="0"/>
-                    </a:p>
-                  </a:txBody>
-                  <a:tcPr anchor="ctr"/>
-                </a:tc>
-                <a:extLst>
-                  <a:ext uri="{0D108BD9-81ED-4DB2-BD59-A6C34878D82A}">
-                    <a16:rowId xmlns:a16="http://schemas.microsoft.com/office/drawing/2014/main" val="1520439797"/>
-                  </a:ext>
-                </a:extLst>
-              </a:tr>
-              <a:tr h="370840">
-                <a:tc>
-                  <a:txBody>
-                    <a:bodyPr/>
-                    <a:lstStyle/>
-                    <a:p>
-                      <a:r>
-                        <a:rPr lang="en-US" dirty="0" err="1" smtClean="0"/>
-                        <a:t>Marbammarit</a:t>
-                      </a:r>
-                      <a:r>
-                        <a:rPr lang="en-US" baseline="0" dirty="0" smtClean="0"/>
-                        <a:t> Hospital</a:t>
-                      </a:r>
-                      <a:endParaRPr lang="en-GB" dirty="0"/>
-                    </a:p>
-                  </a:txBody>
-                  <a:tcPr anchor="ctr"/>
-                </a:tc>
-                <a:tc>
-                  <a:txBody>
-                    <a:bodyPr/>
-                    <a:lstStyle/>
-                    <a:p>
-                      <a:pPr algn="ctr"/>
-                      <a:r>
-                        <a:rPr lang="th-TH" dirty="0" smtClean="0"/>
-                        <a:t>30</a:t>
-                      </a:r>
-                      <a:endParaRPr lang="en-GB" dirty="0"/>
-                    </a:p>
-                  </a:txBody>
-                  <a:tcPr anchor="ctr"/>
-                </a:tc>
-                <a:extLst>
-                  <a:ext uri="{0D108BD9-81ED-4DB2-BD59-A6C34878D82A}">
-                    <a16:rowId xmlns:a16="http://schemas.microsoft.com/office/drawing/2014/main" val="1350042359"/>
-                  </a:ext>
-                </a:extLst>
-              </a:tr>
-              <a:tr h="370840">
-                <a:tc>
-                  <a:txBody>
-                    <a:bodyPr/>
-                    <a:lstStyle/>
-                    <a:p>
-                      <a:r>
-                        <a:rPr lang="en-US" dirty="0" err="1" smtClean="0"/>
-                        <a:t>Pathu</a:t>
-                      </a:r>
-                      <a:r>
-                        <a:rPr lang="en-US" dirty="0" smtClean="0"/>
-                        <a:t> Hospital</a:t>
-                      </a:r>
-                      <a:endParaRPr lang="en-GB" dirty="0"/>
-                    </a:p>
-                  </a:txBody>
-                  <a:tcPr anchor="ctr"/>
-                </a:tc>
-                <a:tc>
-                  <a:txBody>
-                    <a:bodyPr/>
-                    <a:lstStyle/>
-                    <a:p>
-                      <a:pPr marL="0" marR="0" lvl="0" indent="0" algn="ctr" defTabSz="914400" rtl="0" eaLnBrk="1" fontAlgn="auto" latinLnBrk="0" hangingPunct="1">
-                        <a:lnSpc>
-                          <a:spcPct val="100000"/>
-                        </a:lnSpc>
-                        <a:spcBef>
-                          <a:spcPts val="0"/>
-                        </a:spcBef>
-                        <a:spcAft>
-                          <a:spcPts val="0"/>
-                        </a:spcAft>
-                        <a:buClrTx/>
-                        <a:buSzTx/>
-                        <a:buFontTx/>
-                        <a:buNone/>
-                        <a:tabLst/>
-                        <a:defRPr/>
-                      </a:pPr>
-                      <a:r>
-                        <a:rPr lang="th-TH" dirty="0" smtClean="0"/>
-                        <a:t>60</a:t>
-                      </a:r>
-                      <a:endParaRPr lang="en-GB" dirty="0" smtClean="0"/>
-                    </a:p>
-                  </a:txBody>
-                  <a:tcPr anchor="ctr"/>
-                </a:tc>
-                <a:extLst>
-                  <a:ext uri="{0D108BD9-81ED-4DB2-BD59-A6C34878D82A}">
-                    <a16:rowId xmlns:a16="http://schemas.microsoft.com/office/drawing/2014/main" val="576331464"/>
-                  </a:ext>
-                </a:extLst>
-              </a:tr>
-              <a:tr h="370840">
-                <a:tc>
-                  <a:txBody>
-                    <a:bodyPr/>
-                    <a:lstStyle/>
-                    <a:p>
-                      <a:r>
-                        <a:rPr lang="en-US" dirty="0" err="1" smtClean="0"/>
-                        <a:t>Thasae</a:t>
-                      </a:r>
-                      <a:r>
-                        <a:rPr lang="en-US" dirty="0" smtClean="0"/>
-                        <a:t> Hospital</a:t>
-                      </a:r>
-                      <a:endParaRPr lang="en-GB" dirty="0"/>
-                    </a:p>
-                  </a:txBody>
-                  <a:tcPr anchor="ctr"/>
-                </a:tc>
-                <a:tc>
-                  <a:txBody>
-                    <a:bodyPr/>
-                    <a:lstStyle/>
-                    <a:p>
-                      <a:pPr algn="ctr"/>
-                      <a:r>
-                        <a:rPr lang="th-TH" dirty="0" smtClean="0"/>
-                        <a:t>60</a:t>
-                      </a:r>
-                      <a:endParaRPr lang="en-GB" dirty="0"/>
-                    </a:p>
-                  </a:txBody>
-                  <a:tcPr anchor="ctr"/>
-                </a:tc>
-                <a:extLst>
-                  <a:ext uri="{0D108BD9-81ED-4DB2-BD59-A6C34878D82A}">
-                    <a16:rowId xmlns:a16="http://schemas.microsoft.com/office/drawing/2014/main" val="3182953058"/>
-                  </a:ext>
-                </a:extLst>
-              </a:tr>
-              <a:tr h="370840">
-                <a:tc>
-                  <a:txBody>
-                    <a:bodyPr/>
-                    <a:lstStyle/>
-                    <a:p>
-                      <a:r>
-                        <a:rPr lang="en-US" dirty="0" err="1" smtClean="0"/>
-                        <a:t>Paknamchumphon</a:t>
-                      </a:r>
-                      <a:r>
-                        <a:rPr lang="en-US" dirty="0" smtClean="0"/>
-                        <a:t> Hospital</a:t>
-                      </a:r>
-                      <a:endParaRPr lang="en-GB" dirty="0"/>
-                    </a:p>
-                  </a:txBody>
-                  <a:tcPr anchor="ctr"/>
-                </a:tc>
-                <a:tc>
-                  <a:txBody>
-                    <a:bodyPr/>
-                    <a:lstStyle/>
-                    <a:p>
-                      <a:pPr algn="ctr"/>
-                      <a:r>
-                        <a:rPr lang="th-TH" dirty="0" smtClean="0"/>
-                        <a:t>10</a:t>
-                      </a:r>
-                      <a:endParaRPr lang="en-GB" dirty="0"/>
-                    </a:p>
-                  </a:txBody>
-                  <a:tcPr anchor="ctr"/>
-                </a:tc>
-                <a:extLst>
-                  <a:ext uri="{0D108BD9-81ED-4DB2-BD59-A6C34878D82A}">
-                    <a16:rowId xmlns:a16="http://schemas.microsoft.com/office/drawing/2014/main" val="1374658532"/>
-                  </a:ext>
-                </a:extLst>
-              </a:tr>
-              <a:tr h="370840">
-                <a:tc>
-                  <a:txBody>
-                    <a:bodyPr/>
-                    <a:lstStyle/>
-                    <a:p>
-                      <a:r>
-                        <a:rPr lang="en-GB" dirty="0" err="1" smtClean="0"/>
-                        <a:t>Sawee</a:t>
-                      </a:r>
-                      <a:r>
-                        <a:rPr lang="en-GB" baseline="0" dirty="0" smtClean="0"/>
-                        <a:t> Hospital</a:t>
-                      </a:r>
-                      <a:endParaRPr lang="en-GB" dirty="0"/>
-                    </a:p>
-                  </a:txBody>
-                  <a:tcPr anchor="ctr"/>
-                </a:tc>
-                <a:tc>
-                  <a:txBody>
-                    <a:bodyPr/>
-                    <a:lstStyle/>
-                    <a:p>
-                      <a:pPr marL="0" marR="0" lvl="0" indent="0" algn="ctr" defTabSz="914400" rtl="0" eaLnBrk="1" fontAlgn="auto" latinLnBrk="0" hangingPunct="1">
-                        <a:lnSpc>
-                          <a:spcPct val="100000"/>
-                        </a:lnSpc>
-                        <a:spcBef>
-                          <a:spcPts val="0"/>
-                        </a:spcBef>
-                        <a:spcAft>
-                          <a:spcPts val="0"/>
-                        </a:spcAft>
-                        <a:buClrTx/>
-                        <a:buSzTx/>
-                        <a:buFontTx/>
-                        <a:buNone/>
-                        <a:tabLst/>
-                        <a:defRPr/>
-                      </a:pPr>
-                      <a:r>
-                        <a:rPr lang="th-TH" dirty="0" smtClean="0"/>
-                        <a:t>67</a:t>
-                      </a:r>
-                      <a:endParaRPr lang="en-GB" dirty="0" smtClean="0"/>
-                    </a:p>
-                  </a:txBody>
-                  <a:tcPr anchor="ctr"/>
-                </a:tc>
-                <a:extLst>
-                  <a:ext uri="{0D108BD9-81ED-4DB2-BD59-A6C34878D82A}">
-                    <a16:rowId xmlns:a16="http://schemas.microsoft.com/office/drawing/2014/main" val="1302943655"/>
-                  </a:ext>
-                </a:extLst>
-              </a:tr>
-              <a:tr h="370840">
-                <a:tc>
-                  <a:txBody>
-                    <a:bodyPr/>
-                    <a:lstStyle/>
-                    <a:p>
-                      <a:r>
-                        <a:rPr lang="en-GB" dirty="0" err="1" smtClean="0"/>
-                        <a:t>Thungthago</a:t>
-                      </a:r>
-                      <a:r>
-                        <a:rPr lang="en-GB" dirty="0" smtClean="0"/>
-                        <a:t> Hospital</a:t>
-                      </a:r>
-                      <a:endParaRPr lang="en-GB" dirty="0"/>
-                    </a:p>
-                  </a:txBody>
-                  <a:tcPr anchor="ctr"/>
-                </a:tc>
-                <a:tc>
-                  <a:txBody>
-                    <a:bodyPr/>
-                    <a:lstStyle/>
-                    <a:p>
-                      <a:pPr marL="0" marR="0" lvl="0" indent="0" algn="ctr" defTabSz="914400" rtl="0" eaLnBrk="1" fontAlgn="auto" latinLnBrk="0" hangingPunct="1">
-                        <a:lnSpc>
-                          <a:spcPct val="100000"/>
-                        </a:lnSpc>
-                        <a:spcBef>
-                          <a:spcPts val="0"/>
-                        </a:spcBef>
-                        <a:spcAft>
-                          <a:spcPts val="0"/>
-                        </a:spcAft>
-                        <a:buClrTx/>
-                        <a:buSzTx/>
-                        <a:buFontTx/>
-                        <a:buNone/>
-                        <a:tabLst/>
-                        <a:defRPr/>
-                      </a:pPr>
-                      <a:r>
-                        <a:rPr lang="th-TH" dirty="0" smtClean="0"/>
-                        <a:t>30</a:t>
-                      </a:r>
-                      <a:endParaRPr lang="en-GB" dirty="0" smtClean="0"/>
-                    </a:p>
-                  </a:txBody>
-                  <a:tcPr anchor="ctr"/>
-                </a:tc>
-                <a:extLst>
-                  <a:ext uri="{0D108BD9-81ED-4DB2-BD59-A6C34878D82A}">
-                    <a16:rowId xmlns:a16="http://schemas.microsoft.com/office/drawing/2014/main" val="1859983003"/>
-                  </a:ext>
-                </a:extLst>
-              </a:tr>
-              <a:tr h="370840">
-                <a:tc>
-                  <a:txBody>
-                    <a:bodyPr/>
-                    <a:lstStyle/>
-                    <a:p>
-                      <a:r>
-                        <a:rPr lang="en-GB" dirty="0" err="1" smtClean="0"/>
-                        <a:t>Langsuan</a:t>
-                      </a:r>
-                      <a:r>
-                        <a:rPr lang="en-GB" dirty="0" smtClean="0"/>
-                        <a:t> Hospital</a:t>
-                      </a:r>
-                      <a:endParaRPr lang="en-GB" dirty="0"/>
-                    </a:p>
-                  </a:txBody>
-                  <a:tcPr anchor="ctr"/>
-                </a:tc>
-                <a:tc>
-                  <a:txBody>
-                    <a:bodyPr/>
-                    <a:lstStyle/>
-                    <a:p>
-                      <a:pPr marL="0" marR="0" lvl="0" indent="0" algn="ctr" defTabSz="914400" rtl="0" eaLnBrk="1" fontAlgn="auto" latinLnBrk="0" hangingPunct="1">
-                        <a:lnSpc>
-                          <a:spcPct val="100000"/>
-                        </a:lnSpc>
-                        <a:spcBef>
-                          <a:spcPts val="0"/>
-                        </a:spcBef>
-                        <a:spcAft>
-                          <a:spcPts val="0"/>
-                        </a:spcAft>
-                        <a:buClrTx/>
-                        <a:buSzTx/>
-                        <a:buFontTx/>
-                        <a:buNone/>
-                        <a:tabLst/>
-                        <a:defRPr/>
-                      </a:pPr>
-                      <a:r>
-                        <a:rPr lang="th-TH" dirty="0" smtClean="0"/>
-                        <a:t>120</a:t>
-                      </a:r>
-                      <a:endParaRPr lang="en-GB" dirty="0" smtClean="0"/>
-                    </a:p>
-                  </a:txBody>
-                  <a:tcPr anchor="ctr"/>
-                </a:tc>
-                <a:extLst>
-                  <a:ext uri="{0D108BD9-81ED-4DB2-BD59-A6C34878D82A}">
-                    <a16:rowId xmlns:a16="http://schemas.microsoft.com/office/drawing/2014/main" val="2061888663"/>
-                  </a:ext>
-                </a:extLst>
-              </a:tr>
-              <a:tr h="370840">
-                <a:tc>
-                  <a:txBody>
-                    <a:bodyPr/>
-                    <a:lstStyle/>
-                    <a:p>
-                      <a:r>
-                        <a:rPr lang="en-GB" dirty="0" err="1" smtClean="0"/>
-                        <a:t>Paknamlangsuan</a:t>
-                      </a:r>
-                      <a:r>
-                        <a:rPr lang="en-GB" dirty="0" smtClean="0"/>
-                        <a:t> Hospital</a:t>
-                      </a:r>
-                      <a:endParaRPr lang="en-GB" dirty="0"/>
-                    </a:p>
-                  </a:txBody>
-                  <a:tcPr anchor="ctr"/>
-                </a:tc>
-                <a:tc>
-                  <a:txBody>
-                    <a:bodyPr/>
-                    <a:lstStyle/>
-                    <a:p>
-                      <a:pPr marL="0" marR="0" lvl="0" indent="0" algn="ctr" defTabSz="914400" rtl="0" eaLnBrk="1" fontAlgn="auto" latinLnBrk="0" hangingPunct="1">
-                        <a:lnSpc>
-                          <a:spcPct val="100000"/>
-                        </a:lnSpc>
-                        <a:spcBef>
-                          <a:spcPts val="0"/>
-                        </a:spcBef>
-                        <a:spcAft>
-                          <a:spcPts val="0"/>
-                        </a:spcAft>
-                        <a:buClrTx/>
-                        <a:buSzTx/>
-                        <a:buFontTx/>
-                        <a:buNone/>
-                        <a:tabLst/>
-                        <a:defRPr/>
-                      </a:pPr>
-                      <a:r>
-                        <a:rPr lang="th-TH" dirty="0" smtClean="0"/>
-                        <a:t>22</a:t>
-                      </a:r>
-                      <a:endParaRPr lang="en-GB" dirty="0" smtClean="0"/>
-                    </a:p>
-                  </a:txBody>
-                  <a:tcPr anchor="ctr"/>
-                </a:tc>
-                <a:extLst>
-                  <a:ext uri="{0D108BD9-81ED-4DB2-BD59-A6C34878D82A}">
-                    <a16:rowId xmlns:a16="http://schemas.microsoft.com/office/drawing/2014/main" val="2316787352"/>
-                  </a:ext>
-                </a:extLst>
-              </a:tr>
-              <a:tr h="370840">
-                <a:tc>
-                  <a:txBody>
-                    <a:bodyPr/>
-                    <a:lstStyle/>
-                    <a:p>
-                      <a:r>
-                        <a:rPr lang="en-GB" dirty="0" err="1" smtClean="0"/>
-                        <a:t>Lamae</a:t>
-                      </a:r>
-                      <a:r>
-                        <a:rPr lang="en-GB" dirty="0" smtClean="0"/>
-                        <a:t> Hospital</a:t>
-                      </a:r>
-                      <a:endParaRPr lang="en-GB" dirty="0"/>
-                    </a:p>
-                  </a:txBody>
-                  <a:tcPr anchor="ctr"/>
-                </a:tc>
-                <a:tc>
-                  <a:txBody>
-                    <a:bodyPr/>
-                    <a:lstStyle/>
-                    <a:p>
-                      <a:pPr marL="0" marR="0" lvl="0" indent="0" algn="ctr" defTabSz="914400" rtl="0" eaLnBrk="1" fontAlgn="auto" latinLnBrk="0" hangingPunct="1">
-                        <a:lnSpc>
-                          <a:spcPct val="100000"/>
-                        </a:lnSpc>
-                        <a:spcBef>
-                          <a:spcPts val="0"/>
-                        </a:spcBef>
-                        <a:spcAft>
-                          <a:spcPts val="0"/>
-                        </a:spcAft>
-                        <a:buClrTx/>
-                        <a:buSzTx/>
-                        <a:buFontTx/>
-                        <a:buNone/>
-                        <a:tabLst/>
-                        <a:defRPr/>
-                      </a:pPr>
-                      <a:r>
-                        <a:rPr lang="th-TH" dirty="0" smtClean="0"/>
-                        <a:t>30</a:t>
-                      </a:r>
-                      <a:endParaRPr lang="en-GB" dirty="0" smtClean="0"/>
-                    </a:p>
-                  </a:txBody>
-                  <a:tcPr anchor="ctr"/>
-                </a:tc>
-                <a:extLst>
-                  <a:ext uri="{0D108BD9-81ED-4DB2-BD59-A6C34878D82A}">
-                    <a16:rowId xmlns:a16="http://schemas.microsoft.com/office/drawing/2014/main" val="286391033"/>
-                  </a:ext>
-                </a:extLst>
-              </a:tr>
-              <a:tr h="370840">
-                <a:tc>
-                  <a:txBody>
-                    <a:bodyPr/>
-                    <a:lstStyle/>
-                    <a:p>
-                      <a:r>
-                        <a:rPr lang="en-GB" dirty="0" err="1" smtClean="0"/>
-                        <a:t>Patho</a:t>
-                      </a:r>
-                      <a:r>
-                        <a:rPr lang="en-GB" dirty="0" smtClean="0"/>
-                        <a:t> Hospital</a:t>
-                      </a:r>
-                      <a:endParaRPr lang="en-GB" dirty="0"/>
-                    </a:p>
-                  </a:txBody>
-                  <a:tcPr anchor="ctr"/>
-                </a:tc>
-                <a:tc>
-                  <a:txBody>
-                    <a:bodyPr/>
-                    <a:lstStyle/>
-                    <a:p>
-                      <a:pPr marL="0" marR="0" lvl="0" indent="0" algn="ctr" defTabSz="914400" rtl="0" eaLnBrk="1" fontAlgn="auto" latinLnBrk="0" hangingPunct="1">
-                        <a:lnSpc>
-                          <a:spcPct val="100000"/>
-                        </a:lnSpc>
-                        <a:spcBef>
-                          <a:spcPts val="0"/>
-                        </a:spcBef>
-                        <a:spcAft>
-                          <a:spcPts val="0"/>
-                        </a:spcAft>
-                        <a:buClrTx/>
-                        <a:buSzTx/>
-                        <a:buFontTx/>
-                        <a:buNone/>
-                        <a:tabLst/>
-                        <a:defRPr/>
-                      </a:pPr>
-                      <a:r>
-                        <a:rPr lang="th-TH" dirty="0" smtClean="0"/>
-                        <a:t>30</a:t>
-                      </a:r>
-                      <a:endParaRPr lang="en-GB" dirty="0" smtClean="0"/>
-                    </a:p>
-                  </a:txBody>
-                  <a:tcPr anchor="ctr"/>
-                </a:tc>
-                <a:extLst>
-                  <a:ext uri="{0D108BD9-81ED-4DB2-BD59-A6C34878D82A}">
-                    <a16:rowId xmlns:a16="http://schemas.microsoft.com/office/drawing/2014/main" val="3784719480"/>
-                  </a:ext>
-                </a:extLst>
-              </a:tr>
-            </a:tbl>
-          </a:graphicData>
-        </a:graphic>
-      </p:graphicFrame>
-      <p:pic>
-        <p:nvPicPr>
-          <p:cNvPr id="7" name="Content Placeholder 6"/>
-          <p:cNvPicPr>
-            <a:picLocks noGrp="1" noChangeAspect="1"/>
-          </p:cNvPicPr>
-          <p:nvPr>
-            <p:ph idx="1"/>
-          </p:nvPr>
-        </p:nvPicPr>
-        <p:blipFill>
-          <a:blip r:embed="rId2" cstate="print">
-            <a:extLst>
-              <a:ext uri="{28A0092B-C50C-407E-A947-70E740481C1C}">
-                <a14:useLocalDpi xmlns:a14="http://schemas.microsoft.com/office/drawing/2010/main" val="0"/>
-              </a:ext>
-            </a:extLst>
-          </a:blip>
-          <a:stretch>
-            <a:fillRect/>
-          </a:stretch>
-        </p:blipFill>
-        <p:spPr>
-          <a:xfrm>
-            <a:off x="2016163" y="218899"/>
-            <a:ext cx="4018876" cy="6425528"/>
-          </a:xfrm>
-          <a:effectLst>
-            <a:glow rad="63500">
-              <a:schemeClr val="accent6">
-                <a:satMod val="175000"/>
-                <a:alpha val="40000"/>
-              </a:schemeClr>
-            </a:glow>
-            <a:outerShdw blurRad="50800" dist="38100" dir="2700000" algn="tl" rotWithShape="0">
-              <a:prstClr val="black">
-                <a:alpha val="40000"/>
-              </a:prstClr>
-            </a:outerShdw>
-          </a:effectLst>
-        </p:spPr>
-      </p:pic>
+                <a:latin typeface="TH SarabunPSK" pitchFamily="34" charset="-34"/>
+                <a:cs typeface="TH SarabunPSK" pitchFamily="34" charset="-34"/>
+              </a:endParaRPr>
+            </a:p>
+          </p:txBody>
+        </p:sp>
+        <p:sp>
+          <p:nvSpPr>
+            <p:cNvPr id="40" name="TextBox 39"/>
+            <p:cNvSpPr txBox="1"/>
+            <p:nvPr/>
+          </p:nvSpPr>
+          <p:spPr>
+            <a:xfrm>
+              <a:off x="3819399" y="5510080"/>
+              <a:ext cx="501380" cy="271467"/>
+            </a:xfrm>
+            <a:prstGeom prst="rect">
+              <a:avLst/>
+            </a:prstGeom>
+            <a:noFill/>
+            <a:ln>
+              <a:noFill/>
+            </a:ln>
+          </p:spPr>
+          <p:txBody>
+            <a:bodyPr wrap="none" rtlCol="0">
+              <a:spAutoFit/>
+            </a:bodyPr>
+            <a:lstStyle/>
+            <a:p>
+              <a:r>
+                <a:rPr lang="en-US" sz="1600" b="1" dirty="0" err="1" smtClean="0">
+                  <a:solidFill>
+                    <a:schemeClr val="bg1"/>
+                  </a:solidFill>
+                  <a:latin typeface="TH SarabunPSK" pitchFamily="34" charset="-34"/>
+                  <a:cs typeface="TH SarabunPSK" pitchFamily="34" charset="-34"/>
+                </a:rPr>
+                <a:t>Lamae</a:t>
+              </a:r>
+              <a:endParaRPr lang="th-TH" sz="1600" b="1" dirty="0">
+                <a:solidFill>
+                  <a:schemeClr val="bg1"/>
+                </a:solidFill>
+                <a:latin typeface="TH SarabunPSK" pitchFamily="34" charset="-34"/>
+                <a:cs typeface="TH SarabunPSK" pitchFamily="34" charset="-34"/>
+              </a:endParaRPr>
+            </a:p>
+          </p:txBody>
+        </p:sp>
+        <p:sp>
+          <p:nvSpPr>
+            <p:cNvPr id="59" name="TextBox 58"/>
+            <p:cNvSpPr txBox="1"/>
+            <p:nvPr/>
+          </p:nvSpPr>
+          <p:spPr>
+            <a:xfrm>
+              <a:off x="3271164" y="3280042"/>
+              <a:ext cx="509170" cy="271467"/>
+            </a:xfrm>
+            <a:prstGeom prst="rect">
+              <a:avLst/>
+            </a:prstGeom>
+            <a:noFill/>
+            <a:ln>
+              <a:noFill/>
+            </a:ln>
+          </p:spPr>
+          <p:txBody>
+            <a:bodyPr wrap="none" rtlCol="0">
+              <a:spAutoFit/>
+            </a:bodyPr>
+            <a:lstStyle/>
+            <a:p>
+              <a:r>
+                <a:rPr lang="en-US" sz="1600" dirty="0" smtClean="0">
+                  <a:solidFill>
+                    <a:schemeClr val="bg1"/>
+                  </a:solidFill>
+                  <a:latin typeface="TH SarabunPSK" pitchFamily="34" charset="-34"/>
+                  <a:cs typeface="TH SarabunPSK" pitchFamily="34" charset="-34"/>
+                </a:rPr>
+                <a:t>Military</a:t>
+              </a:r>
+              <a:endParaRPr lang="th-TH" sz="1600" dirty="0">
+                <a:solidFill>
+                  <a:schemeClr val="bg1"/>
+                </a:solidFill>
+                <a:latin typeface="TH SarabunPSK" pitchFamily="34" charset="-34"/>
+                <a:cs typeface="TH SarabunPSK" pitchFamily="34" charset="-34"/>
+              </a:endParaRPr>
+            </a:p>
+          </p:txBody>
+        </p:sp>
+        <p:sp>
+          <p:nvSpPr>
+            <p:cNvPr id="61" name="TextBox 60"/>
+            <p:cNvSpPr txBox="1"/>
+            <p:nvPr/>
+          </p:nvSpPr>
+          <p:spPr>
+            <a:xfrm>
+              <a:off x="4344624" y="1901097"/>
+              <a:ext cx="849309" cy="271467"/>
+            </a:xfrm>
+            <a:prstGeom prst="rect">
+              <a:avLst/>
+            </a:prstGeom>
+            <a:noFill/>
+            <a:ln>
+              <a:noFill/>
+            </a:ln>
+          </p:spPr>
+          <p:txBody>
+            <a:bodyPr wrap="none" rtlCol="0">
+              <a:spAutoFit/>
+            </a:bodyPr>
+            <a:lstStyle/>
+            <a:p>
+              <a:r>
+                <a:rPr lang="en-US" sz="1600" dirty="0" smtClean="0">
+                  <a:solidFill>
+                    <a:schemeClr val="bg1"/>
+                  </a:solidFill>
+                  <a:latin typeface="TH SarabunPSK" pitchFamily="34" charset="-34"/>
+                  <a:cs typeface="TH SarabunPSK" pitchFamily="34" charset="-34"/>
+                </a:rPr>
+                <a:t>Mab-am-</a:t>
+              </a:r>
+              <a:r>
+                <a:rPr lang="en-US" sz="1600" dirty="0" err="1" smtClean="0">
+                  <a:solidFill>
+                    <a:schemeClr val="bg1"/>
+                  </a:solidFill>
+                  <a:latin typeface="TH SarabunPSK" pitchFamily="34" charset="-34"/>
+                  <a:cs typeface="TH SarabunPSK" pitchFamily="34" charset="-34"/>
+                </a:rPr>
+                <a:t>marit</a:t>
+              </a:r>
+              <a:endParaRPr lang="th-TH" sz="1600" dirty="0">
+                <a:solidFill>
+                  <a:schemeClr val="bg1"/>
+                </a:solidFill>
+                <a:latin typeface="TH SarabunPSK" pitchFamily="34" charset="-34"/>
+                <a:cs typeface="TH SarabunPSK" pitchFamily="34" charset="-34"/>
+              </a:endParaRPr>
+            </a:p>
+          </p:txBody>
+        </p:sp>
+        <p:sp>
+          <p:nvSpPr>
+            <p:cNvPr id="63" name="TextBox 62"/>
+            <p:cNvSpPr txBox="1"/>
+            <p:nvPr/>
+          </p:nvSpPr>
+          <p:spPr>
+            <a:xfrm>
+              <a:off x="3928337" y="4974218"/>
+              <a:ext cx="1102465" cy="271467"/>
+            </a:xfrm>
+            <a:prstGeom prst="rect">
+              <a:avLst/>
+            </a:prstGeom>
+            <a:noFill/>
+            <a:ln>
+              <a:noFill/>
+            </a:ln>
+          </p:spPr>
+          <p:txBody>
+            <a:bodyPr wrap="none" rtlCol="0">
+              <a:spAutoFit/>
+            </a:bodyPr>
+            <a:lstStyle/>
+            <a:p>
+              <a:r>
+                <a:rPr lang="en-US" sz="1600" b="1" dirty="0" err="1" smtClean="0">
+                  <a:solidFill>
+                    <a:schemeClr val="bg1"/>
+                  </a:solidFill>
+                  <a:latin typeface="TH SarabunPSK" pitchFamily="34" charset="-34"/>
+                  <a:cs typeface="TH SarabunPSK" pitchFamily="34" charset="-34"/>
+                </a:rPr>
+                <a:t>Paknam</a:t>
+              </a:r>
+              <a:r>
+                <a:rPr lang="en-US" sz="1600" b="1" dirty="0" smtClean="0">
+                  <a:solidFill>
+                    <a:schemeClr val="bg1"/>
+                  </a:solidFill>
+                  <a:latin typeface="TH SarabunPSK" pitchFamily="34" charset="-34"/>
+                  <a:cs typeface="TH SarabunPSK" pitchFamily="34" charset="-34"/>
+                </a:rPr>
+                <a:t> </a:t>
+              </a:r>
+              <a:r>
+                <a:rPr lang="en-US" sz="1600" b="1" dirty="0" err="1" smtClean="0">
+                  <a:solidFill>
+                    <a:schemeClr val="bg1"/>
+                  </a:solidFill>
+                  <a:latin typeface="TH SarabunPSK" pitchFamily="34" charset="-34"/>
+                  <a:cs typeface="TH SarabunPSK" pitchFamily="34" charset="-34"/>
+                </a:rPr>
+                <a:t>Langsuan</a:t>
+              </a:r>
+              <a:endParaRPr lang="th-TH" sz="1600" b="1" dirty="0">
+                <a:solidFill>
+                  <a:schemeClr val="bg1"/>
+                </a:solidFill>
+                <a:latin typeface="TH SarabunPSK" pitchFamily="34" charset="-34"/>
+                <a:cs typeface="TH SarabunPSK" pitchFamily="34" charset="-34"/>
+              </a:endParaRPr>
+            </a:p>
+          </p:txBody>
+        </p:sp>
+        <p:sp>
+          <p:nvSpPr>
+            <p:cNvPr id="64" name="TextBox 63"/>
+            <p:cNvSpPr txBox="1"/>
+            <p:nvPr/>
+          </p:nvSpPr>
+          <p:spPr>
+            <a:xfrm>
+              <a:off x="3983243" y="3678559"/>
+              <a:ext cx="1138816" cy="271467"/>
+            </a:xfrm>
+            <a:prstGeom prst="rect">
+              <a:avLst/>
+            </a:prstGeom>
+            <a:noFill/>
+            <a:ln>
+              <a:noFill/>
+            </a:ln>
+          </p:spPr>
+          <p:txBody>
+            <a:bodyPr wrap="none" rtlCol="0">
+              <a:spAutoFit/>
+            </a:bodyPr>
+            <a:lstStyle/>
+            <a:p>
+              <a:r>
+                <a:rPr lang="en-US" sz="1600" dirty="0" err="1" smtClean="0">
+                  <a:solidFill>
+                    <a:schemeClr val="bg1"/>
+                  </a:solidFill>
+                  <a:latin typeface="TH SarabunPSK" pitchFamily="34" charset="-34"/>
+                  <a:cs typeface="TH SarabunPSK" pitchFamily="34" charset="-34"/>
+                </a:rPr>
+                <a:t>Paknam</a:t>
+              </a:r>
+              <a:r>
+                <a:rPr lang="en-US" sz="1600" dirty="0" smtClean="0">
+                  <a:solidFill>
+                    <a:schemeClr val="bg1"/>
+                  </a:solidFill>
+                  <a:latin typeface="TH SarabunPSK" pitchFamily="34" charset="-34"/>
+                  <a:cs typeface="TH SarabunPSK" pitchFamily="34" charset="-34"/>
+                </a:rPr>
+                <a:t> </a:t>
+              </a:r>
+              <a:r>
+                <a:rPr lang="en-US" sz="1600" dirty="0" err="1" smtClean="0">
+                  <a:solidFill>
+                    <a:schemeClr val="bg1"/>
+                  </a:solidFill>
+                  <a:latin typeface="TH SarabunPSK" pitchFamily="34" charset="-34"/>
+                  <a:cs typeface="TH SarabunPSK" pitchFamily="34" charset="-34"/>
+                </a:rPr>
+                <a:t>Chumphon</a:t>
+              </a:r>
+              <a:endParaRPr lang="th-TH" sz="1600" dirty="0">
+                <a:solidFill>
+                  <a:schemeClr val="bg1"/>
+                </a:solidFill>
+                <a:latin typeface="TH SarabunPSK" pitchFamily="34" charset="-34"/>
+                <a:cs typeface="TH SarabunPSK" pitchFamily="34" charset="-34"/>
+              </a:endParaRPr>
+            </a:p>
+          </p:txBody>
+        </p:sp>
+      </p:grpSp>
       <p:sp>
         <p:nvSpPr>
-          <p:cNvPr id="6" name="Title 1"/>
-          <p:cNvSpPr>
-            <a:spLocks noGrp="1"/>
+          <p:cNvPr id="42" name="Title 1"/>
+          <p:cNvSpPr txBox="1">
+            <a:spLocks/>
           </p:cNvSpPr>
-          <p:nvPr>
-            <p:ph type="title"/>
-          </p:nvPr>
+          <p:nvPr/>
         </p:nvSpPr>
         <p:spPr>
           <a:xfrm>
-            <a:off x="6476101" y="218899"/>
-            <a:ext cx="4729780" cy="1080938"/>
+            <a:off x="4380501" y="205461"/>
+            <a:ext cx="3581819" cy="681434"/>
           </a:xfrm>
-          <a:ln/>
+          <a:prstGeom prst="rect">
+            <a:avLst/>
+          </a:prstGeom>
           <a:effectLst>
             <a:glow rad="63500">
               <a:schemeClr val="accent6">
@@ -9294,71 +10029,188 @@
           </a:fontRef>
         </p:style>
         <p:txBody>
-          <a:bodyPr/>
-          <a:lstStyle/>
+          <a:bodyPr vert="horz" lIns="91440" tIns="45720" rIns="91440" bIns="45720" rtlCol="0" anchor="ctr">
+            <a:normAutofit/>
+          </a:bodyPr>
+          <a:lstStyle>
+            <a:lvl1pPr algn="l" defTabSz="914400" rtl="0" eaLnBrk="1" latinLnBrk="0" hangingPunct="1">
+              <a:lnSpc>
+                <a:spcPct val="90000"/>
+              </a:lnSpc>
+              <a:spcBef>
+                <a:spcPct val="0"/>
+              </a:spcBef>
+              <a:buNone/>
+              <a:defRPr sz="3600" kern="1200">
+                <a:solidFill>
+                  <a:schemeClr val="lt1"/>
+                </a:solidFill>
+                <a:latin typeface="+mn-lt"/>
+                <a:ea typeface="+mn-ea"/>
+                <a:cs typeface="+mn-cs"/>
+              </a:defRPr>
+            </a:lvl1pPr>
+            <a:lvl2pPr>
+              <a:defRPr>
+                <a:solidFill>
+                  <a:schemeClr val="lt1"/>
+                </a:solidFill>
+                <a:latin typeface="+mn-lt"/>
+                <a:ea typeface="+mn-ea"/>
+                <a:cs typeface="+mn-cs"/>
+              </a:defRPr>
+            </a:lvl2pPr>
+            <a:lvl3pPr>
+              <a:defRPr>
+                <a:solidFill>
+                  <a:schemeClr val="lt1"/>
+                </a:solidFill>
+                <a:latin typeface="+mn-lt"/>
+                <a:ea typeface="+mn-ea"/>
+                <a:cs typeface="+mn-cs"/>
+              </a:defRPr>
+            </a:lvl3pPr>
+            <a:lvl4pPr>
+              <a:defRPr>
+                <a:solidFill>
+                  <a:schemeClr val="lt1"/>
+                </a:solidFill>
+                <a:latin typeface="+mn-lt"/>
+                <a:ea typeface="+mn-ea"/>
+                <a:cs typeface="+mn-cs"/>
+              </a:defRPr>
+            </a:lvl4pPr>
+            <a:lvl5pPr>
+              <a:defRPr>
+                <a:solidFill>
+                  <a:schemeClr val="lt1"/>
+                </a:solidFill>
+                <a:latin typeface="+mn-lt"/>
+                <a:ea typeface="+mn-ea"/>
+                <a:cs typeface="+mn-cs"/>
+              </a:defRPr>
+            </a:lvl5pPr>
+            <a:lvl6pPr>
+              <a:defRPr>
+                <a:solidFill>
+                  <a:schemeClr val="lt1"/>
+                </a:solidFill>
+                <a:latin typeface="+mn-lt"/>
+                <a:ea typeface="+mn-ea"/>
+                <a:cs typeface="+mn-cs"/>
+              </a:defRPr>
+            </a:lvl6pPr>
+            <a:lvl7pPr>
+              <a:defRPr>
+                <a:solidFill>
+                  <a:schemeClr val="lt1"/>
+                </a:solidFill>
+                <a:latin typeface="+mn-lt"/>
+                <a:ea typeface="+mn-ea"/>
+                <a:cs typeface="+mn-cs"/>
+              </a:defRPr>
+            </a:lvl7pPr>
+            <a:lvl8pPr>
+              <a:defRPr>
+                <a:solidFill>
+                  <a:schemeClr val="lt1"/>
+                </a:solidFill>
+                <a:latin typeface="+mn-lt"/>
+                <a:ea typeface="+mn-ea"/>
+                <a:cs typeface="+mn-cs"/>
+              </a:defRPr>
+            </a:lvl8pPr>
+            <a:lvl9pPr>
+              <a:defRPr>
+                <a:solidFill>
+                  <a:schemeClr val="lt1"/>
+                </a:solidFill>
+                <a:latin typeface="+mn-lt"/>
+                <a:ea typeface="+mn-ea"/>
+                <a:cs typeface="+mn-cs"/>
+              </a:defRPr>
+            </a:lvl9pPr>
+          </a:lstStyle>
           <a:p>
             <a:pPr algn="ctr"/>
             <a:r>
-              <a:rPr lang="en-US" dirty="0" smtClean="0"/>
+              <a:rPr lang="en-US" sz="2800" b="1" dirty="0" smtClean="0">
+                <a:ln w="12700">
+                  <a:solidFill>
+                    <a:schemeClr val="tx2">
+                      <a:lumMod val="75000"/>
+                    </a:schemeClr>
+                  </a:solidFill>
+                  <a:prstDash val="solid"/>
+                </a:ln>
+                <a:pattFill prst="dkUpDiag">
+                  <a:fgClr>
+                    <a:schemeClr val="tx2"/>
+                  </a:fgClr>
+                  <a:bgClr>
+                    <a:schemeClr val="tx2">
+                      <a:lumMod val="20000"/>
+                      <a:lumOff val="80000"/>
+                    </a:schemeClr>
+                  </a:bgClr>
+                </a:pattFill>
+                <a:effectLst>
+                  <a:outerShdw dist="38100" dir="2640000" algn="bl" rotWithShape="0">
+                    <a:schemeClr val="tx2">
+                      <a:lumMod val="75000"/>
+                    </a:schemeClr>
+                  </a:outerShdw>
+                </a:effectLst>
+              </a:rPr>
               <a:t>District Hospital</a:t>
             </a:r>
-            <a:endParaRPr lang="th-TH" dirty="0"/>
+            <a:endParaRPr lang="th-TH" sz="2800" b="1" dirty="0">
+              <a:ln w="12700">
+                <a:solidFill>
+                  <a:schemeClr val="tx2">
+                    <a:lumMod val="75000"/>
+                  </a:schemeClr>
+                </a:solidFill>
+                <a:prstDash val="solid"/>
+              </a:ln>
+              <a:pattFill prst="dkUpDiag">
+                <a:fgClr>
+                  <a:schemeClr val="tx2"/>
+                </a:fgClr>
+                <a:bgClr>
+                  <a:schemeClr val="tx2">
+                    <a:lumMod val="20000"/>
+                    <a:lumOff val="80000"/>
+                  </a:schemeClr>
+                </a:bgClr>
+              </a:pattFill>
+              <a:effectLst>
+                <a:outerShdw dist="38100" dir="2640000" algn="bl" rotWithShape="0">
+                  <a:schemeClr val="tx2">
+                    <a:lumMod val="75000"/>
+                  </a:schemeClr>
+                </a:outerShdw>
+              </a:effectLst>
+            </a:endParaRPr>
           </a:p>
         </p:txBody>
       </p:sp>
-    </p:spTree>
-    <p:extLst>
-      <p:ext uri="{BB962C8B-B14F-4D97-AF65-F5344CB8AC3E}">
-        <p14:creationId xmlns:p14="http://schemas.microsoft.com/office/powerpoint/2010/main" val="3556868766"/>
-      </p:ext>
-    </p:extLst>
-  </p:cSld>
-  <p:clrMapOvr>
-    <a:masterClrMapping/>
-  </p:clrMapOvr>
-  <p:timing>
-    <p:tnLst>
-      <p:par>
-        <p:cTn id="1" dur="indefinite" restart="never" nodeType="tmRoot"/>
-      </p:par>
-    </p:tnLst>
-  </p:timing>
-</p:sld>
-</file>
-
-<file path=ppt/slides/slide4.xml><?xml version="1.0" encoding="utf-8"?>
-<p:sld xmlns:a="http://schemas.openxmlformats.org/drawingml/2006/main" xmlns:r="http://schemas.openxmlformats.org/officeDocument/2006/relationships" xmlns:p="http://schemas.openxmlformats.org/presentationml/2006/main" showMasterSp="0">
-  <p:cSld>
-    <p:spTree>
-      <p:nvGrpSpPr>
-        <p:cNvPr id="1" name=""/>
-        <p:cNvGrpSpPr/>
-        <p:nvPr/>
-      </p:nvGrpSpPr>
-      <p:grpSpPr>
-        <a:xfrm>
-          <a:off x="0" y="0"/>
-          <a:ext cx="0" cy="0"/>
-          <a:chOff x="0" y="0"/>
-          <a:chExt cx="0" cy="0"/>
-        </a:xfrm>
-      </p:grpSpPr>
       <p:sp>
         <p:nvSpPr>
-          <p:cNvPr id="2" name="Title 1"/>
-          <p:cNvSpPr>
-            <a:spLocks noGrp="1"/>
+          <p:cNvPr id="44" name="Title 1"/>
+          <p:cNvSpPr txBox="1">
+            <a:spLocks/>
           </p:cNvSpPr>
-          <p:nvPr>
-            <p:ph type="title"/>
-          </p:nvPr>
+          <p:nvPr/>
         </p:nvSpPr>
         <p:spPr>
           <a:xfrm>
-            <a:off x="6476103" y="360565"/>
-            <a:ext cx="4720816" cy="1300809"/>
+            <a:off x="8440614" y="218898"/>
+            <a:ext cx="3334717" cy="681434"/>
           </a:xfrm>
-          <a:ln/>
+          <a:prstGeom prst="rect">
+            <a:avLst/>
+          </a:prstGeom>
           <a:effectLst>
             <a:glow rad="63500">
               <a:schemeClr val="accent6">
@@ -9390,37 +10242,223 @@
           </a:fontRef>
         </p:style>
         <p:txBody>
-          <a:bodyPr>
-            <a:normAutofit/>
+          <a:bodyPr vert="horz" lIns="91440" tIns="45720" rIns="91440" bIns="45720" rtlCol="0" anchor="ctr">
+            <a:noAutofit/>
           </a:bodyPr>
-          <a:lstStyle/>
+          <a:lstStyle>
+            <a:lvl1pPr algn="l" defTabSz="914400" rtl="0" eaLnBrk="1" latinLnBrk="0" hangingPunct="1">
+              <a:lnSpc>
+                <a:spcPct val="90000"/>
+              </a:lnSpc>
+              <a:spcBef>
+                <a:spcPct val="0"/>
+              </a:spcBef>
+              <a:buNone/>
+              <a:defRPr sz="3600" kern="1200">
+                <a:solidFill>
+                  <a:schemeClr val="lt1"/>
+                </a:solidFill>
+                <a:latin typeface="+mn-lt"/>
+                <a:ea typeface="+mn-ea"/>
+                <a:cs typeface="+mn-cs"/>
+              </a:defRPr>
+            </a:lvl1pPr>
+            <a:lvl2pPr>
+              <a:defRPr>
+                <a:solidFill>
+                  <a:schemeClr val="lt1"/>
+                </a:solidFill>
+                <a:latin typeface="+mn-lt"/>
+                <a:ea typeface="+mn-ea"/>
+                <a:cs typeface="+mn-cs"/>
+              </a:defRPr>
+            </a:lvl2pPr>
+            <a:lvl3pPr>
+              <a:defRPr>
+                <a:solidFill>
+                  <a:schemeClr val="lt1"/>
+                </a:solidFill>
+                <a:latin typeface="+mn-lt"/>
+                <a:ea typeface="+mn-ea"/>
+                <a:cs typeface="+mn-cs"/>
+              </a:defRPr>
+            </a:lvl3pPr>
+            <a:lvl4pPr>
+              <a:defRPr>
+                <a:solidFill>
+                  <a:schemeClr val="lt1"/>
+                </a:solidFill>
+                <a:latin typeface="+mn-lt"/>
+                <a:ea typeface="+mn-ea"/>
+                <a:cs typeface="+mn-cs"/>
+              </a:defRPr>
+            </a:lvl4pPr>
+            <a:lvl5pPr>
+              <a:defRPr>
+                <a:solidFill>
+                  <a:schemeClr val="lt1"/>
+                </a:solidFill>
+                <a:latin typeface="+mn-lt"/>
+                <a:ea typeface="+mn-ea"/>
+                <a:cs typeface="+mn-cs"/>
+              </a:defRPr>
+            </a:lvl5pPr>
+            <a:lvl6pPr>
+              <a:defRPr>
+                <a:solidFill>
+                  <a:schemeClr val="lt1"/>
+                </a:solidFill>
+                <a:latin typeface="+mn-lt"/>
+                <a:ea typeface="+mn-ea"/>
+                <a:cs typeface="+mn-cs"/>
+              </a:defRPr>
+            </a:lvl6pPr>
+            <a:lvl7pPr>
+              <a:defRPr>
+                <a:solidFill>
+                  <a:schemeClr val="lt1"/>
+                </a:solidFill>
+                <a:latin typeface="+mn-lt"/>
+                <a:ea typeface="+mn-ea"/>
+                <a:cs typeface="+mn-cs"/>
+              </a:defRPr>
+            </a:lvl7pPr>
+            <a:lvl8pPr>
+              <a:defRPr>
+                <a:solidFill>
+                  <a:schemeClr val="lt1"/>
+                </a:solidFill>
+                <a:latin typeface="+mn-lt"/>
+                <a:ea typeface="+mn-ea"/>
+                <a:cs typeface="+mn-cs"/>
+              </a:defRPr>
+            </a:lvl8pPr>
+            <a:lvl9pPr>
+              <a:defRPr>
+                <a:solidFill>
+                  <a:schemeClr val="lt1"/>
+                </a:solidFill>
+                <a:latin typeface="+mn-lt"/>
+                <a:ea typeface="+mn-ea"/>
+                <a:cs typeface="+mn-cs"/>
+              </a:defRPr>
+            </a:lvl9pPr>
+          </a:lstStyle>
           <a:p>
             <a:pPr algn="ctr"/>
             <a:r>
-              <a:rPr lang="en-US" dirty="0" smtClean="0"/>
-              <a:t>Sub-district health promoting Hospital</a:t>
+              <a:rPr lang="en-US" sz="2000" b="1" dirty="0" smtClean="0">
+                <a:ln w="12700">
+                  <a:solidFill>
+                    <a:schemeClr val="tx2">
+                      <a:lumMod val="75000"/>
+                    </a:schemeClr>
+                  </a:solidFill>
+                  <a:prstDash val="solid"/>
+                </a:ln>
+                <a:pattFill prst="dkUpDiag">
+                  <a:fgClr>
+                    <a:schemeClr val="tx2"/>
+                  </a:fgClr>
+                  <a:bgClr>
+                    <a:schemeClr val="tx2">
+                      <a:lumMod val="20000"/>
+                      <a:lumOff val="80000"/>
+                    </a:schemeClr>
+                  </a:bgClr>
+                </a:pattFill>
+                <a:effectLst>
+                  <a:outerShdw dist="38100" dir="2640000" algn="bl" rotWithShape="0">
+                    <a:schemeClr val="tx2">
+                      <a:lumMod val="75000"/>
+                    </a:schemeClr>
+                  </a:outerShdw>
+                </a:effectLst>
+              </a:rPr>
+              <a:t>Sub-district health </a:t>
             </a:r>
-            <a:endParaRPr lang="th-TH" dirty="0"/>
+          </a:p>
+          <a:p>
+            <a:pPr algn="ctr"/>
+            <a:r>
+              <a:rPr lang="en-US" sz="2000" b="1" dirty="0" smtClean="0">
+                <a:ln w="12700">
+                  <a:solidFill>
+                    <a:schemeClr val="tx2">
+                      <a:lumMod val="75000"/>
+                    </a:schemeClr>
+                  </a:solidFill>
+                  <a:prstDash val="solid"/>
+                </a:ln>
+                <a:pattFill prst="dkUpDiag">
+                  <a:fgClr>
+                    <a:schemeClr val="tx2"/>
+                  </a:fgClr>
+                  <a:bgClr>
+                    <a:schemeClr val="tx2">
+                      <a:lumMod val="20000"/>
+                      <a:lumOff val="80000"/>
+                    </a:schemeClr>
+                  </a:bgClr>
+                </a:pattFill>
+                <a:effectLst>
+                  <a:outerShdw dist="38100" dir="2640000" algn="bl" rotWithShape="0">
+                    <a:schemeClr val="tx2">
+                      <a:lumMod val="75000"/>
+                    </a:schemeClr>
+                  </a:outerShdw>
+                </a:effectLst>
+              </a:rPr>
+              <a:t>promoting Hospital</a:t>
+            </a:r>
+            <a:endParaRPr lang="th-TH" sz="2000" b="1" dirty="0">
+              <a:ln w="12700">
+                <a:solidFill>
+                  <a:schemeClr val="tx2">
+                    <a:lumMod val="75000"/>
+                  </a:schemeClr>
+                </a:solidFill>
+                <a:prstDash val="solid"/>
+              </a:ln>
+              <a:pattFill prst="dkUpDiag">
+                <a:fgClr>
+                  <a:schemeClr val="tx2"/>
+                </a:fgClr>
+                <a:bgClr>
+                  <a:schemeClr val="tx2">
+                    <a:lumMod val="20000"/>
+                    <a:lumOff val="80000"/>
+                  </a:schemeClr>
+                </a:bgClr>
+              </a:pattFill>
+              <a:effectLst>
+                <a:outerShdw dist="38100" dir="2640000" algn="bl" rotWithShape="0">
+                  <a:schemeClr val="tx2">
+                    <a:lumMod val="75000"/>
+                  </a:schemeClr>
+                </a:outerShdw>
+              </a:effectLst>
+            </a:endParaRPr>
           </a:p>
         </p:txBody>
       </p:sp>
       <p:graphicFrame>
         <p:nvGraphicFramePr>
-          <p:cNvPr id="5" name="Table 4"/>
+          <p:cNvPr id="45" name="Table 44"/>
           <p:cNvGraphicFramePr>
             <a:graphicFrameLocks noGrp="1"/>
           </p:cNvGraphicFramePr>
           <p:nvPr>
             <p:extLst>
               <p:ext uri="{D42A27DB-BD31-4B8C-83A1-F6EECF244321}">
-                <p14:modId xmlns:p14="http://schemas.microsoft.com/office/powerpoint/2010/main" val="1832401233"/>
+                <p14:modId xmlns:p14="http://schemas.microsoft.com/office/powerpoint/2010/main" val="3485278609"/>
               </p:ext>
             </p:extLst>
           </p:nvPr>
         </p:nvGraphicFramePr>
         <p:xfrm>
-          <a:off x="6476102" y="1998909"/>
-          <a:ext cx="4720817" cy="1381760"/>
+          <a:off x="8440614" y="1039673"/>
+          <a:ext cx="3334718" cy="1731589"/>
         </p:xfrm>
         <a:graphic>
           <a:graphicData uri="http://schemas.openxmlformats.org/drawingml/2006/table">
@@ -9436,14 +10474,14 @@
                 <a:tableStyleId>{5C22544A-7EE6-4342-B048-85BDC9FD1C3A}</a:tableStyleId>
               </a:tblPr>
               <a:tblGrid>
-                <a:gridCol w="3197436">
+                <a:gridCol w="2258623">
                   <a:extLst>
                     <a:ext uri="{9D8B030D-6E8A-4147-A177-3AD203B41FA5}">
                       <a16:colId xmlns:a16="http://schemas.microsoft.com/office/drawing/2014/main" val="1157876958"/>
                     </a:ext>
                   </a:extLst>
                 </a:gridCol>
-                <a:gridCol w="1523381">
+                <a:gridCol w="1076095">
                   <a:extLst>
                     <a:ext uri="{9D8B030D-6E8A-4147-A177-3AD203B41FA5}">
                       <a16:colId xmlns:a16="http://schemas.microsoft.com/office/drawing/2014/main" val="4195145967"/>
@@ -9451,7 +10489,7 @@
                   </a:extLst>
                 </a:gridCol>
               </a:tblGrid>
-              <a:tr h="370840">
+              <a:tr h="461757">
                 <a:tc>
                   <a:txBody>
                     <a:bodyPr/>
@@ -9459,10 +10497,10 @@
                     <a:p>
                       <a:pPr algn="ctr"/>
                       <a:r>
-                        <a:rPr lang="en-US" dirty="0" smtClean="0"/>
+                        <a:rPr lang="en-US" sz="1600" dirty="0" smtClean="0"/>
                         <a:t>List</a:t>
                       </a:r>
-                      <a:endParaRPr lang="en-GB" dirty="0"/>
+                      <a:endParaRPr lang="en-GB" sz="1600" dirty="0"/>
                     </a:p>
                   </a:txBody>
                   <a:tcPr anchor="ctr"/>
@@ -9474,10 +10512,10 @@
                     <a:p>
                       <a:pPr algn="ctr"/>
                       <a:r>
-                        <a:rPr lang="en-US" dirty="0" smtClean="0"/>
+                        <a:rPr lang="en-US" sz="1600" dirty="0" smtClean="0"/>
                         <a:t>Number</a:t>
                       </a:r>
-                      <a:endParaRPr lang="en-GB" dirty="0"/>
+                      <a:endParaRPr lang="en-GB" sz="1600" dirty="0"/>
                     </a:p>
                   </a:txBody>
                   <a:tcPr anchor="ctr"/>
@@ -9488,17 +10526,17 @@
                   </a:ext>
                 </a:extLst>
               </a:tr>
-              <a:tr h="370840">
+              <a:tr h="808075">
                 <a:tc>
                   <a:txBody>
                     <a:bodyPr/>
                     <a:lstStyle/>
                     <a:p>
                       <a:r>
-                        <a:rPr lang="en-US" dirty="0" smtClean="0"/>
+                        <a:rPr lang="en-US" sz="1600" dirty="0" smtClean="0"/>
                         <a:t>Sub-district health promoting Hospital</a:t>
                       </a:r>
-                      <a:endParaRPr lang="en-GB" dirty="0"/>
+                      <a:endParaRPr lang="en-GB" sz="1600" dirty="0"/>
                     </a:p>
                   </a:txBody>
                   <a:tcPr anchor="ctr"/>
@@ -9510,10 +10548,10 @@
                     <a:p>
                       <a:pPr algn="ctr"/>
                       <a:r>
-                        <a:rPr lang="th-TH" dirty="0" smtClean="0"/>
+                        <a:rPr lang="en-US" sz="1600" dirty="0" smtClean="0"/>
                         <a:t>94</a:t>
                       </a:r>
-                      <a:endParaRPr lang="en-GB" dirty="0"/>
+                      <a:endParaRPr lang="en-GB" sz="1600" dirty="0"/>
                     </a:p>
                   </a:txBody>
                   <a:tcPr anchor="ctr"/>
@@ -9524,21 +10562,21 @@
                   </a:ext>
                 </a:extLst>
               </a:tr>
-              <a:tr h="370840">
+              <a:tr h="461757">
                 <a:tc>
                   <a:txBody>
                     <a:bodyPr/>
                     <a:lstStyle/>
                     <a:p>
                       <a:r>
-                        <a:rPr lang="en-US" dirty="0" smtClean="0"/>
+                        <a:rPr lang="en-US" sz="1600" dirty="0" smtClean="0"/>
                         <a:t>Primary care</a:t>
                       </a:r>
                       <a:r>
-                        <a:rPr lang="en-US" baseline="0" dirty="0" smtClean="0"/>
+                        <a:rPr lang="en-US" sz="1600" baseline="0" dirty="0" smtClean="0"/>
                         <a:t> unit</a:t>
                       </a:r>
-                      <a:endParaRPr lang="en-GB" dirty="0"/>
+                      <a:endParaRPr lang="en-GB" sz="1600" dirty="0"/>
                     </a:p>
                   </a:txBody>
                   <a:tcPr anchor="ctr"/>
@@ -9566,10 +10604,10 @@
                         <a:defRPr/>
                       </a:pPr>
                       <a:r>
-                        <a:rPr lang="th-TH" dirty="0" smtClean="0"/>
-                        <a:t>4</a:t>
+                        <a:rPr lang="en-US" sz="1600" dirty="0" smtClean="0"/>
+                        <a:t>5</a:t>
                       </a:r>
-                      <a:endParaRPr lang="en-GB" dirty="0" smtClean="0"/>
+                      <a:endParaRPr lang="en-GB" sz="1600" dirty="0" smtClean="0"/>
                     </a:p>
                   </a:txBody>
                   <a:tcPr anchor="ctr"/>
@@ -9586,7 +10624,7 @@
       </p:graphicFrame>
       <p:pic>
         <p:nvPicPr>
-          <p:cNvPr id="4" name="Content Placeholder 3"/>
+          <p:cNvPr id="46" name="Content Placeholder 3"/>
           <p:cNvPicPr>
             <a:picLocks noGrp="1" noChangeAspect="1"/>
           </p:cNvPicPr>
@@ -9595,7 +10633,7 @@
           </p:nvPr>
         </p:nvPicPr>
         <p:blipFill>
-          <a:blip r:embed="rId2" cstate="print">
+          <a:blip r:embed="rId10" cstate="print">
             <a:extLst>
               <a:ext uri="{28A0092B-C50C-407E-A947-70E740481C1C}">
                 <a14:useLocalDpi xmlns:a14="http://schemas.microsoft.com/office/drawing/2010/main" val="0"/>
@@ -9608,8 +10646,8 @@
         </p:blipFill>
         <p:spPr>
           <a:xfrm>
-            <a:off x="1979408" y="221266"/>
-            <a:ext cx="4023360" cy="6419756"/>
+            <a:off x="8440614" y="2827630"/>
+            <a:ext cx="3334718" cy="3946185"/>
           </a:xfrm>
           <a:effectLst>
             <a:glow rad="63500">
@@ -9626,241 +10664,16 @@
           </a:effectLst>
         </p:spPr>
       </p:pic>
-    </p:spTree>
-    <p:extLst>
-      <p:ext uri="{BB962C8B-B14F-4D97-AF65-F5344CB8AC3E}">
-        <p14:creationId xmlns:p14="http://schemas.microsoft.com/office/powerpoint/2010/main" val="2098733863"/>
-      </p:ext>
-    </p:extLst>
-  </p:cSld>
-  <p:clrMapOvr>
-    <a:masterClrMapping/>
-  </p:clrMapOvr>
-  <p:timing>
-    <p:tnLst>
-      <p:par>
-        <p:cTn id="1" dur="indefinite" restart="never" nodeType="tmRoot"/>
-      </p:par>
-    </p:tnLst>
-  </p:timing>
-</p:sld>
-</file>
-
-<file path=ppt/slides/slide5.xml><?xml version="1.0" encoding="utf-8"?>
-<p:sld xmlns:a="http://schemas.openxmlformats.org/drawingml/2006/main" xmlns:r="http://schemas.openxmlformats.org/officeDocument/2006/relationships" xmlns:p="http://schemas.openxmlformats.org/presentationml/2006/main" showMasterSp="0">
-  <p:cSld>
-    <p:spTree>
-      <p:nvGrpSpPr>
-        <p:cNvPr id="1" name=""/>
-        <p:cNvGrpSpPr/>
-        <p:nvPr/>
-      </p:nvGrpSpPr>
-      <p:grpSpPr>
-        <a:xfrm>
-          <a:off x="0" y="0"/>
-          <a:ext cx="0" cy="0"/>
-          <a:chOff x="0" y="0"/>
-          <a:chExt cx="0" cy="0"/>
-        </a:xfrm>
-      </p:grpSpPr>
-      <p:sp>
-        <p:nvSpPr>
-          <p:cNvPr id="2" name="Title 1"/>
-          <p:cNvSpPr>
-            <a:spLocks noGrp="1"/>
-          </p:cNvSpPr>
-          <p:nvPr>
-            <p:ph type="title"/>
-          </p:nvPr>
-        </p:nvSpPr>
-        <p:spPr>
-          <a:xfrm>
-            <a:off x="6459964" y="423292"/>
-            <a:ext cx="4717231" cy="1080938"/>
-          </a:xfrm>
-          <a:effectLst>
-            <a:glow rad="63500">
-              <a:schemeClr val="accent6">
-                <a:satMod val="175000"/>
-                <a:alpha val="40000"/>
-              </a:schemeClr>
-            </a:glow>
-            <a:outerShdw blurRad="50800" dist="38100" dir="2700000" algn="tl" rotWithShape="0">
-              <a:prstClr val="black">
-                <a:alpha val="40000"/>
-              </a:prstClr>
-            </a:outerShdw>
-          </a:effectLst>
-        </p:spPr>
-        <p:style>
-          <a:lnRef idx="2">
-            <a:schemeClr val="dk1">
-              <a:shade val="50000"/>
-            </a:schemeClr>
-          </a:lnRef>
-          <a:fillRef idx="1">
-            <a:schemeClr val="dk1"/>
-          </a:fillRef>
-          <a:effectRef idx="0">
-            <a:schemeClr val="dk1"/>
-          </a:effectRef>
-          <a:fontRef idx="minor">
-            <a:schemeClr val="lt1"/>
-          </a:fontRef>
-        </p:style>
-        <p:txBody>
-          <a:bodyPr/>
-          <a:lstStyle/>
-          <a:p>
-            <a:pPr algn="ctr"/>
-            <a:r>
-              <a:rPr lang="en-US" dirty="0" smtClean="0"/>
-              <a:t>Military Hospital</a:t>
-            </a:r>
-            <a:endParaRPr lang="th-TH" dirty="0"/>
-          </a:p>
-        </p:txBody>
-      </p:sp>
-      <p:graphicFrame>
-        <p:nvGraphicFramePr>
-          <p:cNvPr id="5" name="Table 4"/>
-          <p:cNvGraphicFramePr>
-            <a:graphicFrameLocks noGrp="1"/>
-          </p:cNvGraphicFramePr>
-          <p:nvPr>
-            <p:extLst>
-              <p:ext uri="{D42A27DB-BD31-4B8C-83A1-F6EECF244321}">
-                <p14:modId xmlns:p14="http://schemas.microsoft.com/office/powerpoint/2010/main" val="4139331038"/>
-              </p:ext>
-            </p:extLst>
-          </p:nvPr>
-        </p:nvGraphicFramePr>
-        <p:xfrm>
-          <a:off x="6476102" y="1924816"/>
-          <a:ext cx="4701094" cy="741680"/>
-        </p:xfrm>
-        <a:graphic>
-          <a:graphicData uri="http://schemas.openxmlformats.org/drawingml/2006/table">
-            <a:tbl>
-              <a:tblPr firstRow="1" bandRow="1">
-                <a:effectLst>
-                  <a:outerShdw blurRad="50800" dist="38100" dir="2700000" algn="tl" rotWithShape="0">
-                    <a:prstClr val="black">
-                      <a:alpha val="40000"/>
-                    </a:prstClr>
-                  </a:outerShdw>
-                </a:effectLst>
-                <a:tableStyleId>{5C22544A-7EE6-4342-B048-85BDC9FD1C3A}</a:tableStyleId>
-              </a:tblPr>
-              <a:tblGrid>
-                <a:gridCol w="2907256">
-                  <a:extLst>
-                    <a:ext uri="{9D8B030D-6E8A-4147-A177-3AD203B41FA5}">
-                      <a16:colId xmlns:a16="http://schemas.microsoft.com/office/drawing/2014/main" val="1157876958"/>
-                    </a:ext>
-                  </a:extLst>
-                </a:gridCol>
-                <a:gridCol w="1793838">
-                  <a:extLst>
-                    <a:ext uri="{9D8B030D-6E8A-4147-A177-3AD203B41FA5}">
-                      <a16:colId xmlns:a16="http://schemas.microsoft.com/office/drawing/2014/main" val="4195145967"/>
-                    </a:ext>
-                  </a:extLst>
-                </a:gridCol>
-              </a:tblGrid>
-              <a:tr h="370840">
-                <a:tc>
-                  <a:txBody>
-                    <a:bodyPr/>
-                    <a:lstStyle/>
-                    <a:p>
-                      <a:pPr algn="ctr"/>
-                      <a:r>
-                        <a:rPr lang="en-US" dirty="0" smtClean="0"/>
-                        <a:t>List</a:t>
-                      </a:r>
-                      <a:endParaRPr lang="en-GB" dirty="0"/>
-                    </a:p>
-                  </a:txBody>
-                  <a:tcPr anchor="ctr"/>
-                </a:tc>
-                <a:tc>
-                  <a:txBody>
-                    <a:bodyPr/>
-                    <a:lstStyle/>
-                    <a:p>
-                      <a:pPr algn="ctr"/>
-                      <a:r>
-                        <a:rPr lang="en-US" dirty="0" smtClean="0"/>
-                        <a:t>Size (bed)</a:t>
-                      </a:r>
-                      <a:endParaRPr lang="en-GB" dirty="0"/>
-                    </a:p>
-                  </a:txBody>
-                  <a:tcPr anchor="ctr"/>
-                </a:tc>
-                <a:extLst>
-                  <a:ext uri="{0D108BD9-81ED-4DB2-BD59-A6C34878D82A}">
-                    <a16:rowId xmlns:a16="http://schemas.microsoft.com/office/drawing/2014/main" val="1520439797"/>
-                  </a:ext>
-                </a:extLst>
-              </a:tr>
-              <a:tr h="370840">
-                <a:tc>
-                  <a:txBody>
-                    <a:bodyPr/>
-                    <a:lstStyle/>
-                    <a:p>
-                      <a:r>
-                        <a:rPr lang="en-GB" dirty="0" smtClean="0"/>
-                        <a:t>Number</a:t>
-                      </a:r>
-                      <a:r>
-                        <a:rPr lang="en-GB" baseline="0" dirty="0" smtClean="0"/>
-                        <a:t> of bed</a:t>
-                      </a:r>
-                      <a:endParaRPr lang="en-GB" dirty="0"/>
-                    </a:p>
-                  </a:txBody>
-                  <a:tcPr anchor="ctr"/>
-                </a:tc>
-                <a:tc>
-                  <a:txBody>
-                    <a:bodyPr/>
-                    <a:lstStyle/>
-                    <a:p>
-                      <a:pPr algn="ctr"/>
-                      <a:r>
-                        <a:rPr lang="th-TH" dirty="0" smtClean="0"/>
-                        <a:t>30</a:t>
-                      </a:r>
-                      <a:endParaRPr lang="en-GB" dirty="0"/>
-                    </a:p>
-                  </a:txBody>
-                  <a:tcPr anchor="ctr"/>
-                </a:tc>
-                <a:extLst>
-                  <a:ext uri="{0D108BD9-81ED-4DB2-BD59-A6C34878D82A}">
-                    <a16:rowId xmlns:a16="http://schemas.microsoft.com/office/drawing/2014/main" val="1350042359"/>
-                  </a:ext>
-                </a:extLst>
-              </a:tr>
-            </a:tbl>
-          </a:graphicData>
-        </a:graphic>
-      </p:graphicFrame>
       <p:pic>
         <p:nvPicPr>
-          <p:cNvPr id="6" name="Content Placeholder 5"/>
+          <p:cNvPr id="47" name="Picture 46"/>
           <p:cNvPicPr>
-            <a:picLocks noGrp="1" noChangeAspect="1"/>
+            <a:picLocks noChangeAspect="1"/>
           </p:cNvPicPr>
-          <p:nvPr>
-            <p:ph idx="1"/>
-          </p:nvPr>
+          <p:nvPr/>
         </p:nvPicPr>
         <p:blipFill>
-          <a:blip r:embed="rId2" cstate="print">
+          <a:blip r:embed="rId11" cstate="print">
             <a:extLst>
               <a:ext uri="{28A0092B-C50C-407E-A947-70E740481C1C}">
                 <a14:useLocalDpi xmlns:a14="http://schemas.microsoft.com/office/drawing/2010/main" val="0"/>
@@ -9873,28 +10686,348 @@
         </p:blipFill>
         <p:spPr>
           <a:xfrm>
-            <a:off x="2022438" y="218898"/>
-            <a:ext cx="4012602" cy="6383162"/>
+            <a:off x="6049057" y="1884177"/>
+            <a:ext cx="293326" cy="293326"/>
           </a:xfrm>
-          <a:effectLst>
-            <a:glow rad="63500">
-              <a:schemeClr val="accent6">
-                <a:satMod val="175000"/>
-                <a:alpha val="40000"/>
-              </a:schemeClr>
-            </a:glow>
-            <a:outerShdw blurRad="50800" dist="38100" dir="2700000" algn="tl" rotWithShape="0">
-              <a:prstClr val="black">
-                <a:alpha val="40000"/>
-              </a:prstClr>
-            </a:outerShdw>
-          </a:effectLst>
+          <a:prstGeom prst="rect">
+            <a:avLst/>
+          </a:prstGeom>
+        </p:spPr>
+      </p:pic>
+      <p:pic>
+        <p:nvPicPr>
+          <p:cNvPr id="48" name="Picture 47"/>
+          <p:cNvPicPr>
+            <a:picLocks noChangeAspect="1"/>
+          </p:cNvPicPr>
+          <p:nvPr/>
+        </p:nvPicPr>
+        <p:blipFill>
+          <a:blip r:embed="rId11" cstate="print">
+            <a:extLst>
+              <a:ext uri="{28A0092B-C50C-407E-A947-70E740481C1C}">
+                <a14:useLocalDpi xmlns:a14="http://schemas.microsoft.com/office/drawing/2010/main" val="0"/>
+              </a:ext>
+            </a:extLst>
+          </a:blip>
+          <a:stretch>
+            <a:fillRect/>
+          </a:stretch>
+        </p:blipFill>
+        <p:spPr>
+          <a:xfrm>
+            <a:off x="6840872" y="1941360"/>
+            <a:ext cx="293326" cy="293326"/>
+          </a:xfrm>
+          <a:prstGeom prst="rect">
+            <a:avLst/>
+          </a:prstGeom>
+        </p:spPr>
+      </p:pic>
+      <p:pic>
+        <p:nvPicPr>
+          <p:cNvPr id="49" name="Picture 48"/>
+          <p:cNvPicPr>
+            <a:picLocks noChangeAspect="1"/>
+          </p:cNvPicPr>
+          <p:nvPr/>
+        </p:nvPicPr>
+        <p:blipFill>
+          <a:blip r:embed="rId11" cstate="print">
+            <a:extLst>
+              <a:ext uri="{28A0092B-C50C-407E-A947-70E740481C1C}">
+                <a14:useLocalDpi xmlns:a14="http://schemas.microsoft.com/office/drawing/2010/main" val="0"/>
+              </a:ext>
+            </a:extLst>
+          </a:blip>
+          <a:stretch>
+            <a:fillRect/>
+          </a:stretch>
+        </p:blipFill>
+        <p:spPr>
+          <a:xfrm>
+            <a:off x="7009098" y="1329038"/>
+            <a:ext cx="293326" cy="293326"/>
+          </a:xfrm>
+          <a:prstGeom prst="rect">
+            <a:avLst/>
+          </a:prstGeom>
+        </p:spPr>
+      </p:pic>
+      <p:pic>
+        <p:nvPicPr>
+          <p:cNvPr id="51" name="Picture 50"/>
+          <p:cNvPicPr>
+            <a:picLocks noChangeAspect="1"/>
+          </p:cNvPicPr>
+          <p:nvPr/>
+        </p:nvPicPr>
+        <p:blipFill>
+          <a:blip r:embed="rId11" cstate="print">
+            <a:extLst>
+              <a:ext uri="{28A0092B-C50C-407E-A947-70E740481C1C}">
+                <a14:useLocalDpi xmlns:a14="http://schemas.microsoft.com/office/drawing/2010/main" val="0"/>
+              </a:ext>
+            </a:extLst>
+          </a:blip>
+          <a:stretch>
+            <a:fillRect/>
+          </a:stretch>
+        </p:blipFill>
+        <p:spPr>
+          <a:xfrm>
+            <a:off x="6174938" y="2979896"/>
+            <a:ext cx="293326" cy="293326"/>
+          </a:xfrm>
+          <a:prstGeom prst="rect">
+            <a:avLst/>
+          </a:prstGeom>
+        </p:spPr>
+      </p:pic>
+      <p:pic>
+        <p:nvPicPr>
+          <p:cNvPr id="52" name="Picture 51"/>
+          <p:cNvPicPr>
+            <a:picLocks noChangeAspect="1"/>
+          </p:cNvPicPr>
+          <p:nvPr/>
+        </p:nvPicPr>
+        <p:blipFill>
+          <a:blip r:embed="rId11" cstate="print">
+            <a:extLst>
+              <a:ext uri="{28A0092B-C50C-407E-A947-70E740481C1C}">
+                <a14:useLocalDpi xmlns:a14="http://schemas.microsoft.com/office/drawing/2010/main" val="0"/>
+              </a:ext>
+            </a:extLst>
+          </a:blip>
+          <a:stretch>
+            <a:fillRect/>
+          </a:stretch>
+        </p:blipFill>
+        <p:spPr>
+          <a:xfrm>
+            <a:off x="5523291" y="3048114"/>
+            <a:ext cx="293326" cy="293326"/>
+          </a:xfrm>
+          <a:prstGeom prst="rect">
+            <a:avLst/>
+          </a:prstGeom>
+        </p:spPr>
+      </p:pic>
+      <p:pic>
+        <p:nvPicPr>
+          <p:cNvPr id="53" name="Picture 52"/>
+          <p:cNvPicPr>
+            <a:picLocks noChangeAspect="1"/>
+          </p:cNvPicPr>
+          <p:nvPr/>
+        </p:nvPicPr>
+        <p:blipFill>
+          <a:blip r:embed="rId11" cstate="print">
+            <a:extLst>
+              <a:ext uri="{28A0092B-C50C-407E-A947-70E740481C1C}">
+                <a14:useLocalDpi xmlns:a14="http://schemas.microsoft.com/office/drawing/2010/main" val="0"/>
+              </a:ext>
+            </a:extLst>
+          </a:blip>
+          <a:stretch>
+            <a:fillRect/>
+          </a:stretch>
+        </p:blipFill>
+        <p:spPr>
+          <a:xfrm>
+            <a:off x="6388198" y="3540157"/>
+            <a:ext cx="293326" cy="293326"/>
+          </a:xfrm>
+          <a:prstGeom prst="rect">
+            <a:avLst/>
+          </a:prstGeom>
+        </p:spPr>
+      </p:pic>
+      <p:pic>
+        <p:nvPicPr>
+          <p:cNvPr id="54" name="Picture 53"/>
+          <p:cNvPicPr>
+            <a:picLocks noChangeAspect="1"/>
+          </p:cNvPicPr>
+          <p:nvPr/>
+        </p:nvPicPr>
+        <p:blipFill>
+          <a:blip r:embed="rId11" cstate="print">
+            <a:extLst>
+              <a:ext uri="{28A0092B-C50C-407E-A947-70E740481C1C}">
+                <a14:useLocalDpi xmlns:a14="http://schemas.microsoft.com/office/drawing/2010/main" val="0"/>
+              </a:ext>
+            </a:extLst>
+          </a:blip>
+          <a:stretch>
+            <a:fillRect/>
+          </a:stretch>
+        </p:blipFill>
+        <p:spPr>
+          <a:xfrm>
+            <a:off x="5725201" y="3920606"/>
+            <a:ext cx="293326" cy="293326"/>
+          </a:xfrm>
+          <a:prstGeom prst="rect">
+            <a:avLst/>
+          </a:prstGeom>
+        </p:spPr>
+      </p:pic>
+      <p:pic>
+        <p:nvPicPr>
+          <p:cNvPr id="55" name="Picture 54"/>
+          <p:cNvPicPr>
+            <a:picLocks noChangeAspect="1"/>
+          </p:cNvPicPr>
+          <p:nvPr/>
+        </p:nvPicPr>
+        <p:blipFill>
+          <a:blip r:embed="rId11" cstate="print">
+            <a:extLst>
+              <a:ext uri="{28A0092B-C50C-407E-A947-70E740481C1C}">
+                <a14:useLocalDpi xmlns:a14="http://schemas.microsoft.com/office/drawing/2010/main" val="0"/>
+              </a:ext>
+            </a:extLst>
+          </a:blip>
+          <a:stretch>
+            <a:fillRect/>
+          </a:stretch>
+        </p:blipFill>
+        <p:spPr>
+          <a:xfrm>
+            <a:off x="4694883" y="5571694"/>
+            <a:ext cx="293326" cy="293326"/>
+          </a:xfrm>
+          <a:prstGeom prst="rect">
+            <a:avLst/>
+          </a:prstGeom>
+        </p:spPr>
+      </p:pic>
+      <p:pic>
+        <p:nvPicPr>
+          <p:cNvPr id="56" name="Picture 55"/>
+          <p:cNvPicPr>
+            <a:picLocks noChangeAspect="1"/>
+          </p:cNvPicPr>
+          <p:nvPr/>
+        </p:nvPicPr>
+        <p:blipFill>
+          <a:blip r:embed="rId11" cstate="print">
+            <a:extLst>
+              <a:ext uri="{28A0092B-C50C-407E-A947-70E740481C1C}">
+                <a14:useLocalDpi xmlns:a14="http://schemas.microsoft.com/office/drawing/2010/main" val="0"/>
+              </a:ext>
+            </a:extLst>
+          </a:blip>
+          <a:stretch>
+            <a:fillRect/>
+          </a:stretch>
+        </p:blipFill>
+        <p:spPr>
+          <a:xfrm>
+            <a:off x="5735098" y="4702817"/>
+            <a:ext cx="293326" cy="293326"/>
+          </a:xfrm>
+          <a:prstGeom prst="rect">
+            <a:avLst/>
+          </a:prstGeom>
+        </p:spPr>
+      </p:pic>
+      <p:pic>
+        <p:nvPicPr>
+          <p:cNvPr id="57" name="Picture 56"/>
+          <p:cNvPicPr>
+            <a:picLocks noChangeAspect="1"/>
+          </p:cNvPicPr>
+          <p:nvPr/>
+        </p:nvPicPr>
+        <p:blipFill>
+          <a:blip r:embed="rId11" cstate="print">
+            <a:extLst>
+              <a:ext uri="{28A0092B-C50C-407E-A947-70E740481C1C}">
+                <a14:useLocalDpi xmlns:a14="http://schemas.microsoft.com/office/drawing/2010/main" val="0"/>
+              </a:ext>
+            </a:extLst>
+          </a:blip>
+          <a:stretch>
+            <a:fillRect/>
+          </a:stretch>
+        </p:blipFill>
+        <p:spPr>
+          <a:xfrm>
+            <a:off x="5660437" y="5193685"/>
+            <a:ext cx="293326" cy="293326"/>
+          </a:xfrm>
+          <a:prstGeom prst="rect">
+            <a:avLst/>
+          </a:prstGeom>
+        </p:spPr>
+      </p:pic>
+      <p:pic>
+        <p:nvPicPr>
+          <p:cNvPr id="58" name="Picture 57"/>
+          <p:cNvPicPr>
+            <a:picLocks noChangeAspect="1"/>
+          </p:cNvPicPr>
+          <p:nvPr/>
+        </p:nvPicPr>
+        <p:blipFill>
+          <a:blip r:embed="rId11" cstate="print">
+            <a:extLst>
+              <a:ext uri="{28A0092B-C50C-407E-A947-70E740481C1C}">
+                <a14:useLocalDpi xmlns:a14="http://schemas.microsoft.com/office/drawing/2010/main" val="0"/>
+              </a:ext>
+            </a:extLst>
+          </a:blip>
+          <a:stretch>
+            <a:fillRect/>
+          </a:stretch>
+        </p:blipFill>
+        <p:spPr>
+          <a:xfrm>
+            <a:off x="5742165" y="6036567"/>
+            <a:ext cx="293326" cy="293326"/>
+          </a:xfrm>
+          <a:prstGeom prst="rect">
+            <a:avLst/>
+          </a:prstGeom>
+        </p:spPr>
+      </p:pic>
+      <p:pic>
+        <p:nvPicPr>
+          <p:cNvPr id="62" name="Picture 61"/>
+          <p:cNvPicPr>
+            <a:picLocks noChangeAspect="1"/>
+          </p:cNvPicPr>
+          <p:nvPr/>
+        </p:nvPicPr>
+        <p:blipFill>
+          <a:blip r:embed="rId11" cstate="print">
+            <a:extLst>
+              <a:ext uri="{28A0092B-C50C-407E-A947-70E740481C1C}">
+                <a14:useLocalDpi xmlns:a14="http://schemas.microsoft.com/office/drawing/2010/main" val="0"/>
+              </a:ext>
+            </a:extLst>
+          </a:blip>
+          <a:stretch>
+            <a:fillRect/>
+          </a:stretch>
+        </p:blipFill>
+        <p:spPr>
+          <a:xfrm>
+            <a:off x="6159892" y="5177758"/>
+            <a:ext cx="293326" cy="293326"/>
+          </a:xfrm>
+          <a:prstGeom prst="rect">
+            <a:avLst/>
+          </a:prstGeom>
         </p:spPr>
       </p:pic>
     </p:spTree>
     <p:extLst>
       <p:ext uri="{BB962C8B-B14F-4D97-AF65-F5344CB8AC3E}">
-        <p14:creationId xmlns:p14="http://schemas.microsoft.com/office/powerpoint/2010/main" val="2900268003"/>
+        <p14:creationId xmlns:p14="http://schemas.microsoft.com/office/powerpoint/2010/main" val="612226302"/>
       </p:ext>
     </p:extLst>
   </p:cSld>
@@ -9904,14 +11037,1688 @@
   <p:timing>
     <p:tnLst>
       <p:par>
-        <p:cTn id="1" dur="indefinite" restart="never" nodeType="tmRoot"/>
+        <p:cTn id="1" dur="indefinite" restart="never" nodeType="tmRoot">
+          <p:childTnLst>
+            <p:seq concurrent="1" nextAc="seek">
+              <p:cTn id="2" dur="indefinite" nodeType="mainSeq">
+                <p:childTnLst>
+                  <p:par>
+                    <p:cTn id="3" fill="hold">
+                      <p:stCondLst>
+                        <p:cond delay="indefinite"/>
+                      </p:stCondLst>
+                      <p:childTnLst>
+                        <p:par>
+                          <p:cTn id="4" fill="hold">
+                            <p:stCondLst>
+                              <p:cond delay="0"/>
+                            </p:stCondLst>
+                            <p:childTnLst>
+                              <p:par>
+                                <p:cTn id="5" presetID="53" presetClass="entr" presetSubtype="16" fill="hold" nodeType="clickEffect">
+                                  <p:stCondLst>
+                                    <p:cond delay="0"/>
+                                  </p:stCondLst>
+                                  <p:childTnLst>
+                                    <p:set>
+                                      <p:cBhvr>
+                                        <p:cTn id="6" dur="1" fill="hold">
+                                          <p:stCondLst>
+                                            <p:cond delay="0"/>
+                                          </p:stCondLst>
+                                        </p:cTn>
+                                        <p:tgtEl>
+                                          <p:spTgt spid="5"/>
+                                        </p:tgtEl>
+                                        <p:attrNameLst>
+                                          <p:attrName>style.visibility</p:attrName>
+                                        </p:attrNameLst>
+                                      </p:cBhvr>
+                                      <p:to>
+                                        <p:strVal val="visible"/>
+                                      </p:to>
+                                    </p:set>
+                                    <p:anim calcmode="lin" valueType="num">
+                                      <p:cBhvr>
+                                        <p:cTn id="7" dur="500" fill="hold"/>
+                                        <p:tgtEl>
+                                          <p:spTgt spid="5"/>
+                                        </p:tgtEl>
+                                        <p:attrNameLst>
+                                          <p:attrName>ppt_w</p:attrName>
+                                        </p:attrNameLst>
+                                      </p:cBhvr>
+                                      <p:tavLst>
+                                        <p:tav tm="0">
+                                          <p:val>
+                                            <p:fltVal val="0"/>
+                                          </p:val>
+                                        </p:tav>
+                                        <p:tav tm="100000">
+                                          <p:val>
+                                            <p:strVal val="#ppt_w"/>
+                                          </p:val>
+                                        </p:tav>
+                                      </p:tavLst>
+                                    </p:anim>
+                                    <p:anim calcmode="lin" valueType="num">
+                                      <p:cBhvr>
+                                        <p:cTn id="8" dur="500" fill="hold"/>
+                                        <p:tgtEl>
+                                          <p:spTgt spid="5"/>
+                                        </p:tgtEl>
+                                        <p:attrNameLst>
+                                          <p:attrName>ppt_h</p:attrName>
+                                        </p:attrNameLst>
+                                      </p:cBhvr>
+                                      <p:tavLst>
+                                        <p:tav tm="0">
+                                          <p:val>
+                                            <p:fltVal val="0"/>
+                                          </p:val>
+                                        </p:tav>
+                                        <p:tav tm="100000">
+                                          <p:val>
+                                            <p:strVal val="#ppt_h"/>
+                                          </p:val>
+                                        </p:tav>
+                                      </p:tavLst>
+                                    </p:anim>
+                                    <p:animEffect transition="in" filter="fade">
+                                      <p:cBhvr>
+                                        <p:cTn id="9" dur="500"/>
+                                        <p:tgtEl>
+                                          <p:spTgt spid="5"/>
+                                        </p:tgtEl>
+                                      </p:cBhvr>
+                                    </p:animEffect>
+                                  </p:childTnLst>
+                                </p:cTn>
+                              </p:par>
+                            </p:childTnLst>
+                          </p:cTn>
+                        </p:par>
+                      </p:childTnLst>
+                    </p:cTn>
+                  </p:par>
+                  <p:par>
+                    <p:cTn id="10" fill="hold">
+                      <p:stCondLst>
+                        <p:cond delay="indefinite"/>
+                      </p:stCondLst>
+                      <p:childTnLst>
+                        <p:par>
+                          <p:cTn id="11" fill="hold">
+                            <p:stCondLst>
+                              <p:cond delay="0"/>
+                            </p:stCondLst>
+                            <p:childTnLst>
+                              <p:par>
+                                <p:cTn id="12" presetID="53" presetClass="entr" presetSubtype="16" fill="hold" nodeType="clickEffect">
+                                  <p:stCondLst>
+                                    <p:cond delay="0"/>
+                                  </p:stCondLst>
+                                  <p:childTnLst>
+                                    <p:set>
+                                      <p:cBhvr>
+                                        <p:cTn id="13" dur="1" fill="hold">
+                                          <p:stCondLst>
+                                            <p:cond delay="0"/>
+                                          </p:stCondLst>
+                                        </p:cTn>
+                                        <p:tgtEl>
+                                          <p:spTgt spid="6"/>
+                                        </p:tgtEl>
+                                        <p:attrNameLst>
+                                          <p:attrName>style.visibility</p:attrName>
+                                        </p:attrNameLst>
+                                      </p:cBhvr>
+                                      <p:to>
+                                        <p:strVal val="visible"/>
+                                      </p:to>
+                                    </p:set>
+                                    <p:anim calcmode="lin" valueType="num">
+                                      <p:cBhvr>
+                                        <p:cTn id="14" dur="500" fill="hold"/>
+                                        <p:tgtEl>
+                                          <p:spTgt spid="6"/>
+                                        </p:tgtEl>
+                                        <p:attrNameLst>
+                                          <p:attrName>ppt_w</p:attrName>
+                                        </p:attrNameLst>
+                                      </p:cBhvr>
+                                      <p:tavLst>
+                                        <p:tav tm="0">
+                                          <p:val>
+                                            <p:fltVal val="0"/>
+                                          </p:val>
+                                        </p:tav>
+                                        <p:tav tm="100000">
+                                          <p:val>
+                                            <p:strVal val="#ppt_w"/>
+                                          </p:val>
+                                        </p:tav>
+                                      </p:tavLst>
+                                    </p:anim>
+                                    <p:anim calcmode="lin" valueType="num">
+                                      <p:cBhvr>
+                                        <p:cTn id="15" dur="500" fill="hold"/>
+                                        <p:tgtEl>
+                                          <p:spTgt spid="6"/>
+                                        </p:tgtEl>
+                                        <p:attrNameLst>
+                                          <p:attrName>ppt_h</p:attrName>
+                                        </p:attrNameLst>
+                                      </p:cBhvr>
+                                      <p:tavLst>
+                                        <p:tav tm="0">
+                                          <p:val>
+                                            <p:fltVal val="0"/>
+                                          </p:val>
+                                        </p:tav>
+                                        <p:tav tm="100000">
+                                          <p:val>
+                                            <p:strVal val="#ppt_h"/>
+                                          </p:val>
+                                        </p:tav>
+                                      </p:tavLst>
+                                    </p:anim>
+                                    <p:animEffect transition="in" filter="fade">
+                                      <p:cBhvr>
+                                        <p:cTn id="16" dur="500"/>
+                                        <p:tgtEl>
+                                          <p:spTgt spid="6"/>
+                                        </p:tgtEl>
+                                      </p:cBhvr>
+                                    </p:animEffect>
+                                  </p:childTnLst>
+                                </p:cTn>
+                              </p:par>
+                            </p:childTnLst>
+                          </p:cTn>
+                        </p:par>
+                      </p:childTnLst>
+                    </p:cTn>
+                  </p:par>
+                  <p:par>
+                    <p:cTn id="17" fill="hold">
+                      <p:stCondLst>
+                        <p:cond delay="indefinite"/>
+                      </p:stCondLst>
+                      <p:childTnLst>
+                        <p:par>
+                          <p:cTn id="18" fill="hold">
+                            <p:stCondLst>
+                              <p:cond delay="0"/>
+                            </p:stCondLst>
+                            <p:childTnLst>
+                              <p:par>
+                                <p:cTn id="19" presetID="53" presetClass="entr" presetSubtype="16" fill="hold" grpId="0" nodeType="clickEffect">
+                                  <p:stCondLst>
+                                    <p:cond delay="0"/>
+                                  </p:stCondLst>
+                                  <p:childTnLst>
+                                    <p:set>
+                                      <p:cBhvr>
+                                        <p:cTn id="20" dur="1" fill="hold">
+                                          <p:stCondLst>
+                                            <p:cond delay="0"/>
+                                          </p:stCondLst>
+                                        </p:cTn>
+                                        <p:tgtEl>
+                                          <p:spTgt spid="42"/>
+                                        </p:tgtEl>
+                                        <p:attrNameLst>
+                                          <p:attrName>style.visibility</p:attrName>
+                                        </p:attrNameLst>
+                                      </p:cBhvr>
+                                      <p:to>
+                                        <p:strVal val="visible"/>
+                                      </p:to>
+                                    </p:set>
+                                    <p:anim calcmode="lin" valueType="num">
+                                      <p:cBhvr>
+                                        <p:cTn id="21" dur="500" fill="hold"/>
+                                        <p:tgtEl>
+                                          <p:spTgt spid="42"/>
+                                        </p:tgtEl>
+                                        <p:attrNameLst>
+                                          <p:attrName>ppt_w</p:attrName>
+                                        </p:attrNameLst>
+                                      </p:cBhvr>
+                                      <p:tavLst>
+                                        <p:tav tm="0">
+                                          <p:val>
+                                            <p:fltVal val="0"/>
+                                          </p:val>
+                                        </p:tav>
+                                        <p:tav tm="100000">
+                                          <p:val>
+                                            <p:strVal val="#ppt_w"/>
+                                          </p:val>
+                                        </p:tav>
+                                      </p:tavLst>
+                                    </p:anim>
+                                    <p:anim calcmode="lin" valueType="num">
+                                      <p:cBhvr>
+                                        <p:cTn id="22" dur="500" fill="hold"/>
+                                        <p:tgtEl>
+                                          <p:spTgt spid="42"/>
+                                        </p:tgtEl>
+                                        <p:attrNameLst>
+                                          <p:attrName>ppt_h</p:attrName>
+                                        </p:attrNameLst>
+                                      </p:cBhvr>
+                                      <p:tavLst>
+                                        <p:tav tm="0">
+                                          <p:val>
+                                            <p:fltVal val="0"/>
+                                          </p:val>
+                                        </p:tav>
+                                        <p:tav tm="100000">
+                                          <p:val>
+                                            <p:strVal val="#ppt_h"/>
+                                          </p:val>
+                                        </p:tav>
+                                      </p:tavLst>
+                                    </p:anim>
+                                    <p:animEffect transition="in" filter="fade">
+                                      <p:cBhvr>
+                                        <p:cTn id="23" dur="500"/>
+                                        <p:tgtEl>
+                                          <p:spTgt spid="42"/>
+                                        </p:tgtEl>
+                                      </p:cBhvr>
+                                    </p:animEffect>
+                                  </p:childTnLst>
+                                </p:cTn>
+                              </p:par>
+                            </p:childTnLst>
+                          </p:cTn>
+                        </p:par>
+                      </p:childTnLst>
+                    </p:cTn>
+                  </p:par>
+                  <p:par>
+                    <p:cTn id="24" fill="hold">
+                      <p:stCondLst>
+                        <p:cond delay="indefinite"/>
+                      </p:stCondLst>
+                      <p:childTnLst>
+                        <p:par>
+                          <p:cTn id="25" fill="hold">
+                            <p:stCondLst>
+                              <p:cond delay="0"/>
+                            </p:stCondLst>
+                            <p:childTnLst>
+                              <p:par>
+                                <p:cTn id="26" presetID="53" presetClass="entr" presetSubtype="16" fill="hold" nodeType="clickEffect">
+                                  <p:stCondLst>
+                                    <p:cond delay="0"/>
+                                  </p:stCondLst>
+                                  <p:childTnLst>
+                                    <p:set>
+                                      <p:cBhvr>
+                                        <p:cTn id="27" dur="1" fill="hold">
+                                          <p:stCondLst>
+                                            <p:cond delay="0"/>
+                                          </p:stCondLst>
+                                        </p:cTn>
+                                        <p:tgtEl>
+                                          <p:spTgt spid="24"/>
+                                        </p:tgtEl>
+                                        <p:attrNameLst>
+                                          <p:attrName>style.visibility</p:attrName>
+                                        </p:attrNameLst>
+                                      </p:cBhvr>
+                                      <p:to>
+                                        <p:strVal val="visible"/>
+                                      </p:to>
+                                    </p:set>
+                                    <p:anim calcmode="lin" valueType="num">
+                                      <p:cBhvr>
+                                        <p:cTn id="28" dur="500" fill="hold"/>
+                                        <p:tgtEl>
+                                          <p:spTgt spid="24"/>
+                                        </p:tgtEl>
+                                        <p:attrNameLst>
+                                          <p:attrName>ppt_w</p:attrName>
+                                        </p:attrNameLst>
+                                      </p:cBhvr>
+                                      <p:tavLst>
+                                        <p:tav tm="0">
+                                          <p:val>
+                                            <p:fltVal val="0"/>
+                                          </p:val>
+                                        </p:tav>
+                                        <p:tav tm="100000">
+                                          <p:val>
+                                            <p:strVal val="#ppt_w"/>
+                                          </p:val>
+                                        </p:tav>
+                                      </p:tavLst>
+                                    </p:anim>
+                                    <p:anim calcmode="lin" valueType="num">
+                                      <p:cBhvr>
+                                        <p:cTn id="29" dur="500" fill="hold"/>
+                                        <p:tgtEl>
+                                          <p:spTgt spid="24"/>
+                                        </p:tgtEl>
+                                        <p:attrNameLst>
+                                          <p:attrName>ppt_h</p:attrName>
+                                        </p:attrNameLst>
+                                      </p:cBhvr>
+                                      <p:tavLst>
+                                        <p:tav tm="0">
+                                          <p:val>
+                                            <p:fltVal val="0"/>
+                                          </p:val>
+                                        </p:tav>
+                                        <p:tav tm="100000">
+                                          <p:val>
+                                            <p:strVal val="#ppt_h"/>
+                                          </p:val>
+                                        </p:tav>
+                                      </p:tavLst>
+                                    </p:anim>
+                                    <p:animEffect transition="in" filter="fade">
+                                      <p:cBhvr>
+                                        <p:cTn id="30" dur="500"/>
+                                        <p:tgtEl>
+                                          <p:spTgt spid="24"/>
+                                        </p:tgtEl>
+                                      </p:cBhvr>
+                                    </p:animEffect>
+                                  </p:childTnLst>
+                                </p:cTn>
+                              </p:par>
+                              <p:par>
+                                <p:cTn id="31" presetID="53" presetClass="entr" presetSubtype="16" fill="hold" nodeType="withEffect">
+                                  <p:stCondLst>
+                                    <p:cond delay="0"/>
+                                  </p:stCondLst>
+                                  <p:childTnLst>
+                                    <p:set>
+                                      <p:cBhvr>
+                                        <p:cTn id="32" dur="1" fill="hold">
+                                          <p:stCondLst>
+                                            <p:cond delay="0"/>
+                                          </p:stCondLst>
+                                        </p:cTn>
+                                        <p:tgtEl>
+                                          <p:spTgt spid="49"/>
+                                        </p:tgtEl>
+                                        <p:attrNameLst>
+                                          <p:attrName>style.visibility</p:attrName>
+                                        </p:attrNameLst>
+                                      </p:cBhvr>
+                                      <p:to>
+                                        <p:strVal val="visible"/>
+                                      </p:to>
+                                    </p:set>
+                                    <p:anim calcmode="lin" valueType="num">
+                                      <p:cBhvr>
+                                        <p:cTn id="33" dur="500" fill="hold"/>
+                                        <p:tgtEl>
+                                          <p:spTgt spid="49"/>
+                                        </p:tgtEl>
+                                        <p:attrNameLst>
+                                          <p:attrName>ppt_w</p:attrName>
+                                        </p:attrNameLst>
+                                      </p:cBhvr>
+                                      <p:tavLst>
+                                        <p:tav tm="0">
+                                          <p:val>
+                                            <p:fltVal val="0"/>
+                                          </p:val>
+                                        </p:tav>
+                                        <p:tav tm="100000">
+                                          <p:val>
+                                            <p:strVal val="#ppt_w"/>
+                                          </p:val>
+                                        </p:tav>
+                                      </p:tavLst>
+                                    </p:anim>
+                                    <p:anim calcmode="lin" valueType="num">
+                                      <p:cBhvr>
+                                        <p:cTn id="34" dur="500" fill="hold"/>
+                                        <p:tgtEl>
+                                          <p:spTgt spid="49"/>
+                                        </p:tgtEl>
+                                        <p:attrNameLst>
+                                          <p:attrName>ppt_h</p:attrName>
+                                        </p:attrNameLst>
+                                      </p:cBhvr>
+                                      <p:tavLst>
+                                        <p:tav tm="0">
+                                          <p:val>
+                                            <p:fltVal val="0"/>
+                                          </p:val>
+                                        </p:tav>
+                                        <p:tav tm="100000">
+                                          <p:val>
+                                            <p:strVal val="#ppt_h"/>
+                                          </p:val>
+                                        </p:tav>
+                                      </p:tavLst>
+                                    </p:anim>
+                                    <p:animEffect transition="in" filter="fade">
+                                      <p:cBhvr>
+                                        <p:cTn id="35" dur="500"/>
+                                        <p:tgtEl>
+                                          <p:spTgt spid="49"/>
+                                        </p:tgtEl>
+                                      </p:cBhvr>
+                                    </p:animEffect>
+                                  </p:childTnLst>
+                                </p:cTn>
+                              </p:par>
+                              <p:par>
+                                <p:cTn id="36" presetID="53" presetClass="entr" presetSubtype="16" fill="hold" nodeType="withEffect">
+                                  <p:stCondLst>
+                                    <p:cond delay="0"/>
+                                  </p:stCondLst>
+                                  <p:childTnLst>
+                                    <p:set>
+                                      <p:cBhvr>
+                                        <p:cTn id="37" dur="1" fill="hold">
+                                          <p:stCondLst>
+                                            <p:cond delay="0"/>
+                                          </p:stCondLst>
+                                        </p:cTn>
+                                        <p:tgtEl>
+                                          <p:spTgt spid="48"/>
+                                        </p:tgtEl>
+                                        <p:attrNameLst>
+                                          <p:attrName>style.visibility</p:attrName>
+                                        </p:attrNameLst>
+                                      </p:cBhvr>
+                                      <p:to>
+                                        <p:strVal val="visible"/>
+                                      </p:to>
+                                    </p:set>
+                                    <p:anim calcmode="lin" valueType="num">
+                                      <p:cBhvr>
+                                        <p:cTn id="38" dur="500" fill="hold"/>
+                                        <p:tgtEl>
+                                          <p:spTgt spid="48"/>
+                                        </p:tgtEl>
+                                        <p:attrNameLst>
+                                          <p:attrName>ppt_w</p:attrName>
+                                        </p:attrNameLst>
+                                      </p:cBhvr>
+                                      <p:tavLst>
+                                        <p:tav tm="0">
+                                          <p:val>
+                                            <p:fltVal val="0"/>
+                                          </p:val>
+                                        </p:tav>
+                                        <p:tav tm="100000">
+                                          <p:val>
+                                            <p:strVal val="#ppt_w"/>
+                                          </p:val>
+                                        </p:tav>
+                                      </p:tavLst>
+                                    </p:anim>
+                                    <p:anim calcmode="lin" valueType="num">
+                                      <p:cBhvr>
+                                        <p:cTn id="39" dur="500" fill="hold"/>
+                                        <p:tgtEl>
+                                          <p:spTgt spid="48"/>
+                                        </p:tgtEl>
+                                        <p:attrNameLst>
+                                          <p:attrName>ppt_h</p:attrName>
+                                        </p:attrNameLst>
+                                      </p:cBhvr>
+                                      <p:tavLst>
+                                        <p:tav tm="0">
+                                          <p:val>
+                                            <p:fltVal val="0"/>
+                                          </p:val>
+                                        </p:tav>
+                                        <p:tav tm="100000">
+                                          <p:val>
+                                            <p:strVal val="#ppt_h"/>
+                                          </p:val>
+                                        </p:tav>
+                                      </p:tavLst>
+                                    </p:anim>
+                                    <p:animEffect transition="in" filter="fade">
+                                      <p:cBhvr>
+                                        <p:cTn id="40" dur="500"/>
+                                        <p:tgtEl>
+                                          <p:spTgt spid="48"/>
+                                        </p:tgtEl>
+                                      </p:cBhvr>
+                                    </p:animEffect>
+                                  </p:childTnLst>
+                                </p:cTn>
+                              </p:par>
+                              <p:par>
+                                <p:cTn id="41" presetID="53" presetClass="entr" presetSubtype="16" fill="hold" nodeType="withEffect">
+                                  <p:stCondLst>
+                                    <p:cond delay="0"/>
+                                  </p:stCondLst>
+                                  <p:childTnLst>
+                                    <p:set>
+                                      <p:cBhvr>
+                                        <p:cTn id="42" dur="1" fill="hold">
+                                          <p:stCondLst>
+                                            <p:cond delay="0"/>
+                                          </p:stCondLst>
+                                        </p:cTn>
+                                        <p:tgtEl>
+                                          <p:spTgt spid="47"/>
+                                        </p:tgtEl>
+                                        <p:attrNameLst>
+                                          <p:attrName>style.visibility</p:attrName>
+                                        </p:attrNameLst>
+                                      </p:cBhvr>
+                                      <p:to>
+                                        <p:strVal val="visible"/>
+                                      </p:to>
+                                    </p:set>
+                                    <p:anim calcmode="lin" valueType="num">
+                                      <p:cBhvr>
+                                        <p:cTn id="43" dur="500" fill="hold"/>
+                                        <p:tgtEl>
+                                          <p:spTgt spid="47"/>
+                                        </p:tgtEl>
+                                        <p:attrNameLst>
+                                          <p:attrName>ppt_w</p:attrName>
+                                        </p:attrNameLst>
+                                      </p:cBhvr>
+                                      <p:tavLst>
+                                        <p:tav tm="0">
+                                          <p:val>
+                                            <p:fltVal val="0"/>
+                                          </p:val>
+                                        </p:tav>
+                                        <p:tav tm="100000">
+                                          <p:val>
+                                            <p:strVal val="#ppt_w"/>
+                                          </p:val>
+                                        </p:tav>
+                                      </p:tavLst>
+                                    </p:anim>
+                                    <p:anim calcmode="lin" valueType="num">
+                                      <p:cBhvr>
+                                        <p:cTn id="44" dur="500" fill="hold"/>
+                                        <p:tgtEl>
+                                          <p:spTgt spid="47"/>
+                                        </p:tgtEl>
+                                        <p:attrNameLst>
+                                          <p:attrName>ppt_h</p:attrName>
+                                        </p:attrNameLst>
+                                      </p:cBhvr>
+                                      <p:tavLst>
+                                        <p:tav tm="0">
+                                          <p:val>
+                                            <p:fltVal val="0"/>
+                                          </p:val>
+                                        </p:tav>
+                                        <p:tav tm="100000">
+                                          <p:val>
+                                            <p:strVal val="#ppt_h"/>
+                                          </p:val>
+                                        </p:tav>
+                                      </p:tavLst>
+                                    </p:anim>
+                                    <p:animEffect transition="in" filter="fade">
+                                      <p:cBhvr>
+                                        <p:cTn id="45" dur="500"/>
+                                        <p:tgtEl>
+                                          <p:spTgt spid="47"/>
+                                        </p:tgtEl>
+                                      </p:cBhvr>
+                                    </p:animEffect>
+                                  </p:childTnLst>
+                                </p:cTn>
+                              </p:par>
+                              <p:par>
+                                <p:cTn id="46" presetID="53" presetClass="entr" presetSubtype="16" fill="hold" nodeType="withEffect">
+                                  <p:stCondLst>
+                                    <p:cond delay="0"/>
+                                  </p:stCondLst>
+                                  <p:childTnLst>
+                                    <p:set>
+                                      <p:cBhvr>
+                                        <p:cTn id="47" dur="1" fill="hold">
+                                          <p:stCondLst>
+                                            <p:cond delay="0"/>
+                                          </p:stCondLst>
+                                        </p:cTn>
+                                        <p:tgtEl>
+                                          <p:spTgt spid="51"/>
+                                        </p:tgtEl>
+                                        <p:attrNameLst>
+                                          <p:attrName>style.visibility</p:attrName>
+                                        </p:attrNameLst>
+                                      </p:cBhvr>
+                                      <p:to>
+                                        <p:strVal val="visible"/>
+                                      </p:to>
+                                    </p:set>
+                                    <p:anim calcmode="lin" valueType="num">
+                                      <p:cBhvr>
+                                        <p:cTn id="48" dur="500" fill="hold"/>
+                                        <p:tgtEl>
+                                          <p:spTgt spid="51"/>
+                                        </p:tgtEl>
+                                        <p:attrNameLst>
+                                          <p:attrName>ppt_w</p:attrName>
+                                        </p:attrNameLst>
+                                      </p:cBhvr>
+                                      <p:tavLst>
+                                        <p:tav tm="0">
+                                          <p:val>
+                                            <p:fltVal val="0"/>
+                                          </p:val>
+                                        </p:tav>
+                                        <p:tav tm="100000">
+                                          <p:val>
+                                            <p:strVal val="#ppt_w"/>
+                                          </p:val>
+                                        </p:tav>
+                                      </p:tavLst>
+                                    </p:anim>
+                                    <p:anim calcmode="lin" valueType="num">
+                                      <p:cBhvr>
+                                        <p:cTn id="49" dur="500" fill="hold"/>
+                                        <p:tgtEl>
+                                          <p:spTgt spid="51"/>
+                                        </p:tgtEl>
+                                        <p:attrNameLst>
+                                          <p:attrName>ppt_h</p:attrName>
+                                        </p:attrNameLst>
+                                      </p:cBhvr>
+                                      <p:tavLst>
+                                        <p:tav tm="0">
+                                          <p:val>
+                                            <p:fltVal val="0"/>
+                                          </p:val>
+                                        </p:tav>
+                                        <p:tav tm="100000">
+                                          <p:val>
+                                            <p:strVal val="#ppt_h"/>
+                                          </p:val>
+                                        </p:tav>
+                                      </p:tavLst>
+                                    </p:anim>
+                                    <p:animEffect transition="in" filter="fade">
+                                      <p:cBhvr>
+                                        <p:cTn id="50" dur="500"/>
+                                        <p:tgtEl>
+                                          <p:spTgt spid="51"/>
+                                        </p:tgtEl>
+                                      </p:cBhvr>
+                                    </p:animEffect>
+                                  </p:childTnLst>
+                                </p:cTn>
+                              </p:par>
+                              <p:par>
+                                <p:cTn id="51" presetID="53" presetClass="entr" presetSubtype="16" fill="hold" nodeType="withEffect">
+                                  <p:stCondLst>
+                                    <p:cond delay="0"/>
+                                  </p:stCondLst>
+                                  <p:childTnLst>
+                                    <p:set>
+                                      <p:cBhvr>
+                                        <p:cTn id="52" dur="1" fill="hold">
+                                          <p:stCondLst>
+                                            <p:cond delay="0"/>
+                                          </p:stCondLst>
+                                        </p:cTn>
+                                        <p:tgtEl>
+                                          <p:spTgt spid="52"/>
+                                        </p:tgtEl>
+                                        <p:attrNameLst>
+                                          <p:attrName>style.visibility</p:attrName>
+                                        </p:attrNameLst>
+                                      </p:cBhvr>
+                                      <p:to>
+                                        <p:strVal val="visible"/>
+                                      </p:to>
+                                    </p:set>
+                                    <p:anim calcmode="lin" valueType="num">
+                                      <p:cBhvr>
+                                        <p:cTn id="53" dur="500" fill="hold"/>
+                                        <p:tgtEl>
+                                          <p:spTgt spid="52"/>
+                                        </p:tgtEl>
+                                        <p:attrNameLst>
+                                          <p:attrName>ppt_w</p:attrName>
+                                        </p:attrNameLst>
+                                      </p:cBhvr>
+                                      <p:tavLst>
+                                        <p:tav tm="0">
+                                          <p:val>
+                                            <p:fltVal val="0"/>
+                                          </p:val>
+                                        </p:tav>
+                                        <p:tav tm="100000">
+                                          <p:val>
+                                            <p:strVal val="#ppt_w"/>
+                                          </p:val>
+                                        </p:tav>
+                                      </p:tavLst>
+                                    </p:anim>
+                                    <p:anim calcmode="lin" valueType="num">
+                                      <p:cBhvr>
+                                        <p:cTn id="54" dur="500" fill="hold"/>
+                                        <p:tgtEl>
+                                          <p:spTgt spid="52"/>
+                                        </p:tgtEl>
+                                        <p:attrNameLst>
+                                          <p:attrName>ppt_h</p:attrName>
+                                        </p:attrNameLst>
+                                      </p:cBhvr>
+                                      <p:tavLst>
+                                        <p:tav tm="0">
+                                          <p:val>
+                                            <p:fltVal val="0"/>
+                                          </p:val>
+                                        </p:tav>
+                                        <p:tav tm="100000">
+                                          <p:val>
+                                            <p:strVal val="#ppt_h"/>
+                                          </p:val>
+                                        </p:tav>
+                                      </p:tavLst>
+                                    </p:anim>
+                                    <p:animEffect transition="in" filter="fade">
+                                      <p:cBhvr>
+                                        <p:cTn id="55" dur="500"/>
+                                        <p:tgtEl>
+                                          <p:spTgt spid="52"/>
+                                        </p:tgtEl>
+                                      </p:cBhvr>
+                                    </p:animEffect>
+                                  </p:childTnLst>
+                                </p:cTn>
+                              </p:par>
+                              <p:par>
+                                <p:cTn id="56" presetID="53" presetClass="entr" presetSubtype="16" fill="hold" nodeType="withEffect">
+                                  <p:stCondLst>
+                                    <p:cond delay="0"/>
+                                  </p:stCondLst>
+                                  <p:childTnLst>
+                                    <p:set>
+                                      <p:cBhvr>
+                                        <p:cTn id="57" dur="1" fill="hold">
+                                          <p:stCondLst>
+                                            <p:cond delay="0"/>
+                                          </p:stCondLst>
+                                        </p:cTn>
+                                        <p:tgtEl>
+                                          <p:spTgt spid="53"/>
+                                        </p:tgtEl>
+                                        <p:attrNameLst>
+                                          <p:attrName>style.visibility</p:attrName>
+                                        </p:attrNameLst>
+                                      </p:cBhvr>
+                                      <p:to>
+                                        <p:strVal val="visible"/>
+                                      </p:to>
+                                    </p:set>
+                                    <p:anim calcmode="lin" valueType="num">
+                                      <p:cBhvr>
+                                        <p:cTn id="58" dur="500" fill="hold"/>
+                                        <p:tgtEl>
+                                          <p:spTgt spid="53"/>
+                                        </p:tgtEl>
+                                        <p:attrNameLst>
+                                          <p:attrName>ppt_w</p:attrName>
+                                        </p:attrNameLst>
+                                      </p:cBhvr>
+                                      <p:tavLst>
+                                        <p:tav tm="0">
+                                          <p:val>
+                                            <p:fltVal val="0"/>
+                                          </p:val>
+                                        </p:tav>
+                                        <p:tav tm="100000">
+                                          <p:val>
+                                            <p:strVal val="#ppt_w"/>
+                                          </p:val>
+                                        </p:tav>
+                                      </p:tavLst>
+                                    </p:anim>
+                                    <p:anim calcmode="lin" valueType="num">
+                                      <p:cBhvr>
+                                        <p:cTn id="59" dur="500" fill="hold"/>
+                                        <p:tgtEl>
+                                          <p:spTgt spid="53"/>
+                                        </p:tgtEl>
+                                        <p:attrNameLst>
+                                          <p:attrName>ppt_h</p:attrName>
+                                        </p:attrNameLst>
+                                      </p:cBhvr>
+                                      <p:tavLst>
+                                        <p:tav tm="0">
+                                          <p:val>
+                                            <p:fltVal val="0"/>
+                                          </p:val>
+                                        </p:tav>
+                                        <p:tav tm="100000">
+                                          <p:val>
+                                            <p:strVal val="#ppt_h"/>
+                                          </p:val>
+                                        </p:tav>
+                                      </p:tavLst>
+                                    </p:anim>
+                                    <p:animEffect transition="in" filter="fade">
+                                      <p:cBhvr>
+                                        <p:cTn id="60" dur="500"/>
+                                        <p:tgtEl>
+                                          <p:spTgt spid="53"/>
+                                        </p:tgtEl>
+                                      </p:cBhvr>
+                                    </p:animEffect>
+                                  </p:childTnLst>
+                                </p:cTn>
+                              </p:par>
+                              <p:par>
+                                <p:cTn id="61" presetID="53" presetClass="entr" presetSubtype="16" fill="hold" nodeType="withEffect">
+                                  <p:stCondLst>
+                                    <p:cond delay="0"/>
+                                  </p:stCondLst>
+                                  <p:childTnLst>
+                                    <p:set>
+                                      <p:cBhvr>
+                                        <p:cTn id="62" dur="1" fill="hold">
+                                          <p:stCondLst>
+                                            <p:cond delay="0"/>
+                                          </p:stCondLst>
+                                        </p:cTn>
+                                        <p:tgtEl>
+                                          <p:spTgt spid="54"/>
+                                        </p:tgtEl>
+                                        <p:attrNameLst>
+                                          <p:attrName>style.visibility</p:attrName>
+                                        </p:attrNameLst>
+                                      </p:cBhvr>
+                                      <p:to>
+                                        <p:strVal val="visible"/>
+                                      </p:to>
+                                    </p:set>
+                                    <p:anim calcmode="lin" valueType="num">
+                                      <p:cBhvr>
+                                        <p:cTn id="63" dur="500" fill="hold"/>
+                                        <p:tgtEl>
+                                          <p:spTgt spid="54"/>
+                                        </p:tgtEl>
+                                        <p:attrNameLst>
+                                          <p:attrName>ppt_w</p:attrName>
+                                        </p:attrNameLst>
+                                      </p:cBhvr>
+                                      <p:tavLst>
+                                        <p:tav tm="0">
+                                          <p:val>
+                                            <p:fltVal val="0"/>
+                                          </p:val>
+                                        </p:tav>
+                                        <p:tav tm="100000">
+                                          <p:val>
+                                            <p:strVal val="#ppt_w"/>
+                                          </p:val>
+                                        </p:tav>
+                                      </p:tavLst>
+                                    </p:anim>
+                                    <p:anim calcmode="lin" valueType="num">
+                                      <p:cBhvr>
+                                        <p:cTn id="64" dur="500" fill="hold"/>
+                                        <p:tgtEl>
+                                          <p:spTgt spid="54"/>
+                                        </p:tgtEl>
+                                        <p:attrNameLst>
+                                          <p:attrName>ppt_h</p:attrName>
+                                        </p:attrNameLst>
+                                      </p:cBhvr>
+                                      <p:tavLst>
+                                        <p:tav tm="0">
+                                          <p:val>
+                                            <p:fltVal val="0"/>
+                                          </p:val>
+                                        </p:tav>
+                                        <p:tav tm="100000">
+                                          <p:val>
+                                            <p:strVal val="#ppt_h"/>
+                                          </p:val>
+                                        </p:tav>
+                                      </p:tavLst>
+                                    </p:anim>
+                                    <p:animEffect transition="in" filter="fade">
+                                      <p:cBhvr>
+                                        <p:cTn id="65" dur="500"/>
+                                        <p:tgtEl>
+                                          <p:spTgt spid="54"/>
+                                        </p:tgtEl>
+                                      </p:cBhvr>
+                                    </p:animEffect>
+                                  </p:childTnLst>
+                                </p:cTn>
+                              </p:par>
+                              <p:par>
+                                <p:cTn id="66" presetID="53" presetClass="entr" presetSubtype="16" fill="hold" nodeType="withEffect">
+                                  <p:stCondLst>
+                                    <p:cond delay="0"/>
+                                  </p:stCondLst>
+                                  <p:childTnLst>
+                                    <p:set>
+                                      <p:cBhvr>
+                                        <p:cTn id="67" dur="1" fill="hold">
+                                          <p:stCondLst>
+                                            <p:cond delay="0"/>
+                                          </p:stCondLst>
+                                        </p:cTn>
+                                        <p:tgtEl>
+                                          <p:spTgt spid="56"/>
+                                        </p:tgtEl>
+                                        <p:attrNameLst>
+                                          <p:attrName>style.visibility</p:attrName>
+                                        </p:attrNameLst>
+                                      </p:cBhvr>
+                                      <p:to>
+                                        <p:strVal val="visible"/>
+                                      </p:to>
+                                    </p:set>
+                                    <p:anim calcmode="lin" valueType="num">
+                                      <p:cBhvr>
+                                        <p:cTn id="68" dur="500" fill="hold"/>
+                                        <p:tgtEl>
+                                          <p:spTgt spid="56"/>
+                                        </p:tgtEl>
+                                        <p:attrNameLst>
+                                          <p:attrName>ppt_w</p:attrName>
+                                        </p:attrNameLst>
+                                      </p:cBhvr>
+                                      <p:tavLst>
+                                        <p:tav tm="0">
+                                          <p:val>
+                                            <p:fltVal val="0"/>
+                                          </p:val>
+                                        </p:tav>
+                                        <p:tav tm="100000">
+                                          <p:val>
+                                            <p:strVal val="#ppt_w"/>
+                                          </p:val>
+                                        </p:tav>
+                                      </p:tavLst>
+                                    </p:anim>
+                                    <p:anim calcmode="lin" valueType="num">
+                                      <p:cBhvr>
+                                        <p:cTn id="69" dur="500" fill="hold"/>
+                                        <p:tgtEl>
+                                          <p:spTgt spid="56"/>
+                                        </p:tgtEl>
+                                        <p:attrNameLst>
+                                          <p:attrName>ppt_h</p:attrName>
+                                        </p:attrNameLst>
+                                      </p:cBhvr>
+                                      <p:tavLst>
+                                        <p:tav tm="0">
+                                          <p:val>
+                                            <p:fltVal val="0"/>
+                                          </p:val>
+                                        </p:tav>
+                                        <p:tav tm="100000">
+                                          <p:val>
+                                            <p:strVal val="#ppt_h"/>
+                                          </p:val>
+                                        </p:tav>
+                                      </p:tavLst>
+                                    </p:anim>
+                                    <p:animEffect transition="in" filter="fade">
+                                      <p:cBhvr>
+                                        <p:cTn id="70" dur="500"/>
+                                        <p:tgtEl>
+                                          <p:spTgt spid="56"/>
+                                        </p:tgtEl>
+                                      </p:cBhvr>
+                                    </p:animEffect>
+                                  </p:childTnLst>
+                                </p:cTn>
+                              </p:par>
+                              <p:par>
+                                <p:cTn id="71" presetID="53" presetClass="entr" presetSubtype="16" fill="hold" nodeType="withEffect">
+                                  <p:stCondLst>
+                                    <p:cond delay="0"/>
+                                  </p:stCondLst>
+                                  <p:childTnLst>
+                                    <p:set>
+                                      <p:cBhvr>
+                                        <p:cTn id="72" dur="1" fill="hold">
+                                          <p:stCondLst>
+                                            <p:cond delay="0"/>
+                                          </p:stCondLst>
+                                        </p:cTn>
+                                        <p:tgtEl>
+                                          <p:spTgt spid="57"/>
+                                        </p:tgtEl>
+                                        <p:attrNameLst>
+                                          <p:attrName>style.visibility</p:attrName>
+                                        </p:attrNameLst>
+                                      </p:cBhvr>
+                                      <p:to>
+                                        <p:strVal val="visible"/>
+                                      </p:to>
+                                    </p:set>
+                                    <p:anim calcmode="lin" valueType="num">
+                                      <p:cBhvr>
+                                        <p:cTn id="73" dur="500" fill="hold"/>
+                                        <p:tgtEl>
+                                          <p:spTgt spid="57"/>
+                                        </p:tgtEl>
+                                        <p:attrNameLst>
+                                          <p:attrName>ppt_w</p:attrName>
+                                        </p:attrNameLst>
+                                      </p:cBhvr>
+                                      <p:tavLst>
+                                        <p:tav tm="0">
+                                          <p:val>
+                                            <p:fltVal val="0"/>
+                                          </p:val>
+                                        </p:tav>
+                                        <p:tav tm="100000">
+                                          <p:val>
+                                            <p:strVal val="#ppt_w"/>
+                                          </p:val>
+                                        </p:tav>
+                                      </p:tavLst>
+                                    </p:anim>
+                                    <p:anim calcmode="lin" valueType="num">
+                                      <p:cBhvr>
+                                        <p:cTn id="74" dur="500" fill="hold"/>
+                                        <p:tgtEl>
+                                          <p:spTgt spid="57"/>
+                                        </p:tgtEl>
+                                        <p:attrNameLst>
+                                          <p:attrName>ppt_h</p:attrName>
+                                        </p:attrNameLst>
+                                      </p:cBhvr>
+                                      <p:tavLst>
+                                        <p:tav tm="0">
+                                          <p:val>
+                                            <p:fltVal val="0"/>
+                                          </p:val>
+                                        </p:tav>
+                                        <p:tav tm="100000">
+                                          <p:val>
+                                            <p:strVal val="#ppt_h"/>
+                                          </p:val>
+                                        </p:tav>
+                                      </p:tavLst>
+                                    </p:anim>
+                                    <p:animEffect transition="in" filter="fade">
+                                      <p:cBhvr>
+                                        <p:cTn id="75" dur="500"/>
+                                        <p:tgtEl>
+                                          <p:spTgt spid="57"/>
+                                        </p:tgtEl>
+                                      </p:cBhvr>
+                                    </p:animEffect>
+                                  </p:childTnLst>
+                                </p:cTn>
+                              </p:par>
+                              <p:par>
+                                <p:cTn id="76" presetID="53" presetClass="entr" presetSubtype="16" fill="hold" nodeType="withEffect">
+                                  <p:stCondLst>
+                                    <p:cond delay="0"/>
+                                  </p:stCondLst>
+                                  <p:childTnLst>
+                                    <p:set>
+                                      <p:cBhvr>
+                                        <p:cTn id="77" dur="1" fill="hold">
+                                          <p:stCondLst>
+                                            <p:cond delay="0"/>
+                                          </p:stCondLst>
+                                        </p:cTn>
+                                        <p:tgtEl>
+                                          <p:spTgt spid="62"/>
+                                        </p:tgtEl>
+                                        <p:attrNameLst>
+                                          <p:attrName>style.visibility</p:attrName>
+                                        </p:attrNameLst>
+                                      </p:cBhvr>
+                                      <p:to>
+                                        <p:strVal val="visible"/>
+                                      </p:to>
+                                    </p:set>
+                                    <p:anim calcmode="lin" valueType="num">
+                                      <p:cBhvr>
+                                        <p:cTn id="78" dur="500" fill="hold"/>
+                                        <p:tgtEl>
+                                          <p:spTgt spid="62"/>
+                                        </p:tgtEl>
+                                        <p:attrNameLst>
+                                          <p:attrName>ppt_w</p:attrName>
+                                        </p:attrNameLst>
+                                      </p:cBhvr>
+                                      <p:tavLst>
+                                        <p:tav tm="0">
+                                          <p:val>
+                                            <p:fltVal val="0"/>
+                                          </p:val>
+                                        </p:tav>
+                                        <p:tav tm="100000">
+                                          <p:val>
+                                            <p:strVal val="#ppt_w"/>
+                                          </p:val>
+                                        </p:tav>
+                                      </p:tavLst>
+                                    </p:anim>
+                                    <p:anim calcmode="lin" valueType="num">
+                                      <p:cBhvr>
+                                        <p:cTn id="79" dur="500" fill="hold"/>
+                                        <p:tgtEl>
+                                          <p:spTgt spid="62"/>
+                                        </p:tgtEl>
+                                        <p:attrNameLst>
+                                          <p:attrName>ppt_h</p:attrName>
+                                        </p:attrNameLst>
+                                      </p:cBhvr>
+                                      <p:tavLst>
+                                        <p:tav tm="0">
+                                          <p:val>
+                                            <p:fltVal val="0"/>
+                                          </p:val>
+                                        </p:tav>
+                                        <p:tav tm="100000">
+                                          <p:val>
+                                            <p:strVal val="#ppt_h"/>
+                                          </p:val>
+                                        </p:tav>
+                                      </p:tavLst>
+                                    </p:anim>
+                                    <p:animEffect transition="in" filter="fade">
+                                      <p:cBhvr>
+                                        <p:cTn id="80" dur="500"/>
+                                        <p:tgtEl>
+                                          <p:spTgt spid="62"/>
+                                        </p:tgtEl>
+                                      </p:cBhvr>
+                                    </p:animEffect>
+                                  </p:childTnLst>
+                                </p:cTn>
+                              </p:par>
+                              <p:par>
+                                <p:cTn id="81" presetID="53" presetClass="entr" presetSubtype="16" fill="hold" nodeType="withEffect">
+                                  <p:stCondLst>
+                                    <p:cond delay="0"/>
+                                  </p:stCondLst>
+                                  <p:childTnLst>
+                                    <p:set>
+                                      <p:cBhvr>
+                                        <p:cTn id="82" dur="1" fill="hold">
+                                          <p:stCondLst>
+                                            <p:cond delay="0"/>
+                                          </p:stCondLst>
+                                        </p:cTn>
+                                        <p:tgtEl>
+                                          <p:spTgt spid="58"/>
+                                        </p:tgtEl>
+                                        <p:attrNameLst>
+                                          <p:attrName>style.visibility</p:attrName>
+                                        </p:attrNameLst>
+                                      </p:cBhvr>
+                                      <p:to>
+                                        <p:strVal val="visible"/>
+                                      </p:to>
+                                    </p:set>
+                                    <p:anim calcmode="lin" valueType="num">
+                                      <p:cBhvr>
+                                        <p:cTn id="83" dur="500" fill="hold"/>
+                                        <p:tgtEl>
+                                          <p:spTgt spid="58"/>
+                                        </p:tgtEl>
+                                        <p:attrNameLst>
+                                          <p:attrName>ppt_w</p:attrName>
+                                        </p:attrNameLst>
+                                      </p:cBhvr>
+                                      <p:tavLst>
+                                        <p:tav tm="0">
+                                          <p:val>
+                                            <p:fltVal val="0"/>
+                                          </p:val>
+                                        </p:tav>
+                                        <p:tav tm="100000">
+                                          <p:val>
+                                            <p:strVal val="#ppt_w"/>
+                                          </p:val>
+                                        </p:tav>
+                                      </p:tavLst>
+                                    </p:anim>
+                                    <p:anim calcmode="lin" valueType="num">
+                                      <p:cBhvr>
+                                        <p:cTn id="84" dur="500" fill="hold"/>
+                                        <p:tgtEl>
+                                          <p:spTgt spid="58"/>
+                                        </p:tgtEl>
+                                        <p:attrNameLst>
+                                          <p:attrName>ppt_h</p:attrName>
+                                        </p:attrNameLst>
+                                      </p:cBhvr>
+                                      <p:tavLst>
+                                        <p:tav tm="0">
+                                          <p:val>
+                                            <p:fltVal val="0"/>
+                                          </p:val>
+                                        </p:tav>
+                                        <p:tav tm="100000">
+                                          <p:val>
+                                            <p:strVal val="#ppt_h"/>
+                                          </p:val>
+                                        </p:tav>
+                                      </p:tavLst>
+                                    </p:anim>
+                                    <p:animEffect transition="in" filter="fade">
+                                      <p:cBhvr>
+                                        <p:cTn id="85" dur="500"/>
+                                        <p:tgtEl>
+                                          <p:spTgt spid="58"/>
+                                        </p:tgtEl>
+                                      </p:cBhvr>
+                                    </p:animEffect>
+                                  </p:childTnLst>
+                                </p:cTn>
+                              </p:par>
+                              <p:par>
+                                <p:cTn id="86" presetID="53" presetClass="entr" presetSubtype="16" fill="hold" nodeType="withEffect">
+                                  <p:stCondLst>
+                                    <p:cond delay="0"/>
+                                  </p:stCondLst>
+                                  <p:childTnLst>
+                                    <p:set>
+                                      <p:cBhvr>
+                                        <p:cTn id="87" dur="1" fill="hold">
+                                          <p:stCondLst>
+                                            <p:cond delay="0"/>
+                                          </p:stCondLst>
+                                        </p:cTn>
+                                        <p:tgtEl>
+                                          <p:spTgt spid="55"/>
+                                        </p:tgtEl>
+                                        <p:attrNameLst>
+                                          <p:attrName>style.visibility</p:attrName>
+                                        </p:attrNameLst>
+                                      </p:cBhvr>
+                                      <p:to>
+                                        <p:strVal val="visible"/>
+                                      </p:to>
+                                    </p:set>
+                                    <p:anim calcmode="lin" valueType="num">
+                                      <p:cBhvr>
+                                        <p:cTn id="88" dur="500" fill="hold"/>
+                                        <p:tgtEl>
+                                          <p:spTgt spid="55"/>
+                                        </p:tgtEl>
+                                        <p:attrNameLst>
+                                          <p:attrName>ppt_w</p:attrName>
+                                        </p:attrNameLst>
+                                      </p:cBhvr>
+                                      <p:tavLst>
+                                        <p:tav tm="0">
+                                          <p:val>
+                                            <p:fltVal val="0"/>
+                                          </p:val>
+                                        </p:tav>
+                                        <p:tav tm="100000">
+                                          <p:val>
+                                            <p:strVal val="#ppt_w"/>
+                                          </p:val>
+                                        </p:tav>
+                                      </p:tavLst>
+                                    </p:anim>
+                                    <p:anim calcmode="lin" valueType="num">
+                                      <p:cBhvr>
+                                        <p:cTn id="89" dur="500" fill="hold"/>
+                                        <p:tgtEl>
+                                          <p:spTgt spid="55"/>
+                                        </p:tgtEl>
+                                        <p:attrNameLst>
+                                          <p:attrName>ppt_h</p:attrName>
+                                        </p:attrNameLst>
+                                      </p:cBhvr>
+                                      <p:tavLst>
+                                        <p:tav tm="0">
+                                          <p:val>
+                                            <p:fltVal val="0"/>
+                                          </p:val>
+                                        </p:tav>
+                                        <p:tav tm="100000">
+                                          <p:val>
+                                            <p:strVal val="#ppt_h"/>
+                                          </p:val>
+                                        </p:tav>
+                                      </p:tavLst>
+                                    </p:anim>
+                                    <p:animEffect transition="in" filter="fade">
+                                      <p:cBhvr>
+                                        <p:cTn id="90" dur="500"/>
+                                        <p:tgtEl>
+                                          <p:spTgt spid="55"/>
+                                        </p:tgtEl>
+                                      </p:cBhvr>
+                                    </p:animEffect>
+                                  </p:childTnLst>
+                                </p:cTn>
+                              </p:par>
+                            </p:childTnLst>
+                          </p:cTn>
+                        </p:par>
+                      </p:childTnLst>
+                    </p:cTn>
+                  </p:par>
+                  <p:par>
+                    <p:cTn id="91" fill="hold">
+                      <p:stCondLst>
+                        <p:cond delay="indefinite"/>
+                      </p:stCondLst>
+                      <p:childTnLst>
+                        <p:par>
+                          <p:cTn id="92" fill="hold">
+                            <p:stCondLst>
+                              <p:cond delay="0"/>
+                            </p:stCondLst>
+                            <p:childTnLst>
+                              <p:par>
+                                <p:cTn id="93" presetID="53" presetClass="entr" presetSubtype="16" fill="hold" grpId="0" nodeType="clickEffect">
+                                  <p:stCondLst>
+                                    <p:cond delay="0"/>
+                                  </p:stCondLst>
+                                  <p:childTnLst>
+                                    <p:set>
+                                      <p:cBhvr>
+                                        <p:cTn id="94" dur="1" fill="hold">
+                                          <p:stCondLst>
+                                            <p:cond delay="0"/>
+                                          </p:stCondLst>
+                                        </p:cTn>
+                                        <p:tgtEl>
+                                          <p:spTgt spid="44"/>
+                                        </p:tgtEl>
+                                        <p:attrNameLst>
+                                          <p:attrName>style.visibility</p:attrName>
+                                        </p:attrNameLst>
+                                      </p:cBhvr>
+                                      <p:to>
+                                        <p:strVal val="visible"/>
+                                      </p:to>
+                                    </p:set>
+                                    <p:anim calcmode="lin" valueType="num">
+                                      <p:cBhvr>
+                                        <p:cTn id="95" dur="500" fill="hold"/>
+                                        <p:tgtEl>
+                                          <p:spTgt spid="44"/>
+                                        </p:tgtEl>
+                                        <p:attrNameLst>
+                                          <p:attrName>ppt_w</p:attrName>
+                                        </p:attrNameLst>
+                                      </p:cBhvr>
+                                      <p:tavLst>
+                                        <p:tav tm="0">
+                                          <p:val>
+                                            <p:fltVal val="0"/>
+                                          </p:val>
+                                        </p:tav>
+                                        <p:tav tm="100000">
+                                          <p:val>
+                                            <p:strVal val="#ppt_w"/>
+                                          </p:val>
+                                        </p:tav>
+                                      </p:tavLst>
+                                    </p:anim>
+                                    <p:anim calcmode="lin" valueType="num">
+                                      <p:cBhvr>
+                                        <p:cTn id="96" dur="500" fill="hold"/>
+                                        <p:tgtEl>
+                                          <p:spTgt spid="44"/>
+                                        </p:tgtEl>
+                                        <p:attrNameLst>
+                                          <p:attrName>ppt_h</p:attrName>
+                                        </p:attrNameLst>
+                                      </p:cBhvr>
+                                      <p:tavLst>
+                                        <p:tav tm="0">
+                                          <p:val>
+                                            <p:fltVal val="0"/>
+                                          </p:val>
+                                        </p:tav>
+                                        <p:tav tm="100000">
+                                          <p:val>
+                                            <p:strVal val="#ppt_h"/>
+                                          </p:val>
+                                        </p:tav>
+                                      </p:tavLst>
+                                    </p:anim>
+                                    <p:animEffect transition="in" filter="fade">
+                                      <p:cBhvr>
+                                        <p:cTn id="97" dur="500"/>
+                                        <p:tgtEl>
+                                          <p:spTgt spid="44"/>
+                                        </p:tgtEl>
+                                      </p:cBhvr>
+                                    </p:animEffect>
+                                  </p:childTnLst>
+                                </p:cTn>
+                              </p:par>
+                            </p:childTnLst>
+                          </p:cTn>
+                        </p:par>
+                      </p:childTnLst>
+                    </p:cTn>
+                  </p:par>
+                  <p:par>
+                    <p:cTn id="98" fill="hold">
+                      <p:stCondLst>
+                        <p:cond delay="indefinite"/>
+                      </p:stCondLst>
+                      <p:childTnLst>
+                        <p:par>
+                          <p:cTn id="99" fill="hold">
+                            <p:stCondLst>
+                              <p:cond delay="0"/>
+                            </p:stCondLst>
+                            <p:childTnLst>
+                              <p:par>
+                                <p:cTn id="100" presetID="53" presetClass="entr" presetSubtype="16" fill="hold" nodeType="clickEffect">
+                                  <p:stCondLst>
+                                    <p:cond delay="0"/>
+                                  </p:stCondLst>
+                                  <p:childTnLst>
+                                    <p:set>
+                                      <p:cBhvr>
+                                        <p:cTn id="101" dur="1" fill="hold">
+                                          <p:stCondLst>
+                                            <p:cond delay="0"/>
+                                          </p:stCondLst>
+                                        </p:cTn>
+                                        <p:tgtEl>
+                                          <p:spTgt spid="45"/>
+                                        </p:tgtEl>
+                                        <p:attrNameLst>
+                                          <p:attrName>style.visibility</p:attrName>
+                                        </p:attrNameLst>
+                                      </p:cBhvr>
+                                      <p:to>
+                                        <p:strVal val="visible"/>
+                                      </p:to>
+                                    </p:set>
+                                    <p:anim calcmode="lin" valueType="num">
+                                      <p:cBhvr>
+                                        <p:cTn id="102" dur="500" fill="hold"/>
+                                        <p:tgtEl>
+                                          <p:spTgt spid="45"/>
+                                        </p:tgtEl>
+                                        <p:attrNameLst>
+                                          <p:attrName>ppt_w</p:attrName>
+                                        </p:attrNameLst>
+                                      </p:cBhvr>
+                                      <p:tavLst>
+                                        <p:tav tm="0">
+                                          <p:val>
+                                            <p:fltVal val="0"/>
+                                          </p:val>
+                                        </p:tav>
+                                        <p:tav tm="100000">
+                                          <p:val>
+                                            <p:strVal val="#ppt_w"/>
+                                          </p:val>
+                                        </p:tav>
+                                      </p:tavLst>
+                                    </p:anim>
+                                    <p:anim calcmode="lin" valueType="num">
+                                      <p:cBhvr>
+                                        <p:cTn id="103" dur="500" fill="hold"/>
+                                        <p:tgtEl>
+                                          <p:spTgt spid="45"/>
+                                        </p:tgtEl>
+                                        <p:attrNameLst>
+                                          <p:attrName>ppt_h</p:attrName>
+                                        </p:attrNameLst>
+                                      </p:cBhvr>
+                                      <p:tavLst>
+                                        <p:tav tm="0">
+                                          <p:val>
+                                            <p:fltVal val="0"/>
+                                          </p:val>
+                                        </p:tav>
+                                        <p:tav tm="100000">
+                                          <p:val>
+                                            <p:strVal val="#ppt_h"/>
+                                          </p:val>
+                                        </p:tav>
+                                      </p:tavLst>
+                                    </p:anim>
+                                    <p:animEffect transition="in" filter="fade">
+                                      <p:cBhvr>
+                                        <p:cTn id="104" dur="500"/>
+                                        <p:tgtEl>
+                                          <p:spTgt spid="45"/>
+                                        </p:tgtEl>
+                                      </p:cBhvr>
+                                    </p:animEffect>
+                                  </p:childTnLst>
+                                </p:cTn>
+                              </p:par>
+                              <p:par>
+                                <p:cTn id="105" presetID="53" presetClass="entr" presetSubtype="16" fill="hold" nodeType="withEffect">
+                                  <p:stCondLst>
+                                    <p:cond delay="0"/>
+                                  </p:stCondLst>
+                                  <p:childTnLst>
+                                    <p:set>
+                                      <p:cBhvr>
+                                        <p:cTn id="106" dur="1" fill="hold">
+                                          <p:stCondLst>
+                                            <p:cond delay="0"/>
+                                          </p:stCondLst>
+                                        </p:cTn>
+                                        <p:tgtEl>
+                                          <p:spTgt spid="46"/>
+                                        </p:tgtEl>
+                                        <p:attrNameLst>
+                                          <p:attrName>style.visibility</p:attrName>
+                                        </p:attrNameLst>
+                                      </p:cBhvr>
+                                      <p:to>
+                                        <p:strVal val="visible"/>
+                                      </p:to>
+                                    </p:set>
+                                    <p:anim calcmode="lin" valueType="num">
+                                      <p:cBhvr>
+                                        <p:cTn id="107" dur="500" fill="hold"/>
+                                        <p:tgtEl>
+                                          <p:spTgt spid="46"/>
+                                        </p:tgtEl>
+                                        <p:attrNameLst>
+                                          <p:attrName>ppt_w</p:attrName>
+                                        </p:attrNameLst>
+                                      </p:cBhvr>
+                                      <p:tavLst>
+                                        <p:tav tm="0">
+                                          <p:val>
+                                            <p:fltVal val="0"/>
+                                          </p:val>
+                                        </p:tav>
+                                        <p:tav tm="100000">
+                                          <p:val>
+                                            <p:strVal val="#ppt_w"/>
+                                          </p:val>
+                                        </p:tav>
+                                      </p:tavLst>
+                                    </p:anim>
+                                    <p:anim calcmode="lin" valueType="num">
+                                      <p:cBhvr>
+                                        <p:cTn id="108" dur="500" fill="hold"/>
+                                        <p:tgtEl>
+                                          <p:spTgt spid="46"/>
+                                        </p:tgtEl>
+                                        <p:attrNameLst>
+                                          <p:attrName>ppt_h</p:attrName>
+                                        </p:attrNameLst>
+                                      </p:cBhvr>
+                                      <p:tavLst>
+                                        <p:tav tm="0">
+                                          <p:val>
+                                            <p:fltVal val="0"/>
+                                          </p:val>
+                                        </p:tav>
+                                        <p:tav tm="100000">
+                                          <p:val>
+                                            <p:strVal val="#ppt_h"/>
+                                          </p:val>
+                                        </p:tav>
+                                      </p:tavLst>
+                                    </p:anim>
+                                    <p:animEffect transition="in" filter="fade">
+                                      <p:cBhvr>
+                                        <p:cTn id="109" dur="500"/>
+                                        <p:tgtEl>
+                                          <p:spTgt spid="46"/>
+                                        </p:tgtEl>
+                                      </p:cBhvr>
+                                    </p:animEffect>
+                                  </p:childTnLst>
+                                </p:cTn>
+                              </p:par>
+                            </p:childTnLst>
+                          </p:cTn>
+                        </p:par>
+                      </p:childTnLst>
+                    </p:cTn>
+                  </p:par>
+                </p:childTnLst>
+              </p:cTn>
+              <p:prevCondLst>
+                <p:cond evt="onPrev" delay="0">
+                  <p:tgtEl>
+                    <p:sldTgt/>
+                  </p:tgtEl>
+                </p:cond>
+              </p:prevCondLst>
+              <p:nextCondLst>
+                <p:cond evt="onNext" delay="0">
+                  <p:tgtEl>
+                    <p:sldTgt/>
+                  </p:tgtEl>
+                </p:cond>
+              </p:nextCondLst>
+            </p:seq>
+          </p:childTnLst>
+        </p:cTn>
       </p:par>
     </p:tnLst>
+    <p:bldLst>
+      <p:bldP spid="42" grpId="0" animBg="1"/>
+      <p:bldP spid="44" grpId="0" animBg="1"/>
+    </p:bldLst>
   </p:timing>
 </p:sld>
 </file>
 
-<file path=ppt/slides/slide6.xml><?xml version="1.0" encoding="utf-8"?>
+<file path=ppt/slides/slide4.xml><?xml version="1.0" encoding="utf-8"?>
 <p:sld xmlns:a="http://schemas.openxmlformats.org/drawingml/2006/main" xmlns:r="http://schemas.openxmlformats.org/officeDocument/2006/relationships" xmlns:p="http://schemas.openxmlformats.org/presentationml/2006/main">
   <p:cSld>
     <p:spTree>
@@ -9944,10 +12751,64 @@
           <a:lstStyle/>
           <a:p>
             <a:r>
-              <a:rPr lang="en-US" dirty="0" smtClean="0"/>
+              <a:rPr lang="en-US" b="1" dirty="0" smtClean="0">
+                <a:ln w="12700">
+                  <a:solidFill>
+                    <a:schemeClr val="tx2">
+                      <a:lumMod val="75000"/>
+                    </a:schemeClr>
+                  </a:solidFill>
+                  <a:prstDash val="solid"/>
+                </a:ln>
+                <a:pattFill prst="dkUpDiag">
+                  <a:fgClr>
+                    <a:schemeClr val="tx2"/>
+                  </a:fgClr>
+                  <a:bgClr>
+                    <a:schemeClr val="tx2">
+                      <a:lumMod val="20000"/>
+                      <a:lumOff val="80000"/>
+                    </a:schemeClr>
+                  </a:bgClr>
+                </a:pattFill>
+                <a:effectLst>
+                  <a:outerShdw dist="38100" dir="2640000" algn="bl" rotWithShape="0">
+                    <a:schemeClr val="tx2">
+                      <a:lumMod val="75000"/>
+                    </a:schemeClr>
+                  </a:outerShdw>
+                </a:effectLst>
+              </a:rPr>
               <a:t>Emergency Operating Center ( E.O.C )</a:t>
             </a:r>
-            <a:endParaRPr lang="en-GB" dirty="0"/>
+            <a:endParaRPr lang="en-GB" b="1" dirty="0">
+              <a:ln w="12700">
+                <a:solidFill>
+                  <a:schemeClr val="tx2">
+                    <a:lumMod val="75000"/>
+                  </a:schemeClr>
+                </a:solidFill>
+                <a:prstDash val="solid"/>
+              </a:ln>
+              <a:pattFill prst="dkUpDiag">
+                <a:fgClr>
+                  <a:schemeClr val="tx2"/>
+                </a:fgClr>
+                <a:bgClr>
+                  <a:schemeClr val="tx2">
+                    <a:lumMod val="20000"/>
+                    <a:lumOff val="80000"/>
+                  </a:schemeClr>
+                </a:bgClr>
+              </a:pattFill>
+              <a:effectLst>
+                <a:outerShdw dist="38100" dir="2640000" algn="bl" rotWithShape="0">
+                  <a:schemeClr val="tx2">
+                    <a:lumMod val="75000"/>
+                  </a:schemeClr>
+                </a:outerShdw>
+              </a:effectLst>
+            </a:endParaRPr>
           </a:p>
         </p:txBody>
       </p:sp>
@@ -10527,7 +13388,1408 @@
   <p:timing>
     <p:tnLst>
       <p:par>
-        <p:cTn id="1" dur="indefinite" restart="never" nodeType="tmRoot"/>
+        <p:cTn id="1" dur="indefinite" restart="never" nodeType="tmRoot">
+          <p:childTnLst>
+            <p:seq concurrent="1" nextAc="seek">
+              <p:cTn id="2" dur="indefinite" nodeType="mainSeq">
+                <p:childTnLst>
+                  <p:par>
+                    <p:cTn id="3" fill="hold">
+                      <p:stCondLst>
+                        <p:cond delay="indefinite"/>
+                      </p:stCondLst>
+                      <p:childTnLst>
+                        <p:par>
+                          <p:cTn id="4" fill="hold">
+                            <p:stCondLst>
+                              <p:cond delay="0"/>
+                            </p:stCondLst>
+                            <p:childTnLst>
+                              <p:par>
+                                <p:cTn id="5" presetID="53" presetClass="entr" presetSubtype="16" fill="hold" nodeType="clickEffect">
+                                  <p:stCondLst>
+                                    <p:cond delay="0"/>
+                                  </p:stCondLst>
+                                  <p:childTnLst>
+                                    <p:set>
+                                      <p:cBhvr>
+                                        <p:cTn id="6" dur="1" fill="hold">
+                                          <p:stCondLst>
+                                            <p:cond delay="0"/>
+                                          </p:stCondLst>
+                                        </p:cTn>
+                                        <p:tgtEl>
+                                          <p:spTgt spid="4"/>
+                                        </p:tgtEl>
+                                        <p:attrNameLst>
+                                          <p:attrName>style.visibility</p:attrName>
+                                        </p:attrNameLst>
+                                      </p:cBhvr>
+                                      <p:to>
+                                        <p:strVal val="visible"/>
+                                      </p:to>
+                                    </p:set>
+                                    <p:anim calcmode="lin" valueType="num">
+                                      <p:cBhvr>
+                                        <p:cTn id="7" dur="500" fill="hold"/>
+                                        <p:tgtEl>
+                                          <p:spTgt spid="4"/>
+                                        </p:tgtEl>
+                                        <p:attrNameLst>
+                                          <p:attrName>ppt_w</p:attrName>
+                                        </p:attrNameLst>
+                                      </p:cBhvr>
+                                      <p:tavLst>
+                                        <p:tav tm="0">
+                                          <p:val>
+                                            <p:fltVal val="0"/>
+                                          </p:val>
+                                        </p:tav>
+                                        <p:tav tm="100000">
+                                          <p:val>
+                                            <p:strVal val="#ppt_w"/>
+                                          </p:val>
+                                        </p:tav>
+                                      </p:tavLst>
+                                    </p:anim>
+                                    <p:anim calcmode="lin" valueType="num">
+                                      <p:cBhvr>
+                                        <p:cTn id="8" dur="500" fill="hold"/>
+                                        <p:tgtEl>
+                                          <p:spTgt spid="4"/>
+                                        </p:tgtEl>
+                                        <p:attrNameLst>
+                                          <p:attrName>ppt_h</p:attrName>
+                                        </p:attrNameLst>
+                                      </p:cBhvr>
+                                      <p:tavLst>
+                                        <p:tav tm="0">
+                                          <p:val>
+                                            <p:fltVal val="0"/>
+                                          </p:val>
+                                        </p:tav>
+                                        <p:tav tm="100000">
+                                          <p:val>
+                                            <p:strVal val="#ppt_h"/>
+                                          </p:val>
+                                        </p:tav>
+                                      </p:tavLst>
+                                    </p:anim>
+                                    <p:animEffect transition="in" filter="fade">
+                                      <p:cBhvr>
+                                        <p:cTn id="9" dur="500"/>
+                                        <p:tgtEl>
+                                          <p:spTgt spid="4"/>
+                                        </p:tgtEl>
+                                      </p:cBhvr>
+                                    </p:animEffect>
+                                  </p:childTnLst>
+                                </p:cTn>
+                              </p:par>
+                            </p:childTnLst>
+                          </p:cTn>
+                        </p:par>
+                      </p:childTnLst>
+                    </p:cTn>
+                  </p:par>
+                </p:childTnLst>
+              </p:cTn>
+              <p:prevCondLst>
+                <p:cond evt="onPrev" delay="0">
+                  <p:tgtEl>
+                    <p:sldTgt/>
+                  </p:tgtEl>
+                </p:cond>
+              </p:prevCondLst>
+              <p:nextCondLst>
+                <p:cond evt="onNext" delay="0">
+                  <p:tgtEl>
+                    <p:sldTgt/>
+                  </p:tgtEl>
+                </p:cond>
+              </p:nextCondLst>
+            </p:seq>
+          </p:childTnLst>
+        </p:cTn>
+      </p:par>
+    </p:tnLst>
+  </p:timing>
+</p:sld>
+</file>
+
+<file path=ppt/slides/slide5.xml><?xml version="1.0" encoding="utf-8"?>
+<p:sld xmlns:a="http://schemas.openxmlformats.org/drawingml/2006/main" xmlns:r="http://schemas.openxmlformats.org/officeDocument/2006/relationships" xmlns:p="http://schemas.openxmlformats.org/presentationml/2006/main">
+  <p:cSld>
+    <p:spTree>
+      <p:nvGrpSpPr>
+        <p:cNvPr id="1" name=""/>
+        <p:cNvGrpSpPr/>
+        <p:nvPr/>
+      </p:nvGrpSpPr>
+      <p:grpSpPr>
+        <a:xfrm>
+          <a:off x="0" y="0"/>
+          <a:ext cx="0" cy="0"/>
+          <a:chOff x="0" y="0"/>
+          <a:chExt cx="0" cy="0"/>
+        </a:xfrm>
+      </p:grpSpPr>
+      <p:sp>
+        <p:nvSpPr>
+          <p:cNvPr id="2" name="Title 1"/>
+          <p:cNvSpPr>
+            <a:spLocks noGrp="1"/>
+          </p:cNvSpPr>
+          <p:nvPr>
+            <p:ph type="title"/>
+          </p:nvPr>
+        </p:nvSpPr>
+        <p:spPr/>
+        <p:txBody>
+          <a:bodyPr/>
+          <a:lstStyle/>
+          <a:p>
+            <a:r>
+              <a:rPr lang="en-US" b="1" dirty="0">
+                <a:ln w="12700">
+                  <a:solidFill>
+                    <a:schemeClr val="tx2">
+                      <a:lumMod val="75000"/>
+                    </a:schemeClr>
+                  </a:solidFill>
+                  <a:prstDash val="solid"/>
+                </a:ln>
+                <a:pattFill prst="dkUpDiag">
+                  <a:fgClr>
+                    <a:schemeClr val="tx2"/>
+                  </a:fgClr>
+                  <a:bgClr>
+                    <a:schemeClr val="tx2">
+                      <a:lumMod val="20000"/>
+                      <a:lumOff val="80000"/>
+                    </a:schemeClr>
+                  </a:bgClr>
+                </a:pattFill>
+                <a:effectLst>
+                  <a:outerShdw dist="38100" dir="2640000" algn="bl" rotWithShape="0">
+                    <a:schemeClr val="tx2">
+                      <a:lumMod val="75000"/>
+                    </a:schemeClr>
+                  </a:outerShdw>
+                </a:effectLst>
+              </a:rPr>
+              <a:t>Private Rescue Organization</a:t>
+            </a:r>
+            <a:endParaRPr lang="en-GB" b="1" dirty="0">
+              <a:ln w="12700">
+                <a:solidFill>
+                  <a:schemeClr val="tx2">
+                    <a:lumMod val="75000"/>
+                  </a:schemeClr>
+                </a:solidFill>
+                <a:prstDash val="solid"/>
+              </a:ln>
+              <a:pattFill prst="dkUpDiag">
+                <a:fgClr>
+                  <a:schemeClr val="tx2"/>
+                </a:fgClr>
+                <a:bgClr>
+                  <a:schemeClr val="tx2">
+                    <a:lumMod val="20000"/>
+                    <a:lumOff val="80000"/>
+                  </a:schemeClr>
+                </a:bgClr>
+              </a:pattFill>
+              <a:effectLst>
+                <a:outerShdw dist="38100" dir="2640000" algn="bl" rotWithShape="0">
+                  <a:schemeClr val="tx2">
+                    <a:lumMod val="75000"/>
+                  </a:schemeClr>
+                </a:outerShdw>
+              </a:effectLst>
+            </a:endParaRPr>
+          </a:p>
+        </p:txBody>
+      </p:sp>
+      <p:graphicFrame>
+        <p:nvGraphicFramePr>
+          <p:cNvPr id="4" name="Content Placeholder 3"/>
+          <p:cNvGraphicFramePr>
+            <a:graphicFrameLocks noGrp="1"/>
+          </p:cNvGraphicFramePr>
+          <p:nvPr>
+            <p:ph idx="1"/>
+            <p:extLst>
+              <p:ext uri="{D42A27DB-BD31-4B8C-83A1-F6EECF244321}">
+                <p14:modId xmlns:p14="http://schemas.microsoft.com/office/powerpoint/2010/main" val="3127810931"/>
+              </p:ext>
+            </p:extLst>
+          </p:nvPr>
+        </p:nvGraphicFramePr>
+        <p:xfrm>
+          <a:off x="2112133" y="2208010"/>
+          <a:ext cx="7753084" cy="3337560"/>
+        </p:xfrm>
+        <a:graphic>
+          <a:graphicData uri="http://schemas.openxmlformats.org/drawingml/2006/table">
+            <a:tbl>
+              <a:tblPr firstRow="1" bandRow="1">
+                <a:effectLst>
+                  <a:outerShdw blurRad="50800" dist="38100" dir="2700000" algn="tl" rotWithShape="0">
+                    <a:prstClr val="black">
+                      <a:alpha val="40000"/>
+                    </a:prstClr>
+                  </a:outerShdw>
+                </a:effectLst>
+                <a:tableStyleId>{5C22544A-7EE6-4342-B048-85BDC9FD1C3A}</a:tableStyleId>
+              </a:tblPr>
+              <a:tblGrid>
+                <a:gridCol w="3178108">
+                  <a:extLst>
+                    <a:ext uri="{9D8B030D-6E8A-4147-A177-3AD203B41FA5}">
+                      <a16:colId xmlns:a16="http://schemas.microsoft.com/office/drawing/2014/main" val="1979872298"/>
+                    </a:ext>
+                  </a:extLst>
+                </a:gridCol>
+                <a:gridCol w="2287488">
+                  <a:extLst>
+                    <a:ext uri="{9D8B030D-6E8A-4147-A177-3AD203B41FA5}">
+                      <a16:colId xmlns:a16="http://schemas.microsoft.com/office/drawing/2014/main" val="2457523662"/>
+                    </a:ext>
+                  </a:extLst>
+                </a:gridCol>
+                <a:gridCol w="2287488">
+                  <a:extLst>
+                    <a:ext uri="{9D8B030D-6E8A-4147-A177-3AD203B41FA5}">
+                      <a16:colId xmlns:a16="http://schemas.microsoft.com/office/drawing/2014/main" val="71778418"/>
+                    </a:ext>
+                  </a:extLst>
+                </a:gridCol>
+              </a:tblGrid>
+              <a:tr h="370840">
+                <a:tc>
+                  <a:txBody>
+                    <a:bodyPr/>
+                    <a:lstStyle/>
+                    <a:p>
+                      <a:pPr algn="ctr"/>
+                      <a:r>
+                        <a:rPr lang="en-US" dirty="0" smtClean="0"/>
+                        <a:t>District</a:t>
+                      </a:r>
+                      <a:endParaRPr lang="en-GB" dirty="0"/>
+                    </a:p>
+                  </a:txBody>
+                  <a:tcPr anchor="ctr"/>
+                </a:tc>
+                <a:tc>
+                  <a:txBody>
+                    <a:bodyPr/>
+                    <a:lstStyle/>
+                    <a:p>
+                      <a:pPr algn="ctr"/>
+                      <a:r>
+                        <a:rPr lang="en-US" dirty="0" smtClean="0"/>
+                        <a:t>BLS</a:t>
+                      </a:r>
+                      <a:endParaRPr lang="en-GB" dirty="0"/>
+                    </a:p>
+                  </a:txBody>
+                  <a:tcPr anchor="ctr"/>
+                </a:tc>
+                <a:tc>
+                  <a:txBody>
+                    <a:bodyPr/>
+                    <a:lstStyle/>
+                    <a:p>
+                      <a:pPr algn="ctr"/>
+                      <a:r>
+                        <a:rPr lang="en-US" dirty="0" smtClean="0"/>
+                        <a:t>FR</a:t>
+                      </a:r>
+                      <a:endParaRPr lang="en-GB" dirty="0"/>
+                    </a:p>
+                  </a:txBody>
+                  <a:tcPr anchor="ctr"/>
+                </a:tc>
+                <a:extLst>
+                  <a:ext uri="{0D108BD9-81ED-4DB2-BD59-A6C34878D82A}">
+                    <a16:rowId xmlns:a16="http://schemas.microsoft.com/office/drawing/2014/main" val="2678351475"/>
+                  </a:ext>
+                </a:extLst>
+              </a:tr>
+              <a:tr h="370840">
+                <a:tc>
+                  <a:txBody>
+                    <a:bodyPr/>
+                    <a:lstStyle/>
+                    <a:p>
+                      <a:r>
+                        <a:rPr lang="en-US" dirty="0" err="1" smtClean="0"/>
+                        <a:t>Chumphon</a:t>
+                      </a:r>
+                      <a:endParaRPr lang="en-GB" dirty="0"/>
+                    </a:p>
+                  </a:txBody>
+                  <a:tcPr anchor="ctr"/>
+                </a:tc>
+                <a:tc>
+                  <a:txBody>
+                    <a:bodyPr/>
+                    <a:lstStyle/>
+                    <a:p>
+                      <a:pPr algn="ctr"/>
+                      <a:r>
+                        <a:rPr lang="en-US" dirty="0" smtClean="0"/>
+                        <a:t>7</a:t>
+                      </a:r>
+                      <a:endParaRPr lang="en-GB" dirty="0"/>
+                    </a:p>
+                  </a:txBody>
+                  <a:tcPr anchor="ctr"/>
+                </a:tc>
+                <a:tc>
+                  <a:txBody>
+                    <a:bodyPr/>
+                    <a:lstStyle/>
+                    <a:p>
+                      <a:pPr algn="ctr"/>
+                      <a:r>
+                        <a:rPr lang="en-US" dirty="0" smtClean="0"/>
+                        <a:t>7</a:t>
+                      </a:r>
+                      <a:endParaRPr lang="en-GB" dirty="0"/>
+                    </a:p>
+                  </a:txBody>
+                  <a:tcPr anchor="ctr"/>
+                </a:tc>
+                <a:extLst>
+                  <a:ext uri="{0D108BD9-81ED-4DB2-BD59-A6C34878D82A}">
+                    <a16:rowId xmlns:a16="http://schemas.microsoft.com/office/drawing/2014/main" val="2753630997"/>
+                  </a:ext>
+                </a:extLst>
+              </a:tr>
+              <a:tr h="370840">
+                <a:tc>
+                  <a:txBody>
+                    <a:bodyPr/>
+                    <a:lstStyle/>
+                    <a:p>
+                      <a:pPr marL="0" marR="0" indent="0" algn="l" defTabSz="914400" rtl="0" eaLnBrk="1" fontAlgn="auto" latinLnBrk="0" hangingPunct="1">
+                        <a:lnSpc>
+                          <a:spcPct val="100000"/>
+                        </a:lnSpc>
+                        <a:spcBef>
+                          <a:spcPts val="0"/>
+                        </a:spcBef>
+                        <a:spcAft>
+                          <a:spcPts val="0"/>
+                        </a:spcAft>
+                        <a:buClrTx/>
+                        <a:buSzTx/>
+                        <a:buFontTx/>
+                        <a:buNone/>
+                        <a:tabLst/>
+                        <a:defRPr/>
+                      </a:pPr>
+                      <a:r>
+                        <a:rPr lang="en-US" dirty="0" err="1" smtClean="0"/>
+                        <a:t>Thasae</a:t>
+                      </a:r>
+                      <a:endParaRPr lang="en-GB" dirty="0" smtClean="0"/>
+                    </a:p>
+                  </a:txBody>
+                  <a:tcPr anchor="ctr"/>
+                </a:tc>
+                <a:tc>
+                  <a:txBody>
+                    <a:bodyPr/>
+                    <a:lstStyle/>
+                    <a:p>
+                      <a:pPr algn="ctr"/>
+                      <a:r>
+                        <a:rPr lang="en-US" dirty="0" smtClean="0"/>
+                        <a:t>1</a:t>
+                      </a:r>
+                      <a:endParaRPr lang="en-GB" dirty="0"/>
+                    </a:p>
+                  </a:txBody>
+                  <a:tcPr anchor="ctr"/>
+                </a:tc>
+                <a:tc>
+                  <a:txBody>
+                    <a:bodyPr/>
+                    <a:lstStyle/>
+                    <a:p>
+                      <a:pPr algn="ctr"/>
+                      <a:r>
+                        <a:rPr lang="en-US" dirty="0" smtClean="0"/>
+                        <a:t>6</a:t>
+                      </a:r>
+                      <a:endParaRPr lang="en-GB" dirty="0"/>
+                    </a:p>
+                  </a:txBody>
+                  <a:tcPr anchor="ctr"/>
+                </a:tc>
+                <a:extLst>
+                  <a:ext uri="{0D108BD9-81ED-4DB2-BD59-A6C34878D82A}">
+                    <a16:rowId xmlns:a16="http://schemas.microsoft.com/office/drawing/2014/main" val="3457446848"/>
+                  </a:ext>
+                </a:extLst>
+              </a:tr>
+              <a:tr h="370840">
+                <a:tc>
+                  <a:txBody>
+                    <a:bodyPr/>
+                    <a:lstStyle/>
+                    <a:p>
+                      <a:pPr marL="0" marR="0" indent="0" algn="l" defTabSz="914400" rtl="0" eaLnBrk="1" fontAlgn="auto" latinLnBrk="0" hangingPunct="1">
+                        <a:lnSpc>
+                          <a:spcPct val="100000"/>
+                        </a:lnSpc>
+                        <a:spcBef>
+                          <a:spcPts val="0"/>
+                        </a:spcBef>
+                        <a:spcAft>
+                          <a:spcPts val="0"/>
+                        </a:spcAft>
+                        <a:buClrTx/>
+                        <a:buSzTx/>
+                        <a:buFontTx/>
+                        <a:buNone/>
+                        <a:tabLst/>
+                        <a:defRPr/>
+                      </a:pPr>
+                      <a:r>
+                        <a:rPr lang="en-US" dirty="0" err="1" smtClean="0"/>
+                        <a:t>Pathu</a:t>
+                      </a:r>
+                      <a:r>
+                        <a:rPr lang="en-US" dirty="0" smtClean="0"/>
+                        <a:t> Hospital</a:t>
+                      </a:r>
+                      <a:endParaRPr lang="en-GB" dirty="0" smtClean="0"/>
+                    </a:p>
+                  </a:txBody>
+                  <a:tcPr anchor="ctr"/>
+                </a:tc>
+                <a:tc>
+                  <a:txBody>
+                    <a:bodyPr/>
+                    <a:lstStyle/>
+                    <a:p>
+                      <a:pPr algn="ctr"/>
+                      <a:r>
+                        <a:rPr lang="en-US" dirty="0" smtClean="0"/>
+                        <a:t>1</a:t>
+                      </a:r>
+                      <a:endParaRPr lang="en-GB" dirty="0"/>
+                    </a:p>
+                  </a:txBody>
+                  <a:tcPr anchor="ctr"/>
+                </a:tc>
+                <a:tc>
+                  <a:txBody>
+                    <a:bodyPr/>
+                    <a:lstStyle/>
+                    <a:p>
+                      <a:pPr algn="ctr"/>
+                      <a:r>
+                        <a:rPr lang="en-US" dirty="0" smtClean="0"/>
+                        <a:t>9</a:t>
+                      </a:r>
+                      <a:endParaRPr lang="en-GB" dirty="0"/>
+                    </a:p>
+                  </a:txBody>
+                  <a:tcPr anchor="ctr"/>
+                </a:tc>
+                <a:extLst>
+                  <a:ext uri="{0D108BD9-81ED-4DB2-BD59-A6C34878D82A}">
+                    <a16:rowId xmlns:a16="http://schemas.microsoft.com/office/drawing/2014/main" val="1824970478"/>
+                  </a:ext>
+                </a:extLst>
+              </a:tr>
+              <a:tr h="370840">
+                <a:tc>
+                  <a:txBody>
+                    <a:bodyPr/>
+                    <a:lstStyle/>
+                    <a:p>
+                      <a:r>
+                        <a:rPr lang="en-GB" dirty="0" err="1" smtClean="0"/>
+                        <a:t>Sawee</a:t>
+                      </a:r>
+                      <a:r>
+                        <a:rPr lang="en-GB" baseline="0" dirty="0" smtClean="0"/>
+                        <a:t> Hospital</a:t>
+                      </a:r>
+                      <a:endParaRPr lang="en-GB" dirty="0"/>
+                    </a:p>
+                  </a:txBody>
+                  <a:tcPr anchor="ctr"/>
+                </a:tc>
+                <a:tc>
+                  <a:txBody>
+                    <a:bodyPr/>
+                    <a:lstStyle/>
+                    <a:p>
+                      <a:pPr algn="ctr"/>
+                      <a:r>
+                        <a:rPr lang="en-US" dirty="0" smtClean="0"/>
+                        <a:t>1</a:t>
+                      </a:r>
+                      <a:endParaRPr lang="en-GB" dirty="0"/>
+                    </a:p>
+                  </a:txBody>
+                  <a:tcPr anchor="ctr"/>
+                </a:tc>
+                <a:tc>
+                  <a:txBody>
+                    <a:bodyPr/>
+                    <a:lstStyle/>
+                    <a:p>
+                      <a:pPr algn="ctr"/>
+                      <a:r>
+                        <a:rPr lang="en-US" dirty="0" smtClean="0"/>
+                        <a:t>2</a:t>
+                      </a:r>
+                      <a:endParaRPr lang="en-GB" dirty="0"/>
+                    </a:p>
+                  </a:txBody>
+                  <a:tcPr anchor="ctr"/>
+                </a:tc>
+                <a:extLst>
+                  <a:ext uri="{0D108BD9-81ED-4DB2-BD59-A6C34878D82A}">
+                    <a16:rowId xmlns:a16="http://schemas.microsoft.com/office/drawing/2014/main" val="4011724644"/>
+                  </a:ext>
+                </a:extLst>
+              </a:tr>
+              <a:tr h="370840">
+                <a:tc>
+                  <a:txBody>
+                    <a:bodyPr/>
+                    <a:lstStyle/>
+                    <a:p>
+                      <a:r>
+                        <a:rPr lang="en-GB" dirty="0" err="1" smtClean="0"/>
+                        <a:t>Thungthago</a:t>
+                      </a:r>
+                      <a:r>
+                        <a:rPr lang="en-GB" dirty="0" smtClean="0"/>
+                        <a:t> Hospital</a:t>
+                      </a:r>
+                      <a:endParaRPr lang="en-GB" dirty="0"/>
+                    </a:p>
+                  </a:txBody>
+                  <a:tcPr anchor="ctr"/>
+                </a:tc>
+                <a:tc>
+                  <a:txBody>
+                    <a:bodyPr/>
+                    <a:lstStyle/>
+                    <a:p>
+                      <a:pPr algn="ctr"/>
+                      <a:r>
+                        <a:rPr lang="en-US" dirty="0" smtClean="0"/>
+                        <a:t>0</a:t>
+                      </a:r>
+                      <a:endParaRPr lang="en-GB" dirty="0"/>
+                    </a:p>
+                  </a:txBody>
+                  <a:tcPr anchor="ctr"/>
+                </a:tc>
+                <a:tc>
+                  <a:txBody>
+                    <a:bodyPr/>
+                    <a:lstStyle/>
+                    <a:p>
+                      <a:pPr algn="ctr"/>
+                      <a:r>
+                        <a:rPr lang="en-US" dirty="0" smtClean="0"/>
+                        <a:t>3</a:t>
+                      </a:r>
+                      <a:endParaRPr lang="en-GB" dirty="0"/>
+                    </a:p>
+                  </a:txBody>
+                  <a:tcPr anchor="ctr"/>
+                </a:tc>
+                <a:extLst>
+                  <a:ext uri="{0D108BD9-81ED-4DB2-BD59-A6C34878D82A}">
+                    <a16:rowId xmlns:a16="http://schemas.microsoft.com/office/drawing/2014/main" val="4062397609"/>
+                  </a:ext>
+                </a:extLst>
+              </a:tr>
+              <a:tr h="370840">
+                <a:tc>
+                  <a:txBody>
+                    <a:bodyPr/>
+                    <a:lstStyle/>
+                    <a:p>
+                      <a:r>
+                        <a:rPr lang="en-GB" dirty="0" err="1" smtClean="0"/>
+                        <a:t>Langsuan</a:t>
+                      </a:r>
+                      <a:r>
+                        <a:rPr lang="en-GB" dirty="0" smtClean="0"/>
+                        <a:t> Hospital</a:t>
+                      </a:r>
+                      <a:endParaRPr lang="en-GB" dirty="0"/>
+                    </a:p>
+                  </a:txBody>
+                  <a:tcPr anchor="ctr"/>
+                </a:tc>
+                <a:tc>
+                  <a:txBody>
+                    <a:bodyPr/>
+                    <a:lstStyle/>
+                    <a:p>
+                      <a:pPr algn="ctr"/>
+                      <a:r>
+                        <a:rPr lang="en-US" dirty="0" smtClean="0"/>
+                        <a:t>1</a:t>
+                      </a:r>
+                      <a:endParaRPr lang="en-GB" dirty="0"/>
+                    </a:p>
+                  </a:txBody>
+                  <a:tcPr anchor="ctr"/>
+                </a:tc>
+                <a:tc>
+                  <a:txBody>
+                    <a:bodyPr/>
+                    <a:lstStyle/>
+                    <a:p>
+                      <a:pPr algn="ctr"/>
+                      <a:r>
+                        <a:rPr lang="en-US" dirty="0" smtClean="0"/>
+                        <a:t>2</a:t>
+                      </a:r>
+                      <a:endParaRPr lang="en-GB" dirty="0"/>
+                    </a:p>
+                  </a:txBody>
+                  <a:tcPr anchor="ctr"/>
+                </a:tc>
+                <a:extLst>
+                  <a:ext uri="{0D108BD9-81ED-4DB2-BD59-A6C34878D82A}">
+                    <a16:rowId xmlns:a16="http://schemas.microsoft.com/office/drawing/2014/main" val="704456616"/>
+                  </a:ext>
+                </a:extLst>
+              </a:tr>
+              <a:tr h="370840">
+                <a:tc>
+                  <a:txBody>
+                    <a:bodyPr/>
+                    <a:lstStyle/>
+                    <a:p>
+                      <a:r>
+                        <a:rPr lang="en-GB" dirty="0" err="1" smtClean="0"/>
+                        <a:t>Lamae</a:t>
+                      </a:r>
+                      <a:r>
+                        <a:rPr lang="en-GB" dirty="0" smtClean="0"/>
+                        <a:t> Hospital</a:t>
+                      </a:r>
+                      <a:endParaRPr lang="en-GB" dirty="0"/>
+                    </a:p>
+                  </a:txBody>
+                  <a:tcPr anchor="ctr"/>
+                </a:tc>
+                <a:tc>
+                  <a:txBody>
+                    <a:bodyPr/>
+                    <a:lstStyle/>
+                    <a:p>
+                      <a:pPr algn="ctr"/>
+                      <a:r>
+                        <a:rPr lang="en-US" dirty="0" smtClean="0"/>
+                        <a:t>0</a:t>
+                      </a:r>
+                      <a:endParaRPr lang="en-GB" dirty="0"/>
+                    </a:p>
+                  </a:txBody>
+                  <a:tcPr anchor="ctr"/>
+                </a:tc>
+                <a:tc>
+                  <a:txBody>
+                    <a:bodyPr/>
+                    <a:lstStyle/>
+                    <a:p>
+                      <a:pPr algn="ctr"/>
+                      <a:r>
+                        <a:rPr lang="en-US" dirty="0" smtClean="0"/>
+                        <a:t>2</a:t>
+                      </a:r>
+                      <a:endParaRPr lang="en-GB" dirty="0"/>
+                    </a:p>
+                  </a:txBody>
+                  <a:tcPr anchor="ctr"/>
+                </a:tc>
+                <a:extLst>
+                  <a:ext uri="{0D108BD9-81ED-4DB2-BD59-A6C34878D82A}">
+                    <a16:rowId xmlns:a16="http://schemas.microsoft.com/office/drawing/2014/main" val="2414381538"/>
+                  </a:ext>
+                </a:extLst>
+              </a:tr>
+              <a:tr h="370840">
+                <a:tc>
+                  <a:txBody>
+                    <a:bodyPr/>
+                    <a:lstStyle/>
+                    <a:p>
+                      <a:r>
+                        <a:rPr lang="en-GB" dirty="0" err="1" smtClean="0"/>
+                        <a:t>Patho</a:t>
+                      </a:r>
+                      <a:r>
+                        <a:rPr lang="en-GB" dirty="0" smtClean="0"/>
+                        <a:t> Hospital</a:t>
+                      </a:r>
+                      <a:endParaRPr lang="en-GB" dirty="0"/>
+                    </a:p>
+                  </a:txBody>
+                  <a:tcPr anchor="ctr"/>
+                </a:tc>
+                <a:tc>
+                  <a:txBody>
+                    <a:bodyPr/>
+                    <a:lstStyle/>
+                    <a:p>
+                      <a:pPr algn="ctr"/>
+                      <a:r>
+                        <a:rPr lang="en-US" dirty="0" smtClean="0"/>
+                        <a:t>0</a:t>
+                      </a:r>
+                      <a:endParaRPr lang="en-GB" dirty="0"/>
+                    </a:p>
+                  </a:txBody>
+                  <a:tcPr anchor="ctr"/>
+                </a:tc>
+                <a:tc>
+                  <a:txBody>
+                    <a:bodyPr/>
+                    <a:lstStyle/>
+                    <a:p>
+                      <a:pPr algn="ctr"/>
+                      <a:r>
+                        <a:rPr lang="en-US" dirty="0" smtClean="0"/>
+                        <a:t>1</a:t>
+                      </a:r>
+                      <a:endParaRPr lang="en-GB" dirty="0"/>
+                    </a:p>
+                  </a:txBody>
+                  <a:tcPr anchor="ctr"/>
+                </a:tc>
+                <a:extLst>
+                  <a:ext uri="{0D108BD9-81ED-4DB2-BD59-A6C34878D82A}">
+                    <a16:rowId xmlns:a16="http://schemas.microsoft.com/office/drawing/2014/main" val="269057382"/>
+                  </a:ext>
+                </a:extLst>
+              </a:tr>
+            </a:tbl>
+          </a:graphicData>
+        </a:graphic>
+      </p:graphicFrame>
+    </p:spTree>
+    <p:extLst>
+      <p:ext uri="{BB962C8B-B14F-4D97-AF65-F5344CB8AC3E}">
+        <p14:creationId xmlns:p14="http://schemas.microsoft.com/office/powerpoint/2010/main" val="1112544585"/>
+      </p:ext>
+    </p:extLst>
+  </p:cSld>
+  <p:clrMapOvr>
+    <a:masterClrMapping/>
+  </p:clrMapOvr>
+  <p:timing>
+    <p:tnLst>
+      <p:par>
+        <p:cTn id="1" dur="indefinite" restart="never" nodeType="tmRoot">
+          <p:childTnLst>
+            <p:seq concurrent="1" nextAc="seek">
+              <p:cTn id="2" dur="indefinite" nodeType="mainSeq">
+                <p:childTnLst>
+                  <p:par>
+                    <p:cTn id="3" fill="hold">
+                      <p:stCondLst>
+                        <p:cond delay="indefinite"/>
+                      </p:stCondLst>
+                      <p:childTnLst>
+                        <p:par>
+                          <p:cTn id="4" fill="hold">
+                            <p:stCondLst>
+                              <p:cond delay="0"/>
+                            </p:stCondLst>
+                            <p:childTnLst>
+                              <p:par>
+                                <p:cTn id="5" presetID="53" presetClass="entr" presetSubtype="16" fill="hold" nodeType="clickEffect">
+                                  <p:stCondLst>
+                                    <p:cond delay="0"/>
+                                  </p:stCondLst>
+                                  <p:childTnLst>
+                                    <p:set>
+                                      <p:cBhvr>
+                                        <p:cTn id="6" dur="1" fill="hold">
+                                          <p:stCondLst>
+                                            <p:cond delay="0"/>
+                                          </p:stCondLst>
+                                        </p:cTn>
+                                        <p:tgtEl>
+                                          <p:spTgt spid="4"/>
+                                        </p:tgtEl>
+                                        <p:attrNameLst>
+                                          <p:attrName>style.visibility</p:attrName>
+                                        </p:attrNameLst>
+                                      </p:cBhvr>
+                                      <p:to>
+                                        <p:strVal val="visible"/>
+                                      </p:to>
+                                    </p:set>
+                                    <p:anim calcmode="lin" valueType="num">
+                                      <p:cBhvr>
+                                        <p:cTn id="7" dur="500" fill="hold"/>
+                                        <p:tgtEl>
+                                          <p:spTgt spid="4"/>
+                                        </p:tgtEl>
+                                        <p:attrNameLst>
+                                          <p:attrName>ppt_w</p:attrName>
+                                        </p:attrNameLst>
+                                      </p:cBhvr>
+                                      <p:tavLst>
+                                        <p:tav tm="0">
+                                          <p:val>
+                                            <p:fltVal val="0"/>
+                                          </p:val>
+                                        </p:tav>
+                                        <p:tav tm="100000">
+                                          <p:val>
+                                            <p:strVal val="#ppt_w"/>
+                                          </p:val>
+                                        </p:tav>
+                                      </p:tavLst>
+                                    </p:anim>
+                                    <p:anim calcmode="lin" valueType="num">
+                                      <p:cBhvr>
+                                        <p:cTn id="8" dur="500" fill="hold"/>
+                                        <p:tgtEl>
+                                          <p:spTgt spid="4"/>
+                                        </p:tgtEl>
+                                        <p:attrNameLst>
+                                          <p:attrName>ppt_h</p:attrName>
+                                        </p:attrNameLst>
+                                      </p:cBhvr>
+                                      <p:tavLst>
+                                        <p:tav tm="0">
+                                          <p:val>
+                                            <p:fltVal val="0"/>
+                                          </p:val>
+                                        </p:tav>
+                                        <p:tav tm="100000">
+                                          <p:val>
+                                            <p:strVal val="#ppt_h"/>
+                                          </p:val>
+                                        </p:tav>
+                                      </p:tavLst>
+                                    </p:anim>
+                                    <p:animEffect transition="in" filter="fade">
+                                      <p:cBhvr>
+                                        <p:cTn id="9" dur="500"/>
+                                        <p:tgtEl>
+                                          <p:spTgt spid="4"/>
+                                        </p:tgtEl>
+                                      </p:cBhvr>
+                                    </p:animEffect>
+                                  </p:childTnLst>
+                                </p:cTn>
+                              </p:par>
+                            </p:childTnLst>
+                          </p:cTn>
+                        </p:par>
+                      </p:childTnLst>
+                    </p:cTn>
+                  </p:par>
+                </p:childTnLst>
+              </p:cTn>
+              <p:prevCondLst>
+                <p:cond evt="onPrev" delay="0">
+                  <p:tgtEl>
+                    <p:sldTgt/>
+                  </p:tgtEl>
+                </p:cond>
+              </p:prevCondLst>
+              <p:nextCondLst>
+                <p:cond evt="onNext" delay="0">
+                  <p:tgtEl>
+                    <p:sldTgt/>
+                  </p:tgtEl>
+                </p:cond>
+              </p:nextCondLst>
+            </p:seq>
+          </p:childTnLst>
+        </p:cTn>
+      </p:par>
+    </p:tnLst>
+  </p:timing>
+</p:sld>
+</file>
+
+<file path=ppt/slides/slide6.xml><?xml version="1.0" encoding="utf-8"?>
+<p:sld xmlns:a="http://schemas.openxmlformats.org/drawingml/2006/main" xmlns:r="http://schemas.openxmlformats.org/officeDocument/2006/relationships" xmlns:p="http://schemas.openxmlformats.org/presentationml/2006/main">
+  <p:cSld>
+    <p:spTree>
+      <p:nvGrpSpPr>
+        <p:cNvPr id="1" name=""/>
+        <p:cNvGrpSpPr/>
+        <p:nvPr/>
+      </p:nvGrpSpPr>
+      <p:grpSpPr>
+        <a:xfrm>
+          <a:off x="0" y="0"/>
+          <a:ext cx="0" cy="0"/>
+          <a:chOff x="0" y="0"/>
+          <a:chExt cx="0" cy="0"/>
+        </a:xfrm>
+      </p:grpSpPr>
+      <p:sp>
+        <p:nvSpPr>
+          <p:cNvPr id="2" name="Title 1"/>
+          <p:cNvSpPr>
+            <a:spLocks noGrp="1"/>
+          </p:cNvSpPr>
+          <p:nvPr>
+            <p:ph type="title"/>
+          </p:nvPr>
+        </p:nvSpPr>
+        <p:spPr/>
+        <p:txBody>
+          <a:bodyPr/>
+          <a:lstStyle/>
+          <a:p>
+            <a:r>
+              <a:rPr lang="en-US" b="1" dirty="0" smtClean="0">
+                <a:ln w="12700">
+                  <a:solidFill>
+                    <a:schemeClr val="tx2">
+                      <a:lumMod val="75000"/>
+                    </a:schemeClr>
+                  </a:solidFill>
+                  <a:prstDash val="solid"/>
+                </a:ln>
+                <a:pattFill prst="dkUpDiag">
+                  <a:fgClr>
+                    <a:schemeClr val="tx2"/>
+                  </a:fgClr>
+                  <a:bgClr>
+                    <a:schemeClr val="tx2">
+                      <a:lumMod val="20000"/>
+                      <a:lumOff val="80000"/>
+                    </a:schemeClr>
+                  </a:bgClr>
+                </a:pattFill>
+                <a:effectLst>
+                  <a:outerShdw dist="38100" dir="2640000" algn="bl" rotWithShape="0">
+                    <a:schemeClr val="tx2">
+                      <a:lumMod val="75000"/>
+                    </a:schemeClr>
+                  </a:outerShdw>
+                </a:effectLst>
+              </a:rPr>
+              <a:t>Emergency Operation Response Team</a:t>
+            </a:r>
+            <a:endParaRPr lang="en-GB" b="1" dirty="0">
+              <a:ln w="12700">
+                <a:solidFill>
+                  <a:schemeClr val="tx2">
+                    <a:lumMod val="75000"/>
+                  </a:schemeClr>
+                </a:solidFill>
+                <a:prstDash val="solid"/>
+              </a:ln>
+              <a:pattFill prst="dkUpDiag">
+                <a:fgClr>
+                  <a:schemeClr val="tx2"/>
+                </a:fgClr>
+                <a:bgClr>
+                  <a:schemeClr val="tx2">
+                    <a:lumMod val="20000"/>
+                    <a:lumOff val="80000"/>
+                  </a:schemeClr>
+                </a:bgClr>
+              </a:pattFill>
+              <a:effectLst>
+                <a:outerShdw dist="38100" dir="2640000" algn="bl" rotWithShape="0">
+                  <a:schemeClr val="tx2">
+                    <a:lumMod val="75000"/>
+                  </a:schemeClr>
+                </a:outerShdw>
+              </a:effectLst>
+            </a:endParaRPr>
+          </a:p>
+        </p:txBody>
+      </p:sp>
+      <p:graphicFrame>
+        <p:nvGraphicFramePr>
+          <p:cNvPr id="4" name="Content Placeholder 3"/>
+          <p:cNvGraphicFramePr>
+            <a:graphicFrameLocks noGrp="1"/>
+          </p:cNvGraphicFramePr>
+          <p:nvPr>
+            <p:ph idx="1"/>
+            <p:extLst>
+              <p:ext uri="{D42A27DB-BD31-4B8C-83A1-F6EECF244321}">
+                <p14:modId xmlns:p14="http://schemas.microsoft.com/office/powerpoint/2010/main" val="2980141543"/>
+              </p:ext>
+            </p:extLst>
+          </p:nvPr>
+        </p:nvGraphicFramePr>
+        <p:xfrm>
+          <a:off x="2152358" y="2336800"/>
+          <a:ext cx="7765366" cy="1854200"/>
+        </p:xfrm>
+        <a:graphic>
+          <a:graphicData uri="http://schemas.openxmlformats.org/drawingml/2006/table">
+            <a:tbl>
+              <a:tblPr firstRow="1" bandRow="1">
+                <a:tableStyleId>{5C22544A-7EE6-4342-B048-85BDC9FD1C3A}</a:tableStyleId>
+              </a:tblPr>
+              <a:tblGrid>
+                <a:gridCol w="3882683">
+                  <a:extLst>
+                    <a:ext uri="{9D8B030D-6E8A-4147-A177-3AD203B41FA5}">
+                      <a16:colId xmlns:a16="http://schemas.microsoft.com/office/drawing/2014/main" val="2392584824"/>
+                    </a:ext>
+                  </a:extLst>
+                </a:gridCol>
+                <a:gridCol w="3882683">
+                  <a:extLst>
+                    <a:ext uri="{9D8B030D-6E8A-4147-A177-3AD203B41FA5}">
+                      <a16:colId xmlns:a16="http://schemas.microsoft.com/office/drawing/2014/main" val="2848261741"/>
+                    </a:ext>
+                  </a:extLst>
+                </a:gridCol>
+              </a:tblGrid>
+              <a:tr h="370840">
+                <a:tc>
+                  <a:txBody>
+                    <a:bodyPr/>
+                    <a:lstStyle/>
+                    <a:p>
+                      <a:pPr algn="ctr"/>
+                      <a:r>
+                        <a:rPr lang="en-US" dirty="0" smtClean="0"/>
+                        <a:t>List</a:t>
+                      </a:r>
+                      <a:endParaRPr lang="en-GB" dirty="0"/>
+                    </a:p>
+                  </a:txBody>
+                  <a:tcPr anchor="ctr"/>
+                </a:tc>
+                <a:tc>
+                  <a:txBody>
+                    <a:bodyPr/>
+                    <a:lstStyle/>
+                    <a:p>
+                      <a:pPr algn="ctr"/>
+                      <a:r>
+                        <a:rPr lang="en-US" dirty="0" smtClean="0"/>
+                        <a:t>TEAM</a:t>
+                      </a:r>
+                      <a:endParaRPr lang="en-GB" dirty="0"/>
+                    </a:p>
+                  </a:txBody>
+                  <a:tcPr anchor="ctr"/>
+                </a:tc>
+                <a:extLst>
+                  <a:ext uri="{0D108BD9-81ED-4DB2-BD59-A6C34878D82A}">
+                    <a16:rowId xmlns:a16="http://schemas.microsoft.com/office/drawing/2014/main" val="760179563"/>
+                  </a:ext>
+                </a:extLst>
+              </a:tr>
+              <a:tr h="370840">
+                <a:tc>
+                  <a:txBody>
+                    <a:bodyPr/>
+                    <a:lstStyle/>
+                    <a:p>
+                      <a:pPr algn="ctr"/>
+                      <a:r>
+                        <a:rPr lang="en-US" dirty="0" smtClean="0"/>
+                        <a:t>MERT</a:t>
+                      </a:r>
+                      <a:endParaRPr lang="en-GB" dirty="0"/>
+                    </a:p>
+                  </a:txBody>
+                  <a:tcPr anchor="ctr"/>
+                </a:tc>
+                <a:tc>
+                  <a:txBody>
+                    <a:bodyPr/>
+                    <a:lstStyle/>
+                    <a:p>
+                      <a:pPr algn="ctr"/>
+                      <a:r>
+                        <a:rPr lang="en-US" dirty="0" smtClean="0"/>
+                        <a:t>1</a:t>
+                      </a:r>
+                      <a:endParaRPr lang="en-GB" dirty="0"/>
+                    </a:p>
+                  </a:txBody>
+                  <a:tcPr anchor="ctr"/>
+                </a:tc>
+                <a:extLst>
+                  <a:ext uri="{0D108BD9-81ED-4DB2-BD59-A6C34878D82A}">
+                    <a16:rowId xmlns:a16="http://schemas.microsoft.com/office/drawing/2014/main" val="4182658016"/>
+                  </a:ext>
+                </a:extLst>
+              </a:tr>
+              <a:tr h="370840">
+                <a:tc>
+                  <a:txBody>
+                    <a:bodyPr/>
+                    <a:lstStyle/>
+                    <a:p>
+                      <a:pPr algn="ctr"/>
+                      <a:r>
+                        <a:rPr lang="en-US" dirty="0" smtClean="0"/>
+                        <a:t>MINI-MERT</a:t>
+                      </a:r>
+                      <a:endParaRPr lang="en-GB" dirty="0"/>
+                    </a:p>
+                  </a:txBody>
+                  <a:tcPr anchor="ctr"/>
+                </a:tc>
+                <a:tc>
+                  <a:txBody>
+                    <a:bodyPr/>
+                    <a:lstStyle/>
+                    <a:p>
+                      <a:pPr algn="ctr"/>
+                      <a:r>
+                        <a:rPr lang="en-US" dirty="0" smtClean="0"/>
+                        <a:t>11</a:t>
+                      </a:r>
+                      <a:endParaRPr lang="en-GB" dirty="0"/>
+                    </a:p>
+                  </a:txBody>
+                  <a:tcPr anchor="ctr"/>
+                </a:tc>
+                <a:extLst>
+                  <a:ext uri="{0D108BD9-81ED-4DB2-BD59-A6C34878D82A}">
+                    <a16:rowId xmlns:a16="http://schemas.microsoft.com/office/drawing/2014/main" val="2955055417"/>
+                  </a:ext>
+                </a:extLst>
+              </a:tr>
+              <a:tr h="370840">
+                <a:tc>
+                  <a:txBody>
+                    <a:bodyPr/>
+                    <a:lstStyle/>
+                    <a:p>
+                      <a:pPr algn="ctr"/>
+                      <a:r>
+                        <a:rPr lang="en-US" dirty="0" smtClean="0"/>
+                        <a:t>SERT</a:t>
+                      </a:r>
+                      <a:endParaRPr lang="en-GB" dirty="0"/>
+                    </a:p>
+                  </a:txBody>
+                  <a:tcPr anchor="ctr"/>
+                </a:tc>
+                <a:tc>
+                  <a:txBody>
+                    <a:bodyPr/>
+                    <a:lstStyle/>
+                    <a:p>
+                      <a:pPr algn="ctr"/>
+                      <a:r>
+                        <a:rPr lang="en-US" dirty="0" smtClean="0"/>
+                        <a:t>9</a:t>
+                      </a:r>
+                      <a:endParaRPr lang="en-GB" dirty="0"/>
+                    </a:p>
+                  </a:txBody>
+                  <a:tcPr anchor="ctr"/>
+                </a:tc>
+                <a:extLst>
+                  <a:ext uri="{0D108BD9-81ED-4DB2-BD59-A6C34878D82A}">
+                    <a16:rowId xmlns:a16="http://schemas.microsoft.com/office/drawing/2014/main" val="3408394872"/>
+                  </a:ext>
+                </a:extLst>
+              </a:tr>
+              <a:tr h="370840">
+                <a:tc>
+                  <a:txBody>
+                    <a:bodyPr/>
+                    <a:lstStyle/>
+                    <a:p>
+                      <a:pPr algn="ctr"/>
+                      <a:r>
+                        <a:rPr lang="en-US" dirty="0" smtClean="0"/>
+                        <a:t>MCATT</a:t>
+                      </a:r>
+                      <a:endParaRPr lang="en-GB" dirty="0"/>
+                    </a:p>
+                  </a:txBody>
+                  <a:tcPr anchor="ctr"/>
+                </a:tc>
+                <a:tc>
+                  <a:txBody>
+                    <a:bodyPr/>
+                    <a:lstStyle/>
+                    <a:p>
+                      <a:pPr algn="ctr"/>
+                      <a:r>
+                        <a:rPr lang="en-US" dirty="0" smtClean="0"/>
+                        <a:t>9</a:t>
+                      </a:r>
+                      <a:endParaRPr lang="en-GB" dirty="0"/>
+                    </a:p>
+                  </a:txBody>
+                  <a:tcPr anchor="ctr"/>
+                </a:tc>
+                <a:extLst>
+                  <a:ext uri="{0D108BD9-81ED-4DB2-BD59-A6C34878D82A}">
+                    <a16:rowId xmlns:a16="http://schemas.microsoft.com/office/drawing/2014/main" val="3889953812"/>
+                  </a:ext>
+                </a:extLst>
+              </a:tr>
+            </a:tbl>
+          </a:graphicData>
+        </a:graphic>
+      </p:graphicFrame>
+    </p:spTree>
+    <p:extLst>
+      <p:ext uri="{BB962C8B-B14F-4D97-AF65-F5344CB8AC3E}">
+        <p14:creationId xmlns:p14="http://schemas.microsoft.com/office/powerpoint/2010/main" val="1633445401"/>
+      </p:ext>
+    </p:extLst>
+  </p:cSld>
+  <p:clrMapOvr>
+    <a:masterClrMapping/>
+  </p:clrMapOvr>
+  <p:timing>
+    <p:tnLst>
+      <p:par>
+        <p:cTn id="1" dur="indefinite" restart="never" nodeType="tmRoot">
+          <p:childTnLst>
+            <p:seq concurrent="1" nextAc="seek">
+              <p:cTn id="2" dur="indefinite" nodeType="mainSeq">
+                <p:childTnLst>
+                  <p:par>
+                    <p:cTn id="3" fill="hold">
+                      <p:stCondLst>
+                        <p:cond delay="indefinite"/>
+                      </p:stCondLst>
+                      <p:childTnLst>
+                        <p:par>
+                          <p:cTn id="4" fill="hold">
+                            <p:stCondLst>
+                              <p:cond delay="0"/>
+                            </p:stCondLst>
+                            <p:childTnLst>
+                              <p:par>
+                                <p:cTn id="5" presetID="53" presetClass="entr" presetSubtype="16" fill="hold" nodeType="clickEffect">
+                                  <p:stCondLst>
+                                    <p:cond delay="0"/>
+                                  </p:stCondLst>
+                                  <p:childTnLst>
+                                    <p:set>
+                                      <p:cBhvr>
+                                        <p:cTn id="6" dur="1" fill="hold">
+                                          <p:stCondLst>
+                                            <p:cond delay="0"/>
+                                          </p:stCondLst>
+                                        </p:cTn>
+                                        <p:tgtEl>
+                                          <p:spTgt spid="4"/>
+                                        </p:tgtEl>
+                                        <p:attrNameLst>
+                                          <p:attrName>style.visibility</p:attrName>
+                                        </p:attrNameLst>
+                                      </p:cBhvr>
+                                      <p:to>
+                                        <p:strVal val="visible"/>
+                                      </p:to>
+                                    </p:set>
+                                    <p:anim calcmode="lin" valueType="num">
+                                      <p:cBhvr>
+                                        <p:cTn id="7" dur="500" fill="hold"/>
+                                        <p:tgtEl>
+                                          <p:spTgt spid="4"/>
+                                        </p:tgtEl>
+                                        <p:attrNameLst>
+                                          <p:attrName>ppt_w</p:attrName>
+                                        </p:attrNameLst>
+                                      </p:cBhvr>
+                                      <p:tavLst>
+                                        <p:tav tm="0">
+                                          <p:val>
+                                            <p:fltVal val="0"/>
+                                          </p:val>
+                                        </p:tav>
+                                        <p:tav tm="100000">
+                                          <p:val>
+                                            <p:strVal val="#ppt_w"/>
+                                          </p:val>
+                                        </p:tav>
+                                      </p:tavLst>
+                                    </p:anim>
+                                    <p:anim calcmode="lin" valueType="num">
+                                      <p:cBhvr>
+                                        <p:cTn id="8" dur="500" fill="hold"/>
+                                        <p:tgtEl>
+                                          <p:spTgt spid="4"/>
+                                        </p:tgtEl>
+                                        <p:attrNameLst>
+                                          <p:attrName>ppt_h</p:attrName>
+                                        </p:attrNameLst>
+                                      </p:cBhvr>
+                                      <p:tavLst>
+                                        <p:tav tm="0">
+                                          <p:val>
+                                            <p:fltVal val="0"/>
+                                          </p:val>
+                                        </p:tav>
+                                        <p:tav tm="100000">
+                                          <p:val>
+                                            <p:strVal val="#ppt_h"/>
+                                          </p:val>
+                                        </p:tav>
+                                      </p:tavLst>
+                                    </p:anim>
+                                    <p:animEffect transition="in" filter="fade">
+                                      <p:cBhvr>
+                                        <p:cTn id="9" dur="500"/>
+                                        <p:tgtEl>
+                                          <p:spTgt spid="4"/>
+                                        </p:tgtEl>
+                                      </p:cBhvr>
+                                    </p:animEffect>
+                                  </p:childTnLst>
+                                </p:cTn>
+                              </p:par>
+                            </p:childTnLst>
+                          </p:cTn>
+                        </p:par>
+                      </p:childTnLst>
+                    </p:cTn>
+                  </p:par>
+                </p:childTnLst>
+              </p:cTn>
+              <p:prevCondLst>
+                <p:cond evt="onPrev" delay="0">
+                  <p:tgtEl>
+                    <p:sldTgt/>
+                  </p:tgtEl>
+                </p:cond>
+              </p:prevCondLst>
+              <p:nextCondLst>
+                <p:cond evt="onNext" delay="0">
+                  <p:tgtEl>
+                    <p:sldTgt/>
+                  </p:tgtEl>
+                </p:cond>
+              </p:nextCondLst>
+            </p:seq>
+          </p:childTnLst>
+        </p:cTn>
       </p:par>
     </p:tnLst>
   </p:timing>
@@ -10567,10 +14829,64 @@
           <a:lstStyle/>
           <a:p>
             <a:r>
-              <a:rPr lang="en-US" dirty="0" smtClean="0"/>
+              <a:rPr lang="en-US" b="1" dirty="0" smtClean="0">
+                <a:ln w="12700">
+                  <a:solidFill>
+                    <a:schemeClr val="tx2">
+                      <a:lumMod val="75000"/>
+                    </a:schemeClr>
+                  </a:solidFill>
+                  <a:prstDash val="solid"/>
+                </a:ln>
+                <a:pattFill prst="dkUpDiag">
+                  <a:fgClr>
+                    <a:schemeClr val="tx2"/>
+                  </a:fgClr>
+                  <a:bgClr>
+                    <a:schemeClr val="tx2">
+                      <a:lumMod val="20000"/>
+                      <a:lumOff val="80000"/>
+                    </a:schemeClr>
+                  </a:bgClr>
+                </a:pattFill>
+                <a:effectLst>
+                  <a:outerShdw dist="38100" dir="2640000" algn="bl" rotWithShape="0">
+                    <a:schemeClr val="tx2">
+                      <a:lumMod val="75000"/>
+                    </a:schemeClr>
+                  </a:outerShdw>
+                </a:effectLst>
+              </a:rPr>
               <a:t>Private Rescue Organization</a:t>
             </a:r>
-            <a:endParaRPr lang="th-TH" dirty="0"/>
+            <a:endParaRPr lang="th-TH" b="1" dirty="0">
+              <a:ln w="12700">
+                <a:solidFill>
+                  <a:schemeClr val="tx2">
+                    <a:lumMod val="75000"/>
+                  </a:schemeClr>
+                </a:solidFill>
+                <a:prstDash val="solid"/>
+              </a:ln>
+              <a:pattFill prst="dkUpDiag">
+                <a:fgClr>
+                  <a:schemeClr val="tx2"/>
+                </a:fgClr>
+                <a:bgClr>
+                  <a:schemeClr val="tx2">
+                    <a:lumMod val="20000"/>
+                    <a:lumOff val="80000"/>
+                  </a:schemeClr>
+                </a:bgClr>
+              </a:pattFill>
+              <a:effectLst>
+                <a:outerShdw dist="38100" dir="2640000" algn="bl" rotWithShape="0">
+                  <a:schemeClr val="tx2">
+                    <a:lumMod val="75000"/>
+                  </a:schemeClr>
+                </a:outerShdw>
+              </a:effectLst>
+            </a:endParaRPr>
           </a:p>
         </p:txBody>
       </p:sp>
@@ -10582,11 +14898,7 @@
           </p:cNvGraphicFramePr>
           <p:nvPr>
             <p:ph idx="1"/>
-            <p:extLst>
-              <p:ext uri="{D42A27DB-BD31-4B8C-83A1-F6EECF244321}">
-                <p14:modId xmlns:p14="http://schemas.microsoft.com/office/powerpoint/2010/main" val="909650060"/>
-              </p:ext>
-            </p:extLst>
+            <p:extLst/>
           </p:nvPr>
         </p:nvGraphicFramePr>
         <p:xfrm>
@@ -10834,7 +15146,7 @@
     </p:spTree>
     <p:extLst>
       <p:ext uri="{BB962C8B-B14F-4D97-AF65-F5344CB8AC3E}">
-        <p14:creationId xmlns:p14="http://schemas.microsoft.com/office/powerpoint/2010/main" val="536773475"/>
+        <p14:creationId xmlns:p14="http://schemas.microsoft.com/office/powerpoint/2010/main" val="737461182"/>
       </p:ext>
     </p:extLst>
   </p:cSld>
@@ -10844,7 +15156,210 @@
   <p:timing>
     <p:tnLst>
       <p:par>
-        <p:cTn id="1" dur="indefinite" restart="never" nodeType="tmRoot"/>
+        <p:cTn id="1" dur="indefinite" restart="never" nodeType="tmRoot">
+          <p:childTnLst>
+            <p:seq concurrent="1" nextAc="seek">
+              <p:cTn id="2" dur="indefinite" nodeType="mainSeq">
+                <p:childTnLst>
+                  <p:par>
+                    <p:cTn id="3" fill="hold">
+                      <p:stCondLst>
+                        <p:cond delay="indefinite"/>
+                      </p:stCondLst>
+                      <p:childTnLst>
+                        <p:par>
+                          <p:cTn id="4" fill="hold">
+                            <p:stCondLst>
+                              <p:cond delay="0"/>
+                            </p:stCondLst>
+                            <p:childTnLst>
+                              <p:par>
+                                <p:cTn id="5" presetID="53" presetClass="entr" presetSubtype="16" fill="hold" nodeType="clickEffect">
+                                  <p:stCondLst>
+                                    <p:cond delay="0"/>
+                                  </p:stCondLst>
+                                  <p:childTnLst>
+                                    <p:set>
+                                      <p:cBhvr>
+                                        <p:cTn id="6" dur="1" fill="hold">
+                                          <p:stCondLst>
+                                            <p:cond delay="0"/>
+                                          </p:stCondLst>
+                                        </p:cTn>
+                                        <p:tgtEl>
+                                          <p:spTgt spid="4"/>
+                                        </p:tgtEl>
+                                        <p:attrNameLst>
+                                          <p:attrName>style.visibility</p:attrName>
+                                        </p:attrNameLst>
+                                      </p:cBhvr>
+                                      <p:to>
+                                        <p:strVal val="visible"/>
+                                      </p:to>
+                                    </p:set>
+                                    <p:anim calcmode="lin" valueType="num">
+                                      <p:cBhvr>
+                                        <p:cTn id="7" dur="500" fill="hold"/>
+                                        <p:tgtEl>
+                                          <p:spTgt spid="4"/>
+                                        </p:tgtEl>
+                                        <p:attrNameLst>
+                                          <p:attrName>ppt_w</p:attrName>
+                                        </p:attrNameLst>
+                                      </p:cBhvr>
+                                      <p:tavLst>
+                                        <p:tav tm="0">
+                                          <p:val>
+                                            <p:fltVal val="0"/>
+                                          </p:val>
+                                        </p:tav>
+                                        <p:tav tm="100000">
+                                          <p:val>
+                                            <p:strVal val="#ppt_w"/>
+                                          </p:val>
+                                        </p:tav>
+                                      </p:tavLst>
+                                    </p:anim>
+                                    <p:anim calcmode="lin" valueType="num">
+                                      <p:cBhvr>
+                                        <p:cTn id="8" dur="500" fill="hold"/>
+                                        <p:tgtEl>
+                                          <p:spTgt spid="4"/>
+                                        </p:tgtEl>
+                                        <p:attrNameLst>
+                                          <p:attrName>ppt_h</p:attrName>
+                                        </p:attrNameLst>
+                                      </p:cBhvr>
+                                      <p:tavLst>
+                                        <p:tav tm="0">
+                                          <p:val>
+                                            <p:fltVal val="0"/>
+                                          </p:val>
+                                        </p:tav>
+                                        <p:tav tm="100000">
+                                          <p:val>
+                                            <p:strVal val="#ppt_h"/>
+                                          </p:val>
+                                        </p:tav>
+                                      </p:tavLst>
+                                    </p:anim>
+                                    <p:animEffect transition="in" filter="fade">
+                                      <p:cBhvr>
+                                        <p:cTn id="9" dur="500"/>
+                                        <p:tgtEl>
+                                          <p:spTgt spid="4"/>
+                                        </p:tgtEl>
+                                      </p:cBhvr>
+                                    </p:animEffect>
+                                  </p:childTnLst>
+                                </p:cTn>
+                              </p:par>
+                              <p:par>
+                                <p:cTn id="10" presetID="53" presetClass="entr" presetSubtype="16" fill="hold" nodeType="withEffect">
+                                  <p:stCondLst>
+                                    <p:cond delay="0"/>
+                                  </p:stCondLst>
+                                  <p:childTnLst>
+                                    <p:set>
+                                      <p:cBhvr>
+                                        <p:cTn id="11" dur="1" fill="hold">
+                                          <p:stCondLst>
+                                            <p:cond delay="0"/>
+                                          </p:stCondLst>
+                                        </p:cTn>
+                                        <p:tgtEl>
+                                          <p:spTgt spid="5"/>
+                                        </p:tgtEl>
+                                        <p:attrNameLst>
+                                          <p:attrName>style.visibility</p:attrName>
+                                        </p:attrNameLst>
+                                      </p:cBhvr>
+                                      <p:to>
+                                        <p:strVal val="visible"/>
+                                      </p:to>
+                                    </p:set>
+                                    <p:anim calcmode="lin" valueType="num">
+                                      <p:cBhvr>
+                                        <p:cTn id="12" dur="500" fill="hold"/>
+                                        <p:tgtEl>
+                                          <p:spTgt spid="5"/>
+                                        </p:tgtEl>
+                                        <p:attrNameLst>
+                                          <p:attrName>ppt_w</p:attrName>
+                                        </p:attrNameLst>
+                                      </p:cBhvr>
+                                      <p:tavLst>
+                                        <p:tav tm="0">
+                                          <p:val>
+                                            <p:fltVal val="0"/>
+                                          </p:val>
+                                        </p:tav>
+                                        <p:tav tm="100000">
+                                          <p:val>
+                                            <p:strVal val="#ppt_w"/>
+                                          </p:val>
+                                        </p:tav>
+                                      </p:tavLst>
+                                    </p:anim>
+                                    <p:anim calcmode="lin" valueType="num">
+                                      <p:cBhvr>
+                                        <p:cTn id="13" dur="500" fill="hold"/>
+                                        <p:tgtEl>
+                                          <p:spTgt spid="5"/>
+                                        </p:tgtEl>
+                                        <p:attrNameLst>
+                                          <p:attrName>ppt_h</p:attrName>
+                                        </p:attrNameLst>
+                                      </p:cBhvr>
+                                      <p:tavLst>
+                                        <p:tav tm="0">
+                                          <p:val>
+                                            <p:fltVal val="0"/>
+                                          </p:val>
+                                        </p:tav>
+                                        <p:tav tm="100000">
+                                          <p:val>
+                                            <p:strVal val="#ppt_h"/>
+                                          </p:val>
+                                        </p:tav>
+                                      </p:tavLst>
+                                    </p:anim>
+                                    <p:animEffect transition="in" filter="fade">
+                                      <p:cBhvr>
+                                        <p:cTn id="14" dur="500"/>
+                                        <p:tgtEl>
+                                          <p:spTgt spid="5"/>
+                                        </p:tgtEl>
+                                      </p:cBhvr>
+                                    </p:animEffect>
+                                  </p:childTnLst>
+                                </p:cTn>
+                              </p:par>
+                            </p:childTnLst>
+                          </p:cTn>
+                        </p:par>
+                      </p:childTnLst>
+                    </p:cTn>
+                  </p:par>
+                </p:childTnLst>
+              </p:cTn>
+              <p:prevCondLst>
+                <p:cond evt="onPrev" delay="0">
+                  <p:tgtEl>
+                    <p:sldTgt/>
+                  </p:tgtEl>
+                </p:cond>
+              </p:prevCondLst>
+              <p:nextCondLst>
+                <p:cond evt="onNext" delay="0">
+                  <p:tgtEl>
+                    <p:sldTgt/>
+                  </p:tgtEl>
+                </p:cond>
+              </p:nextCondLst>
+            </p:seq>
+          </p:childTnLst>
+        </p:cTn>
       </p:par>
     </p:tnLst>
   </p:timing>
@@ -10880,6 +15395,463 @@
         </p:nvSpPr>
         <p:spPr/>
         <p:txBody>
+          <a:bodyPr/>
+          <a:lstStyle/>
+          <a:p>
+            <a:r>
+              <a:rPr lang="en-US" b="1" dirty="0" smtClean="0">
+                <a:ln w="12700">
+                  <a:solidFill>
+                    <a:schemeClr val="tx2">
+                      <a:lumMod val="75000"/>
+                    </a:schemeClr>
+                  </a:solidFill>
+                  <a:prstDash val="solid"/>
+                </a:ln>
+                <a:pattFill prst="dkUpDiag">
+                  <a:fgClr>
+                    <a:schemeClr val="tx2"/>
+                  </a:fgClr>
+                  <a:bgClr>
+                    <a:schemeClr val="tx2">
+                      <a:lumMod val="20000"/>
+                      <a:lumOff val="80000"/>
+                    </a:schemeClr>
+                  </a:bgClr>
+                </a:pattFill>
+                <a:effectLst>
+                  <a:outerShdw dist="38100" dir="2640000" algn="bl" rotWithShape="0">
+                    <a:schemeClr val="tx2">
+                      <a:lumMod val="75000"/>
+                    </a:schemeClr>
+                  </a:outerShdw>
+                </a:effectLst>
+              </a:rPr>
+              <a:t>Marine Health</a:t>
+            </a:r>
+            <a:endParaRPr lang="en-GB" b="1" dirty="0">
+              <a:ln w="12700">
+                <a:solidFill>
+                  <a:schemeClr val="tx2">
+                    <a:lumMod val="75000"/>
+                  </a:schemeClr>
+                </a:solidFill>
+                <a:prstDash val="solid"/>
+              </a:ln>
+              <a:pattFill prst="dkUpDiag">
+                <a:fgClr>
+                  <a:schemeClr val="tx2"/>
+                </a:fgClr>
+                <a:bgClr>
+                  <a:schemeClr val="tx2">
+                    <a:lumMod val="20000"/>
+                    <a:lumOff val="80000"/>
+                  </a:schemeClr>
+                </a:bgClr>
+              </a:pattFill>
+              <a:effectLst>
+                <a:outerShdw dist="38100" dir="2640000" algn="bl" rotWithShape="0">
+                  <a:schemeClr val="tx2">
+                    <a:lumMod val="75000"/>
+                  </a:schemeClr>
+                </a:outerShdw>
+              </a:effectLst>
+            </a:endParaRPr>
+          </a:p>
+        </p:txBody>
+      </p:sp>
+      <p:graphicFrame>
+        <p:nvGraphicFramePr>
+          <p:cNvPr id="5" name="Content Placeholder 3"/>
+          <p:cNvGraphicFramePr>
+            <a:graphicFrameLocks/>
+          </p:cNvGraphicFramePr>
+          <p:nvPr>
+            <p:extLst>
+              <p:ext uri="{D42A27DB-BD31-4B8C-83A1-F6EECF244321}">
+                <p14:modId xmlns:p14="http://schemas.microsoft.com/office/powerpoint/2010/main" val="487979762"/>
+              </p:ext>
+            </p:extLst>
+          </p:nvPr>
+        </p:nvGraphicFramePr>
+        <p:xfrm>
+          <a:off x="2112133" y="2208010"/>
+          <a:ext cx="5465596" cy="1483360"/>
+        </p:xfrm>
+        <a:graphic>
+          <a:graphicData uri="http://schemas.openxmlformats.org/drawingml/2006/table">
+            <a:tbl>
+              <a:tblPr firstRow="1" bandRow="1">
+                <a:effectLst>
+                  <a:outerShdw blurRad="50800" dist="38100" dir="2700000" algn="tl" rotWithShape="0">
+                    <a:prstClr val="black">
+                      <a:alpha val="40000"/>
+                    </a:prstClr>
+                  </a:outerShdw>
+                </a:effectLst>
+                <a:tableStyleId>{5C22544A-7EE6-4342-B048-85BDC9FD1C3A}</a:tableStyleId>
+              </a:tblPr>
+              <a:tblGrid>
+                <a:gridCol w="3178108">
+                  <a:extLst>
+                    <a:ext uri="{9D8B030D-6E8A-4147-A177-3AD203B41FA5}">
+                      <a16:colId xmlns:a16="http://schemas.microsoft.com/office/drawing/2014/main" val="1979872298"/>
+                    </a:ext>
+                  </a:extLst>
+                </a:gridCol>
+                <a:gridCol w="2287488">
+                  <a:extLst>
+                    <a:ext uri="{9D8B030D-6E8A-4147-A177-3AD203B41FA5}">
+                      <a16:colId xmlns:a16="http://schemas.microsoft.com/office/drawing/2014/main" val="2457523662"/>
+                    </a:ext>
+                  </a:extLst>
+                </a:gridCol>
+              </a:tblGrid>
+              <a:tr h="370840">
+                <a:tc>
+                  <a:txBody>
+                    <a:bodyPr/>
+                    <a:lstStyle/>
+                    <a:p>
+                      <a:pPr algn="ctr"/>
+                      <a:r>
+                        <a:rPr lang="en-US" dirty="0" smtClean="0"/>
+                        <a:t>District</a:t>
+                      </a:r>
+                      <a:endParaRPr lang="en-GB" dirty="0"/>
+                    </a:p>
+                  </a:txBody>
+                  <a:tcPr anchor="ctr"/>
+                </a:tc>
+                <a:tc>
+                  <a:txBody>
+                    <a:bodyPr/>
+                    <a:lstStyle/>
+                    <a:p>
+                      <a:pPr algn="ctr"/>
+                      <a:r>
+                        <a:rPr lang="en-US" dirty="0" smtClean="0"/>
+                        <a:t>TEAM</a:t>
+                      </a:r>
+                      <a:endParaRPr lang="en-GB" dirty="0"/>
+                    </a:p>
+                  </a:txBody>
+                  <a:tcPr anchor="ctr"/>
+                </a:tc>
+                <a:extLst>
+                  <a:ext uri="{0D108BD9-81ED-4DB2-BD59-A6C34878D82A}">
+                    <a16:rowId xmlns:a16="http://schemas.microsoft.com/office/drawing/2014/main" val="2678351475"/>
+                  </a:ext>
+                </a:extLst>
+              </a:tr>
+              <a:tr h="370840">
+                <a:tc>
+                  <a:txBody>
+                    <a:bodyPr/>
+                    <a:lstStyle/>
+                    <a:p>
+                      <a:r>
+                        <a:rPr lang="en-US" dirty="0" err="1" smtClean="0"/>
+                        <a:t>Chumphon</a:t>
+                      </a:r>
+                      <a:endParaRPr lang="en-GB" dirty="0"/>
+                    </a:p>
+                  </a:txBody>
+                  <a:tcPr anchor="ctr"/>
+                </a:tc>
+                <a:tc>
+                  <a:txBody>
+                    <a:bodyPr/>
+                    <a:lstStyle/>
+                    <a:p>
+                      <a:pPr algn="ctr"/>
+                      <a:r>
+                        <a:rPr lang="en-US" dirty="0" smtClean="0"/>
+                        <a:t>4</a:t>
+                      </a:r>
+                      <a:endParaRPr lang="en-GB" dirty="0"/>
+                    </a:p>
+                  </a:txBody>
+                  <a:tcPr anchor="ctr"/>
+                </a:tc>
+                <a:extLst>
+                  <a:ext uri="{0D108BD9-81ED-4DB2-BD59-A6C34878D82A}">
+                    <a16:rowId xmlns:a16="http://schemas.microsoft.com/office/drawing/2014/main" val="2753630997"/>
+                  </a:ext>
+                </a:extLst>
+              </a:tr>
+              <a:tr h="370840">
+                <a:tc>
+                  <a:txBody>
+                    <a:bodyPr/>
+                    <a:lstStyle/>
+                    <a:p>
+                      <a:pPr marL="0" marR="0" indent="0" algn="l" defTabSz="914400" rtl="0" eaLnBrk="1" fontAlgn="auto" latinLnBrk="0" hangingPunct="1">
+                        <a:lnSpc>
+                          <a:spcPct val="100000"/>
+                        </a:lnSpc>
+                        <a:spcBef>
+                          <a:spcPts val="0"/>
+                        </a:spcBef>
+                        <a:spcAft>
+                          <a:spcPts val="0"/>
+                        </a:spcAft>
+                        <a:buClrTx/>
+                        <a:buSzTx/>
+                        <a:buFontTx/>
+                        <a:buNone/>
+                        <a:tabLst/>
+                        <a:defRPr/>
+                      </a:pPr>
+                      <a:r>
+                        <a:rPr lang="en-US" dirty="0" err="1" smtClean="0"/>
+                        <a:t>Pathu</a:t>
+                      </a:r>
+                      <a:r>
+                        <a:rPr lang="en-US" dirty="0" smtClean="0"/>
+                        <a:t> Hospital</a:t>
+                      </a:r>
+                      <a:endParaRPr lang="en-GB" dirty="0" smtClean="0"/>
+                    </a:p>
+                  </a:txBody>
+                  <a:tcPr anchor="ctr"/>
+                </a:tc>
+                <a:tc>
+                  <a:txBody>
+                    <a:bodyPr/>
+                    <a:lstStyle/>
+                    <a:p>
+                      <a:pPr algn="ctr"/>
+                      <a:r>
+                        <a:rPr lang="en-US" dirty="0" smtClean="0"/>
+                        <a:t>3</a:t>
+                      </a:r>
+                      <a:endParaRPr lang="en-GB" dirty="0"/>
+                    </a:p>
+                  </a:txBody>
+                  <a:tcPr anchor="ctr"/>
+                </a:tc>
+                <a:extLst>
+                  <a:ext uri="{0D108BD9-81ED-4DB2-BD59-A6C34878D82A}">
+                    <a16:rowId xmlns:a16="http://schemas.microsoft.com/office/drawing/2014/main" val="1824970478"/>
+                  </a:ext>
+                </a:extLst>
+              </a:tr>
+              <a:tr h="370840">
+                <a:tc>
+                  <a:txBody>
+                    <a:bodyPr/>
+                    <a:lstStyle/>
+                    <a:p>
+                      <a:r>
+                        <a:rPr lang="en-GB" dirty="0" err="1" smtClean="0"/>
+                        <a:t>Langsuan</a:t>
+                      </a:r>
+                      <a:r>
+                        <a:rPr lang="en-GB" dirty="0" smtClean="0"/>
+                        <a:t> Hospital</a:t>
+                      </a:r>
+                      <a:endParaRPr lang="en-GB" dirty="0"/>
+                    </a:p>
+                  </a:txBody>
+                  <a:tcPr anchor="ctr"/>
+                </a:tc>
+                <a:tc>
+                  <a:txBody>
+                    <a:bodyPr/>
+                    <a:lstStyle/>
+                    <a:p>
+                      <a:pPr algn="ctr"/>
+                      <a:r>
+                        <a:rPr lang="en-US" dirty="0" smtClean="0"/>
+                        <a:t>1</a:t>
+                      </a:r>
+                      <a:endParaRPr lang="en-GB" dirty="0"/>
+                    </a:p>
+                  </a:txBody>
+                  <a:tcPr anchor="ctr"/>
+                </a:tc>
+                <a:extLst>
+                  <a:ext uri="{0D108BD9-81ED-4DB2-BD59-A6C34878D82A}">
+                    <a16:rowId xmlns:a16="http://schemas.microsoft.com/office/drawing/2014/main" val="704456616"/>
+                  </a:ext>
+                </a:extLst>
+              </a:tr>
+            </a:tbl>
+          </a:graphicData>
+        </a:graphic>
+      </p:graphicFrame>
+    </p:spTree>
+    <p:extLst>
+      <p:ext uri="{BB962C8B-B14F-4D97-AF65-F5344CB8AC3E}">
+        <p14:creationId xmlns:p14="http://schemas.microsoft.com/office/powerpoint/2010/main" val="346661888"/>
+      </p:ext>
+    </p:extLst>
+  </p:cSld>
+  <p:clrMapOvr>
+    <a:masterClrMapping/>
+  </p:clrMapOvr>
+  <p:timing>
+    <p:tnLst>
+      <p:par>
+        <p:cTn id="1" dur="indefinite" restart="never" nodeType="tmRoot">
+          <p:childTnLst>
+            <p:seq concurrent="1" nextAc="seek">
+              <p:cTn id="2" dur="indefinite" nodeType="mainSeq">
+                <p:childTnLst>
+                  <p:par>
+                    <p:cTn id="3" fill="hold">
+                      <p:stCondLst>
+                        <p:cond delay="indefinite"/>
+                      </p:stCondLst>
+                      <p:childTnLst>
+                        <p:par>
+                          <p:cTn id="4" fill="hold">
+                            <p:stCondLst>
+                              <p:cond delay="0"/>
+                            </p:stCondLst>
+                            <p:childTnLst>
+                              <p:par>
+                                <p:cTn id="5" presetID="53" presetClass="entr" presetSubtype="16" fill="hold" nodeType="clickEffect">
+                                  <p:stCondLst>
+                                    <p:cond delay="0"/>
+                                  </p:stCondLst>
+                                  <p:childTnLst>
+                                    <p:set>
+                                      <p:cBhvr>
+                                        <p:cTn id="6" dur="1" fill="hold">
+                                          <p:stCondLst>
+                                            <p:cond delay="0"/>
+                                          </p:stCondLst>
+                                        </p:cTn>
+                                        <p:tgtEl>
+                                          <p:spTgt spid="5"/>
+                                        </p:tgtEl>
+                                        <p:attrNameLst>
+                                          <p:attrName>style.visibility</p:attrName>
+                                        </p:attrNameLst>
+                                      </p:cBhvr>
+                                      <p:to>
+                                        <p:strVal val="visible"/>
+                                      </p:to>
+                                    </p:set>
+                                    <p:anim calcmode="lin" valueType="num">
+                                      <p:cBhvr>
+                                        <p:cTn id="7" dur="500" fill="hold"/>
+                                        <p:tgtEl>
+                                          <p:spTgt spid="5"/>
+                                        </p:tgtEl>
+                                        <p:attrNameLst>
+                                          <p:attrName>ppt_w</p:attrName>
+                                        </p:attrNameLst>
+                                      </p:cBhvr>
+                                      <p:tavLst>
+                                        <p:tav tm="0">
+                                          <p:val>
+                                            <p:fltVal val="0"/>
+                                          </p:val>
+                                        </p:tav>
+                                        <p:tav tm="100000">
+                                          <p:val>
+                                            <p:strVal val="#ppt_w"/>
+                                          </p:val>
+                                        </p:tav>
+                                      </p:tavLst>
+                                    </p:anim>
+                                    <p:anim calcmode="lin" valueType="num">
+                                      <p:cBhvr>
+                                        <p:cTn id="8" dur="500" fill="hold"/>
+                                        <p:tgtEl>
+                                          <p:spTgt spid="5"/>
+                                        </p:tgtEl>
+                                        <p:attrNameLst>
+                                          <p:attrName>ppt_h</p:attrName>
+                                        </p:attrNameLst>
+                                      </p:cBhvr>
+                                      <p:tavLst>
+                                        <p:tav tm="0">
+                                          <p:val>
+                                            <p:fltVal val="0"/>
+                                          </p:val>
+                                        </p:tav>
+                                        <p:tav tm="100000">
+                                          <p:val>
+                                            <p:strVal val="#ppt_h"/>
+                                          </p:val>
+                                        </p:tav>
+                                      </p:tavLst>
+                                    </p:anim>
+                                    <p:animEffect transition="in" filter="fade">
+                                      <p:cBhvr>
+                                        <p:cTn id="9" dur="500"/>
+                                        <p:tgtEl>
+                                          <p:spTgt spid="5"/>
+                                        </p:tgtEl>
+                                      </p:cBhvr>
+                                    </p:animEffect>
+                                  </p:childTnLst>
+                                </p:cTn>
+                              </p:par>
+                            </p:childTnLst>
+                          </p:cTn>
+                        </p:par>
+                      </p:childTnLst>
+                    </p:cTn>
+                  </p:par>
+                </p:childTnLst>
+              </p:cTn>
+              <p:prevCondLst>
+                <p:cond evt="onPrev" delay="0">
+                  <p:tgtEl>
+                    <p:sldTgt/>
+                  </p:tgtEl>
+                </p:cond>
+              </p:prevCondLst>
+              <p:nextCondLst>
+                <p:cond evt="onNext" delay="0">
+                  <p:tgtEl>
+                    <p:sldTgt/>
+                  </p:tgtEl>
+                </p:cond>
+              </p:nextCondLst>
+            </p:seq>
+          </p:childTnLst>
+        </p:cTn>
+      </p:par>
+    </p:tnLst>
+  </p:timing>
+</p:sld>
+</file>
+
+<file path=ppt/slides/slide9.xml><?xml version="1.0" encoding="utf-8"?>
+<p:sld xmlns:a="http://schemas.openxmlformats.org/drawingml/2006/main" xmlns:r="http://schemas.openxmlformats.org/officeDocument/2006/relationships" xmlns:p="http://schemas.openxmlformats.org/presentationml/2006/main">
+  <p:cSld>
+    <p:spTree>
+      <p:nvGrpSpPr>
+        <p:cNvPr id="1" name=""/>
+        <p:cNvGrpSpPr/>
+        <p:nvPr/>
+      </p:nvGrpSpPr>
+      <p:grpSpPr>
+        <a:xfrm>
+          <a:off x="0" y="0"/>
+          <a:ext cx="0" cy="0"/>
+          <a:chOff x="0" y="0"/>
+          <a:chExt cx="0" cy="0"/>
+        </a:xfrm>
+      </p:grpSpPr>
+      <p:sp>
+        <p:nvSpPr>
+          <p:cNvPr id="2" name="Title 1"/>
+          <p:cNvSpPr>
+            <a:spLocks noGrp="1"/>
+          </p:cNvSpPr>
+          <p:nvPr>
+            <p:ph type="title"/>
+          </p:nvPr>
+        </p:nvSpPr>
+        <p:spPr/>
+        <p:txBody>
           <a:bodyPr>
             <a:normAutofit/>
           </a:bodyPr>
@@ -10887,10 +15859,64 @@
           <a:p>
             <a:pPr algn="ctr"/>
             <a:r>
-              <a:rPr lang="en-US" sz="6600" dirty="0" smtClean="0"/>
+              <a:rPr lang="en-US" sz="6600" b="1" dirty="0" smtClean="0">
+                <a:ln w="12700">
+                  <a:solidFill>
+                    <a:schemeClr val="tx2">
+                      <a:lumMod val="75000"/>
+                    </a:schemeClr>
+                  </a:solidFill>
+                  <a:prstDash val="solid"/>
+                </a:ln>
+                <a:pattFill prst="dkUpDiag">
+                  <a:fgClr>
+                    <a:schemeClr val="tx2"/>
+                  </a:fgClr>
+                  <a:bgClr>
+                    <a:schemeClr val="tx2">
+                      <a:lumMod val="20000"/>
+                      <a:lumOff val="80000"/>
+                    </a:schemeClr>
+                  </a:bgClr>
+                </a:pattFill>
+                <a:effectLst>
+                  <a:outerShdw dist="38100" dir="2640000" algn="bl" rotWithShape="0">
+                    <a:schemeClr val="tx2">
+                      <a:lumMod val="75000"/>
+                    </a:schemeClr>
+                  </a:outerShdw>
+                </a:effectLst>
+              </a:rPr>
               <a:t>HOT LINE 1669</a:t>
             </a:r>
-            <a:endParaRPr lang="en-GB" sz="6600" dirty="0"/>
+            <a:endParaRPr lang="en-GB" sz="6600" b="1" dirty="0">
+              <a:ln w="12700">
+                <a:solidFill>
+                  <a:schemeClr val="tx2">
+                    <a:lumMod val="75000"/>
+                  </a:schemeClr>
+                </a:solidFill>
+                <a:prstDash val="solid"/>
+              </a:ln>
+              <a:pattFill prst="dkUpDiag">
+                <a:fgClr>
+                  <a:schemeClr val="tx2"/>
+                </a:fgClr>
+                <a:bgClr>
+                  <a:schemeClr val="tx2">
+                    <a:lumMod val="20000"/>
+                    <a:lumOff val="80000"/>
+                  </a:schemeClr>
+                </a:bgClr>
+              </a:pattFill>
+              <a:effectLst>
+                <a:outerShdw dist="38100" dir="2640000" algn="bl" rotWithShape="0">
+                  <a:schemeClr val="tx2">
+                    <a:lumMod val="75000"/>
+                  </a:schemeClr>
+                </a:outerShdw>
+              </a:effectLst>
+            </a:endParaRPr>
           </a:p>
         </p:txBody>
       </p:sp>

--- a/gishealth_Eng.pptx
+++ b/gishealth_Eng.pptx
@@ -33,14 +33,14 @@
       <p:boldItalic r:id="rId18"/>
     </p:embeddedFont>
     <p:embeddedFont>
-      <p:font typeface="Trebuchet MS" panose="020B0603020202020204" pitchFamily="34" charset="0"/>
+      <p:font typeface="TH SarabunPSK" panose="020B0500040200020003" pitchFamily="34" charset="-34"/>
       <p:regular r:id="rId19"/>
       <p:bold r:id="rId20"/>
       <p:italic r:id="rId21"/>
       <p:boldItalic r:id="rId22"/>
     </p:embeddedFont>
     <p:embeddedFont>
-      <p:font typeface="TH SarabunPSK" panose="020B0500040200020003" pitchFamily="34" charset="-34"/>
+      <p:font typeface="Trebuchet MS" panose="020B0603020202020204" pitchFamily="34" charset="0"/>
       <p:regular r:id="rId23"/>
       <p:bold r:id="rId24"/>
       <p:italic r:id="rId25"/>
@@ -424,7 +424,7 @@
           <a:p>
             <a:fld id="{6FBA303F-3840-4D9C-A76B-1561D3D46B11}" type="datetimeFigureOut">
               <a:rPr lang="en-GB" smtClean="0"/>
-              <a:t>02/11/2018</a:t>
+              <a:t>05/11/2018</a:t>
             </a:fld>
             <a:endParaRPr lang="en-GB"/>
           </a:p>
@@ -838,7 +838,7 @@
           <a:p>
             <a:fld id="{6FBA303F-3840-4D9C-A76B-1561D3D46B11}" type="datetimeFigureOut">
               <a:rPr lang="en-GB" smtClean="0"/>
-              <a:t>02/11/2018</a:t>
+              <a:t>05/11/2018</a:t>
             </a:fld>
             <a:endParaRPr lang="en-GB"/>
           </a:p>
@@ -1174,7 +1174,7 @@
           <a:p>
             <a:fld id="{6FBA303F-3840-4D9C-A76B-1561D3D46B11}" type="datetimeFigureOut">
               <a:rPr lang="en-GB" smtClean="0"/>
-              <a:t>02/11/2018</a:t>
+              <a:t>05/11/2018</a:t>
             </a:fld>
             <a:endParaRPr lang="en-GB"/>
           </a:p>
@@ -1579,7 +1579,7 @@
           <a:p>
             <a:fld id="{6FBA303F-3840-4D9C-A76B-1561D3D46B11}" type="datetimeFigureOut">
               <a:rPr lang="en-GB" smtClean="0"/>
-              <a:t>02/11/2018</a:t>
+              <a:t>05/11/2018</a:t>
             </a:fld>
             <a:endParaRPr lang="en-GB"/>
           </a:p>
@@ -2147,7 +2147,7 @@
           <a:p>
             <a:fld id="{6FBA303F-3840-4D9C-A76B-1561D3D46B11}" type="datetimeFigureOut">
               <a:rPr lang="en-GB" smtClean="0"/>
-              <a:t>02/11/2018</a:t>
+              <a:t>05/11/2018</a:t>
             </a:fld>
             <a:endParaRPr lang="en-GB"/>
           </a:p>
@@ -2828,7 +2828,7 @@
           <a:p>
             <a:fld id="{6FBA303F-3840-4D9C-A76B-1561D3D46B11}" type="datetimeFigureOut">
               <a:rPr lang="en-GB" smtClean="0"/>
-              <a:t>02/11/2018</a:t>
+              <a:t>05/11/2018</a:t>
             </a:fld>
             <a:endParaRPr lang="en-GB"/>
           </a:p>
@@ -3741,7 +3741,7 @@
           <a:p>
             <a:fld id="{6FBA303F-3840-4D9C-A76B-1561D3D46B11}" type="datetimeFigureOut">
               <a:rPr lang="en-GB" smtClean="0"/>
-              <a:t>02/11/2018</a:t>
+              <a:t>05/11/2018</a:t>
             </a:fld>
             <a:endParaRPr lang="en-GB"/>
           </a:p>
@@ -4054,7 +4054,7 @@
           <a:p>
             <a:fld id="{6FBA303F-3840-4D9C-A76B-1561D3D46B11}" type="datetimeFigureOut">
               <a:rPr lang="en-GB" smtClean="0"/>
-              <a:t>02/11/2018</a:t>
+              <a:t>05/11/2018</a:t>
             </a:fld>
             <a:endParaRPr lang="en-GB"/>
           </a:p>
@@ -4318,7 +4318,7 @@
           <a:p>
             <a:fld id="{6FBA303F-3840-4D9C-A76B-1561D3D46B11}" type="datetimeFigureOut">
               <a:rPr lang="en-GB" smtClean="0"/>
-              <a:t>02/11/2018</a:t>
+              <a:t>05/11/2018</a:t>
             </a:fld>
             <a:endParaRPr lang="en-GB"/>
           </a:p>
@@ -4641,7 +4641,7 @@
           <a:p>
             <a:fld id="{6FBA303F-3840-4D9C-A76B-1561D3D46B11}" type="datetimeFigureOut">
               <a:rPr lang="en-GB" smtClean="0"/>
-              <a:t>02/11/2018</a:t>
+              <a:t>05/11/2018</a:t>
             </a:fld>
             <a:endParaRPr lang="en-GB"/>
           </a:p>
@@ -5030,7 +5030,7 @@
           <a:p>
             <a:fld id="{6FBA303F-3840-4D9C-A76B-1561D3D46B11}" type="datetimeFigureOut">
               <a:rPr lang="en-GB" smtClean="0"/>
-              <a:t>02/11/2018</a:t>
+              <a:t>05/11/2018</a:t>
             </a:fld>
             <a:endParaRPr lang="en-GB"/>
           </a:p>
@@ -5406,7 +5406,7 @@
           <a:p>
             <a:fld id="{6FBA303F-3840-4D9C-A76B-1561D3D46B11}" type="datetimeFigureOut">
               <a:rPr lang="en-GB" smtClean="0"/>
-              <a:t>02/11/2018</a:t>
+              <a:t>05/11/2018</a:t>
             </a:fld>
             <a:endParaRPr lang="en-GB"/>
           </a:p>
@@ -5912,7 +5912,7 @@
           <a:p>
             <a:fld id="{6FBA303F-3840-4D9C-A76B-1561D3D46B11}" type="datetimeFigureOut">
               <a:rPr lang="en-GB" smtClean="0"/>
-              <a:t>02/11/2018</a:t>
+              <a:t>05/11/2018</a:t>
             </a:fld>
             <a:endParaRPr lang="en-GB"/>
           </a:p>
@@ -6169,7 +6169,7 @@
           <a:p>
             <a:fld id="{6FBA303F-3840-4D9C-A76B-1561D3D46B11}" type="datetimeFigureOut">
               <a:rPr lang="en-GB" smtClean="0"/>
-              <a:t>02/11/2018</a:t>
+              <a:t>05/11/2018</a:t>
             </a:fld>
             <a:endParaRPr lang="en-GB"/>
           </a:p>
@@ -6332,7 +6332,7 @@
           <a:p>
             <a:fld id="{6FBA303F-3840-4D9C-A76B-1561D3D46B11}" type="datetimeFigureOut">
               <a:rPr lang="en-GB" smtClean="0"/>
-              <a:t>02/11/2018</a:t>
+              <a:t>05/11/2018</a:t>
             </a:fld>
             <a:endParaRPr lang="en-GB"/>
           </a:p>
@@ -6722,7 +6722,7 @@
           <a:p>
             <a:fld id="{6FBA303F-3840-4D9C-A76B-1561D3D46B11}" type="datetimeFigureOut">
               <a:rPr lang="en-GB" smtClean="0"/>
-              <a:t>02/11/2018</a:t>
+              <a:t>05/11/2018</a:t>
             </a:fld>
             <a:endParaRPr lang="en-GB"/>
           </a:p>
@@ -7131,7 +7131,7 @@
           <a:p>
             <a:fld id="{6FBA303F-3840-4D9C-A76B-1561D3D46B11}" type="datetimeFigureOut">
               <a:rPr lang="en-GB" smtClean="0"/>
-              <a:t>02/11/2018</a:t>
+              <a:t>05/11/2018</a:t>
             </a:fld>
             <a:endParaRPr lang="en-GB"/>
           </a:p>
@@ -7375,7 +7375,7 @@
           <a:p>
             <a:fld id="{6FBA303F-3840-4D9C-A76B-1561D3D46B11}" type="datetimeFigureOut">
               <a:rPr lang="en-GB" smtClean="0"/>
-              <a:t>02/11/2018</a:t>
+              <a:t>05/11/2018</a:t>
             </a:fld>
             <a:endParaRPr lang="en-GB"/>
           </a:p>
@@ -9075,11 +9075,7 @@
                     <a:p>
                       <a:r>
                         <a:rPr lang="en-US" dirty="0" smtClean="0"/>
-                        <a:t>General </a:t>
-                      </a:r>
-                      <a:r>
-                        <a:rPr lang="en-US" dirty="0" smtClean="0"/>
-                        <a:t>Practitioner</a:t>
+                        <a:t>General Practitioner</a:t>
                       </a:r>
                       <a:endParaRPr lang="en-GB" dirty="0"/>
                     </a:p>
@@ -15469,14 +15465,14 @@
           <p:nvPr>
             <p:extLst>
               <p:ext uri="{D42A27DB-BD31-4B8C-83A1-F6EECF244321}">
-                <p14:modId xmlns:p14="http://schemas.microsoft.com/office/powerpoint/2010/main" val="487979762"/>
+                <p14:modId xmlns:p14="http://schemas.microsoft.com/office/powerpoint/2010/main" val="1373866178"/>
               </p:ext>
             </p:extLst>
           </p:nvPr>
         </p:nvGraphicFramePr>
         <p:xfrm>
-          <a:off x="2112133" y="2208010"/>
-          <a:ext cx="5465596" cy="1483360"/>
+          <a:off x="2112131" y="2349679"/>
+          <a:ext cx="7740207" cy="1483360"/>
         </p:xfrm>
         <a:graphic>
           <a:graphicData uri="http://schemas.openxmlformats.org/drawingml/2006/table">
@@ -15492,14 +15488,14 @@
                 <a:tableStyleId>{5C22544A-7EE6-4342-B048-85BDC9FD1C3A}</a:tableStyleId>
               </a:tblPr>
               <a:tblGrid>
-                <a:gridCol w="3178108">
+                <a:gridCol w="4500737">
                   <a:extLst>
                     <a:ext uri="{9D8B030D-6E8A-4147-A177-3AD203B41FA5}">
                       <a16:colId xmlns:a16="http://schemas.microsoft.com/office/drawing/2014/main" val="1979872298"/>
                     </a:ext>
                   </a:extLst>
                 </a:gridCol>
-                <a:gridCol w="2287488">
+                <a:gridCol w="3239470">
                   <a:extLst>
                     <a:ext uri="{9D8B030D-6E8A-4147-A177-3AD203B41FA5}">
                       <a16:colId xmlns:a16="http://schemas.microsoft.com/office/drawing/2014/main" val="2457523662"/>
